--- a/materials/prototype.pptx
+++ b/materials/prototype.pptx
@@ -4,8 +4,12 @@
   <p:sldMasterIdLst>
     <p:sldMasterId id="2147483648" r:id="rId1"/>
   </p:sldMasterIdLst>
+  <p:notesMasterIdLst>
+    <p:notesMasterId r:id="rId4"/>
+  </p:notesMasterIdLst>
   <p:sldIdLst>
     <p:sldId id="256" r:id="rId2"/>
+    <p:sldId id="258" r:id="rId3"/>
   </p:sldIdLst>
   <p:sldSz cx="12192000" cy="6858000"/>
   <p:notesSz cx="6858000" cy="9144000"/>
@@ -104,7 +108,1116 @@
       </a:defRPr>
     </a:lvl9pPr>
   </p:defaultTextStyle>
+  <p:extLst>
+    <p:ext uri="{EFAFB233-063F-42B5-8137-9DF3F51BA10A}">
+      <p15:sldGuideLst xmlns:p15="http://schemas.microsoft.com/office/powerpoint/2012/main"/>
+    </p:ext>
+  </p:extLst>
 </p:presentation>
+</file>
+
+<file path=ppt/revisionInfo.xml><?xml version="1.0" encoding="utf-8"?>
+<p1510:revInfo xmlns:a="http://schemas.openxmlformats.org/drawingml/2006/main" xmlns:r="http://schemas.openxmlformats.org/officeDocument/2006/relationships" xmlns:p1510="http://schemas.microsoft.com/office/powerpoint/2015/10/main">
+  <p1510:revLst>
+    <p1510:client id="{774BA49D-8E5F-4A80-8B1B-52F3979F0B83}" v="836" dt="2025-07-09T02:49:36.235"/>
+  </p1510:revLst>
+</p1510:revInfo>
+</file>
+
+<file path=ppt/changesInfos/changesInfo1.xml><?xml version="1.0" encoding="utf-8"?>
+<pc:chgInfo xmlns:a="http://schemas.openxmlformats.org/drawingml/2006/main" xmlns:r="http://schemas.openxmlformats.org/officeDocument/2006/relationships" xmlns:ac="http://schemas.microsoft.com/office/drawing/2013/main/command" xmlns:pc="http://schemas.microsoft.com/office/powerpoint/2013/main/command">
+  <pc:docChgLst>
+    <pc:chgData name="ちえり 生田" userId="ceb7be3f12efbeb8" providerId="LiveId" clId="{774BA49D-8E5F-4A80-8B1B-52F3979F0B83}"/>
+    <pc:docChg chg="undo custSel addSld delSld modSld">
+      <pc:chgData name="ちえり 生田" userId="ceb7be3f12efbeb8" providerId="LiveId" clId="{774BA49D-8E5F-4A80-8B1B-52F3979F0B83}" dt="2025-07-09T02:49:36.235" v="1016" actId="20577"/>
+      <pc:docMkLst>
+        <pc:docMk/>
+      </pc:docMkLst>
+      <pc:sldChg chg="addSp delSp modSp mod">
+        <pc:chgData name="ちえり 生田" userId="ceb7be3f12efbeb8" providerId="LiveId" clId="{774BA49D-8E5F-4A80-8B1B-52F3979F0B83}" dt="2025-07-09T02:49:36.235" v="1016" actId="20577"/>
+        <pc:sldMkLst>
+          <pc:docMk/>
+          <pc:sldMk cId="2054777074" sldId="256"/>
+        </pc:sldMkLst>
+        <pc:spChg chg="del">
+          <ac:chgData name="ちえり 生田" userId="ceb7be3f12efbeb8" providerId="LiveId" clId="{774BA49D-8E5F-4A80-8B1B-52F3979F0B83}" dt="2025-07-09T01:40:17.288" v="0" actId="21"/>
+          <ac:spMkLst>
+            <pc:docMk/>
+            <pc:sldMk cId="2054777074" sldId="256"/>
+            <ac:spMk id="2" creationId="{4E935DC2-11AF-36E9-7C57-D5C8D9F98749}"/>
+          </ac:spMkLst>
+        </pc:spChg>
+        <pc:spChg chg="del">
+          <ac:chgData name="ちえり 生田" userId="ceb7be3f12efbeb8" providerId="LiveId" clId="{774BA49D-8E5F-4A80-8B1B-52F3979F0B83}" dt="2025-07-09T01:40:20.542" v="1" actId="21"/>
+          <ac:spMkLst>
+            <pc:docMk/>
+            <pc:sldMk cId="2054777074" sldId="256"/>
+            <ac:spMk id="3" creationId="{6FC7F918-C2F8-3D84-EA2E-68EB883B9B63}"/>
+          </ac:spMkLst>
+        </pc:spChg>
+        <pc:spChg chg="add mod">
+          <ac:chgData name="ちえり 生田" userId="ceb7be3f12efbeb8" providerId="LiveId" clId="{774BA49D-8E5F-4A80-8B1B-52F3979F0B83}" dt="2025-07-09T02:44:06.640" v="943" actId="20577"/>
+          <ac:spMkLst>
+            <pc:docMk/>
+            <pc:sldMk cId="2054777074" sldId="256"/>
+            <ac:spMk id="11" creationId="{E0641C2D-50F4-2103-26BD-F591B47704F5}"/>
+          </ac:spMkLst>
+        </pc:spChg>
+        <pc:spChg chg="add del mod">
+          <ac:chgData name="ちえり 生田" userId="ceb7be3f12efbeb8" providerId="LiveId" clId="{774BA49D-8E5F-4A80-8B1B-52F3979F0B83}" dt="2025-07-09T01:59:56.586" v="168" actId="21"/>
+          <ac:spMkLst>
+            <pc:docMk/>
+            <pc:sldMk cId="2054777074" sldId="256"/>
+            <ac:spMk id="12" creationId="{049621E0-18E4-53B7-F6C6-59C7B0B87975}"/>
+          </ac:spMkLst>
+        </pc:spChg>
+        <pc:spChg chg="add mod">
+          <ac:chgData name="ちえり 生田" userId="ceb7be3f12efbeb8" providerId="LiveId" clId="{774BA49D-8E5F-4A80-8B1B-52F3979F0B83}" dt="2025-07-09T02:49:36.235" v="1016" actId="20577"/>
+          <ac:spMkLst>
+            <pc:docMk/>
+            <pc:sldMk cId="2054777074" sldId="256"/>
+            <ac:spMk id="13" creationId="{7F082E51-8DAF-A802-BBA7-952948277462}"/>
+          </ac:spMkLst>
+        </pc:spChg>
+        <pc:spChg chg="add mod">
+          <ac:chgData name="ちえり 生田" userId="ceb7be3f12efbeb8" providerId="LiveId" clId="{774BA49D-8E5F-4A80-8B1B-52F3979F0B83}" dt="2025-07-09T02:18:42.108" v="400" actId="164"/>
+          <ac:spMkLst>
+            <pc:docMk/>
+            <pc:sldMk cId="2054777074" sldId="256"/>
+            <ac:spMk id="14" creationId="{6DF12BC5-F1ED-C11A-8DB5-4850133EEEB5}"/>
+          </ac:spMkLst>
+        </pc:spChg>
+        <pc:spChg chg="add mod">
+          <ac:chgData name="ちえり 生田" userId="ceb7be3f12efbeb8" providerId="LiveId" clId="{774BA49D-8E5F-4A80-8B1B-52F3979F0B83}" dt="2025-07-09T02:18:42.108" v="400" actId="164"/>
+          <ac:spMkLst>
+            <pc:docMk/>
+            <pc:sldMk cId="2054777074" sldId="256"/>
+            <ac:spMk id="15" creationId="{38511292-14BD-60CF-4125-F3F3FA8A36E0}"/>
+          </ac:spMkLst>
+        </pc:spChg>
+        <pc:spChg chg="add mod">
+          <ac:chgData name="ちえり 生田" userId="ceb7be3f12efbeb8" providerId="LiveId" clId="{774BA49D-8E5F-4A80-8B1B-52F3979F0B83}" dt="2025-07-09T02:18:42.108" v="400" actId="164"/>
+          <ac:spMkLst>
+            <pc:docMk/>
+            <pc:sldMk cId="2054777074" sldId="256"/>
+            <ac:spMk id="27" creationId="{BE870286-23E7-667E-5BA7-E5375F9D6420}"/>
+          </ac:spMkLst>
+        </pc:spChg>
+        <pc:spChg chg="add mod">
+          <ac:chgData name="ちえり 生田" userId="ceb7be3f12efbeb8" providerId="LiveId" clId="{774BA49D-8E5F-4A80-8B1B-52F3979F0B83}" dt="2025-07-09T02:18:42.108" v="400" actId="164"/>
+          <ac:spMkLst>
+            <pc:docMk/>
+            <pc:sldMk cId="2054777074" sldId="256"/>
+            <ac:spMk id="28" creationId="{0AF680D7-C63C-D7A9-67B5-0543C4AB514A}"/>
+          </ac:spMkLst>
+        </pc:spChg>
+        <pc:spChg chg="add mod">
+          <ac:chgData name="ちえり 生田" userId="ceb7be3f12efbeb8" providerId="LiveId" clId="{774BA49D-8E5F-4A80-8B1B-52F3979F0B83}" dt="2025-07-09T02:18:42.108" v="400" actId="164"/>
+          <ac:spMkLst>
+            <pc:docMk/>
+            <pc:sldMk cId="2054777074" sldId="256"/>
+            <ac:spMk id="29" creationId="{F627D835-9B58-991F-FAB9-2687B2945009}"/>
+          </ac:spMkLst>
+        </pc:spChg>
+        <pc:spChg chg="add mod">
+          <ac:chgData name="ちえり 生田" userId="ceb7be3f12efbeb8" providerId="LiveId" clId="{774BA49D-8E5F-4A80-8B1B-52F3979F0B83}" dt="2025-07-09T02:18:42.108" v="400" actId="164"/>
+          <ac:spMkLst>
+            <pc:docMk/>
+            <pc:sldMk cId="2054777074" sldId="256"/>
+            <ac:spMk id="30" creationId="{02A028B1-F48D-35B8-7623-869BB18E366C}"/>
+          </ac:spMkLst>
+        </pc:spChg>
+        <pc:spChg chg="add mod">
+          <ac:chgData name="ちえり 生田" userId="ceb7be3f12efbeb8" providerId="LiveId" clId="{774BA49D-8E5F-4A80-8B1B-52F3979F0B83}" dt="2025-07-09T02:18:42.108" v="400" actId="164"/>
+          <ac:spMkLst>
+            <pc:docMk/>
+            <pc:sldMk cId="2054777074" sldId="256"/>
+            <ac:spMk id="31" creationId="{402618BE-E31F-EA94-4FC7-C151557DE33C}"/>
+          </ac:spMkLst>
+        </pc:spChg>
+        <pc:spChg chg="add mod">
+          <ac:chgData name="ちえり 生田" userId="ceb7be3f12efbeb8" providerId="LiveId" clId="{774BA49D-8E5F-4A80-8B1B-52F3979F0B83}" dt="2025-07-09T02:18:42.108" v="400" actId="164"/>
+          <ac:spMkLst>
+            <pc:docMk/>
+            <pc:sldMk cId="2054777074" sldId="256"/>
+            <ac:spMk id="32" creationId="{CE59D130-64D0-6F80-ABAF-D4793EAECA45}"/>
+          </ac:spMkLst>
+        </pc:spChg>
+        <pc:spChg chg="add mod ord">
+          <ac:chgData name="ちえり 生田" userId="ceb7be3f12efbeb8" providerId="LiveId" clId="{774BA49D-8E5F-4A80-8B1B-52F3979F0B83}" dt="2025-07-09T02:18:42.108" v="400" actId="164"/>
+          <ac:spMkLst>
+            <pc:docMk/>
+            <pc:sldMk cId="2054777074" sldId="256"/>
+            <ac:spMk id="33" creationId="{B4397583-EB89-1D31-2A55-6DA4F441F8EB}"/>
+          </ac:spMkLst>
+        </pc:spChg>
+        <pc:spChg chg="add mod ord">
+          <ac:chgData name="ちえり 生田" userId="ceb7be3f12efbeb8" providerId="LiveId" clId="{774BA49D-8E5F-4A80-8B1B-52F3979F0B83}" dt="2025-07-09T02:24:15.822" v="459" actId="207"/>
+          <ac:spMkLst>
+            <pc:docMk/>
+            <pc:sldMk cId="2054777074" sldId="256"/>
+            <ac:spMk id="35" creationId="{C2128C75-F3EF-8A87-0DE1-CD6D6958C299}"/>
+          </ac:spMkLst>
+        </pc:spChg>
+        <pc:spChg chg="add mod">
+          <ac:chgData name="ちえり 生田" userId="ceb7be3f12efbeb8" providerId="LiveId" clId="{774BA49D-8E5F-4A80-8B1B-52F3979F0B83}" dt="2025-07-09T02:32:27.670" v="557" actId="164"/>
+          <ac:spMkLst>
+            <pc:docMk/>
+            <pc:sldMk cId="2054777074" sldId="256"/>
+            <ac:spMk id="52" creationId="{B800EE69-49FF-287D-5DDB-DDF5C4B32965}"/>
+          </ac:spMkLst>
+        </pc:spChg>
+        <pc:spChg chg="add mod">
+          <ac:chgData name="ちえり 生田" userId="ceb7be3f12efbeb8" providerId="LiveId" clId="{774BA49D-8E5F-4A80-8B1B-52F3979F0B83}" dt="2025-07-09T02:35:27.417" v="591" actId="1076"/>
+          <ac:spMkLst>
+            <pc:docMk/>
+            <pc:sldMk cId="2054777074" sldId="256"/>
+            <ac:spMk id="54" creationId="{A98616F3-B4F5-ED01-7DF8-1D012950D265}"/>
+          </ac:spMkLst>
+        </pc:spChg>
+        <pc:spChg chg="add del mod ord">
+          <ac:chgData name="ちえり 生田" userId="ceb7be3f12efbeb8" providerId="LiveId" clId="{774BA49D-8E5F-4A80-8B1B-52F3979F0B83}" dt="2025-07-09T02:34:37.090" v="585" actId="21"/>
+          <ac:spMkLst>
+            <pc:docMk/>
+            <pc:sldMk cId="2054777074" sldId="256"/>
+            <ac:spMk id="55" creationId="{BC7D59E7-69D4-D613-5F0E-BA215C450C78}"/>
+          </ac:spMkLst>
+        </pc:spChg>
+        <pc:grpChg chg="add mod">
+          <ac:chgData name="ちえり 生田" userId="ceb7be3f12efbeb8" providerId="LiveId" clId="{774BA49D-8E5F-4A80-8B1B-52F3979F0B83}" dt="2025-07-09T02:32:27.670" v="557" actId="164"/>
+          <ac:grpSpMkLst>
+            <pc:docMk/>
+            <pc:sldMk cId="2054777074" sldId="256"/>
+            <ac:grpSpMk id="34" creationId="{20C4011B-9410-BFF4-0020-4BA6C37CA15A}"/>
+          </ac:grpSpMkLst>
+        </pc:grpChg>
+        <pc:grpChg chg="add mod">
+          <ac:chgData name="ちえり 生田" userId="ceb7be3f12efbeb8" providerId="LiveId" clId="{774BA49D-8E5F-4A80-8B1B-52F3979F0B83}" dt="2025-07-09T02:32:27.670" v="557" actId="164"/>
+          <ac:grpSpMkLst>
+            <pc:docMk/>
+            <pc:sldMk cId="2054777074" sldId="256"/>
+            <ac:grpSpMk id="53" creationId="{8F6641B6-803A-DAA7-DB52-91122DD07E2A}"/>
+          </ac:grpSpMkLst>
+        </pc:grpChg>
+        <pc:picChg chg="add mod">
+          <ac:chgData name="ちえり 生田" userId="ceb7be3f12efbeb8" providerId="LiveId" clId="{774BA49D-8E5F-4A80-8B1B-52F3979F0B83}" dt="2025-07-09T02:20:33.972" v="427" actId="1076"/>
+          <ac:picMkLst>
+            <pc:docMk/>
+            <pc:sldMk cId="2054777074" sldId="256"/>
+            <ac:picMk id="5" creationId="{503D20B7-0E53-587E-9AC7-DAF25185457F}"/>
+          </ac:picMkLst>
+        </pc:picChg>
+        <pc:picChg chg="add mod">
+          <ac:chgData name="ちえり 生田" userId="ceb7be3f12efbeb8" providerId="LiveId" clId="{774BA49D-8E5F-4A80-8B1B-52F3979F0B83}" dt="2025-07-09T02:26:47.829" v="474" actId="14100"/>
+          <ac:picMkLst>
+            <pc:docMk/>
+            <pc:sldMk cId="2054777074" sldId="256"/>
+            <ac:picMk id="7" creationId="{A145B024-BC7C-A575-9A3C-580266A6DB22}"/>
+          </ac:picMkLst>
+        </pc:picChg>
+        <pc:picChg chg="add mod">
+          <ac:chgData name="ちえり 生田" userId="ceb7be3f12efbeb8" providerId="LiveId" clId="{774BA49D-8E5F-4A80-8B1B-52F3979F0B83}" dt="2025-07-09T02:27:35.329" v="488" actId="1076"/>
+          <ac:picMkLst>
+            <pc:docMk/>
+            <pc:sldMk cId="2054777074" sldId="256"/>
+            <ac:picMk id="8" creationId="{894C026B-76F1-3898-9317-C37B1D2FEB9E}"/>
+          </ac:picMkLst>
+        </pc:picChg>
+        <pc:picChg chg="add mod">
+          <ac:chgData name="ちえり 生田" userId="ceb7be3f12efbeb8" providerId="LiveId" clId="{774BA49D-8E5F-4A80-8B1B-52F3979F0B83}" dt="2025-07-09T02:27:05.806" v="478" actId="1076"/>
+          <ac:picMkLst>
+            <pc:docMk/>
+            <pc:sldMk cId="2054777074" sldId="256"/>
+            <ac:picMk id="9" creationId="{58437B91-44DC-68E2-44F5-B66D1C3EB0A2}"/>
+          </ac:picMkLst>
+        </pc:picChg>
+        <pc:picChg chg="add mod">
+          <ac:chgData name="ちえり 生田" userId="ceb7be3f12efbeb8" providerId="LiveId" clId="{774BA49D-8E5F-4A80-8B1B-52F3979F0B83}" dt="2025-07-09T02:27:53.612" v="494" actId="1076"/>
+          <ac:picMkLst>
+            <pc:docMk/>
+            <pc:sldMk cId="2054777074" sldId="256"/>
+            <ac:picMk id="10" creationId="{F5A0C091-5909-0BB5-5422-59B55438DE97}"/>
+          </ac:picMkLst>
+        </pc:picChg>
+        <pc:picChg chg="add mod ord">
+          <ac:chgData name="ちえり 生田" userId="ceb7be3f12efbeb8" providerId="LiveId" clId="{774BA49D-8E5F-4A80-8B1B-52F3979F0B83}" dt="2025-07-09T02:28:08.404" v="500" actId="1076"/>
+          <ac:picMkLst>
+            <pc:docMk/>
+            <pc:sldMk cId="2054777074" sldId="256"/>
+            <ac:picMk id="37" creationId="{DE560294-8839-1CDD-8D70-E9CEFE43769F}"/>
+          </ac:picMkLst>
+        </pc:picChg>
+        <pc:picChg chg="add mod">
+          <ac:chgData name="ちえり 生田" userId="ceb7be3f12efbeb8" providerId="LiveId" clId="{774BA49D-8E5F-4A80-8B1B-52F3979F0B83}" dt="2025-07-09T02:45:56.361" v="993" actId="1076"/>
+          <ac:picMkLst>
+            <pc:docMk/>
+            <pc:sldMk cId="2054777074" sldId="256"/>
+            <ac:picMk id="39" creationId="{48CBFB5E-8C0C-1500-D97F-ADC5029B1A86}"/>
+          </ac:picMkLst>
+        </pc:picChg>
+        <pc:picChg chg="add mod">
+          <ac:chgData name="ちえり 生田" userId="ceb7be3f12efbeb8" providerId="LiveId" clId="{774BA49D-8E5F-4A80-8B1B-52F3979F0B83}" dt="2025-07-09T02:27:43.935" v="490" actId="1076"/>
+          <ac:picMkLst>
+            <pc:docMk/>
+            <pc:sldMk cId="2054777074" sldId="256"/>
+            <ac:picMk id="41" creationId="{CE281396-5999-12ED-6C3F-65A998F8696E}"/>
+          </ac:picMkLst>
+        </pc:picChg>
+        <pc:picChg chg="add mod">
+          <ac:chgData name="ちえり 生田" userId="ceb7be3f12efbeb8" providerId="LiveId" clId="{774BA49D-8E5F-4A80-8B1B-52F3979F0B83}" dt="2025-07-09T02:27:59.540" v="496" actId="1076"/>
+          <ac:picMkLst>
+            <pc:docMk/>
+            <pc:sldMk cId="2054777074" sldId="256"/>
+            <ac:picMk id="42" creationId="{B55B3CB3-BB16-5242-40AC-FBB794ECD419}"/>
+          </ac:picMkLst>
+        </pc:picChg>
+        <pc:picChg chg="add mod">
+          <ac:chgData name="ちえり 生田" userId="ceb7be3f12efbeb8" providerId="LiveId" clId="{774BA49D-8E5F-4A80-8B1B-52F3979F0B83}" dt="2025-07-09T02:28:32.593" v="502" actId="1076"/>
+          <ac:picMkLst>
+            <pc:docMk/>
+            <pc:sldMk cId="2054777074" sldId="256"/>
+            <ac:picMk id="43" creationId="{1CBBF909-9735-E08D-1577-73E4BFB1CC15}"/>
+          </ac:picMkLst>
+        </pc:picChg>
+        <pc:picChg chg="add mod">
+          <ac:chgData name="ちえり 生田" userId="ceb7be3f12efbeb8" providerId="LiveId" clId="{774BA49D-8E5F-4A80-8B1B-52F3979F0B83}" dt="2025-07-09T02:28:48.862" v="507" actId="1076"/>
+          <ac:picMkLst>
+            <pc:docMk/>
+            <pc:sldMk cId="2054777074" sldId="256"/>
+            <ac:picMk id="44" creationId="{BA753133-AC7E-E365-3D83-9A8FDCE6EEAA}"/>
+          </ac:picMkLst>
+        </pc:picChg>
+        <pc:picChg chg="add mod">
+          <ac:chgData name="ちえり 生田" userId="ceb7be3f12efbeb8" providerId="LiveId" clId="{774BA49D-8E5F-4A80-8B1B-52F3979F0B83}" dt="2025-07-09T02:30:12.924" v="524" actId="1076"/>
+          <ac:picMkLst>
+            <pc:docMk/>
+            <pc:sldMk cId="2054777074" sldId="256"/>
+            <ac:picMk id="45" creationId="{EF4F7D85-ACA3-16D4-2C84-4B2F5C9D8E36}"/>
+          </ac:picMkLst>
+        </pc:picChg>
+        <pc:picChg chg="add mod">
+          <ac:chgData name="ちえり 生田" userId="ceb7be3f12efbeb8" providerId="LiveId" clId="{774BA49D-8E5F-4A80-8B1B-52F3979F0B83}" dt="2025-07-09T02:28:57.772" v="509" actId="1076"/>
+          <ac:picMkLst>
+            <pc:docMk/>
+            <pc:sldMk cId="2054777074" sldId="256"/>
+            <ac:picMk id="46" creationId="{33575CDD-C6DB-3A41-E5CE-88F3EBD337CC}"/>
+          </ac:picMkLst>
+        </pc:picChg>
+        <pc:picChg chg="add mod modCrop">
+          <ac:chgData name="ちえり 生田" userId="ceb7be3f12efbeb8" providerId="LiveId" clId="{774BA49D-8E5F-4A80-8B1B-52F3979F0B83}" dt="2025-07-09T02:30:04.272" v="522" actId="732"/>
+          <ac:picMkLst>
+            <pc:docMk/>
+            <pc:sldMk cId="2054777074" sldId="256"/>
+            <ac:picMk id="47" creationId="{CF54600F-744D-6008-EB36-EF8686E3CC00}"/>
+          </ac:picMkLst>
+        </pc:picChg>
+        <pc:picChg chg="add del mod">
+          <ac:chgData name="ちえり 生田" userId="ceb7be3f12efbeb8" providerId="LiveId" clId="{774BA49D-8E5F-4A80-8B1B-52F3979F0B83}" dt="2025-07-09T02:29:20.882" v="515" actId="21"/>
+          <ac:picMkLst>
+            <pc:docMk/>
+            <pc:sldMk cId="2054777074" sldId="256"/>
+            <ac:picMk id="48" creationId="{221D41E2-3C1B-CFAC-DD5B-53E36448B39F}"/>
+          </ac:picMkLst>
+        </pc:picChg>
+        <pc:picChg chg="add mod">
+          <ac:chgData name="ちえり 生田" userId="ceb7be3f12efbeb8" providerId="LiveId" clId="{774BA49D-8E5F-4A80-8B1B-52F3979F0B83}" dt="2025-07-09T02:30:10.202" v="523" actId="1076"/>
+          <ac:picMkLst>
+            <pc:docMk/>
+            <pc:sldMk cId="2054777074" sldId="256"/>
+            <ac:picMk id="49" creationId="{5E2748E9-3573-48E4-F4AB-3F3843FF5AD5}"/>
+          </ac:picMkLst>
+        </pc:picChg>
+        <pc:picChg chg="add mod">
+          <ac:chgData name="ちえり 生田" userId="ceb7be3f12efbeb8" providerId="LiveId" clId="{774BA49D-8E5F-4A80-8B1B-52F3979F0B83}" dt="2025-07-09T02:29:40.291" v="518"/>
+          <ac:picMkLst>
+            <pc:docMk/>
+            <pc:sldMk cId="2054777074" sldId="256"/>
+            <ac:picMk id="50" creationId="{992C32AD-292A-9250-1809-FA730B3012D7}"/>
+          </ac:picMkLst>
+        </pc:picChg>
+        <pc:picChg chg="add mod modCrop">
+          <ac:chgData name="ちえり 生田" userId="ceb7be3f12efbeb8" providerId="LiveId" clId="{774BA49D-8E5F-4A80-8B1B-52F3979F0B83}" dt="2025-07-09T02:29:54.744" v="521" actId="732"/>
+          <ac:picMkLst>
+            <pc:docMk/>
+            <pc:sldMk cId="2054777074" sldId="256"/>
+            <ac:picMk id="51" creationId="{4471B4BB-3EAD-7FBB-4497-CD2D110AA84C}"/>
+          </ac:picMkLst>
+        </pc:picChg>
+        <pc:cxnChg chg="add mod ord">
+          <ac:chgData name="ちえり 生田" userId="ceb7be3f12efbeb8" providerId="LiveId" clId="{774BA49D-8E5F-4A80-8B1B-52F3979F0B83}" dt="2025-07-09T02:17:02.904" v="393" actId="171"/>
+          <ac:cxnSpMkLst>
+            <pc:docMk/>
+            <pc:sldMk cId="2054777074" sldId="256"/>
+            <ac:cxnSpMk id="17" creationId="{3D59AD9F-FB01-0A26-6857-F884082B0D9A}"/>
+          </ac:cxnSpMkLst>
+        </pc:cxnChg>
+        <pc:cxnChg chg="add mod">
+          <ac:chgData name="ちえり 生田" userId="ceb7be3f12efbeb8" providerId="LiveId" clId="{774BA49D-8E5F-4A80-8B1B-52F3979F0B83}" dt="2025-07-09T02:11:44.055" v="325" actId="1582"/>
+          <ac:cxnSpMkLst>
+            <pc:docMk/>
+            <pc:sldMk cId="2054777074" sldId="256"/>
+            <ac:cxnSpMk id="18" creationId="{3D453066-FCA3-73F8-8782-F2DC55E6A3F8}"/>
+          </ac:cxnSpMkLst>
+        </pc:cxnChg>
+        <pc:cxnChg chg="add mod">
+          <ac:chgData name="ちえり 生田" userId="ceb7be3f12efbeb8" providerId="LiveId" clId="{774BA49D-8E5F-4A80-8B1B-52F3979F0B83}" dt="2025-07-09T02:11:35.501" v="323" actId="208"/>
+          <ac:cxnSpMkLst>
+            <pc:docMk/>
+            <pc:sldMk cId="2054777074" sldId="256"/>
+            <ac:cxnSpMk id="21" creationId="{3B4DD6B0-4C3E-BDE9-ECAD-7142DF5E6212}"/>
+          </ac:cxnSpMkLst>
+        </pc:cxnChg>
+      </pc:sldChg>
+      <pc:sldChg chg="new del">
+        <pc:chgData name="ちえり 生田" userId="ceb7be3f12efbeb8" providerId="LiveId" clId="{774BA49D-8E5F-4A80-8B1B-52F3979F0B83}" dt="2025-07-09T02:44:38.868" v="945" actId="2696"/>
+        <pc:sldMkLst>
+          <pc:docMk/>
+          <pc:sldMk cId="1029997839" sldId="257"/>
+        </pc:sldMkLst>
+      </pc:sldChg>
+      <pc:sldChg chg="addSp delSp modSp add mod">
+        <pc:chgData name="ちえり 生田" userId="ceb7be3f12efbeb8" providerId="LiveId" clId="{774BA49D-8E5F-4A80-8B1B-52F3979F0B83}" dt="2025-07-09T02:49:16.466" v="1014" actId="14100"/>
+        <pc:sldMkLst>
+          <pc:docMk/>
+          <pc:sldMk cId="3589683353" sldId="258"/>
+        </pc:sldMkLst>
+        <pc:spChg chg="mod topLvl">
+          <ac:chgData name="ちえり 生田" userId="ceb7be3f12efbeb8" providerId="LiveId" clId="{774BA49D-8E5F-4A80-8B1B-52F3979F0B83}" dt="2025-07-09T02:47:27.033" v="998" actId="164"/>
+          <ac:spMkLst>
+            <pc:docMk/>
+            <pc:sldMk cId="3589683353" sldId="258"/>
+            <ac:spMk id="14" creationId="{91AD384A-6E7C-E268-5DCD-F1932B8BB4D2}"/>
+          </ac:spMkLst>
+        </pc:spChg>
+        <pc:spChg chg="mod topLvl">
+          <ac:chgData name="ちえり 生田" userId="ceb7be3f12efbeb8" providerId="LiveId" clId="{774BA49D-8E5F-4A80-8B1B-52F3979F0B83}" dt="2025-07-09T02:48:37.139" v="1005" actId="164"/>
+          <ac:spMkLst>
+            <pc:docMk/>
+            <pc:sldMk cId="3589683353" sldId="258"/>
+            <ac:spMk id="15" creationId="{6A247C8F-DF15-64BA-AE72-B6A92316AE0B}"/>
+          </ac:spMkLst>
+        </pc:spChg>
+        <pc:spChg chg="mod topLvl">
+          <ac:chgData name="ちえり 生田" userId="ceb7be3f12efbeb8" providerId="LiveId" clId="{774BA49D-8E5F-4A80-8B1B-52F3979F0B83}" dt="2025-07-09T02:47:27.033" v="998" actId="164"/>
+          <ac:spMkLst>
+            <pc:docMk/>
+            <pc:sldMk cId="3589683353" sldId="258"/>
+            <ac:spMk id="27" creationId="{96B2C127-C642-FB89-B396-0FFBB3732075}"/>
+          </ac:spMkLst>
+        </pc:spChg>
+        <pc:spChg chg="mod topLvl">
+          <ac:chgData name="ちえり 生田" userId="ceb7be3f12efbeb8" providerId="LiveId" clId="{774BA49D-8E5F-4A80-8B1B-52F3979F0B83}" dt="2025-07-09T02:47:27.033" v="998" actId="164"/>
+          <ac:spMkLst>
+            <pc:docMk/>
+            <pc:sldMk cId="3589683353" sldId="258"/>
+            <ac:spMk id="28" creationId="{3934B81F-9906-30FB-959B-4A3A88E29B1A}"/>
+          </ac:spMkLst>
+        </pc:spChg>
+        <pc:spChg chg="mod topLvl">
+          <ac:chgData name="ちえり 生田" userId="ceb7be3f12efbeb8" providerId="LiveId" clId="{774BA49D-8E5F-4A80-8B1B-52F3979F0B83}" dt="2025-07-09T02:47:27.033" v="998" actId="164"/>
+          <ac:spMkLst>
+            <pc:docMk/>
+            <pc:sldMk cId="3589683353" sldId="258"/>
+            <ac:spMk id="29" creationId="{E07FC019-B8FB-36EB-B407-98051C9FE5DC}"/>
+          </ac:spMkLst>
+        </pc:spChg>
+        <pc:spChg chg="mod topLvl">
+          <ac:chgData name="ちえり 生田" userId="ceb7be3f12efbeb8" providerId="LiveId" clId="{774BA49D-8E5F-4A80-8B1B-52F3979F0B83}" dt="2025-07-09T02:47:27.033" v="998" actId="164"/>
+          <ac:spMkLst>
+            <pc:docMk/>
+            <pc:sldMk cId="3589683353" sldId="258"/>
+            <ac:spMk id="30" creationId="{B6AFE824-9D36-0079-EFA6-2A751FC4D6D3}"/>
+          </ac:spMkLst>
+        </pc:spChg>
+        <pc:spChg chg="mod topLvl">
+          <ac:chgData name="ちえり 生田" userId="ceb7be3f12efbeb8" providerId="LiveId" clId="{774BA49D-8E5F-4A80-8B1B-52F3979F0B83}" dt="2025-07-09T02:47:27.033" v="998" actId="164"/>
+          <ac:spMkLst>
+            <pc:docMk/>
+            <pc:sldMk cId="3589683353" sldId="258"/>
+            <ac:spMk id="31" creationId="{ABC132F9-CE00-148A-7B6D-0922C5543B23}"/>
+          </ac:spMkLst>
+        </pc:spChg>
+        <pc:spChg chg="mod topLvl">
+          <ac:chgData name="ちえり 生田" userId="ceb7be3f12efbeb8" providerId="LiveId" clId="{774BA49D-8E5F-4A80-8B1B-52F3979F0B83}" dt="2025-07-09T02:47:27.033" v="998" actId="164"/>
+          <ac:spMkLst>
+            <pc:docMk/>
+            <pc:sldMk cId="3589683353" sldId="258"/>
+            <ac:spMk id="32" creationId="{B67F85BB-0813-18C3-A348-FFC039CDF3A6}"/>
+          </ac:spMkLst>
+        </pc:spChg>
+        <pc:spChg chg="mod topLvl">
+          <ac:chgData name="ちえり 生田" userId="ceb7be3f12efbeb8" providerId="LiveId" clId="{774BA49D-8E5F-4A80-8B1B-52F3979F0B83}" dt="2025-07-09T02:48:37.139" v="1005" actId="164"/>
+          <ac:spMkLst>
+            <pc:docMk/>
+            <pc:sldMk cId="3589683353" sldId="258"/>
+            <ac:spMk id="33" creationId="{77CA5FB8-1B04-0906-7E54-68F1BD42B76A}"/>
+          </ac:spMkLst>
+        </pc:spChg>
+        <pc:spChg chg="mod topLvl">
+          <ac:chgData name="ちえり 生田" userId="ceb7be3f12efbeb8" providerId="LiveId" clId="{774BA49D-8E5F-4A80-8B1B-52F3979F0B83}" dt="2025-07-09T02:48:37.139" v="1005" actId="164"/>
+          <ac:spMkLst>
+            <pc:docMk/>
+            <pc:sldMk cId="3589683353" sldId="258"/>
+            <ac:spMk id="52" creationId="{77BE31A3-1709-6AE3-4BF3-92B9334BA52D}"/>
+          </ac:spMkLst>
+        </pc:spChg>
+        <pc:spChg chg="mod">
+          <ac:chgData name="ちえり 生田" userId="ceb7be3f12efbeb8" providerId="LiveId" clId="{774BA49D-8E5F-4A80-8B1B-52F3979F0B83}" dt="2025-07-09T02:45:21.202" v="990" actId="1076"/>
+          <ac:spMkLst>
+            <pc:docMk/>
+            <pc:sldMk cId="3589683353" sldId="258"/>
+            <ac:spMk id="54" creationId="{9F4B9A37-4A6F-3496-C98A-9455C1980A41}"/>
+          </ac:spMkLst>
+        </pc:spChg>
+        <pc:grpChg chg="add mod ord">
+          <ac:chgData name="ちえり 生田" userId="ceb7be3f12efbeb8" providerId="LiveId" clId="{774BA49D-8E5F-4A80-8B1B-52F3979F0B83}" dt="2025-07-09T02:48:05.932" v="1002" actId="164"/>
+          <ac:grpSpMkLst>
+            <pc:docMk/>
+            <pc:sldMk cId="3589683353" sldId="258"/>
+            <ac:grpSpMk id="2" creationId="{45F1D6DC-DA0C-FC46-2214-4B4E0E94A6D8}"/>
+          </ac:grpSpMkLst>
+        </pc:grpChg>
+        <pc:grpChg chg="add mod">
+          <ac:chgData name="ちえり 生田" userId="ceb7be3f12efbeb8" providerId="LiveId" clId="{774BA49D-8E5F-4A80-8B1B-52F3979F0B83}" dt="2025-07-09T02:49:16.466" v="1014" actId="14100"/>
+          <ac:grpSpMkLst>
+            <pc:docMk/>
+            <pc:sldMk cId="3589683353" sldId="258"/>
+            <ac:grpSpMk id="3" creationId="{19DC6A11-46CE-5D68-F66B-066CD20D6432}"/>
+          </ac:grpSpMkLst>
+        </pc:grpChg>
+        <pc:grpChg chg="add mod">
+          <ac:chgData name="ちえり 生田" userId="ceb7be3f12efbeb8" providerId="LiveId" clId="{774BA49D-8E5F-4A80-8B1B-52F3979F0B83}" dt="2025-07-09T02:48:25.966" v="1004" actId="164"/>
+          <ac:grpSpMkLst>
+            <pc:docMk/>
+            <pc:sldMk cId="3589683353" sldId="258"/>
+            <ac:grpSpMk id="4" creationId="{BEC1631E-0101-DA82-4774-CF8DD70FAD65}"/>
+          </ac:grpSpMkLst>
+        </pc:grpChg>
+        <pc:grpChg chg="add mod">
+          <ac:chgData name="ちえり 生田" userId="ceb7be3f12efbeb8" providerId="LiveId" clId="{774BA49D-8E5F-4A80-8B1B-52F3979F0B83}" dt="2025-07-09T02:48:37.139" v="1005" actId="164"/>
+          <ac:grpSpMkLst>
+            <pc:docMk/>
+            <pc:sldMk cId="3589683353" sldId="258"/>
+            <ac:grpSpMk id="6" creationId="{39F01FC2-3E3A-CBF4-DED7-4D30A6B5316E}"/>
+          </ac:grpSpMkLst>
+        </pc:grpChg>
+        <pc:grpChg chg="del">
+          <ac:chgData name="ちえり 生田" userId="ceb7be3f12efbeb8" providerId="LiveId" clId="{774BA49D-8E5F-4A80-8B1B-52F3979F0B83}" dt="2025-07-09T02:46:23.080" v="995" actId="165"/>
+          <ac:grpSpMkLst>
+            <pc:docMk/>
+            <pc:sldMk cId="3589683353" sldId="258"/>
+            <ac:grpSpMk id="34" creationId="{46FD268F-68F8-68CB-7F84-CBD035A38095}"/>
+          </ac:grpSpMkLst>
+        </pc:grpChg>
+        <pc:picChg chg="mod">
+          <ac:chgData name="ちえり 生田" userId="ceb7be3f12efbeb8" providerId="LiveId" clId="{774BA49D-8E5F-4A80-8B1B-52F3979F0B83}" dt="2025-07-09T02:48:25.966" v="1004" actId="164"/>
+          <ac:picMkLst>
+            <pc:docMk/>
+            <pc:sldMk cId="3589683353" sldId="258"/>
+            <ac:picMk id="5" creationId="{E30612F4-57C3-CC71-7112-83C990AAA207}"/>
+          </ac:picMkLst>
+        </pc:picChg>
+        <pc:cxnChg chg="mod">
+          <ac:chgData name="ちえり 生田" userId="ceb7be3f12efbeb8" providerId="LiveId" clId="{774BA49D-8E5F-4A80-8B1B-52F3979F0B83}" dt="2025-07-09T02:48:05.932" v="1002" actId="164"/>
+          <ac:cxnSpMkLst>
+            <pc:docMk/>
+            <pc:sldMk cId="3589683353" sldId="258"/>
+            <ac:cxnSpMk id="17" creationId="{B8AAA046-01D1-475A-65C5-BC7FE7B132D5}"/>
+          </ac:cxnSpMkLst>
+        </pc:cxnChg>
+        <pc:cxnChg chg="mod">
+          <ac:chgData name="ちえり 生田" userId="ceb7be3f12efbeb8" providerId="LiveId" clId="{774BA49D-8E5F-4A80-8B1B-52F3979F0B83}" dt="2025-07-09T02:47:27.033" v="998" actId="164"/>
+          <ac:cxnSpMkLst>
+            <pc:docMk/>
+            <pc:sldMk cId="3589683353" sldId="258"/>
+            <ac:cxnSpMk id="18" creationId="{F789AFA8-6D75-CE41-A62F-3E48F194B007}"/>
+          </ac:cxnSpMkLst>
+        </pc:cxnChg>
+        <pc:cxnChg chg="mod">
+          <ac:chgData name="ちえり 生田" userId="ceb7be3f12efbeb8" providerId="LiveId" clId="{774BA49D-8E5F-4A80-8B1B-52F3979F0B83}" dt="2025-07-09T02:47:27.033" v="998" actId="164"/>
+          <ac:cxnSpMkLst>
+            <pc:docMk/>
+            <pc:sldMk cId="3589683353" sldId="258"/>
+            <ac:cxnSpMk id="21" creationId="{7CD9250E-7620-B61E-B1AC-26841CB9BABE}"/>
+          </ac:cxnSpMkLst>
+        </pc:cxnChg>
+      </pc:sldChg>
+    </pc:docChg>
+  </pc:docChgLst>
+</pc:chgInfo>
+</file>
+
+<file path=ppt/notesMasters/notesMaster1.xml><?xml version="1.0" encoding="utf-8"?>
+<p:notesMaster xmlns:a="http://schemas.openxmlformats.org/drawingml/2006/main" xmlns:r="http://schemas.openxmlformats.org/officeDocument/2006/relationships" xmlns:p="http://schemas.openxmlformats.org/presentationml/2006/main">
+  <p:cSld>
+    <p:bg>
+      <p:bgRef idx="1001">
+        <a:schemeClr val="bg1"/>
+      </p:bgRef>
+    </p:bg>
+    <p:spTree>
+      <p:nvGrpSpPr>
+        <p:cNvPr id="1" name=""/>
+        <p:cNvGrpSpPr/>
+        <p:nvPr/>
+      </p:nvGrpSpPr>
+      <p:grpSpPr>
+        <a:xfrm>
+          <a:off x="0" y="0"/>
+          <a:ext cx="0" cy="0"/>
+          <a:chOff x="0" y="0"/>
+          <a:chExt cx="0" cy="0"/>
+        </a:xfrm>
+      </p:grpSpPr>
+      <p:sp>
+        <p:nvSpPr>
+          <p:cNvPr id="2" name="ヘッダー プレースホルダー 1"/>
+          <p:cNvSpPr>
+            <a:spLocks noGrp="1"/>
+          </p:cNvSpPr>
+          <p:nvPr>
+            <p:ph type="hdr" sz="quarter"/>
+          </p:nvPr>
+        </p:nvSpPr>
+        <p:spPr>
+          <a:xfrm>
+            <a:off x="0" y="0"/>
+            <a:ext cx="2971800" cy="458788"/>
+          </a:xfrm>
+          <a:prstGeom prst="rect">
+            <a:avLst/>
+          </a:prstGeom>
+        </p:spPr>
+        <p:txBody>
+          <a:bodyPr vert="horz" lIns="91440" tIns="45720" rIns="91440" bIns="45720" rtlCol="0"/>
+          <a:lstStyle>
+            <a:lvl1pPr algn="l">
+              <a:defRPr sz="1200"/>
+            </a:lvl1pPr>
+          </a:lstStyle>
+          <a:p>
+            <a:endParaRPr kumimoji="1" lang="ja-JP" altLang="en-US"/>
+          </a:p>
+        </p:txBody>
+      </p:sp>
+      <p:sp>
+        <p:nvSpPr>
+          <p:cNvPr id="3" name="日付プレースホルダー 2"/>
+          <p:cNvSpPr>
+            <a:spLocks noGrp="1"/>
+          </p:cNvSpPr>
+          <p:nvPr>
+            <p:ph type="dt" idx="1"/>
+          </p:nvPr>
+        </p:nvSpPr>
+        <p:spPr>
+          <a:xfrm>
+            <a:off x="3884613" y="0"/>
+            <a:ext cx="2971800" cy="458788"/>
+          </a:xfrm>
+          <a:prstGeom prst="rect">
+            <a:avLst/>
+          </a:prstGeom>
+        </p:spPr>
+        <p:txBody>
+          <a:bodyPr vert="horz" lIns="91440" tIns="45720" rIns="91440" bIns="45720" rtlCol="0"/>
+          <a:lstStyle>
+            <a:lvl1pPr algn="r">
+              <a:defRPr sz="1200"/>
+            </a:lvl1pPr>
+          </a:lstStyle>
+          <a:p>
+            <a:fld id="{1A8DF598-AACD-450E-AAF9-DD8AA18E6597}" type="datetimeFigureOut">
+              <a:rPr kumimoji="1" lang="ja-JP" altLang="en-US" smtClean="0"/>
+              <a:t>2025/7/8</a:t>
+            </a:fld>
+            <a:endParaRPr kumimoji="1" lang="ja-JP" altLang="en-US"/>
+          </a:p>
+        </p:txBody>
+      </p:sp>
+      <p:sp>
+        <p:nvSpPr>
+          <p:cNvPr id="4" name="スライド イメージ プレースホルダー 3"/>
+          <p:cNvSpPr>
+            <a:spLocks noGrp="1" noRot="1" noChangeAspect="1"/>
+          </p:cNvSpPr>
+          <p:nvPr>
+            <p:ph type="sldImg" idx="2"/>
+          </p:nvPr>
+        </p:nvSpPr>
+        <p:spPr>
+          <a:xfrm>
+            <a:off x="685800" y="1143000"/>
+            <a:ext cx="5486400" cy="3086100"/>
+          </a:xfrm>
+          <a:prstGeom prst="rect">
+            <a:avLst/>
+          </a:prstGeom>
+          <a:noFill/>
+          <a:ln w="12700">
+            <a:solidFill>
+              <a:prstClr val="black"/>
+            </a:solidFill>
+          </a:ln>
+        </p:spPr>
+        <p:txBody>
+          <a:bodyPr vert="horz" lIns="91440" tIns="45720" rIns="91440" bIns="45720" rtlCol="0" anchor="ctr"/>
+          <a:lstStyle/>
+          <a:p>
+            <a:endParaRPr lang="ja-JP" altLang="en-US"/>
+          </a:p>
+        </p:txBody>
+      </p:sp>
+      <p:sp>
+        <p:nvSpPr>
+          <p:cNvPr id="5" name="ノート プレースホルダー 4"/>
+          <p:cNvSpPr>
+            <a:spLocks noGrp="1"/>
+          </p:cNvSpPr>
+          <p:nvPr>
+            <p:ph type="body" sz="quarter" idx="3"/>
+          </p:nvPr>
+        </p:nvSpPr>
+        <p:spPr>
+          <a:xfrm>
+            <a:off x="685800" y="4400550"/>
+            <a:ext cx="5486400" cy="3600450"/>
+          </a:xfrm>
+          <a:prstGeom prst="rect">
+            <a:avLst/>
+          </a:prstGeom>
+        </p:spPr>
+        <p:txBody>
+          <a:bodyPr vert="horz" lIns="91440" tIns="45720" rIns="91440" bIns="45720" rtlCol="0"/>
+          <a:lstStyle/>
+          <a:p>
+            <a:pPr lvl="0"/>
+            <a:r>
+              <a:rPr kumimoji="1" lang="ja-JP" altLang="en-US"/>
+              <a:t>マスター テキストの書式設定</a:t>
+            </a:r>
+          </a:p>
+          <a:p>
+            <a:pPr lvl="1"/>
+            <a:r>
+              <a:rPr kumimoji="1" lang="ja-JP" altLang="en-US"/>
+              <a:t>第 </a:t>
+            </a:r>
+            <a:r>
+              <a:rPr kumimoji="1" lang="en-US" altLang="ja-JP"/>
+              <a:t>2 </a:t>
+            </a:r>
+            <a:r>
+              <a:rPr kumimoji="1" lang="ja-JP" altLang="en-US"/>
+              <a:t>レベル</a:t>
+            </a:r>
+          </a:p>
+          <a:p>
+            <a:pPr lvl="2"/>
+            <a:r>
+              <a:rPr kumimoji="1" lang="ja-JP" altLang="en-US"/>
+              <a:t>第 </a:t>
+            </a:r>
+            <a:r>
+              <a:rPr kumimoji="1" lang="en-US" altLang="ja-JP"/>
+              <a:t>3 </a:t>
+            </a:r>
+            <a:r>
+              <a:rPr kumimoji="1" lang="ja-JP" altLang="en-US"/>
+              <a:t>レベル</a:t>
+            </a:r>
+          </a:p>
+          <a:p>
+            <a:pPr lvl="3"/>
+            <a:r>
+              <a:rPr kumimoji="1" lang="ja-JP" altLang="en-US"/>
+              <a:t>第 </a:t>
+            </a:r>
+            <a:r>
+              <a:rPr kumimoji="1" lang="en-US" altLang="ja-JP"/>
+              <a:t>4 </a:t>
+            </a:r>
+            <a:r>
+              <a:rPr kumimoji="1" lang="ja-JP" altLang="en-US"/>
+              <a:t>レベル</a:t>
+            </a:r>
+          </a:p>
+          <a:p>
+            <a:pPr lvl="4"/>
+            <a:r>
+              <a:rPr kumimoji="1" lang="ja-JP" altLang="en-US"/>
+              <a:t>第 </a:t>
+            </a:r>
+            <a:r>
+              <a:rPr kumimoji="1" lang="en-US" altLang="ja-JP"/>
+              <a:t>5 </a:t>
+            </a:r>
+            <a:r>
+              <a:rPr kumimoji="1" lang="ja-JP" altLang="en-US"/>
+              <a:t>レベル</a:t>
+            </a:r>
+          </a:p>
+        </p:txBody>
+      </p:sp>
+      <p:sp>
+        <p:nvSpPr>
+          <p:cNvPr id="6" name="フッター プレースホルダー 5"/>
+          <p:cNvSpPr>
+            <a:spLocks noGrp="1"/>
+          </p:cNvSpPr>
+          <p:nvPr>
+            <p:ph type="ftr" sz="quarter" idx="4"/>
+          </p:nvPr>
+        </p:nvSpPr>
+        <p:spPr>
+          <a:xfrm>
+            <a:off x="0" y="8685213"/>
+            <a:ext cx="2971800" cy="458787"/>
+          </a:xfrm>
+          <a:prstGeom prst="rect">
+            <a:avLst/>
+          </a:prstGeom>
+        </p:spPr>
+        <p:txBody>
+          <a:bodyPr vert="horz" lIns="91440" tIns="45720" rIns="91440" bIns="45720" rtlCol="0" anchor="b"/>
+          <a:lstStyle>
+            <a:lvl1pPr algn="l">
+              <a:defRPr sz="1200"/>
+            </a:lvl1pPr>
+          </a:lstStyle>
+          <a:p>
+            <a:endParaRPr kumimoji="1" lang="ja-JP" altLang="en-US"/>
+          </a:p>
+        </p:txBody>
+      </p:sp>
+      <p:sp>
+        <p:nvSpPr>
+          <p:cNvPr id="7" name="スライド番号プレースホルダー 6"/>
+          <p:cNvSpPr>
+            <a:spLocks noGrp="1"/>
+          </p:cNvSpPr>
+          <p:nvPr>
+            <p:ph type="sldNum" sz="quarter" idx="5"/>
+          </p:nvPr>
+        </p:nvSpPr>
+        <p:spPr>
+          <a:xfrm>
+            <a:off x="3884613" y="8685213"/>
+            <a:ext cx="2971800" cy="458787"/>
+          </a:xfrm>
+          <a:prstGeom prst="rect">
+            <a:avLst/>
+          </a:prstGeom>
+        </p:spPr>
+        <p:txBody>
+          <a:bodyPr vert="horz" lIns="91440" tIns="45720" rIns="91440" bIns="45720" rtlCol="0" anchor="b"/>
+          <a:lstStyle>
+            <a:lvl1pPr algn="r">
+              <a:defRPr sz="1200"/>
+            </a:lvl1pPr>
+          </a:lstStyle>
+          <a:p>
+            <a:fld id="{F9E897A0-BE40-480F-BDF5-0BF31C9DA8C9}" type="slidenum">
+              <a:rPr kumimoji="1" lang="ja-JP" altLang="en-US" smtClean="0"/>
+              <a:t>‹#›</a:t>
+            </a:fld>
+            <a:endParaRPr kumimoji="1" lang="ja-JP" altLang="en-US"/>
+          </a:p>
+        </p:txBody>
+      </p:sp>
+    </p:spTree>
+    <p:extLst>
+      <p:ext uri="{BB962C8B-B14F-4D97-AF65-F5344CB8AC3E}">
+        <p14:creationId xmlns:p14="http://schemas.microsoft.com/office/powerpoint/2010/main" val="2316264803"/>
+      </p:ext>
+    </p:extLst>
+  </p:cSld>
+  <p:clrMap bg1="lt1" tx1="dk1" bg2="lt2" tx2="dk2" accent1="accent1" accent2="accent2" accent3="accent3" accent4="accent4" accent5="accent5" accent6="accent6" hlink="hlink" folHlink="folHlink"/>
+  <p:notesStyle>
+    <a:lvl1pPr marL="0" algn="l" defTabSz="914400" rtl="0" eaLnBrk="1" latinLnBrk="0" hangingPunct="1">
+      <a:defRPr kumimoji="1" sz="1200" kern="1200">
+        <a:solidFill>
+          <a:schemeClr val="tx1"/>
+        </a:solidFill>
+        <a:latin typeface="+mn-lt"/>
+        <a:ea typeface="+mn-ea"/>
+        <a:cs typeface="+mn-cs"/>
+      </a:defRPr>
+    </a:lvl1pPr>
+    <a:lvl2pPr marL="457200" algn="l" defTabSz="914400" rtl="0" eaLnBrk="1" latinLnBrk="0" hangingPunct="1">
+      <a:defRPr kumimoji="1" sz="1200" kern="1200">
+        <a:solidFill>
+          <a:schemeClr val="tx1"/>
+        </a:solidFill>
+        <a:latin typeface="+mn-lt"/>
+        <a:ea typeface="+mn-ea"/>
+        <a:cs typeface="+mn-cs"/>
+      </a:defRPr>
+    </a:lvl2pPr>
+    <a:lvl3pPr marL="914400" algn="l" defTabSz="914400" rtl="0" eaLnBrk="1" latinLnBrk="0" hangingPunct="1">
+      <a:defRPr kumimoji="1" sz="1200" kern="1200">
+        <a:solidFill>
+          <a:schemeClr val="tx1"/>
+        </a:solidFill>
+        <a:latin typeface="+mn-lt"/>
+        <a:ea typeface="+mn-ea"/>
+        <a:cs typeface="+mn-cs"/>
+      </a:defRPr>
+    </a:lvl3pPr>
+    <a:lvl4pPr marL="1371600" algn="l" defTabSz="914400" rtl="0" eaLnBrk="1" latinLnBrk="0" hangingPunct="1">
+      <a:defRPr kumimoji="1" sz="1200" kern="1200">
+        <a:solidFill>
+          <a:schemeClr val="tx1"/>
+        </a:solidFill>
+        <a:latin typeface="+mn-lt"/>
+        <a:ea typeface="+mn-ea"/>
+        <a:cs typeface="+mn-cs"/>
+      </a:defRPr>
+    </a:lvl4pPr>
+    <a:lvl5pPr marL="1828800" algn="l" defTabSz="914400" rtl="0" eaLnBrk="1" latinLnBrk="0" hangingPunct="1">
+      <a:defRPr kumimoji="1" sz="1200" kern="1200">
+        <a:solidFill>
+          <a:schemeClr val="tx1"/>
+        </a:solidFill>
+        <a:latin typeface="+mn-lt"/>
+        <a:ea typeface="+mn-ea"/>
+        <a:cs typeface="+mn-cs"/>
+      </a:defRPr>
+    </a:lvl5pPr>
+    <a:lvl6pPr marL="2286000" algn="l" defTabSz="914400" rtl="0" eaLnBrk="1" latinLnBrk="0" hangingPunct="1">
+      <a:defRPr kumimoji="1" sz="1200" kern="1200">
+        <a:solidFill>
+          <a:schemeClr val="tx1"/>
+        </a:solidFill>
+        <a:latin typeface="+mn-lt"/>
+        <a:ea typeface="+mn-ea"/>
+        <a:cs typeface="+mn-cs"/>
+      </a:defRPr>
+    </a:lvl6pPr>
+    <a:lvl7pPr marL="2743200" algn="l" defTabSz="914400" rtl="0" eaLnBrk="1" latinLnBrk="0" hangingPunct="1">
+      <a:defRPr kumimoji="1" sz="1200" kern="1200">
+        <a:solidFill>
+          <a:schemeClr val="tx1"/>
+        </a:solidFill>
+        <a:latin typeface="+mn-lt"/>
+        <a:ea typeface="+mn-ea"/>
+        <a:cs typeface="+mn-cs"/>
+      </a:defRPr>
+    </a:lvl7pPr>
+    <a:lvl8pPr marL="3200400" algn="l" defTabSz="914400" rtl="0" eaLnBrk="1" latinLnBrk="0" hangingPunct="1">
+      <a:defRPr kumimoji="1" sz="1200" kern="1200">
+        <a:solidFill>
+          <a:schemeClr val="tx1"/>
+        </a:solidFill>
+        <a:latin typeface="+mn-lt"/>
+        <a:ea typeface="+mn-ea"/>
+        <a:cs typeface="+mn-cs"/>
+      </a:defRPr>
+    </a:lvl8pPr>
+    <a:lvl9pPr marL="3657600" algn="l" defTabSz="914400" rtl="0" eaLnBrk="1" latinLnBrk="0" hangingPunct="1">
+      <a:defRPr kumimoji="1" sz="1200" kern="1200">
+        <a:solidFill>
+          <a:schemeClr val="tx1"/>
+        </a:solidFill>
+        <a:latin typeface="+mn-lt"/>
+        <a:ea typeface="+mn-ea"/>
+        <a:cs typeface="+mn-cs"/>
+      </a:defRPr>
+    </a:lvl9pPr>
+  </p:notesStyle>
+</p:notesMaster>
+</file>
+
+<file path=ppt/notesSlides/notesSlide1.xml><?xml version="1.0" encoding="utf-8"?>
+<p:notes xmlns:a="http://schemas.openxmlformats.org/drawingml/2006/main" xmlns:r="http://schemas.openxmlformats.org/officeDocument/2006/relationships" xmlns:p="http://schemas.openxmlformats.org/presentationml/2006/main">
+  <p:cSld>
+    <p:spTree>
+      <p:nvGrpSpPr>
+        <p:cNvPr id="1" name=""/>
+        <p:cNvGrpSpPr/>
+        <p:nvPr/>
+      </p:nvGrpSpPr>
+      <p:grpSpPr>
+        <a:xfrm>
+          <a:off x="0" y="0"/>
+          <a:ext cx="0" cy="0"/>
+          <a:chOff x="0" y="0"/>
+          <a:chExt cx="0" cy="0"/>
+        </a:xfrm>
+      </p:grpSpPr>
+      <p:sp>
+        <p:nvSpPr>
+          <p:cNvPr id="2" name="スライド イメージ プレースホルダー 1"/>
+          <p:cNvSpPr>
+            <a:spLocks noGrp="1" noRot="1" noChangeAspect="1"/>
+          </p:cNvSpPr>
+          <p:nvPr>
+            <p:ph type="sldImg"/>
+          </p:nvPr>
+        </p:nvSpPr>
+        <p:spPr/>
+      </p:sp>
+      <p:sp>
+        <p:nvSpPr>
+          <p:cNvPr id="3" name="ノート プレースホルダー 2"/>
+          <p:cNvSpPr>
+            <a:spLocks noGrp="1"/>
+          </p:cNvSpPr>
+          <p:nvPr>
+            <p:ph type="body" idx="1"/>
+          </p:nvPr>
+        </p:nvSpPr>
+        <p:spPr/>
+        <p:txBody>
+          <a:bodyPr/>
+          <a:lstStyle/>
+          <a:p>
+            <a:endParaRPr kumimoji="1" lang="ja-JP" altLang="en-US"/>
+          </a:p>
+        </p:txBody>
+      </p:sp>
+      <p:sp>
+        <p:nvSpPr>
+          <p:cNvPr id="4" name="スライド番号プレースホルダー 3"/>
+          <p:cNvSpPr>
+            <a:spLocks noGrp="1"/>
+          </p:cNvSpPr>
+          <p:nvPr>
+            <p:ph type="sldNum" sz="quarter" idx="5"/>
+          </p:nvPr>
+        </p:nvSpPr>
+        <p:spPr/>
+        <p:txBody>
+          <a:bodyPr/>
+          <a:lstStyle/>
+          <a:p>
+            <a:fld id="{F9E897A0-BE40-480F-BDF5-0BF31C9DA8C9}" type="slidenum">
+              <a:rPr kumimoji="1" lang="ja-JP" altLang="en-US" smtClean="0"/>
+              <a:t>1</a:t>
+            </a:fld>
+            <a:endParaRPr kumimoji="1" lang="ja-JP" altLang="en-US"/>
+          </a:p>
+        </p:txBody>
+      </p:sp>
+    </p:spTree>
+    <p:extLst>
+      <p:ext uri="{BB962C8B-B14F-4D97-AF65-F5344CB8AC3E}">
+        <p14:creationId xmlns:p14="http://schemas.microsoft.com/office/powerpoint/2010/main" val="347763758"/>
+      </p:ext>
+    </p:extLst>
+  </p:cSld>
+  <p:clrMapOvr>
+    <a:masterClrMapping/>
+  </p:clrMapOvr>
+</p:notes>
+</file>
+
+<file path=ppt/notesSlides/notesSlide2.xml><?xml version="1.0" encoding="utf-8"?>
+<p:notes xmlns:a="http://schemas.openxmlformats.org/drawingml/2006/main" xmlns:r="http://schemas.openxmlformats.org/officeDocument/2006/relationships" xmlns:p="http://schemas.openxmlformats.org/presentationml/2006/main">
+  <p:cSld>
+    <p:spTree>
+      <p:nvGrpSpPr>
+        <p:cNvPr id="1" name="">
+          <a:extLst>
+            <a:ext uri="{FF2B5EF4-FFF2-40B4-BE49-F238E27FC236}">
+              <a16:creationId xmlns:a16="http://schemas.microsoft.com/office/drawing/2014/main" id="{79938E3A-2031-D3CC-A507-4A0FB8E1991F}"/>
+            </a:ext>
+          </a:extLst>
+        </p:cNvPr>
+        <p:cNvGrpSpPr/>
+        <p:nvPr/>
+      </p:nvGrpSpPr>
+      <p:grpSpPr>
+        <a:xfrm>
+          <a:off x="0" y="0"/>
+          <a:ext cx="0" cy="0"/>
+          <a:chOff x="0" y="0"/>
+          <a:chExt cx="0" cy="0"/>
+        </a:xfrm>
+      </p:grpSpPr>
+      <p:sp>
+        <p:nvSpPr>
+          <p:cNvPr id="2" name="スライド イメージ プレースホルダー 1">
+            <a:extLst>
+              <a:ext uri="{FF2B5EF4-FFF2-40B4-BE49-F238E27FC236}">
+                <a16:creationId xmlns:a16="http://schemas.microsoft.com/office/drawing/2014/main" id="{1EF00EFC-A53A-DE19-C51D-D3ECAA9BA133}"/>
+              </a:ext>
+            </a:extLst>
+          </p:cNvPr>
+          <p:cNvSpPr>
+            <a:spLocks noGrp="1" noRot="1" noChangeAspect="1"/>
+          </p:cNvSpPr>
+          <p:nvPr>
+            <p:ph type="sldImg"/>
+          </p:nvPr>
+        </p:nvSpPr>
+        <p:spPr/>
+      </p:sp>
+      <p:sp>
+        <p:nvSpPr>
+          <p:cNvPr id="3" name="ノート プレースホルダー 2">
+            <a:extLst>
+              <a:ext uri="{FF2B5EF4-FFF2-40B4-BE49-F238E27FC236}">
+                <a16:creationId xmlns:a16="http://schemas.microsoft.com/office/drawing/2014/main" id="{69942C0A-6B72-0390-EDCA-A221020A1FBC}"/>
+              </a:ext>
+            </a:extLst>
+          </p:cNvPr>
+          <p:cNvSpPr>
+            <a:spLocks noGrp="1"/>
+          </p:cNvSpPr>
+          <p:nvPr>
+            <p:ph type="body" idx="1"/>
+          </p:nvPr>
+        </p:nvSpPr>
+        <p:spPr/>
+        <p:txBody>
+          <a:bodyPr/>
+          <a:lstStyle/>
+          <a:p>
+            <a:endParaRPr kumimoji="1" lang="ja-JP" altLang="en-US"/>
+          </a:p>
+        </p:txBody>
+      </p:sp>
+      <p:sp>
+        <p:nvSpPr>
+          <p:cNvPr id="4" name="スライド番号プレースホルダー 3">
+            <a:extLst>
+              <a:ext uri="{FF2B5EF4-FFF2-40B4-BE49-F238E27FC236}">
+                <a16:creationId xmlns:a16="http://schemas.microsoft.com/office/drawing/2014/main" id="{857745F6-FDB2-6790-DB17-CF2DC259D339}"/>
+              </a:ext>
+            </a:extLst>
+          </p:cNvPr>
+          <p:cNvSpPr>
+            <a:spLocks noGrp="1"/>
+          </p:cNvSpPr>
+          <p:nvPr>
+            <p:ph type="sldNum" sz="quarter" idx="5"/>
+          </p:nvPr>
+        </p:nvSpPr>
+        <p:spPr/>
+        <p:txBody>
+          <a:bodyPr/>
+          <a:lstStyle/>
+          <a:p>
+            <a:fld id="{F9E897A0-BE40-480F-BDF5-0BF31C9DA8C9}" type="slidenum">
+              <a:rPr kumimoji="1" lang="ja-JP" altLang="en-US" smtClean="0"/>
+              <a:t>2</a:t>
+            </a:fld>
+            <a:endParaRPr kumimoji="1" lang="ja-JP" altLang="en-US"/>
+          </a:p>
+        </p:txBody>
+      </p:sp>
+    </p:spTree>
+    <p:extLst>
+      <p:ext uri="{BB962C8B-B14F-4D97-AF65-F5344CB8AC3E}">
+        <p14:creationId xmlns:p14="http://schemas.microsoft.com/office/powerpoint/2010/main" val="1200146218"/>
+      </p:ext>
+    </p:extLst>
+  </p:cSld>
+  <p:clrMapOvr>
+    <a:masterClrMapping/>
+  </p:clrMapOvr>
+</p:notes>
 </file>
 
 <file path=ppt/slideLayouts/slideLayout1.xml><?xml version="1.0" encoding="utf-8"?>
@@ -254,7 +1367,7 @@
           <a:p>
             <a:fld id="{EB0C5A21-DC6B-4E05-9B24-E262A4DAA4A2}" type="datetimeFigureOut">
               <a:rPr kumimoji="1" lang="ja-JP" altLang="en-US" smtClean="0"/>
-              <a:t>2025/7/2</a:t>
+              <a:t>2025/7/8</a:t>
             </a:fld>
             <a:endParaRPr kumimoji="1" lang="ja-JP" altLang="en-US"/>
           </a:p>
@@ -484,7 +1597,7 @@
           <a:p>
             <a:fld id="{EB0C5A21-DC6B-4E05-9B24-E262A4DAA4A2}" type="datetimeFigureOut">
               <a:rPr kumimoji="1" lang="ja-JP" altLang="en-US" smtClean="0"/>
-              <a:t>2025/7/2</a:t>
+              <a:t>2025/7/8</a:t>
             </a:fld>
             <a:endParaRPr kumimoji="1" lang="ja-JP" altLang="en-US"/>
           </a:p>
@@ -724,7 +1837,7 @@
           <a:p>
             <a:fld id="{EB0C5A21-DC6B-4E05-9B24-E262A4DAA4A2}" type="datetimeFigureOut">
               <a:rPr kumimoji="1" lang="ja-JP" altLang="en-US" smtClean="0"/>
-              <a:t>2025/7/2</a:t>
+              <a:t>2025/7/8</a:t>
             </a:fld>
             <a:endParaRPr kumimoji="1" lang="ja-JP" altLang="en-US"/>
           </a:p>
@@ -954,7 +2067,7 @@
           <a:p>
             <a:fld id="{EB0C5A21-DC6B-4E05-9B24-E262A4DAA4A2}" type="datetimeFigureOut">
               <a:rPr kumimoji="1" lang="ja-JP" altLang="en-US" smtClean="0"/>
-              <a:t>2025/7/2</a:t>
+              <a:t>2025/7/8</a:t>
             </a:fld>
             <a:endParaRPr kumimoji="1" lang="ja-JP" altLang="en-US"/>
           </a:p>
@@ -1229,7 +2342,7 @@
           <a:p>
             <a:fld id="{EB0C5A21-DC6B-4E05-9B24-E262A4DAA4A2}" type="datetimeFigureOut">
               <a:rPr kumimoji="1" lang="ja-JP" altLang="en-US" smtClean="0"/>
-              <a:t>2025/7/2</a:t>
+              <a:t>2025/7/8</a:t>
             </a:fld>
             <a:endParaRPr kumimoji="1" lang="ja-JP" altLang="en-US"/>
           </a:p>
@@ -1558,7 +2671,7 @@
           <a:p>
             <a:fld id="{EB0C5A21-DC6B-4E05-9B24-E262A4DAA4A2}" type="datetimeFigureOut">
               <a:rPr kumimoji="1" lang="ja-JP" altLang="en-US" smtClean="0"/>
-              <a:t>2025/7/2</a:t>
+              <a:t>2025/7/8</a:t>
             </a:fld>
             <a:endParaRPr kumimoji="1" lang="ja-JP" altLang="en-US"/>
           </a:p>
@@ -2034,7 +3147,7 @@
           <a:p>
             <a:fld id="{EB0C5A21-DC6B-4E05-9B24-E262A4DAA4A2}" type="datetimeFigureOut">
               <a:rPr kumimoji="1" lang="ja-JP" altLang="en-US" smtClean="0"/>
-              <a:t>2025/7/2</a:t>
+              <a:t>2025/7/8</a:t>
             </a:fld>
             <a:endParaRPr kumimoji="1" lang="ja-JP" altLang="en-US"/>
           </a:p>
@@ -2175,7 +3288,7 @@
           <a:p>
             <a:fld id="{EB0C5A21-DC6B-4E05-9B24-E262A4DAA4A2}" type="datetimeFigureOut">
               <a:rPr kumimoji="1" lang="ja-JP" altLang="en-US" smtClean="0"/>
-              <a:t>2025/7/2</a:t>
+              <a:t>2025/7/8</a:t>
             </a:fld>
             <a:endParaRPr kumimoji="1" lang="ja-JP" altLang="en-US"/>
           </a:p>
@@ -2288,7 +3401,7 @@
           <a:p>
             <a:fld id="{EB0C5A21-DC6B-4E05-9B24-E262A4DAA4A2}" type="datetimeFigureOut">
               <a:rPr kumimoji="1" lang="ja-JP" altLang="en-US" smtClean="0"/>
-              <a:t>2025/7/2</a:t>
+              <a:t>2025/7/8</a:t>
             </a:fld>
             <a:endParaRPr kumimoji="1" lang="ja-JP" altLang="en-US"/>
           </a:p>
@@ -2631,7 +3744,7 @@
           <a:p>
             <a:fld id="{EB0C5A21-DC6B-4E05-9B24-E262A4DAA4A2}" type="datetimeFigureOut">
               <a:rPr kumimoji="1" lang="ja-JP" altLang="en-US" smtClean="0"/>
-              <a:t>2025/7/2</a:t>
+              <a:t>2025/7/8</a:t>
             </a:fld>
             <a:endParaRPr kumimoji="1" lang="ja-JP" altLang="en-US"/>
           </a:p>
@@ -2919,7 +4032,7 @@
           <a:p>
             <a:fld id="{EB0C5A21-DC6B-4E05-9B24-E262A4DAA4A2}" type="datetimeFigureOut">
               <a:rPr kumimoji="1" lang="ja-JP" altLang="en-US" smtClean="0"/>
-              <a:t>2025/7/2</a:t>
+              <a:t>2025/7/8</a:t>
             </a:fld>
             <a:endParaRPr kumimoji="1" lang="ja-JP" altLang="en-US"/>
           </a:p>
@@ -3192,7 +4305,7 @@
           <a:p>
             <a:fld id="{EB0C5A21-DC6B-4E05-9B24-E262A4DAA4A2}" type="datetimeFigureOut">
               <a:rPr kumimoji="1" lang="ja-JP" altLang="en-US" smtClean="0"/>
-              <a:t>2025/7/2</a:t>
+              <a:t>2025/7/8</a:t>
             </a:fld>
             <a:endParaRPr kumimoji="1" lang="ja-JP" altLang="en-US"/>
           </a:p>
@@ -3609,53 +4722,1745 @@
           <a:chExt cx="0" cy="0"/>
         </a:xfrm>
       </p:grpSpPr>
+      <p:pic>
+        <p:nvPicPr>
+          <p:cNvPr id="5" name="図 4">
+            <a:extLst>
+              <a:ext uri="{FF2B5EF4-FFF2-40B4-BE49-F238E27FC236}">
+                <a16:creationId xmlns:a16="http://schemas.microsoft.com/office/drawing/2014/main" id="{503D20B7-0E53-587E-9AC7-DAF25185457F}"/>
+              </a:ext>
+            </a:extLst>
+          </p:cNvPr>
+          <p:cNvPicPr>
+            <a:picLocks noChangeAspect="1"/>
+          </p:cNvPicPr>
+          <p:nvPr/>
+        </p:nvPicPr>
+        <p:blipFill>
+          <a:blip r:embed="rId3">
+            <a:alphaModFix amt="20000"/>
+            <a:extLst>
+              <a:ext uri="{28A0092B-C50C-407E-A947-70E740481C1C}">
+                <a14:useLocalDpi xmlns:a14="http://schemas.microsoft.com/office/drawing/2010/main" val="0"/>
+              </a:ext>
+            </a:extLst>
+          </a:blip>
+          <a:stretch>
+            <a:fillRect/>
+          </a:stretch>
+        </p:blipFill>
+        <p:spPr>
+          <a:xfrm>
+            <a:off x="0" y="0"/>
+            <a:ext cx="12192000" cy="6858000"/>
+          </a:xfrm>
+          <a:prstGeom prst="rect">
+            <a:avLst/>
+          </a:prstGeom>
+        </p:spPr>
+      </p:pic>
+      <p:pic>
+        <p:nvPicPr>
+          <p:cNvPr id="7" name="図 6">
+            <a:extLst>
+              <a:ext uri="{FF2B5EF4-FFF2-40B4-BE49-F238E27FC236}">
+                <a16:creationId xmlns:a16="http://schemas.microsoft.com/office/drawing/2014/main" id="{A145B024-BC7C-A575-9A3C-580266A6DB22}"/>
+              </a:ext>
+            </a:extLst>
+          </p:cNvPr>
+          <p:cNvPicPr>
+            <a:picLocks noChangeAspect="1"/>
+          </p:cNvPicPr>
+          <p:nvPr/>
+        </p:nvPicPr>
+        <p:blipFill>
+          <a:blip r:embed="rId4">
+            <a:extLst>
+              <a:ext uri="{28A0092B-C50C-407E-A947-70E740481C1C}">
+                <a14:useLocalDpi xmlns:a14="http://schemas.microsoft.com/office/drawing/2010/main" val="0"/>
+              </a:ext>
+            </a:extLst>
+          </a:blip>
+          <a:stretch>
+            <a:fillRect/>
+          </a:stretch>
+        </p:blipFill>
+        <p:spPr>
+          <a:xfrm>
+            <a:off x="2092469" y="2207278"/>
+            <a:ext cx="1453613" cy="1453613"/>
+          </a:xfrm>
+          <a:prstGeom prst="rect">
+            <a:avLst/>
+          </a:prstGeom>
+        </p:spPr>
+      </p:pic>
+      <p:pic>
+        <p:nvPicPr>
+          <p:cNvPr id="8" name="図 7">
+            <a:extLst>
+              <a:ext uri="{FF2B5EF4-FFF2-40B4-BE49-F238E27FC236}">
+                <a16:creationId xmlns:a16="http://schemas.microsoft.com/office/drawing/2014/main" id="{894C026B-76F1-3898-9317-C37B1D2FEB9E}"/>
+              </a:ext>
+            </a:extLst>
+          </p:cNvPr>
+          <p:cNvPicPr>
+            <a:picLocks noChangeAspect="1"/>
+          </p:cNvPicPr>
+          <p:nvPr/>
+        </p:nvPicPr>
+        <p:blipFill>
+          <a:blip r:embed="rId4">
+            <a:duotone>
+              <a:schemeClr val="accent2">
+                <a:shade val="45000"/>
+                <a:satMod val="135000"/>
+              </a:schemeClr>
+              <a:prstClr val="white"/>
+            </a:duotone>
+            <a:extLst>
+              <a:ext uri="{28A0092B-C50C-407E-A947-70E740481C1C}">
+                <a14:useLocalDpi xmlns:a14="http://schemas.microsoft.com/office/drawing/2010/main" val="0"/>
+              </a:ext>
+            </a:extLst>
+          </a:blip>
+          <a:stretch>
+            <a:fillRect/>
+          </a:stretch>
+        </p:blipFill>
+        <p:spPr>
+          <a:xfrm>
+            <a:off x="5946124" y="2182605"/>
+            <a:ext cx="1453612" cy="1453612"/>
+          </a:xfrm>
+          <a:prstGeom prst="rect">
+            <a:avLst/>
+          </a:prstGeom>
+        </p:spPr>
+      </p:pic>
+      <p:pic>
+        <p:nvPicPr>
+          <p:cNvPr id="9" name="図 8">
+            <a:extLst>
+              <a:ext uri="{FF2B5EF4-FFF2-40B4-BE49-F238E27FC236}">
+                <a16:creationId xmlns:a16="http://schemas.microsoft.com/office/drawing/2014/main" id="{58437B91-44DC-68E2-44F5-B66D1C3EB0A2}"/>
+              </a:ext>
+            </a:extLst>
+          </p:cNvPr>
+          <p:cNvPicPr>
+            <a:picLocks noChangeAspect="1"/>
+          </p:cNvPicPr>
+          <p:nvPr/>
+        </p:nvPicPr>
+        <p:blipFill>
+          <a:blip r:embed="rId4">
+            <a:extLst>
+              <a:ext uri="{28A0092B-C50C-407E-A947-70E740481C1C}">
+                <a14:useLocalDpi xmlns:a14="http://schemas.microsoft.com/office/drawing/2010/main" val="0"/>
+              </a:ext>
+            </a:extLst>
+          </a:blip>
+          <a:stretch>
+            <a:fillRect/>
+          </a:stretch>
+        </p:blipFill>
+        <p:spPr>
+          <a:xfrm>
+            <a:off x="3381154" y="2182605"/>
+            <a:ext cx="1453613" cy="1453613"/>
+          </a:xfrm>
+          <a:prstGeom prst="rect">
+            <a:avLst/>
+          </a:prstGeom>
+        </p:spPr>
+      </p:pic>
+      <p:pic>
+        <p:nvPicPr>
+          <p:cNvPr id="10" name="図 9">
+            <a:extLst>
+              <a:ext uri="{FF2B5EF4-FFF2-40B4-BE49-F238E27FC236}">
+                <a16:creationId xmlns:a16="http://schemas.microsoft.com/office/drawing/2014/main" id="{F5A0C091-5909-0BB5-5422-59B55438DE97}"/>
+              </a:ext>
+            </a:extLst>
+          </p:cNvPr>
+          <p:cNvPicPr>
+            <a:picLocks noChangeAspect="1"/>
+          </p:cNvPicPr>
+          <p:nvPr/>
+        </p:nvPicPr>
+        <p:blipFill>
+          <a:blip r:embed="rId4">
+            <a:extLst>
+              <a:ext uri="{28A0092B-C50C-407E-A947-70E740481C1C}">
+                <a14:useLocalDpi xmlns:a14="http://schemas.microsoft.com/office/drawing/2010/main" val="0"/>
+              </a:ext>
+            </a:extLst>
+          </a:blip>
+          <a:stretch>
+            <a:fillRect/>
+          </a:stretch>
+        </p:blipFill>
+        <p:spPr>
+          <a:xfrm>
+            <a:off x="4663090" y="2182605"/>
+            <a:ext cx="1453613" cy="1453613"/>
+          </a:xfrm>
+          <a:prstGeom prst="rect">
+            <a:avLst/>
+          </a:prstGeom>
+        </p:spPr>
+      </p:pic>
       <p:sp>
         <p:nvSpPr>
-          <p:cNvPr id="2" name="タイトル 1">
-            <a:extLst>
-              <a:ext uri="{FF2B5EF4-FFF2-40B4-BE49-F238E27FC236}">
-                <a16:creationId xmlns:a16="http://schemas.microsoft.com/office/drawing/2014/main" id="{4E935DC2-11AF-36E9-7C57-D5C8D9F98749}"/>
-              </a:ext>
-            </a:extLst>
-          </p:cNvPr>
-          <p:cNvSpPr>
-            <a:spLocks noGrp="1"/>
-          </p:cNvSpPr>
-          <p:nvPr>
-            <p:ph type="ctrTitle"/>
-          </p:nvPr>
+          <p:cNvPr id="35" name="正方形/長方形 34">
+            <a:extLst>
+              <a:ext uri="{FF2B5EF4-FFF2-40B4-BE49-F238E27FC236}">
+                <a16:creationId xmlns:a16="http://schemas.microsoft.com/office/drawing/2014/main" id="{C2128C75-F3EF-8A87-0DE1-CD6D6958C299}"/>
+              </a:ext>
+            </a:extLst>
+          </p:cNvPr>
+          <p:cNvSpPr/>
+          <p:nvPr/>
         </p:nvSpPr>
-        <p:spPr/>
+        <p:spPr>
+          <a:xfrm>
+            <a:off x="0" y="0"/>
+            <a:ext cx="1675326" cy="6858000"/>
+          </a:xfrm>
+          <a:prstGeom prst="rect">
+            <a:avLst/>
+          </a:prstGeom>
+          <a:solidFill>
+            <a:srgbClr val="FFFFFF">
+              <a:alpha val="69804"/>
+            </a:srgbClr>
+          </a:solidFill>
+          <a:ln>
+            <a:noFill/>
+          </a:ln>
+        </p:spPr>
+        <p:style>
+          <a:lnRef idx="2">
+            <a:schemeClr val="accent1">
+              <a:shade val="15000"/>
+            </a:schemeClr>
+          </a:lnRef>
+          <a:fillRef idx="1">
+            <a:schemeClr val="accent1"/>
+          </a:fillRef>
+          <a:effectRef idx="0">
+            <a:schemeClr val="accent1"/>
+          </a:effectRef>
+          <a:fontRef idx="minor">
+            <a:schemeClr val="lt1"/>
+          </a:fontRef>
+        </p:style>
         <p:txBody>
-          <a:bodyPr/>
+          <a:bodyPr rtlCol="0" anchor="ctr"/>
           <a:lstStyle/>
           <a:p>
+            <a:pPr algn="ctr"/>
             <a:endParaRPr kumimoji="1" lang="ja-JP" altLang="en-US"/>
           </a:p>
         </p:txBody>
       </p:sp>
       <p:sp>
         <p:nvSpPr>
-          <p:cNvPr id="3" name="字幕 2">
-            <a:extLst>
-              <a:ext uri="{FF2B5EF4-FFF2-40B4-BE49-F238E27FC236}">
-                <a16:creationId xmlns:a16="http://schemas.microsoft.com/office/drawing/2014/main" id="{6FC7F918-C2F8-3D84-EA2E-68EB883B9B63}"/>
-              </a:ext>
-            </a:extLst>
-          </p:cNvPr>
-          <p:cNvSpPr>
-            <a:spLocks noGrp="1"/>
-          </p:cNvSpPr>
-          <p:nvPr>
-            <p:ph type="subTitle" idx="1"/>
-          </p:nvPr>
+          <p:cNvPr id="11" name="テキスト ボックス 10">
+            <a:extLst>
+              <a:ext uri="{FF2B5EF4-FFF2-40B4-BE49-F238E27FC236}">
+                <a16:creationId xmlns:a16="http://schemas.microsoft.com/office/drawing/2014/main" id="{E0641C2D-50F4-2103-26BD-F591B47704F5}"/>
+              </a:ext>
+            </a:extLst>
+          </p:cNvPr>
+          <p:cNvSpPr txBox="1"/>
+          <p:nvPr/>
         </p:nvSpPr>
-        <p:spPr/>
+        <p:spPr>
+          <a:xfrm>
+            <a:off x="0" y="4163140"/>
+            <a:ext cx="1667190" cy="2769989"/>
+          </a:xfrm>
+          <a:prstGeom prst="rect">
+            <a:avLst/>
+          </a:prstGeom>
+          <a:noFill/>
+        </p:spPr>
         <p:txBody>
-          <a:bodyPr/>
+          <a:bodyPr wrap="square" rtlCol="0">
+            <a:spAutoFit/>
+          </a:bodyPr>
           <a:lstStyle/>
           <a:p>
-            <a:endParaRPr kumimoji="1" lang="ja-JP" altLang="en-US"/>
+            <a:r>
+              <a:rPr kumimoji="1" lang="ja-JP" altLang="en-US" sz="2000" b="1"/>
+              <a:t>ログ</a:t>
+            </a:r>
+            <a:endParaRPr kumimoji="1" lang="en-US" altLang="ja-JP" sz="2000" b="1"/>
+          </a:p>
+          <a:p>
+            <a:r>
+              <a:rPr lang="ja-JP" altLang="en-US" sz="1100" b="1"/>
+              <a:t>兵士</a:t>
+            </a:r>
+            <a:r>
+              <a:rPr lang="en-US" altLang="ja-JP" sz="1100" b="1"/>
+              <a:t>1</a:t>
+            </a:r>
+            <a:r>
+              <a:rPr lang="ja-JP" altLang="en-US" sz="1100" b="1"/>
+              <a:t>ターン目：</a:t>
+            </a:r>
+            <a:endParaRPr lang="en-US" altLang="ja-JP" sz="1100" b="1"/>
+          </a:p>
+          <a:p>
+            <a:r>
+              <a:rPr kumimoji="1" lang="en-US" altLang="ja-JP" sz="1100" b="1"/>
+              <a:t>6</a:t>
+            </a:r>
+            <a:r>
+              <a:rPr kumimoji="1" lang="ja-JP" altLang="en-US" sz="1100" b="1"/>
+              <a:t>マス進む、</a:t>
+            </a:r>
+            <a:r>
+              <a:rPr lang="ja-JP" altLang="en-US" sz="1100" b="1"/>
+              <a:t>＋</a:t>
+            </a:r>
+            <a:r>
+              <a:rPr lang="en-US" altLang="ja-JP" sz="1100" b="1"/>
+              <a:t>3P</a:t>
+            </a:r>
+          </a:p>
+          <a:p>
+            <a:endParaRPr lang="en-US" altLang="ja-JP" sz="1100" b="1"/>
+          </a:p>
+          <a:p>
+            <a:r>
+              <a:rPr lang="ja-JP" altLang="en-US" sz="1100" b="1"/>
+              <a:t>魔法使い１ターン目：</a:t>
+            </a:r>
+            <a:endParaRPr lang="en-US" altLang="ja-JP" sz="1100" b="1"/>
+          </a:p>
+          <a:p>
+            <a:r>
+              <a:rPr kumimoji="1" lang="en-US" altLang="ja-JP" sz="1100" b="1"/>
+              <a:t>3</a:t>
+            </a:r>
+            <a:r>
+              <a:rPr kumimoji="1" lang="ja-JP" altLang="en-US" sz="1100" b="1"/>
+              <a:t>マス進む、</a:t>
+            </a:r>
+            <a:r>
+              <a:rPr lang="ja-JP" altLang="en-US" sz="1100" b="1"/>
+              <a:t>＋</a:t>
+            </a:r>
+            <a:r>
+              <a:rPr lang="en-US" altLang="ja-JP" sz="1100" b="1"/>
+              <a:t>3P</a:t>
+            </a:r>
+          </a:p>
+          <a:p>
+            <a:endParaRPr kumimoji="1" lang="en-US" altLang="ja-JP" sz="1100" b="1"/>
+          </a:p>
+          <a:p>
+            <a:r>
+              <a:rPr lang="ja-JP" altLang="en-US" sz="1100" b="1"/>
+              <a:t>兵士</a:t>
+            </a:r>
+            <a:r>
+              <a:rPr lang="en-US" altLang="ja-JP" sz="1100" b="1"/>
+              <a:t>1</a:t>
+            </a:r>
+            <a:r>
+              <a:rPr lang="ja-JP" altLang="en-US" sz="1100" b="1"/>
+              <a:t>ターン目：</a:t>
+            </a:r>
+            <a:endParaRPr lang="en-US" altLang="ja-JP" sz="1100" b="1"/>
+          </a:p>
+          <a:p>
+            <a:r>
+              <a:rPr kumimoji="1" lang="en-US" altLang="ja-JP" sz="1100" b="1"/>
+              <a:t>2</a:t>
+            </a:r>
+            <a:r>
+              <a:rPr kumimoji="1" lang="ja-JP" altLang="en-US" sz="1100" b="1"/>
+              <a:t>マス進む、＋</a:t>
+            </a:r>
+            <a:r>
+              <a:rPr kumimoji="1" lang="en-US" altLang="ja-JP" sz="1100" b="1"/>
+              <a:t>1P</a:t>
+            </a:r>
+          </a:p>
+          <a:p>
+            <a:endParaRPr lang="en-US" altLang="ja-JP" sz="1100" b="1"/>
+          </a:p>
+          <a:p>
+            <a:r>
+              <a:rPr lang="ja-JP" altLang="en-US" sz="1100" b="1"/>
+              <a:t>兵士</a:t>
+            </a:r>
+            <a:r>
+              <a:rPr lang="en-US" altLang="ja-JP" sz="1100" b="1"/>
+              <a:t>2</a:t>
+            </a:r>
+            <a:r>
+              <a:rPr lang="ja-JP" altLang="en-US" sz="1100" b="1"/>
+              <a:t>ターン目：</a:t>
+            </a:r>
+            <a:endParaRPr lang="en-US" altLang="ja-JP" sz="1100" b="1"/>
+          </a:p>
+          <a:p>
+            <a:r>
+              <a:rPr lang="en-US" altLang="ja-JP" sz="1100" b="1"/>
+              <a:t>2</a:t>
+            </a:r>
+            <a:r>
+              <a:rPr lang="ja-JP" altLang="en-US" sz="1100" b="1"/>
+              <a:t>マス進む、＋</a:t>
+            </a:r>
+            <a:r>
+              <a:rPr lang="en-US" altLang="ja-JP" sz="1100" b="1"/>
+              <a:t>2P</a:t>
+            </a:r>
+          </a:p>
+          <a:p>
+            <a:endParaRPr kumimoji="1" lang="en-US" altLang="ja-JP" sz="1100" b="1"/>
+          </a:p>
+          <a:p>
+            <a:r>
+              <a:rPr kumimoji="1" lang="ja-JP" altLang="en-US" sz="1100" b="1"/>
+              <a:t>魔法使い</a:t>
+            </a:r>
+            <a:r>
+              <a:rPr kumimoji="1" lang="en-US" altLang="ja-JP" sz="1100" b="1"/>
+              <a:t>2</a:t>
+            </a:r>
+            <a:r>
+              <a:rPr kumimoji="1" lang="ja-JP" altLang="en-US" sz="1100" b="1"/>
+              <a:t>ターン目：</a:t>
+            </a:r>
+            <a:endParaRPr kumimoji="1" lang="en-US" altLang="ja-JP" sz="1100" b="1"/>
+          </a:p>
+          <a:p>
+            <a:r>
+              <a:rPr kumimoji="1" lang="en-US" altLang="ja-JP" sz="1100" b="1"/>
+              <a:t>2</a:t>
+            </a:r>
+            <a:r>
+              <a:rPr kumimoji="1" lang="ja-JP" altLang="en-US" sz="1100" b="1"/>
+              <a:t>マス進む、＋</a:t>
+            </a:r>
+            <a:r>
+              <a:rPr kumimoji="1" lang="en-US" altLang="ja-JP" sz="1100" b="1"/>
+              <a:t>2P</a:t>
+            </a:r>
+            <a:endParaRPr kumimoji="1" lang="ja-JP" altLang="en-US" sz="1100" b="1"/>
+          </a:p>
+        </p:txBody>
+      </p:sp>
+      <p:sp>
+        <p:nvSpPr>
+          <p:cNvPr id="13" name="テキスト ボックス 12">
+            <a:extLst>
+              <a:ext uri="{FF2B5EF4-FFF2-40B4-BE49-F238E27FC236}">
+                <a16:creationId xmlns:a16="http://schemas.microsoft.com/office/drawing/2014/main" id="{7F082E51-8DAF-A802-BBA7-952948277462}"/>
+              </a:ext>
+            </a:extLst>
+          </p:cNvPr>
+          <p:cNvSpPr txBox="1"/>
+          <p:nvPr/>
+        </p:nvSpPr>
+        <p:spPr>
+          <a:xfrm>
+            <a:off x="215179" y="432101"/>
+            <a:ext cx="1782008" cy="3170099"/>
+          </a:xfrm>
+          <a:prstGeom prst="rect">
+            <a:avLst/>
+          </a:prstGeom>
+          <a:noFill/>
+        </p:spPr>
+        <p:txBody>
+          <a:bodyPr wrap="square" rtlCol="0">
+            <a:spAutoFit/>
+          </a:bodyPr>
+          <a:lstStyle/>
+          <a:p>
+            <a:r>
+              <a:rPr lang="ja-JP" altLang="en-US" sz="2000" b="1">
+                <a:latin typeface="BIZ UDゴシック" panose="020B0400000000000000" pitchFamily="49" charset="-128"/>
+                <a:ea typeface="BIZ UDゴシック" panose="020B0400000000000000" pitchFamily="49" charset="-128"/>
+              </a:rPr>
+              <a:t>兵士</a:t>
+            </a:r>
+            <a:endParaRPr lang="en-US" altLang="ja-JP" sz="2000" b="1">
+              <a:latin typeface="BIZ UDゴシック" panose="020B0400000000000000" pitchFamily="49" charset="-128"/>
+              <a:ea typeface="BIZ UDゴシック" panose="020B0400000000000000" pitchFamily="49" charset="-128"/>
+            </a:endParaRPr>
+          </a:p>
+          <a:p>
+            <a:r>
+              <a:rPr lang="en-US" altLang="ja-JP" sz="1400" b="1">
+                <a:latin typeface="BIZ UDゴシック" panose="020B0400000000000000" pitchFamily="49" charset="-128"/>
+                <a:ea typeface="BIZ UDゴシック" panose="020B0400000000000000" pitchFamily="49" charset="-128"/>
+              </a:rPr>
+              <a:t>6 </a:t>
+            </a:r>
+            <a:r>
+              <a:rPr lang="ja-JP" altLang="en-US" sz="1400" b="1">
+                <a:latin typeface="BIZ UDゴシック" panose="020B0400000000000000" pitchFamily="49" charset="-128"/>
+                <a:ea typeface="BIZ UDゴシック" panose="020B0400000000000000" pitchFamily="49" charset="-128"/>
+              </a:rPr>
+              <a:t>ポイント</a:t>
+            </a:r>
+            <a:endParaRPr lang="en-US" altLang="ja-JP" sz="1400" b="1">
+              <a:latin typeface="BIZ UDゴシック" panose="020B0400000000000000" pitchFamily="49" charset="-128"/>
+              <a:ea typeface="BIZ UDゴシック" panose="020B0400000000000000" pitchFamily="49" charset="-128"/>
+            </a:endParaRPr>
+          </a:p>
+          <a:p>
+            <a:r>
+              <a:rPr lang="en-US" altLang="ja-JP" sz="1400" b="1">
+                <a:latin typeface="BIZ UDゴシック" panose="020B0400000000000000" pitchFamily="49" charset="-128"/>
+                <a:ea typeface="BIZ UDゴシック" panose="020B0400000000000000" pitchFamily="49" charset="-128"/>
+              </a:rPr>
+              <a:t>3</a:t>
+            </a:r>
+            <a:r>
+              <a:rPr lang="ja-JP" altLang="en-US" sz="1400" b="1">
+                <a:latin typeface="BIZ UDゴシック" panose="020B0400000000000000" pitchFamily="49" charset="-128"/>
+                <a:ea typeface="BIZ UDゴシック" panose="020B0400000000000000" pitchFamily="49" charset="-128"/>
+              </a:rPr>
+              <a:t> ターン</a:t>
+            </a:r>
+            <a:endParaRPr lang="en-US" altLang="ja-JP" sz="1400" b="1">
+              <a:latin typeface="BIZ UDゴシック" panose="020B0400000000000000" pitchFamily="49" charset="-128"/>
+              <a:ea typeface="BIZ UDゴシック" panose="020B0400000000000000" pitchFamily="49" charset="-128"/>
+            </a:endParaRPr>
+          </a:p>
+          <a:p>
+            <a:endParaRPr lang="en-US" altLang="ja-JP" sz="2800" b="1">
+              <a:latin typeface="BIZ UDゴシック" panose="020B0400000000000000" pitchFamily="49" charset="-128"/>
+              <a:ea typeface="BIZ UDゴシック" panose="020B0400000000000000" pitchFamily="49" charset="-128"/>
+            </a:endParaRPr>
+          </a:p>
+          <a:p>
+            <a:r>
+              <a:rPr lang="ja-JP" altLang="en-US" sz="2000" b="1">
+                <a:latin typeface="BIZ UDゴシック" panose="020B0400000000000000" pitchFamily="49" charset="-128"/>
+                <a:ea typeface="BIZ UDゴシック" panose="020B0400000000000000" pitchFamily="49" charset="-128"/>
+              </a:rPr>
+              <a:t>魔法使い</a:t>
+            </a:r>
+            <a:endParaRPr lang="en-US" altLang="ja-JP" sz="2000" b="1">
+              <a:latin typeface="BIZ UDゴシック" panose="020B0400000000000000" pitchFamily="49" charset="-128"/>
+              <a:ea typeface="BIZ UDゴシック" panose="020B0400000000000000" pitchFamily="49" charset="-128"/>
+            </a:endParaRPr>
+          </a:p>
+          <a:p>
+            <a:r>
+              <a:rPr lang="en-US" altLang="ja-JP" sz="1400" b="1">
+                <a:latin typeface="BIZ UDゴシック" panose="020B0400000000000000" pitchFamily="49" charset="-128"/>
+                <a:ea typeface="BIZ UDゴシック" panose="020B0400000000000000" pitchFamily="49" charset="-128"/>
+              </a:rPr>
+              <a:t>5 </a:t>
+            </a:r>
+            <a:r>
+              <a:rPr lang="ja-JP" altLang="en-US" sz="1400" b="1">
+                <a:latin typeface="BIZ UDゴシック" panose="020B0400000000000000" pitchFamily="49" charset="-128"/>
+                <a:ea typeface="BIZ UDゴシック" panose="020B0400000000000000" pitchFamily="49" charset="-128"/>
+              </a:rPr>
+              <a:t>ポイント</a:t>
+            </a:r>
+            <a:endParaRPr lang="en-US" altLang="ja-JP" sz="1400" b="1">
+              <a:latin typeface="BIZ UDゴシック" panose="020B0400000000000000" pitchFamily="49" charset="-128"/>
+              <a:ea typeface="BIZ UDゴシック" panose="020B0400000000000000" pitchFamily="49" charset="-128"/>
+            </a:endParaRPr>
+          </a:p>
+          <a:p>
+            <a:r>
+              <a:rPr lang="en-US" altLang="ja-JP" sz="1400" b="1">
+                <a:latin typeface="BIZ UDゴシック" panose="020B0400000000000000" pitchFamily="49" charset="-128"/>
+                <a:ea typeface="BIZ UDゴシック" panose="020B0400000000000000" pitchFamily="49" charset="-128"/>
+              </a:rPr>
+              <a:t>2</a:t>
+            </a:r>
+            <a:r>
+              <a:rPr lang="ja-JP" altLang="en-US" sz="1400" b="1">
+                <a:latin typeface="BIZ UDゴシック" panose="020B0400000000000000" pitchFamily="49" charset="-128"/>
+                <a:ea typeface="BIZ UDゴシック" panose="020B0400000000000000" pitchFamily="49" charset="-128"/>
+              </a:rPr>
+              <a:t> ターン</a:t>
+            </a:r>
+            <a:endParaRPr lang="en-US" altLang="ja-JP" sz="1400" b="1">
+              <a:latin typeface="BIZ UDゴシック" panose="020B0400000000000000" pitchFamily="49" charset="-128"/>
+              <a:ea typeface="BIZ UDゴシック" panose="020B0400000000000000" pitchFamily="49" charset="-128"/>
+            </a:endParaRPr>
+          </a:p>
+          <a:p>
+            <a:endParaRPr lang="en-US" altLang="ja-JP" sz="2800" b="1">
+              <a:latin typeface="BIZ UDゴシック" panose="020B0400000000000000" pitchFamily="49" charset="-128"/>
+              <a:ea typeface="BIZ UDゴシック" panose="020B0400000000000000" pitchFamily="49" charset="-128"/>
+            </a:endParaRPr>
+          </a:p>
+          <a:p>
+            <a:r>
+              <a:rPr lang="ja-JP" altLang="en-US" sz="2000" b="1">
+                <a:latin typeface="BIZ UDゴシック" panose="020B0400000000000000" pitchFamily="49" charset="-128"/>
+                <a:ea typeface="BIZ UDゴシック" panose="020B0400000000000000" pitchFamily="49" charset="-128"/>
+              </a:rPr>
+              <a:t>村人</a:t>
+            </a:r>
+            <a:endParaRPr lang="en-US" altLang="ja-JP" sz="2000" b="1">
+              <a:latin typeface="BIZ UDゴシック" panose="020B0400000000000000" pitchFamily="49" charset="-128"/>
+              <a:ea typeface="BIZ UDゴシック" panose="020B0400000000000000" pitchFamily="49" charset="-128"/>
+            </a:endParaRPr>
+          </a:p>
+          <a:p>
+            <a:r>
+              <a:rPr lang="en-US" altLang="ja-JP" sz="1400" b="1">
+                <a:latin typeface="BIZ UDゴシック" panose="020B0400000000000000" pitchFamily="49" charset="-128"/>
+                <a:ea typeface="BIZ UDゴシック" panose="020B0400000000000000" pitchFamily="49" charset="-128"/>
+              </a:rPr>
+              <a:t>3 </a:t>
+            </a:r>
+            <a:r>
+              <a:rPr lang="ja-JP" altLang="en-US" sz="1400" b="1">
+                <a:latin typeface="BIZ UDゴシック" panose="020B0400000000000000" pitchFamily="49" charset="-128"/>
+                <a:ea typeface="BIZ UDゴシック" panose="020B0400000000000000" pitchFamily="49" charset="-128"/>
+              </a:rPr>
+              <a:t>ポイント</a:t>
+            </a:r>
+            <a:endParaRPr lang="en-US" altLang="ja-JP" sz="1400" b="1">
+              <a:latin typeface="BIZ UDゴシック" panose="020B0400000000000000" pitchFamily="49" charset="-128"/>
+              <a:ea typeface="BIZ UDゴシック" panose="020B0400000000000000" pitchFamily="49" charset="-128"/>
+            </a:endParaRPr>
+          </a:p>
+          <a:p>
+            <a:r>
+              <a:rPr lang="en-US" altLang="ja-JP" sz="1400" b="1">
+                <a:latin typeface="BIZ UDゴシック" panose="020B0400000000000000" pitchFamily="49" charset="-128"/>
+                <a:ea typeface="BIZ UDゴシック" panose="020B0400000000000000" pitchFamily="49" charset="-128"/>
+              </a:rPr>
+              <a:t>2</a:t>
+            </a:r>
+            <a:r>
+              <a:rPr lang="ja-JP" altLang="en-US" sz="1400" b="1">
+                <a:latin typeface="BIZ UDゴシック" panose="020B0400000000000000" pitchFamily="49" charset="-128"/>
+                <a:ea typeface="BIZ UDゴシック" panose="020B0400000000000000" pitchFamily="49" charset="-128"/>
+              </a:rPr>
+              <a:t> ターン</a:t>
+            </a:r>
+            <a:endParaRPr lang="en-US" altLang="ja-JP" sz="1400" b="1">
+              <a:latin typeface="BIZ UDゴシック" panose="020B0400000000000000" pitchFamily="49" charset="-128"/>
+              <a:ea typeface="BIZ UDゴシック" panose="020B0400000000000000" pitchFamily="49" charset="-128"/>
+            </a:endParaRPr>
+          </a:p>
+        </p:txBody>
+      </p:sp>
+      <p:pic>
+        <p:nvPicPr>
+          <p:cNvPr id="39" name="図 38">
+            <a:extLst>
+              <a:ext uri="{FF2B5EF4-FFF2-40B4-BE49-F238E27FC236}">
+                <a16:creationId xmlns:a16="http://schemas.microsoft.com/office/drawing/2014/main" id="{48CBFB5E-8C0C-1500-D97F-ADC5029B1A86}"/>
+              </a:ext>
+            </a:extLst>
+          </p:cNvPr>
+          <p:cNvPicPr>
+            <a:picLocks noChangeAspect="1"/>
+          </p:cNvPicPr>
+          <p:nvPr/>
+        </p:nvPicPr>
+        <p:blipFill>
+          <a:blip r:embed="rId5">
+            <a:extLst>
+              <a:ext uri="{28A0092B-C50C-407E-A947-70E740481C1C}">
+                <a14:useLocalDpi xmlns:a14="http://schemas.microsoft.com/office/drawing/2010/main" val="0"/>
+              </a:ext>
+            </a:extLst>
+          </a:blip>
+          <a:stretch>
+            <a:fillRect/>
+          </a:stretch>
+        </p:blipFill>
+        <p:spPr>
+          <a:xfrm>
+            <a:off x="3526884" y="1783526"/>
+            <a:ext cx="1099852" cy="1236234"/>
+          </a:xfrm>
+          <a:prstGeom prst="rect">
+            <a:avLst/>
+          </a:prstGeom>
+        </p:spPr>
+      </p:pic>
+      <p:pic>
+        <p:nvPicPr>
+          <p:cNvPr id="41" name="図 40">
+            <a:extLst>
+              <a:ext uri="{FF2B5EF4-FFF2-40B4-BE49-F238E27FC236}">
+                <a16:creationId xmlns:a16="http://schemas.microsoft.com/office/drawing/2014/main" id="{CE281396-5999-12ED-6C3F-65A998F8696E}"/>
+              </a:ext>
+            </a:extLst>
+          </p:cNvPr>
+          <p:cNvPicPr>
+            <a:picLocks noChangeAspect="1"/>
+          </p:cNvPicPr>
+          <p:nvPr/>
+        </p:nvPicPr>
+        <p:blipFill>
+          <a:blip r:embed="rId6">
+            <a:extLst>
+              <a:ext uri="{28A0092B-C50C-407E-A947-70E740481C1C}">
+                <a14:useLocalDpi xmlns:a14="http://schemas.microsoft.com/office/drawing/2010/main" val="0"/>
+              </a:ext>
+            </a:extLst>
+          </a:blip>
+          <a:stretch>
+            <a:fillRect/>
+          </a:stretch>
+        </p:blipFill>
+        <p:spPr>
+          <a:xfrm>
+            <a:off x="2413017" y="1818595"/>
+            <a:ext cx="895429" cy="1219574"/>
+          </a:xfrm>
+          <a:prstGeom prst="rect">
+            <a:avLst/>
+          </a:prstGeom>
+        </p:spPr>
+      </p:pic>
+      <p:pic>
+        <p:nvPicPr>
+          <p:cNvPr id="42" name="図 41">
+            <a:extLst>
+              <a:ext uri="{FF2B5EF4-FFF2-40B4-BE49-F238E27FC236}">
+                <a16:creationId xmlns:a16="http://schemas.microsoft.com/office/drawing/2014/main" id="{B55B3CB3-BB16-5242-40AC-FBB794ECD419}"/>
+              </a:ext>
+            </a:extLst>
+          </p:cNvPr>
+          <p:cNvPicPr>
+            <a:picLocks noChangeAspect="1"/>
+          </p:cNvPicPr>
+          <p:nvPr/>
+        </p:nvPicPr>
+        <p:blipFill>
+          <a:blip r:embed="rId4">
+            <a:extLst>
+              <a:ext uri="{28A0092B-C50C-407E-A947-70E740481C1C}">
+                <a14:useLocalDpi xmlns:a14="http://schemas.microsoft.com/office/drawing/2010/main" val="0"/>
+              </a:ext>
+            </a:extLst>
+          </a:blip>
+          <a:stretch>
+            <a:fillRect/>
+          </a:stretch>
+        </p:blipFill>
+        <p:spPr>
+          <a:xfrm>
+            <a:off x="7228060" y="2187391"/>
+            <a:ext cx="1453613" cy="1453613"/>
+          </a:xfrm>
+          <a:prstGeom prst="rect">
+            <a:avLst/>
+          </a:prstGeom>
+        </p:spPr>
+      </p:pic>
+      <p:pic>
+        <p:nvPicPr>
+          <p:cNvPr id="37" name="図 36">
+            <a:extLst>
+              <a:ext uri="{FF2B5EF4-FFF2-40B4-BE49-F238E27FC236}">
+                <a16:creationId xmlns:a16="http://schemas.microsoft.com/office/drawing/2014/main" id="{DE560294-8839-1CDD-8D70-E9CEFE43769F}"/>
+              </a:ext>
+            </a:extLst>
+          </p:cNvPr>
+          <p:cNvPicPr>
+            <a:picLocks noChangeAspect="1"/>
+          </p:cNvPicPr>
+          <p:nvPr/>
+        </p:nvPicPr>
+        <p:blipFill>
+          <a:blip r:embed="rId7">
+            <a:extLst>
+              <a:ext uri="{28A0092B-C50C-407E-A947-70E740481C1C}">
+                <a14:useLocalDpi xmlns:a14="http://schemas.microsoft.com/office/drawing/2010/main" val="0"/>
+              </a:ext>
+            </a:extLst>
+          </a:blip>
+          <a:stretch>
+            <a:fillRect/>
+          </a:stretch>
+        </p:blipFill>
+        <p:spPr>
+          <a:xfrm>
+            <a:off x="7355698" y="1480029"/>
+            <a:ext cx="1236817" cy="1454497"/>
+          </a:xfrm>
+          <a:prstGeom prst="rect">
+            <a:avLst/>
+          </a:prstGeom>
+        </p:spPr>
+      </p:pic>
+      <p:pic>
+        <p:nvPicPr>
+          <p:cNvPr id="43" name="図 42">
+            <a:extLst>
+              <a:ext uri="{FF2B5EF4-FFF2-40B4-BE49-F238E27FC236}">
+                <a16:creationId xmlns:a16="http://schemas.microsoft.com/office/drawing/2014/main" id="{1CBBF909-9735-E08D-1577-73E4BFB1CC15}"/>
+              </a:ext>
+            </a:extLst>
+          </p:cNvPr>
+          <p:cNvPicPr>
+            <a:picLocks noChangeAspect="1"/>
+          </p:cNvPicPr>
+          <p:nvPr/>
+        </p:nvPicPr>
+        <p:blipFill>
+          <a:blip r:embed="rId4">
+            <a:extLst>
+              <a:ext uri="{28A0092B-C50C-407E-A947-70E740481C1C}">
+                <a14:useLocalDpi xmlns:a14="http://schemas.microsoft.com/office/drawing/2010/main" val="0"/>
+              </a:ext>
+            </a:extLst>
+          </a:blip>
+          <a:stretch>
+            <a:fillRect/>
+          </a:stretch>
+        </p:blipFill>
+        <p:spPr>
+          <a:xfrm>
+            <a:off x="8482773" y="2182604"/>
+            <a:ext cx="1453613" cy="1453613"/>
+          </a:xfrm>
+          <a:prstGeom prst="rect">
+            <a:avLst/>
+          </a:prstGeom>
+        </p:spPr>
+      </p:pic>
+      <p:pic>
+        <p:nvPicPr>
+          <p:cNvPr id="44" name="図 43">
+            <a:extLst>
+              <a:ext uri="{FF2B5EF4-FFF2-40B4-BE49-F238E27FC236}">
+                <a16:creationId xmlns:a16="http://schemas.microsoft.com/office/drawing/2014/main" id="{BA753133-AC7E-E365-3D83-9A8FDCE6EEAA}"/>
+              </a:ext>
+            </a:extLst>
+          </p:cNvPr>
+          <p:cNvPicPr>
+            <a:picLocks noChangeAspect="1"/>
+          </p:cNvPicPr>
+          <p:nvPr/>
+        </p:nvPicPr>
+        <p:blipFill>
+          <a:blip r:embed="rId4">
+            <a:extLst>
+              <a:ext uri="{28A0092B-C50C-407E-A947-70E740481C1C}">
+                <a14:useLocalDpi xmlns:a14="http://schemas.microsoft.com/office/drawing/2010/main" val="0"/>
+              </a:ext>
+            </a:extLst>
+          </a:blip>
+          <a:stretch>
+            <a:fillRect/>
+          </a:stretch>
+        </p:blipFill>
+        <p:spPr>
+          <a:xfrm>
+            <a:off x="8638732" y="2894753"/>
+            <a:ext cx="1453613" cy="1453613"/>
+          </a:xfrm>
+          <a:prstGeom prst="rect">
+            <a:avLst/>
+          </a:prstGeom>
+        </p:spPr>
+      </p:pic>
+      <p:pic>
+        <p:nvPicPr>
+          <p:cNvPr id="45" name="図 44">
+            <a:extLst>
+              <a:ext uri="{FF2B5EF4-FFF2-40B4-BE49-F238E27FC236}">
+                <a16:creationId xmlns:a16="http://schemas.microsoft.com/office/drawing/2014/main" id="{EF4F7D85-ACA3-16D4-2C84-4B2F5C9D8E36}"/>
+              </a:ext>
+            </a:extLst>
+          </p:cNvPr>
+          <p:cNvPicPr>
+            <a:picLocks noChangeAspect="1"/>
+          </p:cNvPicPr>
+          <p:nvPr/>
+        </p:nvPicPr>
+        <p:blipFill>
+          <a:blip r:embed="rId4">
+            <a:extLst>
+              <a:ext uri="{28A0092B-C50C-407E-A947-70E740481C1C}">
+                <a14:useLocalDpi xmlns:a14="http://schemas.microsoft.com/office/drawing/2010/main" val="0"/>
+              </a:ext>
+            </a:extLst>
+          </a:blip>
+          <a:stretch>
+            <a:fillRect/>
+          </a:stretch>
+        </p:blipFill>
+        <p:spPr>
+          <a:xfrm>
+            <a:off x="9507996" y="3353729"/>
+            <a:ext cx="1453613" cy="1453613"/>
+          </a:xfrm>
+          <a:prstGeom prst="rect">
+            <a:avLst/>
+          </a:prstGeom>
+        </p:spPr>
+      </p:pic>
+      <p:pic>
+        <p:nvPicPr>
+          <p:cNvPr id="46" name="図 45">
+            <a:extLst>
+              <a:ext uri="{FF2B5EF4-FFF2-40B4-BE49-F238E27FC236}">
+                <a16:creationId xmlns:a16="http://schemas.microsoft.com/office/drawing/2014/main" id="{33575CDD-C6DB-3A41-E5CE-88F3EBD337CC}"/>
+              </a:ext>
+            </a:extLst>
+          </p:cNvPr>
+          <p:cNvPicPr>
+            <a:picLocks noChangeAspect="1"/>
+          </p:cNvPicPr>
+          <p:nvPr/>
+        </p:nvPicPr>
+        <p:blipFill>
+          <a:blip r:embed="rId4">
+            <a:extLst>
+              <a:ext uri="{28A0092B-C50C-407E-A947-70E740481C1C}">
+                <a14:useLocalDpi xmlns:a14="http://schemas.microsoft.com/office/drawing/2010/main" val="0"/>
+              </a:ext>
+            </a:extLst>
+          </a:blip>
+          <a:stretch>
+            <a:fillRect/>
+          </a:stretch>
+        </p:blipFill>
+        <p:spPr>
+          <a:xfrm>
+            <a:off x="9764710" y="2187391"/>
+            <a:ext cx="1453613" cy="1453613"/>
+          </a:xfrm>
+          <a:prstGeom prst="rect">
+            <a:avLst/>
+          </a:prstGeom>
+        </p:spPr>
+      </p:pic>
+      <p:pic>
+        <p:nvPicPr>
+          <p:cNvPr id="47" name="図 46">
+            <a:extLst>
+              <a:ext uri="{FF2B5EF4-FFF2-40B4-BE49-F238E27FC236}">
+                <a16:creationId xmlns:a16="http://schemas.microsoft.com/office/drawing/2014/main" id="{CF54600F-744D-6008-EB36-EF8686E3CC00}"/>
+              </a:ext>
+            </a:extLst>
+          </p:cNvPr>
+          <p:cNvPicPr>
+            <a:picLocks noChangeAspect="1"/>
+          </p:cNvPicPr>
+          <p:nvPr/>
+        </p:nvPicPr>
+        <p:blipFill>
+          <a:blip r:embed="rId4">
+            <a:extLst>
+              <a:ext uri="{28A0092B-C50C-407E-A947-70E740481C1C}">
+                <a14:useLocalDpi xmlns:a14="http://schemas.microsoft.com/office/drawing/2010/main" val="0"/>
+              </a:ext>
+            </a:extLst>
+          </a:blip>
+          <a:srcRect r="19832"/>
+          <a:stretch>
+            <a:fillRect/>
+          </a:stretch>
+        </p:blipFill>
+        <p:spPr>
+          <a:xfrm>
+            <a:off x="11026669" y="2182603"/>
+            <a:ext cx="1165332" cy="1453613"/>
+          </a:xfrm>
+          <a:prstGeom prst="rect">
+            <a:avLst/>
+          </a:prstGeom>
+        </p:spPr>
+      </p:pic>
+      <p:pic>
+        <p:nvPicPr>
+          <p:cNvPr id="49" name="図 48">
+            <a:extLst>
+              <a:ext uri="{FF2B5EF4-FFF2-40B4-BE49-F238E27FC236}">
+                <a16:creationId xmlns:a16="http://schemas.microsoft.com/office/drawing/2014/main" id="{5E2748E9-3573-48E4-F4AB-3F3843FF5AD5}"/>
+              </a:ext>
+            </a:extLst>
+          </p:cNvPr>
+          <p:cNvPicPr>
+            <a:picLocks noChangeAspect="1"/>
+          </p:cNvPicPr>
+          <p:nvPr/>
+        </p:nvPicPr>
+        <p:blipFill>
+          <a:blip r:embed="rId4">
+            <a:duotone>
+              <a:schemeClr val="accent2">
+                <a:shade val="45000"/>
+                <a:satMod val="135000"/>
+              </a:schemeClr>
+              <a:prstClr val="white"/>
+            </a:duotone>
+            <a:extLst>
+              <a:ext uri="{28A0092B-C50C-407E-A947-70E740481C1C}">
+                <a14:useLocalDpi xmlns:a14="http://schemas.microsoft.com/office/drawing/2010/main" val="0"/>
+              </a:ext>
+            </a:extLst>
+          </a:blip>
+          <a:stretch>
+            <a:fillRect/>
+          </a:stretch>
+        </p:blipFill>
+        <p:spPr>
+          <a:xfrm>
+            <a:off x="10803448" y="3368386"/>
+            <a:ext cx="1453612" cy="1453612"/>
+          </a:xfrm>
+          <a:prstGeom prst="rect">
+            <a:avLst/>
+          </a:prstGeom>
+        </p:spPr>
+      </p:pic>
+      <p:pic>
+        <p:nvPicPr>
+          <p:cNvPr id="51" name="図 50">
+            <a:extLst>
+              <a:ext uri="{FF2B5EF4-FFF2-40B4-BE49-F238E27FC236}">
+                <a16:creationId xmlns:a16="http://schemas.microsoft.com/office/drawing/2014/main" id="{4471B4BB-3EAD-7FBB-4497-CD2D110AA84C}"/>
+              </a:ext>
+            </a:extLst>
+          </p:cNvPr>
+          <p:cNvPicPr>
+            <a:picLocks noChangeAspect="1"/>
+          </p:cNvPicPr>
+          <p:nvPr/>
+        </p:nvPicPr>
+        <p:blipFill>
+          <a:blip r:embed="rId4">
+            <a:extLst>
+              <a:ext uri="{28A0092B-C50C-407E-A947-70E740481C1C}">
+                <a14:useLocalDpi xmlns:a14="http://schemas.microsoft.com/office/drawing/2010/main" val="0"/>
+              </a:ext>
+            </a:extLst>
+          </a:blip>
+          <a:srcRect l="58203"/>
+          <a:stretch>
+            <a:fillRect/>
+          </a:stretch>
+        </p:blipFill>
+        <p:spPr>
+          <a:xfrm>
+            <a:off x="1675326" y="2187391"/>
+            <a:ext cx="607571" cy="1453613"/>
+          </a:xfrm>
+          <a:prstGeom prst="rect">
+            <a:avLst/>
+          </a:prstGeom>
+        </p:spPr>
+      </p:pic>
+      <p:grpSp>
+        <p:nvGrpSpPr>
+          <p:cNvPr id="53" name="グループ化 52">
+            <a:extLst>
+              <a:ext uri="{FF2B5EF4-FFF2-40B4-BE49-F238E27FC236}">
+                <a16:creationId xmlns:a16="http://schemas.microsoft.com/office/drawing/2014/main" id="{8F6641B6-803A-DAA7-DB52-91122DD07E2A}"/>
+              </a:ext>
+            </a:extLst>
+          </p:cNvPr>
+          <p:cNvGrpSpPr/>
+          <p:nvPr/>
+        </p:nvGrpSpPr>
+        <p:grpSpPr>
+          <a:xfrm>
+            <a:off x="2176531" y="4119971"/>
+            <a:ext cx="2390274" cy="2278948"/>
+            <a:chOff x="2176531" y="4119971"/>
+            <a:chExt cx="2390274" cy="2278948"/>
+          </a:xfrm>
+        </p:grpSpPr>
+        <p:grpSp>
+          <p:nvGrpSpPr>
+            <p:cNvPr id="34" name="グループ化 33">
+              <a:extLst>
+                <a:ext uri="{FF2B5EF4-FFF2-40B4-BE49-F238E27FC236}">
+                  <a16:creationId xmlns:a16="http://schemas.microsoft.com/office/drawing/2014/main" id="{20C4011B-9410-BFF4-0020-4BA6C37CA15A}"/>
+                </a:ext>
+              </a:extLst>
+            </p:cNvPr>
+            <p:cNvGrpSpPr/>
+            <p:nvPr/>
+          </p:nvGrpSpPr>
+          <p:grpSpPr>
+            <a:xfrm>
+              <a:off x="2176531" y="4119971"/>
+              <a:ext cx="2390274" cy="2278948"/>
+              <a:chOff x="2248527" y="4178090"/>
+              <a:chExt cx="2390274" cy="2278948"/>
+            </a:xfrm>
+          </p:grpSpPr>
+          <p:sp>
+            <p:nvSpPr>
+              <p:cNvPr id="14" name="楕円 13">
+                <a:extLst>
+                  <a:ext uri="{FF2B5EF4-FFF2-40B4-BE49-F238E27FC236}">
+                    <a16:creationId xmlns:a16="http://schemas.microsoft.com/office/drawing/2014/main" id="{6DF12BC5-F1ED-C11A-8DB5-4850133EEEB5}"/>
+                  </a:ext>
+                </a:extLst>
+              </p:cNvPr>
+              <p:cNvSpPr/>
+              <p:nvPr/>
+            </p:nvSpPr>
+            <p:spPr>
+              <a:xfrm>
+                <a:off x="2248527" y="4178090"/>
+                <a:ext cx="2390274" cy="2278948"/>
+              </a:xfrm>
+              <a:prstGeom prst="ellipse">
+                <a:avLst/>
+              </a:prstGeom>
+              <a:solidFill>
+                <a:schemeClr val="bg1"/>
+              </a:solidFill>
+              <a:ln w="57150">
+                <a:solidFill>
+                  <a:srgbClr val="FFC000"/>
+                </a:solidFill>
+              </a:ln>
+            </p:spPr>
+            <p:style>
+              <a:lnRef idx="2">
+                <a:schemeClr val="accent1">
+                  <a:shade val="15000"/>
+                </a:schemeClr>
+              </a:lnRef>
+              <a:fillRef idx="1">
+                <a:schemeClr val="accent1"/>
+              </a:fillRef>
+              <a:effectRef idx="0">
+                <a:schemeClr val="accent1"/>
+              </a:effectRef>
+              <a:fontRef idx="minor">
+                <a:schemeClr val="lt1"/>
+              </a:fontRef>
+            </p:style>
+            <p:txBody>
+              <a:bodyPr rtlCol="0" anchor="ctr"/>
+              <a:lstStyle/>
+              <a:p>
+                <a:pPr algn="ctr"/>
+                <a:endParaRPr kumimoji="1" lang="ja-JP" altLang="en-US"/>
+              </a:p>
+            </p:txBody>
+          </p:sp>
+          <p:cxnSp>
+            <p:nvCxnSpPr>
+              <p:cNvPr id="17" name="直線コネクタ 16">
+                <a:extLst>
+                  <a:ext uri="{FF2B5EF4-FFF2-40B4-BE49-F238E27FC236}">
+                    <a16:creationId xmlns:a16="http://schemas.microsoft.com/office/drawing/2014/main" id="{3D59AD9F-FB01-0A26-6857-F884082B0D9A}"/>
+                  </a:ext>
+                </a:extLst>
+              </p:cNvPr>
+              <p:cNvCxnSpPr>
+                <a:stCxn id="14" idx="0"/>
+              </p:cNvCxnSpPr>
+              <p:nvPr/>
+            </p:nvCxnSpPr>
+            <p:spPr>
+              <a:xfrm flipH="1">
+                <a:off x="3443663" y="4178090"/>
+                <a:ext cx="1" cy="2278948"/>
+              </a:xfrm>
+              <a:prstGeom prst="line">
+                <a:avLst/>
+              </a:prstGeom>
+              <a:ln w="38100">
+                <a:solidFill>
+                  <a:srgbClr val="FFC000"/>
+                </a:solidFill>
+              </a:ln>
+            </p:spPr>
+            <p:style>
+              <a:lnRef idx="1">
+                <a:schemeClr val="accent1"/>
+              </a:lnRef>
+              <a:fillRef idx="0">
+                <a:schemeClr val="accent1"/>
+              </a:fillRef>
+              <a:effectRef idx="0">
+                <a:schemeClr val="accent1"/>
+              </a:effectRef>
+              <a:fontRef idx="minor">
+                <a:schemeClr val="tx1"/>
+              </a:fontRef>
+            </p:style>
+          </p:cxnSp>
+          <p:sp>
+            <p:nvSpPr>
+              <p:cNvPr id="33" name="二等辺三角形 32">
+                <a:extLst>
+                  <a:ext uri="{FF2B5EF4-FFF2-40B4-BE49-F238E27FC236}">
+                    <a16:creationId xmlns:a16="http://schemas.microsoft.com/office/drawing/2014/main" id="{B4397583-EB89-1D31-2A55-6DA4F441F8EB}"/>
+                  </a:ext>
+                </a:extLst>
+              </p:cNvPr>
+              <p:cNvSpPr/>
+              <p:nvPr/>
+            </p:nvSpPr>
+            <p:spPr>
+              <a:xfrm>
+                <a:off x="3306931" y="4501992"/>
+                <a:ext cx="275853" cy="384795"/>
+              </a:xfrm>
+              <a:prstGeom prst="triangle">
+                <a:avLst/>
+              </a:prstGeom>
+              <a:solidFill>
+                <a:srgbClr val="FF0000"/>
+              </a:solidFill>
+              <a:ln>
+                <a:noFill/>
+              </a:ln>
+            </p:spPr>
+            <p:style>
+              <a:lnRef idx="2">
+                <a:schemeClr val="accent1">
+                  <a:shade val="15000"/>
+                </a:schemeClr>
+              </a:lnRef>
+              <a:fillRef idx="1">
+                <a:schemeClr val="accent1"/>
+              </a:fillRef>
+              <a:effectRef idx="0">
+                <a:schemeClr val="accent1"/>
+              </a:effectRef>
+              <a:fontRef idx="minor">
+                <a:schemeClr val="lt1"/>
+              </a:fontRef>
+            </p:style>
+            <p:txBody>
+              <a:bodyPr rtlCol="0" anchor="ctr"/>
+              <a:lstStyle/>
+              <a:p>
+                <a:pPr algn="ctr"/>
+                <a:endParaRPr kumimoji="1" lang="ja-JP" altLang="en-US"/>
+              </a:p>
+            </p:txBody>
+          </p:sp>
+          <p:sp>
+            <p:nvSpPr>
+              <p:cNvPr id="15" name="楕円 14">
+                <a:extLst>
+                  <a:ext uri="{FF2B5EF4-FFF2-40B4-BE49-F238E27FC236}">
+                    <a16:creationId xmlns:a16="http://schemas.microsoft.com/office/drawing/2014/main" id="{38511292-14BD-60CF-4125-F3F3FA8A36E0}"/>
+                  </a:ext>
+                </a:extLst>
+              </p:cNvPr>
+              <p:cNvSpPr/>
+              <p:nvPr/>
+            </p:nvSpPr>
+            <p:spPr>
+              <a:xfrm>
+                <a:off x="2953377" y="4840787"/>
+                <a:ext cx="980573" cy="953554"/>
+              </a:xfrm>
+              <a:prstGeom prst="ellipse">
+                <a:avLst/>
+              </a:prstGeom>
+              <a:solidFill>
+                <a:srgbClr val="FFC000"/>
+              </a:solidFill>
+              <a:ln>
+                <a:noFill/>
+              </a:ln>
+            </p:spPr>
+            <p:style>
+              <a:lnRef idx="2">
+                <a:schemeClr val="accent1">
+                  <a:shade val="15000"/>
+                </a:schemeClr>
+              </a:lnRef>
+              <a:fillRef idx="1">
+                <a:schemeClr val="accent1"/>
+              </a:fillRef>
+              <a:effectRef idx="0">
+                <a:schemeClr val="accent1"/>
+              </a:effectRef>
+              <a:fontRef idx="minor">
+                <a:schemeClr val="lt1"/>
+              </a:fontRef>
+            </p:style>
+            <p:txBody>
+              <a:bodyPr rtlCol="0" anchor="ctr"/>
+              <a:lstStyle/>
+              <a:p>
+                <a:pPr algn="ctr"/>
+                <a:endParaRPr kumimoji="1" lang="ja-JP" altLang="en-US"/>
+              </a:p>
+            </p:txBody>
+          </p:sp>
+          <p:cxnSp>
+            <p:nvCxnSpPr>
+              <p:cNvPr id="18" name="直線コネクタ 17">
+                <a:extLst>
+                  <a:ext uri="{FF2B5EF4-FFF2-40B4-BE49-F238E27FC236}">
+                    <a16:creationId xmlns:a16="http://schemas.microsoft.com/office/drawing/2014/main" id="{3D453066-FCA3-73F8-8782-F2DC55E6A3F8}"/>
+                  </a:ext>
+                </a:extLst>
+              </p:cNvPr>
+              <p:cNvCxnSpPr>
+                <a:cxnSpLocks/>
+              </p:cNvCxnSpPr>
+              <p:nvPr/>
+            </p:nvCxnSpPr>
+            <p:spPr>
+              <a:xfrm flipH="1">
+                <a:off x="2438400" y="4739148"/>
+                <a:ext cx="1997508" cy="1213987"/>
+              </a:xfrm>
+              <a:prstGeom prst="line">
+                <a:avLst/>
+              </a:prstGeom>
+              <a:ln w="38100">
+                <a:solidFill>
+                  <a:srgbClr val="FFC000"/>
+                </a:solidFill>
+              </a:ln>
+            </p:spPr>
+            <p:style>
+              <a:lnRef idx="1">
+                <a:schemeClr val="accent1"/>
+              </a:lnRef>
+              <a:fillRef idx="0">
+                <a:schemeClr val="accent1"/>
+              </a:fillRef>
+              <a:effectRef idx="0">
+                <a:schemeClr val="accent1"/>
+              </a:effectRef>
+              <a:fontRef idx="minor">
+                <a:schemeClr val="tx1"/>
+              </a:fontRef>
+            </p:style>
+          </p:cxnSp>
+          <p:cxnSp>
+            <p:nvCxnSpPr>
+              <p:cNvPr id="21" name="直線コネクタ 20">
+                <a:extLst>
+                  <a:ext uri="{FF2B5EF4-FFF2-40B4-BE49-F238E27FC236}">
+                    <a16:creationId xmlns:a16="http://schemas.microsoft.com/office/drawing/2014/main" id="{3B4DD6B0-4C3E-BDE9-ECAD-7142DF5E6212}"/>
+                  </a:ext>
+                </a:extLst>
+              </p:cNvPr>
+              <p:cNvCxnSpPr>
+                <a:cxnSpLocks/>
+              </p:cNvCxnSpPr>
+              <p:nvPr/>
+            </p:nvCxnSpPr>
+            <p:spPr>
+              <a:xfrm>
+                <a:off x="2438400" y="4739148"/>
+                <a:ext cx="1997508" cy="1213987"/>
+              </a:xfrm>
+              <a:prstGeom prst="line">
+                <a:avLst/>
+              </a:prstGeom>
+              <a:ln w="38100">
+                <a:solidFill>
+                  <a:srgbClr val="FFC000"/>
+                </a:solidFill>
+              </a:ln>
+            </p:spPr>
+            <p:style>
+              <a:lnRef idx="1">
+                <a:schemeClr val="accent1"/>
+              </a:lnRef>
+              <a:fillRef idx="0">
+                <a:schemeClr val="accent1"/>
+              </a:fillRef>
+              <a:effectRef idx="0">
+                <a:schemeClr val="accent1"/>
+              </a:effectRef>
+              <a:fontRef idx="minor">
+                <a:schemeClr val="tx1"/>
+              </a:fontRef>
+            </p:style>
+          </p:cxnSp>
+          <p:sp>
+            <p:nvSpPr>
+              <p:cNvPr id="27" name="テキスト ボックス 26">
+                <a:extLst>
+                  <a:ext uri="{FF2B5EF4-FFF2-40B4-BE49-F238E27FC236}">
+                    <a16:creationId xmlns:a16="http://schemas.microsoft.com/office/drawing/2014/main" id="{BE870286-23E7-667E-5BA7-E5375F9D6420}"/>
+                  </a:ext>
+                </a:extLst>
+              </p:cNvPr>
+              <p:cNvSpPr txBox="1"/>
+              <p:nvPr/>
+            </p:nvSpPr>
+            <p:spPr>
+              <a:xfrm rot="1574792">
+                <a:off x="3623440" y="4268294"/>
+                <a:ext cx="526026" cy="707886"/>
+              </a:xfrm>
+              <a:prstGeom prst="rect">
+                <a:avLst/>
+              </a:prstGeom>
+              <a:noFill/>
+            </p:spPr>
+            <p:txBody>
+              <a:bodyPr wrap="square" rtlCol="0">
+                <a:spAutoFit/>
+              </a:bodyPr>
+              <a:lstStyle/>
+              <a:p>
+                <a:r>
+                  <a:rPr kumimoji="1" lang="en-US" altLang="ja-JP" sz="4000" b="1">
+                    <a:solidFill>
+                      <a:srgbClr val="00B0F0"/>
+                    </a:solidFill>
+                    <a:latin typeface="HGP創英角ｺﾞｼｯｸUB" panose="020B0900000000000000" pitchFamily="50" charset="-128"/>
+                    <a:ea typeface="HGP創英角ｺﾞｼｯｸUB" panose="020B0900000000000000" pitchFamily="50" charset="-128"/>
+                  </a:rPr>
+                  <a:t>1</a:t>
+                </a:r>
+                <a:endParaRPr kumimoji="1" lang="ja-JP" altLang="en-US" sz="4000" b="1">
+                  <a:solidFill>
+                    <a:srgbClr val="00B0F0"/>
+                  </a:solidFill>
+                  <a:latin typeface="HGP創英角ｺﾞｼｯｸUB" panose="020B0900000000000000" pitchFamily="50" charset="-128"/>
+                  <a:ea typeface="HGP創英角ｺﾞｼｯｸUB" panose="020B0900000000000000" pitchFamily="50" charset="-128"/>
+                </a:endParaRPr>
+              </a:p>
+            </p:txBody>
+          </p:sp>
+          <p:sp>
+            <p:nvSpPr>
+              <p:cNvPr id="28" name="テキスト ボックス 27">
+                <a:extLst>
+                  <a:ext uri="{FF2B5EF4-FFF2-40B4-BE49-F238E27FC236}">
+                    <a16:creationId xmlns:a16="http://schemas.microsoft.com/office/drawing/2014/main" id="{0AF680D7-C63C-D7A9-67B5-0543C4AB514A}"/>
+                  </a:ext>
+                </a:extLst>
+              </p:cNvPr>
+              <p:cNvSpPr txBox="1"/>
+              <p:nvPr/>
+            </p:nvSpPr>
+            <p:spPr>
+              <a:xfrm rot="5400000">
+                <a:off x="4008825" y="4975454"/>
+                <a:ext cx="526026" cy="707886"/>
+              </a:xfrm>
+              <a:prstGeom prst="rect">
+                <a:avLst/>
+              </a:prstGeom>
+              <a:noFill/>
+            </p:spPr>
+            <p:txBody>
+              <a:bodyPr wrap="square" rtlCol="0">
+                <a:spAutoFit/>
+              </a:bodyPr>
+              <a:lstStyle/>
+              <a:p>
+                <a:r>
+                  <a:rPr lang="en-US" altLang="ja-JP" sz="4000" b="1">
+                    <a:solidFill>
+                      <a:srgbClr val="00B0F0"/>
+                    </a:solidFill>
+                    <a:latin typeface="HGP創英角ｺﾞｼｯｸUB" panose="020B0900000000000000" pitchFamily="50" charset="-128"/>
+                    <a:ea typeface="HGP創英角ｺﾞｼｯｸUB" panose="020B0900000000000000" pitchFamily="50" charset="-128"/>
+                  </a:rPr>
+                  <a:t>2</a:t>
+                </a:r>
+                <a:endParaRPr kumimoji="1" lang="ja-JP" altLang="en-US" sz="4000" b="1">
+                  <a:solidFill>
+                    <a:srgbClr val="00B0F0"/>
+                  </a:solidFill>
+                  <a:latin typeface="HGP創英角ｺﾞｼｯｸUB" panose="020B0900000000000000" pitchFamily="50" charset="-128"/>
+                  <a:ea typeface="HGP創英角ｺﾞｼｯｸUB" panose="020B0900000000000000" pitchFamily="50" charset="-128"/>
+                </a:endParaRPr>
+              </a:p>
+            </p:txBody>
+          </p:sp>
+          <p:sp>
+            <p:nvSpPr>
+              <p:cNvPr id="29" name="テキスト ボックス 28">
+                <a:extLst>
+                  <a:ext uri="{FF2B5EF4-FFF2-40B4-BE49-F238E27FC236}">
+                    <a16:creationId xmlns:a16="http://schemas.microsoft.com/office/drawing/2014/main" id="{F627D835-9B58-991F-FAB9-2687B2945009}"/>
+                  </a:ext>
+                </a:extLst>
+              </p:cNvPr>
+              <p:cNvSpPr txBox="1"/>
+              <p:nvPr/>
+            </p:nvSpPr>
+            <p:spPr>
+              <a:xfrm rot="9138365">
+                <a:off x="3578027" y="5670780"/>
+                <a:ext cx="526026" cy="707886"/>
+              </a:xfrm>
+              <a:prstGeom prst="rect">
+                <a:avLst/>
+              </a:prstGeom>
+              <a:noFill/>
+            </p:spPr>
+            <p:txBody>
+              <a:bodyPr wrap="square" rtlCol="0">
+                <a:spAutoFit/>
+              </a:bodyPr>
+              <a:lstStyle/>
+              <a:p>
+                <a:r>
+                  <a:rPr lang="en-US" altLang="ja-JP" sz="4000" b="1">
+                    <a:solidFill>
+                      <a:srgbClr val="00B0F0"/>
+                    </a:solidFill>
+                    <a:latin typeface="HGP創英角ｺﾞｼｯｸUB" panose="020B0900000000000000" pitchFamily="50" charset="-128"/>
+                    <a:ea typeface="HGP創英角ｺﾞｼｯｸUB" panose="020B0900000000000000" pitchFamily="50" charset="-128"/>
+                  </a:rPr>
+                  <a:t>3</a:t>
+                </a:r>
+                <a:endParaRPr kumimoji="1" lang="ja-JP" altLang="en-US" sz="4000" b="1">
+                  <a:solidFill>
+                    <a:srgbClr val="00B0F0"/>
+                  </a:solidFill>
+                  <a:latin typeface="HGP創英角ｺﾞｼｯｸUB" panose="020B0900000000000000" pitchFamily="50" charset="-128"/>
+                  <a:ea typeface="HGP創英角ｺﾞｼｯｸUB" panose="020B0900000000000000" pitchFamily="50" charset="-128"/>
+                </a:endParaRPr>
+              </a:p>
+            </p:txBody>
+          </p:sp>
+          <p:sp>
+            <p:nvSpPr>
+              <p:cNvPr id="30" name="テキスト ボックス 29">
+                <a:extLst>
+                  <a:ext uri="{FF2B5EF4-FFF2-40B4-BE49-F238E27FC236}">
+                    <a16:creationId xmlns:a16="http://schemas.microsoft.com/office/drawing/2014/main" id="{02A028B1-F48D-35B8-7623-869BB18E366C}"/>
+                  </a:ext>
+                </a:extLst>
+              </p:cNvPr>
+              <p:cNvSpPr txBox="1"/>
+              <p:nvPr/>
+            </p:nvSpPr>
+            <p:spPr>
+              <a:xfrm rot="12585038">
+                <a:off x="2778483" y="5651848"/>
+                <a:ext cx="526026" cy="707886"/>
+              </a:xfrm>
+              <a:prstGeom prst="rect">
+                <a:avLst/>
+              </a:prstGeom>
+              <a:noFill/>
+            </p:spPr>
+            <p:txBody>
+              <a:bodyPr wrap="square" rtlCol="0">
+                <a:spAutoFit/>
+              </a:bodyPr>
+              <a:lstStyle/>
+              <a:p>
+                <a:r>
+                  <a:rPr lang="en-US" altLang="ja-JP" sz="4000" b="1">
+                    <a:solidFill>
+                      <a:srgbClr val="00B0F0"/>
+                    </a:solidFill>
+                    <a:latin typeface="HGP創英角ｺﾞｼｯｸUB" panose="020B0900000000000000" pitchFamily="50" charset="-128"/>
+                    <a:ea typeface="HGP創英角ｺﾞｼｯｸUB" panose="020B0900000000000000" pitchFamily="50" charset="-128"/>
+                  </a:rPr>
+                  <a:t>4</a:t>
+                </a:r>
+                <a:endParaRPr kumimoji="1" lang="ja-JP" altLang="en-US" sz="4000" b="1">
+                  <a:solidFill>
+                    <a:srgbClr val="00B0F0"/>
+                  </a:solidFill>
+                  <a:latin typeface="HGP創英角ｺﾞｼｯｸUB" panose="020B0900000000000000" pitchFamily="50" charset="-128"/>
+                  <a:ea typeface="HGP創英角ｺﾞｼｯｸUB" panose="020B0900000000000000" pitchFamily="50" charset="-128"/>
+                </a:endParaRPr>
+              </a:p>
+            </p:txBody>
+          </p:sp>
+          <p:sp>
+            <p:nvSpPr>
+              <p:cNvPr id="31" name="テキスト ボックス 30">
+                <a:extLst>
+                  <a:ext uri="{FF2B5EF4-FFF2-40B4-BE49-F238E27FC236}">
+                    <a16:creationId xmlns:a16="http://schemas.microsoft.com/office/drawing/2014/main" id="{402618BE-E31F-EA94-4FC7-C151557DE33C}"/>
+                  </a:ext>
+                </a:extLst>
+              </p:cNvPr>
+              <p:cNvSpPr txBox="1"/>
+              <p:nvPr/>
+            </p:nvSpPr>
+            <p:spPr>
+              <a:xfrm rot="16200000">
+                <a:off x="2373206" y="4992198"/>
+                <a:ext cx="526026" cy="707886"/>
+              </a:xfrm>
+              <a:prstGeom prst="rect">
+                <a:avLst/>
+              </a:prstGeom>
+              <a:noFill/>
+            </p:spPr>
+            <p:txBody>
+              <a:bodyPr wrap="square" rtlCol="0">
+                <a:spAutoFit/>
+              </a:bodyPr>
+              <a:lstStyle/>
+              <a:p>
+                <a:r>
+                  <a:rPr lang="en-US" altLang="ja-JP" sz="4000" b="1">
+                    <a:solidFill>
+                      <a:srgbClr val="00B0F0"/>
+                    </a:solidFill>
+                    <a:latin typeface="HGP創英角ｺﾞｼｯｸUB" panose="020B0900000000000000" pitchFamily="50" charset="-128"/>
+                    <a:ea typeface="HGP創英角ｺﾞｼｯｸUB" panose="020B0900000000000000" pitchFamily="50" charset="-128"/>
+                  </a:rPr>
+                  <a:t>5</a:t>
+                </a:r>
+                <a:endParaRPr kumimoji="1" lang="ja-JP" altLang="en-US" sz="4000" b="1">
+                  <a:solidFill>
+                    <a:srgbClr val="00B0F0"/>
+                  </a:solidFill>
+                  <a:latin typeface="HGP創英角ｺﾞｼｯｸUB" panose="020B0900000000000000" pitchFamily="50" charset="-128"/>
+                  <a:ea typeface="HGP創英角ｺﾞｼｯｸUB" panose="020B0900000000000000" pitchFamily="50" charset="-128"/>
+                </a:endParaRPr>
+              </a:p>
+            </p:txBody>
+          </p:sp>
+          <p:sp>
+            <p:nvSpPr>
+              <p:cNvPr id="32" name="テキスト ボックス 31">
+                <a:extLst>
+                  <a:ext uri="{FF2B5EF4-FFF2-40B4-BE49-F238E27FC236}">
+                    <a16:creationId xmlns:a16="http://schemas.microsoft.com/office/drawing/2014/main" id="{CE59D130-64D0-6F80-ABAF-D4793EAECA45}"/>
+                  </a:ext>
+                </a:extLst>
+              </p:cNvPr>
+              <p:cNvSpPr txBox="1"/>
+              <p:nvPr/>
+            </p:nvSpPr>
+            <p:spPr>
+              <a:xfrm rot="19850341">
+                <a:off x="2747579" y="4286343"/>
+                <a:ext cx="526026" cy="707886"/>
+              </a:xfrm>
+              <a:prstGeom prst="rect">
+                <a:avLst/>
+              </a:prstGeom>
+              <a:noFill/>
+            </p:spPr>
+            <p:txBody>
+              <a:bodyPr wrap="square" rtlCol="0">
+                <a:spAutoFit/>
+              </a:bodyPr>
+              <a:lstStyle/>
+              <a:p>
+                <a:r>
+                  <a:rPr lang="en-US" altLang="ja-JP" sz="4000" b="1">
+                    <a:solidFill>
+                      <a:srgbClr val="00B0F0"/>
+                    </a:solidFill>
+                    <a:latin typeface="HGP創英角ｺﾞｼｯｸUB" panose="020B0900000000000000" pitchFamily="50" charset="-128"/>
+                    <a:ea typeface="HGP創英角ｺﾞｼｯｸUB" panose="020B0900000000000000" pitchFamily="50" charset="-128"/>
+                  </a:rPr>
+                  <a:t>6</a:t>
+                </a:r>
+                <a:endParaRPr kumimoji="1" lang="ja-JP" altLang="en-US" sz="4000" b="1">
+                  <a:solidFill>
+                    <a:srgbClr val="00B0F0"/>
+                  </a:solidFill>
+                  <a:latin typeface="HGP創英角ｺﾞｼｯｸUB" panose="020B0900000000000000" pitchFamily="50" charset="-128"/>
+                  <a:ea typeface="HGP創英角ｺﾞｼｯｸUB" panose="020B0900000000000000" pitchFamily="50" charset="-128"/>
+                </a:endParaRPr>
+              </a:p>
+            </p:txBody>
+          </p:sp>
+        </p:grpSp>
+        <p:sp>
+          <p:nvSpPr>
+            <p:cNvPr id="52" name="テキスト ボックス 51">
+              <a:extLst>
+                <a:ext uri="{FF2B5EF4-FFF2-40B4-BE49-F238E27FC236}">
+                  <a16:creationId xmlns:a16="http://schemas.microsoft.com/office/drawing/2014/main" id="{B800EE69-49FF-287D-5DDB-DDF5C4B32965}"/>
+                </a:ext>
+              </a:extLst>
+            </p:cNvPr>
+            <p:cNvSpPr txBox="1"/>
+            <p:nvPr/>
+          </p:nvSpPr>
+          <p:spPr>
+            <a:xfrm>
+              <a:off x="2843818" y="5120494"/>
+              <a:ext cx="1042679" cy="338554"/>
+            </a:xfrm>
+            <a:prstGeom prst="rect">
+              <a:avLst/>
+            </a:prstGeom>
+            <a:noFill/>
+          </p:spPr>
+          <p:txBody>
+            <a:bodyPr wrap="square" rtlCol="0">
+              <a:spAutoFit/>
+            </a:bodyPr>
+            <a:lstStyle/>
+            <a:p>
+              <a:pPr algn="ctr"/>
+              <a:r>
+                <a:rPr lang="ja-JP" altLang="en-US" sz="1600" b="1">
+                  <a:solidFill>
+                    <a:schemeClr val="bg1"/>
+                  </a:solidFill>
+                </a:rPr>
+                <a:t>スタート</a:t>
+              </a:r>
+              <a:endParaRPr kumimoji="1" lang="ja-JP" altLang="en-US" sz="1600" b="1">
+                <a:solidFill>
+                  <a:schemeClr val="bg1"/>
+                </a:solidFill>
+              </a:endParaRPr>
+            </a:p>
+          </p:txBody>
+        </p:sp>
+      </p:grpSp>
+      <p:sp>
+        <p:nvSpPr>
+          <p:cNvPr id="54" name="テキスト ボックス 53">
+            <a:extLst>
+              <a:ext uri="{FF2B5EF4-FFF2-40B4-BE49-F238E27FC236}">
+                <a16:creationId xmlns:a16="http://schemas.microsoft.com/office/drawing/2014/main" id="{A98616F3-B4F5-ED01-7DF8-1D012950D265}"/>
+              </a:ext>
+            </a:extLst>
+          </p:cNvPr>
+          <p:cNvSpPr txBox="1"/>
+          <p:nvPr/>
+        </p:nvSpPr>
+        <p:spPr>
+          <a:xfrm>
+            <a:off x="5215003" y="603128"/>
+            <a:ext cx="3115459" cy="523220"/>
+          </a:xfrm>
+          <a:prstGeom prst="rect">
+            <a:avLst/>
+          </a:prstGeom>
+          <a:noFill/>
+        </p:spPr>
+        <p:txBody>
+          <a:bodyPr wrap="square" rtlCol="0">
+            <a:spAutoFit/>
+          </a:bodyPr>
+          <a:lstStyle/>
+          <a:p>
+            <a:r>
+              <a:rPr kumimoji="1" lang="ja-JP" altLang="en-US" sz="2800" b="1">
+                <a:solidFill>
+                  <a:srgbClr val="FF0000"/>
+                </a:solidFill>
+              </a:rPr>
+              <a:t>魔法使いのターン</a:t>
+            </a:r>
           </a:p>
         </p:txBody>
       </p:sp>
@@ -3663,6 +6468,1821 @@
     <p:extLst>
       <p:ext uri="{BB962C8B-B14F-4D97-AF65-F5344CB8AC3E}">
         <p14:creationId xmlns:p14="http://schemas.microsoft.com/office/powerpoint/2010/main" val="2054777074"/>
+      </p:ext>
+    </p:extLst>
+  </p:cSld>
+  <p:clrMapOvr>
+    <a:masterClrMapping/>
+  </p:clrMapOvr>
+</p:sld>
+</file>
+
+<file path=ppt/slides/slide2.xml><?xml version="1.0" encoding="utf-8"?>
+<p:sld xmlns:a="http://schemas.openxmlformats.org/drawingml/2006/main" xmlns:r="http://schemas.openxmlformats.org/officeDocument/2006/relationships" xmlns:p="http://schemas.openxmlformats.org/presentationml/2006/main">
+  <p:cSld>
+    <p:spTree>
+      <p:nvGrpSpPr>
+        <p:cNvPr id="1" name="">
+          <a:extLst>
+            <a:ext uri="{FF2B5EF4-FFF2-40B4-BE49-F238E27FC236}">
+              <a16:creationId xmlns:a16="http://schemas.microsoft.com/office/drawing/2014/main" id="{32D8C343-8A10-09FD-D88B-37F21E4E0C56}"/>
+            </a:ext>
+          </a:extLst>
+        </p:cNvPr>
+        <p:cNvGrpSpPr/>
+        <p:nvPr/>
+      </p:nvGrpSpPr>
+      <p:grpSpPr>
+        <a:xfrm>
+          <a:off x="0" y="0"/>
+          <a:ext cx="0" cy="0"/>
+          <a:chOff x="0" y="0"/>
+          <a:chExt cx="0" cy="0"/>
+        </a:xfrm>
+      </p:grpSpPr>
+      <p:pic>
+        <p:nvPicPr>
+          <p:cNvPr id="5" name="図 4">
+            <a:extLst>
+              <a:ext uri="{FF2B5EF4-FFF2-40B4-BE49-F238E27FC236}">
+                <a16:creationId xmlns:a16="http://schemas.microsoft.com/office/drawing/2014/main" id="{E30612F4-57C3-CC71-7112-83C990AAA207}"/>
+              </a:ext>
+            </a:extLst>
+          </p:cNvPr>
+          <p:cNvPicPr>
+            <a:picLocks noChangeAspect="1"/>
+          </p:cNvPicPr>
+          <p:nvPr/>
+        </p:nvPicPr>
+        <p:blipFill>
+          <a:blip r:embed="rId3">
+            <a:alphaModFix amt="20000"/>
+            <a:extLst>
+              <a:ext uri="{28A0092B-C50C-407E-A947-70E740481C1C}">
+                <a14:useLocalDpi xmlns:a14="http://schemas.microsoft.com/office/drawing/2010/main" val="0"/>
+              </a:ext>
+            </a:extLst>
+          </a:blip>
+          <a:stretch>
+            <a:fillRect/>
+          </a:stretch>
+        </p:blipFill>
+        <p:spPr>
+          <a:xfrm>
+            <a:off x="0" y="0"/>
+            <a:ext cx="12192000" cy="6858000"/>
+          </a:xfrm>
+          <a:prstGeom prst="rect">
+            <a:avLst/>
+          </a:prstGeom>
+        </p:spPr>
+      </p:pic>
+      <p:pic>
+        <p:nvPicPr>
+          <p:cNvPr id="7" name="図 6">
+            <a:extLst>
+              <a:ext uri="{FF2B5EF4-FFF2-40B4-BE49-F238E27FC236}">
+                <a16:creationId xmlns:a16="http://schemas.microsoft.com/office/drawing/2014/main" id="{68BE14BE-B6FD-E738-BA8F-3B1B5A9AA561}"/>
+              </a:ext>
+            </a:extLst>
+          </p:cNvPr>
+          <p:cNvPicPr>
+            <a:picLocks noChangeAspect="1"/>
+          </p:cNvPicPr>
+          <p:nvPr/>
+        </p:nvPicPr>
+        <p:blipFill>
+          <a:blip r:embed="rId4">
+            <a:extLst>
+              <a:ext uri="{28A0092B-C50C-407E-A947-70E740481C1C}">
+                <a14:useLocalDpi xmlns:a14="http://schemas.microsoft.com/office/drawing/2010/main" val="0"/>
+              </a:ext>
+            </a:extLst>
+          </a:blip>
+          <a:stretch>
+            <a:fillRect/>
+          </a:stretch>
+        </p:blipFill>
+        <p:spPr>
+          <a:xfrm>
+            <a:off x="2092469" y="2207278"/>
+            <a:ext cx="1453613" cy="1453613"/>
+          </a:xfrm>
+          <a:prstGeom prst="rect">
+            <a:avLst/>
+          </a:prstGeom>
+        </p:spPr>
+      </p:pic>
+      <p:pic>
+        <p:nvPicPr>
+          <p:cNvPr id="8" name="図 7">
+            <a:extLst>
+              <a:ext uri="{FF2B5EF4-FFF2-40B4-BE49-F238E27FC236}">
+                <a16:creationId xmlns:a16="http://schemas.microsoft.com/office/drawing/2014/main" id="{1C9B3E66-CBD4-BE32-985E-D7D75926FD97}"/>
+              </a:ext>
+            </a:extLst>
+          </p:cNvPr>
+          <p:cNvPicPr>
+            <a:picLocks noChangeAspect="1"/>
+          </p:cNvPicPr>
+          <p:nvPr/>
+        </p:nvPicPr>
+        <p:blipFill>
+          <a:blip r:embed="rId4">
+            <a:duotone>
+              <a:schemeClr val="accent2">
+                <a:shade val="45000"/>
+                <a:satMod val="135000"/>
+              </a:schemeClr>
+              <a:prstClr val="white"/>
+            </a:duotone>
+            <a:extLst>
+              <a:ext uri="{28A0092B-C50C-407E-A947-70E740481C1C}">
+                <a14:useLocalDpi xmlns:a14="http://schemas.microsoft.com/office/drawing/2010/main" val="0"/>
+              </a:ext>
+            </a:extLst>
+          </a:blip>
+          <a:stretch>
+            <a:fillRect/>
+          </a:stretch>
+        </p:blipFill>
+        <p:spPr>
+          <a:xfrm>
+            <a:off x="5946124" y="2182605"/>
+            <a:ext cx="1453612" cy="1453612"/>
+          </a:xfrm>
+          <a:prstGeom prst="rect">
+            <a:avLst/>
+          </a:prstGeom>
+        </p:spPr>
+      </p:pic>
+      <p:pic>
+        <p:nvPicPr>
+          <p:cNvPr id="9" name="図 8">
+            <a:extLst>
+              <a:ext uri="{FF2B5EF4-FFF2-40B4-BE49-F238E27FC236}">
+                <a16:creationId xmlns:a16="http://schemas.microsoft.com/office/drawing/2014/main" id="{964A5C7D-0842-4517-4ED9-5BC6D033B6C2}"/>
+              </a:ext>
+            </a:extLst>
+          </p:cNvPr>
+          <p:cNvPicPr>
+            <a:picLocks noChangeAspect="1"/>
+          </p:cNvPicPr>
+          <p:nvPr/>
+        </p:nvPicPr>
+        <p:blipFill>
+          <a:blip r:embed="rId4">
+            <a:extLst>
+              <a:ext uri="{28A0092B-C50C-407E-A947-70E740481C1C}">
+                <a14:useLocalDpi xmlns:a14="http://schemas.microsoft.com/office/drawing/2010/main" val="0"/>
+              </a:ext>
+            </a:extLst>
+          </a:blip>
+          <a:stretch>
+            <a:fillRect/>
+          </a:stretch>
+        </p:blipFill>
+        <p:spPr>
+          <a:xfrm>
+            <a:off x="3381154" y="2182605"/>
+            <a:ext cx="1453613" cy="1453613"/>
+          </a:xfrm>
+          <a:prstGeom prst="rect">
+            <a:avLst/>
+          </a:prstGeom>
+        </p:spPr>
+      </p:pic>
+      <p:pic>
+        <p:nvPicPr>
+          <p:cNvPr id="10" name="図 9">
+            <a:extLst>
+              <a:ext uri="{FF2B5EF4-FFF2-40B4-BE49-F238E27FC236}">
+                <a16:creationId xmlns:a16="http://schemas.microsoft.com/office/drawing/2014/main" id="{B780BD49-785E-822B-828A-709111DCDA6E}"/>
+              </a:ext>
+            </a:extLst>
+          </p:cNvPr>
+          <p:cNvPicPr>
+            <a:picLocks noChangeAspect="1"/>
+          </p:cNvPicPr>
+          <p:nvPr/>
+        </p:nvPicPr>
+        <p:blipFill>
+          <a:blip r:embed="rId4">
+            <a:extLst>
+              <a:ext uri="{28A0092B-C50C-407E-A947-70E740481C1C}">
+                <a14:useLocalDpi xmlns:a14="http://schemas.microsoft.com/office/drawing/2010/main" val="0"/>
+              </a:ext>
+            </a:extLst>
+          </a:blip>
+          <a:stretch>
+            <a:fillRect/>
+          </a:stretch>
+        </p:blipFill>
+        <p:spPr>
+          <a:xfrm>
+            <a:off x="4663090" y="2182605"/>
+            <a:ext cx="1453613" cy="1453613"/>
+          </a:xfrm>
+          <a:prstGeom prst="rect">
+            <a:avLst/>
+          </a:prstGeom>
+        </p:spPr>
+      </p:pic>
+      <p:sp>
+        <p:nvSpPr>
+          <p:cNvPr id="35" name="正方形/長方形 34">
+            <a:extLst>
+              <a:ext uri="{FF2B5EF4-FFF2-40B4-BE49-F238E27FC236}">
+                <a16:creationId xmlns:a16="http://schemas.microsoft.com/office/drawing/2014/main" id="{190F06EF-F843-F0A8-2DAD-1D7E4D8B2850}"/>
+              </a:ext>
+            </a:extLst>
+          </p:cNvPr>
+          <p:cNvSpPr/>
+          <p:nvPr/>
+        </p:nvSpPr>
+        <p:spPr>
+          <a:xfrm>
+            <a:off x="0" y="0"/>
+            <a:ext cx="1675326" cy="6858000"/>
+          </a:xfrm>
+          <a:prstGeom prst="rect">
+            <a:avLst/>
+          </a:prstGeom>
+          <a:solidFill>
+            <a:srgbClr val="FFFFFF">
+              <a:alpha val="69804"/>
+            </a:srgbClr>
+          </a:solidFill>
+          <a:ln>
+            <a:noFill/>
+          </a:ln>
+        </p:spPr>
+        <p:style>
+          <a:lnRef idx="2">
+            <a:schemeClr val="accent1">
+              <a:shade val="15000"/>
+            </a:schemeClr>
+          </a:lnRef>
+          <a:fillRef idx="1">
+            <a:schemeClr val="accent1"/>
+          </a:fillRef>
+          <a:effectRef idx="0">
+            <a:schemeClr val="accent1"/>
+          </a:effectRef>
+          <a:fontRef idx="minor">
+            <a:schemeClr val="lt1"/>
+          </a:fontRef>
+        </p:style>
+        <p:txBody>
+          <a:bodyPr rtlCol="0" anchor="ctr"/>
+          <a:lstStyle/>
+          <a:p>
+            <a:pPr algn="ctr"/>
+            <a:endParaRPr kumimoji="1" lang="ja-JP" altLang="en-US"/>
+          </a:p>
+        </p:txBody>
+      </p:sp>
+      <p:sp>
+        <p:nvSpPr>
+          <p:cNvPr id="11" name="テキスト ボックス 10">
+            <a:extLst>
+              <a:ext uri="{FF2B5EF4-FFF2-40B4-BE49-F238E27FC236}">
+                <a16:creationId xmlns:a16="http://schemas.microsoft.com/office/drawing/2014/main" id="{176DAA1A-60D3-16E6-0C25-FF7F80CD5404}"/>
+              </a:ext>
+            </a:extLst>
+          </p:cNvPr>
+          <p:cNvSpPr txBox="1"/>
+          <p:nvPr/>
+        </p:nvSpPr>
+        <p:spPr>
+          <a:xfrm>
+            <a:off x="0" y="4163140"/>
+            <a:ext cx="1667190" cy="2769989"/>
+          </a:xfrm>
+          <a:prstGeom prst="rect">
+            <a:avLst/>
+          </a:prstGeom>
+          <a:noFill/>
+        </p:spPr>
+        <p:txBody>
+          <a:bodyPr wrap="square" rtlCol="0">
+            <a:spAutoFit/>
+          </a:bodyPr>
+          <a:lstStyle/>
+          <a:p>
+            <a:r>
+              <a:rPr kumimoji="1" lang="ja-JP" altLang="en-US" sz="2000" b="1"/>
+              <a:t>ログ</a:t>
+            </a:r>
+            <a:endParaRPr kumimoji="1" lang="en-US" altLang="ja-JP" sz="2000" b="1"/>
+          </a:p>
+          <a:p>
+            <a:r>
+              <a:rPr lang="ja-JP" altLang="en-US" sz="1100" b="1"/>
+              <a:t>兵士</a:t>
+            </a:r>
+            <a:r>
+              <a:rPr lang="en-US" altLang="ja-JP" sz="1100" b="1"/>
+              <a:t>1</a:t>
+            </a:r>
+            <a:r>
+              <a:rPr lang="ja-JP" altLang="en-US" sz="1100" b="1"/>
+              <a:t>ターン目：</a:t>
+            </a:r>
+            <a:endParaRPr lang="en-US" altLang="ja-JP" sz="1100" b="1"/>
+          </a:p>
+          <a:p>
+            <a:r>
+              <a:rPr kumimoji="1" lang="en-US" altLang="ja-JP" sz="1100" b="1"/>
+              <a:t>6</a:t>
+            </a:r>
+            <a:r>
+              <a:rPr kumimoji="1" lang="ja-JP" altLang="en-US" sz="1100" b="1"/>
+              <a:t>マス進む、</a:t>
+            </a:r>
+            <a:r>
+              <a:rPr lang="ja-JP" altLang="en-US" sz="1100" b="1"/>
+              <a:t>＋</a:t>
+            </a:r>
+            <a:r>
+              <a:rPr lang="en-US" altLang="ja-JP" sz="1100" b="1"/>
+              <a:t>3P</a:t>
+            </a:r>
+          </a:p>
+          <a:p>
+            <a:endParaRPr lang="en-US" altLang="ja-JP" sz="1100" b="1"/>
+          </a:p>
+          <a:p>
+            <a:r>
+              <a:rPr lang="ja-JP" altLang="en-US" sz="1100" b="1"/>
+              <a:t>魔法使い１ターン目：</a:t>
+            </a:r>
+            <a:endParaRPr lang="en-US" altLang="ja-JP" sz="1100" b="1"/>
+          </a:p>
+          <a:p>
+            <a:r>
+              <a:rPr kumimoji="1" lang="en-US" altLang="ja-JP" sz="1100" b="1"/>
+              <a:t>3</a:t>
+            </a:r>
+            <a:r>
+              <a:rPr kumimoji="1" lang="ja-JP" altLang="en-US" sz="1100" b="1"/>
+              <a:t>マス進む、</a:t>
+            </a:r>
+            <a:r>
+              <a:rPr lang="ja-JP" altLang="en-US" sz="1100" b="1"/>
+              <a:t>＋</a:t>
+            </a:r>
+            <a:r>
+              <a:rPr lang="en-US" altLang="ja-JP" sz="1100" b="1"/>
+              <a:t>3P</a:t>
+            </a:r>
+          </a:p>
+          <a:p>
+            <a:endParaRPr kumimoji="1" lang="en-US" altLang="ja-JP" sz="1100" b="1"/>
+          </a:p>
+          <a:p>
+            <a:r>
+              <a:rPr lang="ja-JP" altLang="en-US" sz="1100" b="1"/>
+              <a:t>兵士</a:t>
+            </a:r>
+            <a:r>
+              <a:rPr lang="en-US" altLang="ja-JP" sz="1100" b="1"/>
+              <a:t>1</a:t>
+            </a:r>
+            <a:r>
+              <a:rPr lang="ja-JP" altLang="en-US" sz="1100" b="1"/>
+              <a:t>ターン目：</a:t>
+            </a:r>
+            <a:endParaRPr lang="en-US" altLang="ja-JP" sz="1100" b="1"/>
+          </a:p>
+          <a:p>
+            <a:r>
+              <a:rPr kumimoji="1" lang="en-US" altLang="ja-JP" sz="1100" b="1"/>
+              <a:t>2</a:t>
+            </a:r>
+            <a:r>
+              <a:rPr kumimoji="1" lang="ja-JP" altLang="en-US" sz="1100" b="1"/>
+              <a:t>マス進む、＋</a:t>
+            </a:r>
+            <a:r>
+              <a:rPr kumimoji="1" lang="en-US" altLang="ja-JP" sz="1100" b="1"/>
+              <a:t>1P</a:t>
+            </a:r>
+          </a:p>
+          <a:p>
+            <a:endParaRPr lang="en-US" altLang="ja-JP" sz="1100" b="1"/>
+          </a:p>
+          <a:p>
+            <a:r>
+              <a:rPr lang="ja-JP" altLang="en-US" sz="1100" b="1"/>
+              <a:t>兵士</a:t>
+            </a:r>
+            <a:r>
+              <a:rPr lang="en-US" altLang="ja-JP" sz="1100" b="1"/>
+              <a:t>2</a:t>
+            </a:r>
+            <a:r>
+              <a:rPr lang="ja-JP" altLang="en-US" sz="1100" b="1"/>
+              <a:t>ターン目：</a:t>
+            </a:r>
+            <a:endParaRPr lang="en-US" altLang="ja-JP" sz="1100" b="1"/>
+          </a:p>
+          <a:p>
+            <a:r>
+              <a:rPr lang="en-US" altLang="ja-JP" sz="1100" b="1"/>
+              <a:t>2</a:t>
+            </a:r>
+            <a:r>
+              <a:rPr lang="ja-JP" altLang="en-US" sz="1100" b="1"/>
+              <a:t>マス進む、＋</a:t>
+            </a:r>
+            <a:r>
+              <a:rPr lang="en-US" altLang="ja-JP" sz="1100" b="1"/>
+              <a:t>2P</a:t>
+            </a:r>
+          </a:p>
+          <a:p>
+            <a:endParaRPr kumimoji="1" lang="en-US" altLang="ja-JP" sz="1100" b="1"/>
+          </a:p>
+          <a:p>
+            <a:r>
+              <a:rPr kumimoji="1" lang="ja-JP" altLang="en-US" sz="1100" b="1"/>
+              <a:t>魔法使い</a:t>
+            </a:r>
+            <a:r>
+              <a:rPr kumimoji="1" lang="en-US" altLang="ja-JP" sz="1100" b="1"/>
+              <a:t>2</a:t>
+            </a:r>
+            <a:r>
+              <a:rPr kumimoji="1" lang="ja-JP" altLang="en-US" sz="1100" b="1"/>
+              <a:t>ターン目：</a:t>
+            </a:r>
+            <a:endParaRPr kumimoji="1" lang="en-US" altLang="ja-JP" sz="1100" b="1"/>
+          </a:p>
+          <a:p>
+            <a:r>
+              <a:rPr kumimoji="1" lang="en-US" altLang="ja-JP" sz="1100" b="1"/>
+              <a:t>2</a:t>
+            </a:r>
+            <a:r>
+              <a:rPr kumimoji="1" lang="ja-JP" altLang="en-US" sz="1100" b="1"/>
+              <a:t>マス進む、＋</a:t>
+            </a:r>
+            <a:r>
+              <a:rPr kumimoji="1" lang="en-US" altLang="ja-JP" sz="1100" b="1"/>
+              <a:t>2P</a:t>
+            </a:r>
+            <a:endParaRPr kumimoji="1" lang="ja-JP" altLang="en-US" sz="1100" b="1"/>
+          </a:p>
+        </p:txBody>
+      </p:sp>
+      <p:sp>
+        <p:nvSpPr>
+          <p:cNvPr id="13" name="テキスト ボックス 12">
+            <a:extLst>
+              <a:ext uri="{FF2B5EF4-FFF2-40B4-BE49-F238E27FC236}">
+                <a16:creationId xmlns:a16="http://schemas.microsoft.com/office/drawing/2014/main" id="{8055239E-65DD-AC30-CD82-852A5C8B4162}"/>
+              </a:ext>
+            </a:extLst>
+          </p:cNvPr>
+          <p:cNvSpPr txBox="1"/>
+          <p:nvPr/>
+        </p:nvSpPr>
+        <p:spPr>
+          <a:xfrm>
+            <a:off x="215179" y="432101"/>
+            <a:ext cx="1782008" cy="3170099"/>
+          </a:xfrm>
+          <a:prstGeom prst="rect">
+            <a:avLst/>
+          </a:prstGeom>
+          <a:noFill/>
+        </p:spPr>
+        <p:txBody>
+          <a:bodyPr wrap="square" rtlCol="0">
+            <a:spAutoFit/>
+          </a:bodyPr>
+          <a:lstStyle/>
+          <a:p>
+            <a:r>
+              <a:rPr lang="ja-JP" altLang="en-US" sz="2000" b="1">
+                <a:latin typeface="BIZ UDゴシック" panose="020B0400000000000000" pitchFamily="49" charset="-128"/>
+                <a:ea typeface="BIZ UDゴシック" panose="020B0400000000000000" pitchFamily="49" charset="-128"/>
+              </a:rPr>
+              <a:t>兵士</a:t>
+            </a:r>
+            <a:endParaRPr lang="en-US" altLang="ja-JP" sz="2000" b="1">
+              <a:latin typeface="BIZ UDゴシック" panose="020B0400000000000000" pitchFamily="49" charset="-128"/>
+              <a:ea typeface="BIZ UDゴシック" panose="020B0400000000000000" pitchFamily="49" charset="-128"/>
+            </a:endParaRPr>
+          </a:p>
+          <a:p>
+            <a:r>
+              <a:rPr lang="en-US" altLang="ja-JP" sz="1400" b="1">
+                <a:latin typeface="BIZ UDゴシック" panose="020B0400000000000000" pitchFamily="49" charset="-128"/>
+                <a:ea typeface="BIZ UDゴシック" panose="020B0400000000000000" pitchFamily="49" charset="-128"/>
+              </a:rPr>
+              <a:t>6 </a:t>
+            </a:r>
+            <a:r>
+              <a:rPr lang="ja-JP" altLang="en-US" sz="1400" b="1">
+                <a:latin typeface="BIZ UDゴシック" panose="020B0400000000000000" pitchFamily="49" charset="-128"/>
+                <a:ea typeface="BIZ UDゴシック" panose="020B0400000000000000" pitchFamily="49" charset="-128"/>
+              </a:rPr>
+              <a:t>ポイント</a:t>
+            </a:r>
+            <a:endParaRPr lang="en-US" altLang="ja-JP" sz="1400" b="1">
+              <a:latin typeface="BIZ UDゴシック" panose="020B0400000000000000" pitchFamily="49" charset="-128"/>
+              <a:ea typeface="BIZ UDゴシック" panose="020B0400000000000000" pitchFamily="49" charset="-128"/>
+            </a:endParaRPr>
+          </a:p>
+          <a:p>
+            <a:r>
+              <a:rPr lang="en-US" altLang="ja-JP" sz="1400" b="1">
+                <a:latin typeface="BIZ UDゴシック" panose="020B0400000000000000" pitchFamily="49" charset="-128"/>
+                <a:ea typeface="BIZ UDゴシック" panose="020B0400000000000000" pitchFamily="49" charset="-128"/>
+              </a:rPr>
+              <a:t>3</a:t>
+            </a:r>
+            <a:r>
+              <a:rPr lang="ja-JP" altLang="en-US" sz="1400" b="1">
+                <a:latin typeface="BIZ UDゴシック" panose="020B0400000000000000" pitchFamily="49" charset="-128"/>
+                <a:ea typeface="BIZ UDゴシック" panose="020B0400000000000000" pitchFamily="49" charset="-128"/>
+              </a:rPr>
+              <a:t> ターン</a:t>
+            </a:r>
+            <a:endParaRPr lang="en-US" altLang="ja-JP" sz="1400" b="1">
+              <a:latin typeface="BIZ UDゴシック" panose="020B0400000000000000" pitchFamily="49" charset="-128"/>
+              <a:ea typeface="BIZ UDゴシック" panose="020B0400000000000000" pitchFamily="49" charset="-128"/>
+            </a:endParaRPr>
+          </a:p>
+          <a:p>
+            <a:endParaRPr lang="en-US" altLang="ja-JP" sz="2800" b="1">
+              <a:latin typeface="BIZ UDゴシック" panose="020B0400000000000000" pitchFamily="49" charset="-128"/>
+              <a:ea typeface="BIZ UDゴシック" panose="020B0400000000000000" pitchFamily="49" charset="-128"/>
+            </a:endParaRPr>
+          </a:p>
+          <a:p>
+            <a:r>
+              <a:rPr lang="ja-JP" altLang="en-US" sz="2000" b="1">
+                <a:latin typeface="BIZ UDゴシック" panose="020B0400000000000000" pitchFamily="49" charset="-128"/>
+                <a:ea typeface="BIZ UDゴシック" panose="020B0400000000000000" pitchFamily="49" charset="-128"/>
+              </a:rPr>
+              <a:t>魔法使い</a:t>
+            </a:r>
+            <a:endParaRPr lang="en-US" altLang="ja-JP" sz="2000" b="1">
+              <a:latin typeface="BIZ UDゴシック" panose="020B0400000000000000" pitchFamily="49" charset="-128"/>
+              <a:ea typeface="BIZ UDゴシック" panose="020B0400000000000000" pitchFamily="49" charset="-128"/>
+            </a:endParaRPr>
+          </a:p>
+          <a:p>
+            <a:r>
+              <a:rPr lang="en-US" altLang="ja-JP" sz="1400" b="1">
+                <a:latin typeface="BIZ UDゴシック" panose="020B0400000000000000" pitchFamily="49" charset="-128"/>
+                <a:ea typeface="BIZ UDゴシック" panose="020B0400000000000000" pitchFamily="49" charset="-128"/>
+              </a:rPr>
+              <a:t>4 </a:t>
+            </a:r>
+            <a:r>
+              <a:rPr lang="ja-JP" altLang="en-US" sz="1400" b="1">
+                <a:latin typeface="BIZ UDゴシック" panose="020B0400000000000000" pitchFamily="49" charset="-128"/>
+                <a:ea typeface="BIZ UDゴシック" panose="020B0400000000000000" pitchFamily="49" charset="-128"/>
+              </a:rPr>
+              <a:t>ポイント</a:t>
+            </a:r>
+            <a:endParaRPr lang="en-US" altLang="ja-JP" sz="1400" b="1">
+              <a:latin typeface="BIZ UDゴシック" panose="020B0400000000000000" pitchFamily="49" charset="-128"/>
+              <a:ea typeface="BIZ UDゴシック" panose="020B0400000000000000" pitchFamily="49" charset="-128"/>
+            </a:endParaRPr>
+          </a:p>
+          <a:p>
+            <a:r>
+              <a:rPr lang="en-US" altLang="ja-JP" sz="1400" b="1">
+                <a:latin typeface="BIZ UDゴシック" panose="020B0400000000000000" pitchFamily="49" charset="-128"/>
+                <a:ea typeface="BIZ UDゴシック" panose="020B0400000000000000" pitchFamily="49" charset="-128"/>
+              </a:rPr>
+              <a:t>3</a:t>
+            </a:r>
+            <a:r>
+              <a:rPr lang="ja-JP" altLang="en-US" sz="1400" b="1">
+                <a:latin typeface="BIZ UDゴシック" panose="020B0400000000000000" pitchFamily="49" charset="-128"/>
+                <a:ea typeface="BIZ UDゴシック" panose="020B0400000000000000" pitchFamily="49" charset="-128"/>
+              </a:rPr>
+              <a:t> ターン</a:t>
+            </a:r>
+            <a:endParaRPr lang="en-US" altLang="ja-JP" sz="1400" b="1">
+              <a:latin typeface="BIZ UDゴシック" panose="020B0400000000000000" pitchFamily="49" charset="-128"/>
+              <a:ea typeface="BIZ UDゴシック" panose="020B0400000000000000" pitchFamily="49" charset="-128"/>
+            </a:endParaRPr>
+          </a:p>
+          <a:p>
+            <a:endParaRPr lang="en-US" altLang="ja-JP" sz="2800" b="1">
+              <a:latin typeface="BIZ UDゴシック" panose="020B0400000000000000" pitchFamily="49" charset="-128"/>
+              <a:ea typeface="BIZ UDゴシック" panose="020B0400000000000000" pitchFamily="49" charset="-128"/>
+            </a:endParaRPr>
+          </a:p>
+          <a:p>
+            <a:r>
+              <a:rPr lang="ja-JP" altLang="en-US" sz="2000" b="1">
+                <a:latin typeface="BIZ UDゴシック" panose="020B0400000000000000" pitchFamily="49" charset="-128"/>
+                <a:ea typeface="BIZ UDゴシック" panose="020B0400000000000000" pitchFamily="49" charset="-128"/>
+              </a:rPr>
+              <a:t>村人</a:t>
+            </a:r>
+            <a:endParaRPr lang="en-US" altLang="ja-JP" sz="2000" b="1">
+              <a:latin typeface="BIZ UDゴシック" panose="020B0400000000000000" pitchFamily="49" charset="-128"/>
+              <a:ea typeface="BIZ UDゴシック" panose="020B0400000000000000" pitchFamily="49" charset="-128"/>
+            </a:endParaRPr>
+          </a:p>
+          <a:p>
+            <a:r>
+              <a:rPr lang="en-US" altLang="ja-JP" sz="1400" b="1">
+                <a:latin typeface="BIZ UDゴシック" panose="020B0400000000000000" pitchFamily="49" charset="-128"/>
+                <a:ea typeface="BIZ UDゴシック" panose="020B0400000000000000" pitchFamily="49" charset="-128"/>
+              </a:rPr>
+              <a:t>3 </a:t>
+            </a:r>
+            <a:r>
+              <a:rPr lang="ja-JP" altLang="en-US" sz="1400" b="1">
+                <a:latin typeface="BIZ UDゴシック" panose="020B0400000000000000" pitchFamily="49" charset="-128"/>
+                <a:ea typeface="BIZ UDゴシック" panose="020B0400000000000000" pitchFamily="49" charset="-128"/>
+              </a:rPr>
+              <a:t>ポイント</a:t>
+            </a:r>
+            <a:endParaRPr lang="en-US" altLang="ja-JP" sz="1400" b="1">
+              <a:latin typeface="BIZ UDゴシック" panose="020B0400000000000000" pitchFamily="49" charset="-128"/>
+              <a:ea typeface="BIZ UDゴシック" panose="020B0400000000000000" pitchFamily="49" charset="-128"/>
+            </a:endParaRPr>
+          </a:p>
+          <a:p>
+            <a:r>
+              <a:rPr lang="en-US" altLang="ja-JP" sz="1400" b="1">
+                <a:latin typeface="BIZ UDゴシック" panose="020B0400000000000000" pitchFamily="49" charset="-128"/>
+                <a:ea typeface="BIZ UDゴシック" panose="020B0400000000000000" pitchFamily="49" charset="-128"/>
+              </a:rPr>
+              <a:t>2</a:t>
+            </a:r>
+            <a:r>
+              <a:rPr lang="ja-JP" altLang="en-US" sz="1400" b="1">
+                <a:latin typeface="BIZ UDゴシック" panose="020B0400000000000000" pitchFamily="49" charset="-128"/>
+                <a:ea typeface="BIZ UDゴシック" panose="020B0400000000000000" pitchFamily="49" charset="-128"/>
+              </a:rPr>
+              <a:t> ターン</a:t>
+            </a:r>
+            <a:endParaRPr lang="en-US" altLang="ja-JP" sz="1400" b="1">
+              <a:latin typeface="BIZ UDゴシック" panose="020B0400000000000000" pitchFamily="49" charset="-128"/>
+              <a:ea typeface="BIZ UDゴシック" panose="020B0400000000000000" pitchFamily="49" charset="-128"/>
+            </a:endParaRPr>
+          </a:p>
+        </p:txBody>
+      </p:sp>
+      <p:pic>
+        <p:nvPicPr>
+          <p:cNvPr id="39" name="図 38">
+            <a:extLst>
+              <a:ext uri="{FF2B5EF4-FFF2-40B4-BE49-F238E27FC236}">
+                <a16:creationId xmlns:a16="http://schemas.microsoft.com/office/drawing/2014/main" id="{3FA3F9A2-756A-D167-16BB-9846363D676B}"/>
+              </a:ext>
+            </a:extLst>
+          </p:cNvPr>
+          <p:cNvPicPr>
+            <a:picLocks noChangeAspect="1"/>
+          </p:cNvPicPr>
+          <p:nvPr/>
+        </p:nvPicPr>
+        <p:blipFill>
+          <a:blip r:embed="rId5">
+            <a:extLst>
+              <a:ext uri="{28A0092B-C50C-407E-A947-70E740481C1C}">
+                <a14:useLocalDpi xmlns:a14="http://schemas.microsoft.com/office/drawing/2010/main" val="0"/>
+              </a:ext>
+            </a:extLst>
+          </a:blip>
+          <a:stretch>
+            <a:fillRect/>
+          </a:stretch>
+        </p:blipFill>
+        <p:spPr>
+          <a:xfrm>
+            <a:off x="6100985" y="1697850"/>
+            <a:ext cx="1099852" cy="1236234"/>
+          </a:xfrm>
+          <a:prstGeom prst="rect">
+            <a:avLst/>
+          </a:prstGeom>
+        </p:spPr>
+      </p:pic>
+      <p:pic>
+        <p:nvPicPr>
+          <p:cNvPr id="41" name="図 40">
+            <a:extLst>
+              <a:ext uri="{FF2B5EF4-FFF2-40B4-BE49-F238E27FC236}">
+                <a16:creationId xmlns:a16="http://schemas.microsoft.com/office/drawing/2014/main" id="{A4321A6D-8860-E4CE-A8B2-F2278FCAB7E8}"/>
+              </a:ext>
+            </a:extLst>
+          </p:cNvPr>
+          <p:cNvPicPr>
+            <a:picLocks noChangeAspect="1"/>
+          </p:cNvPicPr>
+          <p:nvPr/>
+        </p:nvPicPr>
+        <p:blipFill>
+          <a:blip r:embed="rId6">
+            <a:extLst>
+              <a:ext uri="{28A0092B-C50C-407E-A947-70E740481C1C}">
+                <a14:useLocalDpi xmlns:a14="http://schemas.microsoft.com/office/drawing/2010/main" val="0"/>
+              </a:ext>
+            </a:extLst>
+          </a:blip>
+          <a:stretch>
+            <a:fillRect/>
+          </a:stretch>
+        </p:blipFill>
+        <p:spPr>
+          <a:xfrm>
+            <a:off x="2413017" y="1818595"/>
+            <a:ext cx="895429" cy="1219574"/>
+          </a:xfrm>
+          <a:prstGeom prst="rect">
+            <a:avLst/>
+          </a:prstGeom>
+        </p:spPr>
+      </p:pic>
+      <p:pic>
+        <p:nvPicPr>
+          <p:cNvPr id="42" name="図 41">
+            <a:extLst>
+              <a:ext uri="{FF2B5EF4-FFF2-40B4-BE49-F238E27FC236}">
+                <a16:creationId xmlns:a16="http://schemas.microsoft.com/office/drawing/2014/main" id="{16B1DB55-2895-5EA1-0453-1A7091375747}"/>
+              </a:ext>
+            </a:extLst>
+          </p:cNvPr>
+          <p:cNvPicPr>
+            <a:picLocks noChangeAspect="1"/>
+          </p:cNvPicPr>
+          <p:nvPr/>
+        </p:nvPicPr>
+        <p:blipFill>
+          <a:blip r:embed="rId4">
+            <a:extLst>
+              <a:ext uri="{28A0092B-C50C-407E-A947-70E740481C1C}">
+                <a14:useLocalDpi xmlns:a14="http://schemas.microsoft.com/office/drawing/2010/main" val="0"/>
+              </a:ext>
+            </a:extLst>
+          </a:blip>
+          <a:stretch>
+            <a:fillRect/>
+          </a:stretch>
+        </p:blipFill>
+        <p:spPr>
+          <a:xfrm>
+            <a:off x="7228060" y="2187391"/>
+            <a:ext cx="1453613" cy="1453613"/>
+          </a:xfrm>
+          <a:prstGeom prst="rect">
+            <a:avLst/>
+          </a:prstGeom>
+        </p:spPr>
+      </p:pic>
+      <p:pic>
+        <p:nvPicPr>
+          <p:cNvPr id="37" name="図 36">
+            <a:extLst>
+              <a:ext uri="{FF2B5EF4-FFF2-40B4-BE49-F238E27FC236}">
+                <a16:creationId xmlns:a16="http://schemas.microsoft.com/office/drawing/2014/main" id="{0A6D0DAC-25DF-17AE-6629-5CD54F684616}"/>
+              </a:ext>
+            </a:extLst>
+          </p:cNvPr>
+          <p:cNvPicPr>
+            <a:picLocks noChangeAspect="1"/>
+          </p:cNvPicPr>
+          <p:nvPr/>
+        </p:nvPicPr>
+        <p:blipFill>
+          <a:blip r:embed="rId7">
+            <a:extLst>
+              <a:ext uri="{28A0092B-C50C-407E-A947-70E740481C1C}">
+                <a14:useLocalDpi xmlns:a14="http://schemas.microsoft.com/office/drawing/2010/main" val="0"/>
+              </a:ext>
+            </a:extLst>
+          </a:blip>
+          <a:stretch>
+            <a:fillRect/>
+          </a:stretch>
+        </p:blipFill>
+        <p:spPr>
+          <a:xfrm>
+            <a:off x="7355698" y="1480029"/>
+            <a:ext cx="1236817" cy="1454497"/>
+          </a:xfrm>
+          <a:prstGeom prst="rect">
+            <a:avLst/>
+          </a:prstGeom>
+        </p:spPr>
+      </p:pic>
+      <p:pic>
+        <p:nvPicPr>
+          <p:cNvPr id="43" name="図 42">
+            <a:extLst>
+              <a:ext uri="{FF2B5EF4-FFF2-40B4-BE49-F238E27FC236}">
+                <a16:creationId xmlns:a16="http://schemas.microsoft.com/office/drawing/2014/main" id="{17356F5E-99BA-C4B9-8688-B469CC879567}"/>
+              </a:ext>
+            </a:extLst>
+          </p:cNvPr>
+          <p:cNvPicPr>
+            <a:picLocks noChangeAspect="1"/>
+          </p:cNvPicPr>
+          <p:nvPr/>
+        </p:nvPicPr>
+        <p:blipFill>
+          <a:blip r:embed="rId4">
+            <a:extLst>
+              <a:ext uri="{28A0092B-C50C-407E-A947-70E740481C1C}">
+                <a14:useLocalDpi xmlns:a14="http://schemas.microsoft.com/office/drawing/2010/main" val="0"/>
+              </a:ext>
+            </a:extLst>
+          </a:blip>
+          <a:stretch>
+            <a:fillRect/>
+          </a:stretch>
+        </p:blipFill>
+        <p:spPr>
+          <a:xfrm>
+            <a:off x="8482773" y="2182604"/>
+            <a:ext cx="1453613" cy="1453613"/>
+          </a:xfrm>
+          <a:prstGeom prst="rect">
+            <a:avLst/>
+          </a:prstGeom>
+        </p:spPr>
+      </p:pic>
+      <p:pic>
+        <p:nvPicPr>
+          <p:cNvPr id="44" name="図 43">
+            <a:extLst>
+              <a:ext uri="{FF2B5EF4-FFF2-40B4-BE49-F238E27FC236}">
+                <a16:creationId xmlns:a16="http://schemas.microsoft.com/office/drawing/2014/main" id="{E3530645-DC89-97EC-2154-455F1455913B}"/>
+              </a:ext>
+            </a:extLst>
+          </p:cNvPr>
+          <p:cNvPicPr>
+            <a:picLocks noChangeAspect="1"/>
+          </p:cNvPicPr>
+          <p:nvPr/>
+        </p:nvPicPr>
+        <p:blipFill>
+          <a:blip r:embed="rId4">
+            <a:extLst>
+              <a:ext uri="{28A0092B-C50C-407E-A947-70E740481C1C}">
+                <a14:useLocalDpi xmlns:a14="http://schemas.microsoft.com/office/drawing/2010/main" val="0"/>
+              </a:ext>
+            </a:extLst>
+          </a:blip>
+          <a:stretch>
+            <a:fillRect/>
+          </a:stretch>
+        </p:blipFill>
+        <p:spPr>
+          <a:xfrm>
+            <a:off x="8638732" y="2894753"/>
+            <a:ext cx="1453613" cy="1453613"/>
+          </a:xfrm>
+          <a:prstGeom prst="rect">
+            <a:avLst/>
+          </a:prstGeom>
+        </p:spPr>
+      </p:pic>
+      <p:pic>
+        <p:nvPicPr>
+          <p:cNvPr id="45" name="図 44">
+            <a:extLst>
+              <a:ext uri="{FF2B5EF4-FFF2-40B4-BE49-F238E27FC236}">
+                <a16:creationId xmlns:a16="http://schemas.microsoft.com/office/drawing/2014/main" id="{EFE69140-559E-B352-948C-BF782391AF5C}"/>
+              </a:ext>
+            </a:extLst>
+          </p:cNvPr>
+          <p:cNvPicPr>
+            <a:picLocks noChangeAspect="1"/>
+          </p:cNvPicPr>
+          <p:nvPr/>
+        </p:nvPicPr>
+        <p:blipFill>
+          <a:blip r:embed="rId4">
+            <a:extLst>
+              <a:ext uri="{28A0092B-C50C-407E-A947-70E740481C1C}">
+                <a14:useLocalDpi xmlns:a14="http://schemas.microsoft.com/office/drawing/2010/main" val="0"/>
+              </a:ext>
+            </a:extLst>
+          </a:blip>
+          <a:stretch>
+            <a:fillRect/>
+          </a:stretch>
+        </p:blipFill>
+        <p:spPr>
+          <a:xfrm>
+            <a:off x="9507996" y="3353729"/>
+            <a:ext cx="1453613" cy="1453613"/>
+          </a:xfrm>
+          <a:prstGeom prst="rect">
+            <a:avLst/>
+          </a:prstGeom>
+        </p:spPr>
+      </p:pic>
+      <p:pic>
+        <p:nvPicPr>
+          <p:cNvPr id="46" name="図 45">
+            <a:extLst>
+              <a:ext uri="{FF2B5EF4-FFF2-40B4-BE49-F238E27FC236}">
+                <a16:creationId xmlns:a16="http://schemas.microsoft.com/office/drawing/2014/main" id="{DE754201-5833-8C2E-A6A3-422ADCF12414}"/>
+              </a:ext>
+            </a:extLst>
+          </p:cNvPr>
+          <p:cNvPicPr>
+            <a:picLocks noChangeAspect="1"/>
+          </p:cNvPicPr>
+          <p:nvPr/>
+        </p:nvPicPr>
+        <p:blipFill>
+          <a:blip r:embed="rId4">
+            <a:extLst>
+              <a:ext uri="{28A0092B-C50C-407E-A947-70E740481C1C}">
+                <a14:useLocalDpi xmlns:a14="http://schemas.microsoft.com/office/drawing/2010/main" val="0"/>
+              </a:ext>
+            </a:extLst>
+          </a:blip>
+          <a:stretch>
+            <a:fillRect/>
+          </a:stretch>
+        </p:blipFill>
+        <p:spPr>
+          <a:xfrm>
+            <a:off x="9764710" y="2187391"/>
+            <a:ext cx="1453613" cy="1453613"/>
+          </a:xfrm>
+          <a:prstGeom prst="rect">
+            <a:avLst/>
+          </a:prstGeom>
+        </p:spPr>
+      </p:pic>
+      <p:pic>
+        <p:nvPicPr>
+          <p:cNvPr id="47" name="図 46">
+            <a:extLst>
+              <a:ext uri="{FF2B5EF4-FFF2-40B4-BE49-F238E27FC236}">
+                <a16:creationId xmlns:a16="http://schemas.microsoft.com/office/drawing/2014/main" id="{C80D8246-B4CA-4C33-B0FF-093417128860}"/>
+              </a:ext>
+            </a:extLst>
+          </p:cNvPr>
+          <p:cNvPicPr>
+            <a:picLocks noChangeAspect="1"/>
+          </p:cNvPicPr>
+          <p:nvPr/>
+        </p:nvPicPr>
+        <p:blipFill>
+          <a:blip r:embed="rId4">
+            <a:extLst>
+              <a:ext uri="{28A0092B-C50C-407E-A947-70E740481C1C}">
+                <a14:useLocalDpi xmlns:a14="http://schemas.microsoft.com/office/drawing/2010/main" val="0"/>
+              </a:ext>
+            </a:extLst>
+          </a:blip>
+          <a:srcRect r="19832"/>
+          <a:stretch>
+            <a:fillRect/>
+          </a:stretch>
+        </p:blipFill>
+        <p:spPr>
+          <a:xfrm>
+            <a:off x="11026669" y="2182603"/>
+            <a:ext cx="1165332" cy="1453613"/>
+          </a:xfrm>
+          <a:prstGeom prst="rect">
+            <a:avLst/>
+          </a:prstGeom>
+        </p:spPr>
+      </p:pic>
+      <p:pic>
+        <p:nvPicPr>
+          <p:cNvPr id="49" name="図 48">
+            <a:extLst>
+              <a:ext uri="{FF2B5EF4-FFF2-40B4-BE49-F238E27FC236}">
+                <a16:creationId xmlns:a16="http://schemas.microsoft.com/office/drawing/2014/main" id="{A6217D49-01C6-A493-113A-7CE6877B880A}"/>
+              </a:ext>
+            </a:extLst>
+          </p:cNvPr>
+          <p:cNvPicPr>
+            <a:picLocks noChangeAspect="1"/>
+          </p:cNvPicPr>
+          <p:nvPr/>
+        </p:nvPicPr>
+        <p:blipFill>
+          <a:blip r:embed="rId4">
+            <a:duotone>
+              <a:schemeClr val="accent2">
+                <a:shade val="45000"/>
+                <a:satMod val="135000"/>
+              </a:schemeClr>
+              <a:prstClr val="white"/>
+            </a:duotone>
+            <a:extLst>
+              <a:ext uri="{28A0092B-C50C-407E-A947-70E740481C1C}">
+                <a14:useLocalDpi xmlns:a14="http://schemas.microsoft.com/office/drawing/2010/main" val="0"/>
+              </a:ext>
+            </a:extLst>
+          </a:blip>
+          <a:stretch>
+            <a:fillRect/>
+          </a:stretch>
+        </p:blipFill>
+        <p:spPr>
+          <a:xfrm>
+            <a:off x="10803448" y="3368386"/>
+            <a:ext cx="1453612" cy="1453612"/>
+          </a:xfrm>
+          <a:prstGeom prst="rect">
+            <a:avLst/>
+          </a:prstGeom>
+        </p:spPr>
+      </p:pic>
+      <p:pic>
+        <p:nvPicPr>
+          <p:cNvPr id="51" name="図 50">
+            <a:extLst>
+              <a:ext uri="{FF2B5EF4-FFF2-40B4-BE49-F238E27FC236}">
+                <a16:creationId xmlns:a16="http://schemas.microsoft.com/office/drawing/2014/main" id="{7A7C39E2-FDCC-0BB4-9777-F060562B22C7}"/>
+              </a:ext>
+            </a:extLst>
+          </p:cNvPr>
+          <p:cNvPicPr>
+            <a:picLocks noChangeAspect="1"/>
+          </p:cNvPicPr>
+          <p:nvPr/>
+        </p:nvPicPr>
+        <p:blipFill>
+          <a:blip r:embed="rId4">
+            <a:extLst>
+              <a:ext uri="{28A0092B-C50C-407E-A947-70E740481C1C}">
+                <a14:useLocalDpi xmlns:a14="http://schemas.microsoft.com/office/drawing/2010/main" val="0"/>
+              </a:ext>
+            </a:extLst>
+          </a:blip>
+          <a:srcRect l="58203"/>
+          <a:stretch>
+            <a:fillRect/>
+          </a:stretch>
+        </p:blipFill>
+        <p:spPr>
+          <a:xfrm>
+            <a:off x="1675326" y="2187391"/>
+            <a:ext cx="607571" cy="1453613"/>
+          </a:xfrm>
+          <a:prstGeom prst="rect">
+            <a:avLst/>
+          </a:prstGeom>
+        </p:spPr>
+      </p:pic>
+      <p:grpSp>
+        <p:nvGrpSpPr>
+          <p:cNvPr id="3" name="グループ化 2">
+            <a:extLst>
+              <a:ext uri="{FF2B5EF4-FFF2-40B4-BE49-F238E27FC236}">
+                <a16:creationId xmlns:a16="http://schemas.microsoft.com/office/drawing/2014/main" id="{19DC6A11-46CE-5D68-F66B-066CD20D6432}"/>
+              </a:ext>
+            </a:extLst>
+          </p:cNvPr>
+          <p:cNvGrpSpPr/>
+          <p:nvPr/>
+        </p:nvGrpSpPr>
+        <p:grpSpPr>
+          <a:xfrm rot="16200000">
+            <a:off x="2176531" y="4119971"/>
+            <a:ext cx="2390274" cy="2278948"/>
+            <a:chOff x="2176531" y="4119971"/>
+            <a:chExt cx="2390274" cy="2278948"/>
+          </a:xfrm>
+        </p:grpSpPr>
+        <p:grpSp>
+          <p:nvGrpSpPr>
+            <p:cNvPr id="2" name="グループ化 1">
+              <a:extLst>
+                <a:ext uri="{FF2B5EF4-FFF2-40B4-BE49-F238E27FC236}">
+                  <a16:creationId xmlns:a16="http://schemas.microsoft.com/office/drawing/2014/main" id="{45F1D6DC-DA0C-FC46-2214-4B4E0E94A6D8}"/>
+                </a:ext>
+              </a:extLst>
+            </p:cNvPr>
+            <p:cNvGrpSpPr/>
+            <p:nvPr/>
+          </p:nvGrpSpPr>
+          <p:grpSpPr>
+            <a:xfrm>
+              <a:off x="2176531" y="4119971"/>
+              <a:ext cx="2390274" cy="2278948"/>
+              <a:chOff x="2176531" y="4119971"/>
+              <a:chExt cx="2390274" cy="2278948"/>
+            </a:xfrm>
+          </p:grpSpPr>
+          <p:sp>
+            <p:nvSpPr>
+              <p:cNvPr id="14" name="楕円 13">
+                <a:extLst>
+                  <a:ext uri="{FF2B5EF4-FFF2-40B4-BE49-F238E27FC236}">
+                    <a16:creationId xmlns:a16="http://schemas.microsoft.com/office/drawing/2014/main" id="{91AD384A-6E7C-E268-5DCD-F1932B8BB4D2}"/>
+                  </a:ext>
+                </a:extLst>
+              </p:cNvPr>
+              <p:cNvSpPr/>
+              <p:nvPr/>
+            </p:nvSpPr>
+            <p:spPr>
+              <a:xfrm>
+                <a:off x="2176531" y="4119971"/>
+                <a:ext cx="2390274" cy="2278948"/>
+              </a:xfrm>
+              <a:prstGeom prst="ellipse">
+                <a:avLst/>
+              </a:prstGeom>
+              <a:solidFill>
+                <a:schemeClr val="bg1"/>
+              </a:solidFill>
+              <a:ln w="57150">
+                <a:solidFill>
+                  <a:srgbClr val="FFC000"/>
+                </a:solidFill>
+              </a:ln>
+            </p:spPr>
+            <p:style>
+              <a:lnRef idx="2">
+                <a:schemeClr val="accent1">
+                  <a:shade val="15000"/>
+                </a:schemeClr>
+              </a:lnRef>
+              <a:fillRef idx="1">
+                <a:schemeClr val="accent1"/>
+              </a:fillRef>
+              <a:effectRef idx="0">
+                <a:schemeClr val="accent1"/>
+              </a:effectRef>
+              <a:fontRef idx="minor">
+                <a:schemeClr val="lt1"/>
+              </a:fontRef>
+            </p:style>
+            <p:txBody>
+              <a:bodyPr rtlCol="0" anchor="ctr"/>
+              <a:lstStyle/>
+              <a:p>
+                <a:pPr algn="ctr"/>
+                <a:endParaRPr kumimoji="1" lang="ja-JP" altLang="en-US"/>
+              </a:p>
+            </p:txBody>
+          </p:sp>
+          <p:cxnSp>
+            <p:nvCxnSpPr>
+              <p:cNvPr id="18" name="直線コネクタ 17">
+                <a:extLst>
+                  <a:ext uri="{FF2B5EF4-FFF2-40B4-BE49-F238E27FC236}">
+                    <a16:creationId xmlns:a16="http://schemas.microsoft.com/office/drawing/2014/main" id="{F789AFA8-6D75-CE41-A62F-3E48F194B007}"/>
+                  </a:ext>
+                </a:extLst>
+              </p:cNvPr>
+              <p:cNvCxnSpPr>
+                <a:cxnSpLocks/>
+              </p:cNvCxnSpPr>
+              <p:nvPr/>
+            </p:nvCxnSpPr>
+            <p:spPr>
+              <a:xfrm flipH="1">
+                <a:off x="2366404" y="4681029"/>
+                <a:ext cx="1997508" cy="1213987"/>
+              </a:xfrm>
+              <a:prstGeom prst="line">
+                <a:avLst/>
+              </a:prstGeom>
+              <a:ln w="38100">
+                <a:solidFill>
+                  <a:srgbClr val="FFC000"/>
+                </a:solidFill>
+              </a:ln>
+            </p:spPr>
+            <p:style>
+              <a:lnRef idx="1">
+                <a:schemeClr val="accent1"/>
+              </a:lnRef>
+              <a:fillRef idx="0">
+                <a:schemeClr val="accent1"/>
+              </a:fillRef>
+              <a:effectRef idx="0">
+                <a:schemeClr val="accent1"/>
+              </a:effectRef>
+              <a:fontRef idx="minor">
+                <a:schemeClr val="tx1"/>
+              </a:fontRef>
+            </p:style>
+          </p:cxnSp>
+          <p:cxnSp>
+            <p:nvCxnSpPr>
+              <p:cNvPr id="21" name="直線コネクタ 20">
+                <a:extLst>
+                  <a:ext uri="{FF2B5EF4-FFF2-40B4-BE49-F238E27FC236}">
+                    <a16:creationId xmlns:a16="http://schemas.microsoft.com/office/drawing/2014/main" id="{7CD9250E-7620-B61E-B1AC-26841CB9BABE}"/>
+                  </a:ext>
+                </a:extLst>
+              </p:cNvPr>
+              <p:cNvCxnSpPr>
+                <a:cxnSpLocks/>
+              </p:cNvCxnSpPr>
+              <p:nvPr/>
+            </p:nvCxnSpPr>
+            <p:spPr>
+              <a:xfrm>
+                <a:off x="2366404" y="4681029"/>
+                <a:ext cx="1997508" cy="1213987"/>
+              </a:xfrm>
+              <a:prstGeom prst="line">
+                <a:avLst/>
+              </a:prstGeom>
+              <a:ln w="38100">
+                <a:solidFill>
+                  <a:srgbClr val="FFC000"/>
+                </a:solidFill>
+              </a:ln>
+            </p:spPr>
+            <p:style>
+              <a:lnRef idx="1">
+                <a:schemeClr val="accent1"/>
+              </a:lnRef>
+              <a:fillRef idx="0">
+                <a:schemeClr val="accent1"/>
+              </a:fillRef>
+              <a:effectRef idx="0">
+                <a:schemeClr val="accent1"/>
+              </a:effectRef>
+              <a:fontRef idx="minor">
+                <a:schemeClr val="tx1"/>
+              </a:fontRef>
+            </p:style>
+          </p:cxnSp>
+          <p:sp>
+            <p:nvSpPr>
+              <p:cNvPr id="27" name="テキスト ボックス 26">
+                <a:extLst>
+                  <a:ext uri="{FF2B5EF4-FFF2-40B4-BE49-F238E27FC236}">
+                    <a16:creationId xmlns:a16="http://schemas.microsoft.com/office/drawing/2014/main" id="{96B2C127-C642-FB89-B396-0FFBB3732075}"/>
+                  </a:ext>
+                </a:extLst>
+              </p:cNvPr>
+              <p:cNvSpPr txBox="1"/>
+              <p:nvPr/>
+            </p:nvSpPr>
+            <p:spPr>
+              <a:xfrm rot="1574792">
+                <a:off x="3551444" y="4210175"/>
+                <a:ext cx="526026" cy="707886"/>
+              </a:xfrm>
+              <a:prstGeom prst="rect">
+                <a:avLst/>
+              </a:prstGeom>
+              <a:noFill/>
+            </p:spPr>
+            <p:txBody>
+              <a:bodyPr wrap="square" rtlCol="0">
+                <a:spAutoFit/>
+              </a:bodyPr>
+              <a:lstStyle/>
+              <a:p>
+                <a:r>
+                  <a:rPr kumimoji="1" lang="en-US" altLang="ja-JP" sz="4000" b="1">
+                    <a:solidFill>
+                      <a:srgbClr val="00B0F0"/>
+                    </a:solidFill>
+                    <a:latin typeface="HGP創英角ｺﾞｼｯｸUB" panose="020B0900000000000000" pitchFamily="50" charset="-128"/>
+                    <a:ea typeface="HGP創英角ｺﾞｼｯｸUB" panose="020B0900000000000000" pitchFamily="50" charset="-128"/>
+                  </a:rPr>
+                  <a:t>1</a:t>
+                </a:r>
+                <a:endParaRPr kumimoji="1" lang="ja-JP" altLang="en-US" sz="4000" b="1">
+                  <a:solidFill>
+                    <a:srgbClr val="00B0F0"/>
+                  </a:solidFill>
+                  <a:latin typeface="HGP創英角ｺﾞｼｯｸUB" panose="020B0900000000000000" pitchFamily="50" charset="-128"/>
+                  <a:ea typeface="HGP創英角ｺﾞｼｯｸUB" panose="020B0900000000000000" pitchFamily="50" charset="-128"/>
+                </a:endParaRPr>
+              </a:p>
+            </p:txBody>
+          </p:sp>
+          <p:sp>
+            <p:nvSpPr>
+              <p:cNvPr id="28" name="テキスト ボックス 27">
+                <a:extLst>
+                  <a:ext uri="{FF2B5EF4-FFF2-40B4-BE49-F238E27FC236}">
+                    <a16:creationId xmlns:a16="http://schemas.microsoft.com/office/drawing/2014/main" id="{3934B81F-9906-30FB-959B-4A3A88E29B1A}"/>
+                  </a:ext>
+                </a:extLst>
+              </p:cNvPr>
+              <p:cNvSpPr txBox="1"/>
+              <p:nvPr/>
+            </p:nvSpPr>
+            <p:spPr>
+              <a:xfrm rot="5400000">
+                <a:off x="3936829" y="4917335"/>
+                <a:ext cx="526026" cy="707886"/>
+              </a:xfrm>
+              <a:prstGeom prst="rect">
+                <a:avLst/>
+              </a:prstGeom>
+              <a:noFill/>
+            </p:spPr>
+            <p:txBody>
+              <a:bodyPr wrap="square" rtlCol="0">
+                <a:spAutoFit/>
+              </a:bodyPr>
+              <a:lstStyle/>
+              <a:p>
+                <a:r>
+                  <a:rPr lang="en-US" altLang="ja-JP" sz="4000" b="1">
+                    <a:solidFill>
+                      <a:srgbClr val="00B0F0"/>
+                    </a:solidFill>
+                    <a:latin typeface="HGP創英角ｺﾞｼｯｸUB" panose="020B0900000000000000" pitchFamily="50" charset="-128"/>
+                    <a:ea typeface="HGP創英角ｺﾞｼｯｸUB" panose="020B0900000000000000" pitchFamily="50" charset="-128"/>
+                  </a:rPr>
+                  <a:t>2</a:t>
+                </a:r>
+                <a:endParaRPr kumimoji="1" lang="ja-JP" altLang="en-US" sz="4000" b="1">
+                  <a:solidFill>
+                    <a:srgbClr val="00B0F0"/>
+                  </a:solidFill>
+                  <a:latin typeface="HGP創英角ｺﾞｼｯｸUB" panose="020B0900000000000000" pitchFamily="50" charset="-128"/>
+                  <a:ea typeface="HGP創英角ｺﾞｼｯｸUB" panose="020B0900000000000000" pitchFamily="50" charset="-128"/>
+                </a:endParaRPr>
+              </a:p>
+            </p:txBody>
+          </p:sp>
+          <p:sp>
+            <p:nvSpPr>
+              <p:cNvPr id="29" name="テキスト ボックス 28">
+                <a:extLst>
+                  <a:ext uri="{FF2B5EF4-FFF2-40B4-BE49-F238E27FC236}">
+                    <a16:creationId xmlns:a16="http://schemas.microsoft.com/office/drawing/2014/main" id="{E07FC019-B8FB-36EB-B407-98051C9FE5DC}"/>
+                  </a:ext>
+                </a:extLst>
+              </p:cNvPr>
+              <p:cNvSpPr txBox="1"/>
+              <p:nvPr/>
+            </p:nvSpPr>
+            <p:spPr>
+              <a:xfrm rot="9138365">
+                <a:off x="3506031" y="5612661"/>
+                <a:ext cx="526026" cy="707886"/>
+              </a:xfrm>
+              <a:prstGeom prst="rect">
+                <a:avLst/>
+              </a:prstGeom>
+              <a:noFill/>
+            </p:spPr>
+            <p:txBody>
+              <a:bodyPr wrap="square" rtlCol="0">
+                <a:spAutoFit/>
+              </a:bodyPr>
+              <a:lstStyle/>
+              <a:p>
+                <a:r>
+                  <a:rPr lang="en-US" altLang="ja-JP" sz="4000" b="1">
+                    <a:solidFill>
+                      <a:srgbClr val="00B0F0"/>
+                    </a:solidFill>
+                    <a:latin typeface="HGP創英角ｺﾞｼｯｸUB" panose="020B0900000000000000" pitchFamily="50" charset="-128"/>
+                    <a:ea typeface="HGP創英角ｺﾞｼｯｸUB" panose="020B0900000000000000" pitchFamily="50" charset="-128"/>
+                  </a:rPr>
+                  <a:t>3</a:t>
+                </a:r>
+                <a:endParaRPr kumimoji="1" lang="ja-JP" altLang="en-US" sz="4000" b="1">
+                  <a:solidFill>
+                    <a:srgbClr val="00B0F0"/>
+                  </a:solidFill>
+                  <a:latin typeface="HGP創英角ｺﾞｼｯｸUB" panose="020B0900000000000000" pitchFamily="50" charset="-128"/>
+                  <a:ea typeface="HGP創英角ｺﾞｼｯｸUB" panose="020B0900000000000000" pitchFamily="50" charset="-128"/>
+                </a:endParaRPr>
+              </a:p>
+            </p:txBody>
+          </p:sp>
+          <p:sp>
+            <p:nvSpPr>
+              <p:cNvPr id="30" name="テキスト ボックス 29">
+                <a:extLst>
+                  <a:ext uri="{FF2B5EF4-FFF2-40B4-BE49-F238E27FC236}">
+                    <a16:creationId xmlns:a16="http://schemas.microsoft.com/office/drawing/2014/main" id="{B6AFE824-9D36-0079-EFA6-2A751FC4D6D3}"/>
+                  </a:ext>
+                </a:extLst>
+              </p:cNvPr>
+              <p:cNvSpPr txBox="1"/>
+              <p:nvPr/>
+            </p:nvSpPr>
+            <p:spPr>
+              <a:xfrm rot="12585038">
+                <a:off x="2706487" y="5593729"/>
+                <a:ext cx="526026" cy="707886"/>
+              </a:xfrm>
+              <a:prstGeom prst="rect">
+                <a:avLst/>
+              </a:prstGeom>
+              <a:noFill/>
+            </p:spPr>
+            <p:txBody>
+              <a:bodyPr wrap="square" rtlCol="0">
+                <a:spAutoFit/>
+              </a:bodyPr>
+              <a:lstStyle/>
+              <a:p>
+                <a:r>
+                  <a:rPr lang="en-US" altLang="ja-JP" sz="4000" b="1">
+                    <a:solidFill>
+                      <a:srgbClr val="00B0F0"/>
+                    </a:solidFill>
+                    <a:latin typeface="HGP創英角ｺﾞｼｯｸUB" panose="020B0900000000000000" pitchFamily="50" charset="-128"/>
+                    <a:ea typeface="HGP創英角ｺﾞｼｯｸUB" panose="020B0900000000000000" pitchFamily="50" charset="-128"/>
+                  </a:rPr>
+                  <a:t>4</a:t>
+                </a:r>
+                <a:endParaRPr kumimoji="1" lang="ja-JP" altLang="en-US" sz="4000" b="1">
+                  <a:solidFill>
+                    <a:srgbClr val="00B0F0"/>
+                  </a:solidFill>
+                  <a:latin typeface="HGP創英角ｺﾞｼｯｸUB" panose="020B0900000000000000" pitchFamily="50" charset="-128"/>
+                  <a:ea typeface="HGP創英角ｺﾞｼｯｸUB" panose="020B0900000000000000" pitchFamily="50" charset="-128"/>
+                </a:endParaRPr>
+              </a:p>
+            </p:txBody>
+          </p:sp>
+          <p:sp>
+            <p:nvSpPr>
+              <p:cNvPr id="31" name="テキスト ボックス 30">
+                <a:extLst>
+                  <a:ext uri="{FF2B5EF4-FFF2-40B4-BE49-F238E27FC236}">
+                    <a16:creationId xmlns:a16="http://schemas.microsoft.com/office/drawing/2014/main" id="{ABC132F9-CE00-148A-7B6D-0922C5543B23}"/>
+                  </a:ext>
+                </a:extLst>
+              </p:cNvPr>
+              <p:cNvSpPr txBox="1"/>
+              <p:nvPr/>
+            </p:nvSpPr>
+            <p:spPr>
+              <a:xfrm rot="16200000">
+                <a:off x="2301210" y="4934079"/>
+                <a:ext cx="526026" cy="707886"/>
+              </a:xfrm>
+              <a:prstGeom prst="rect">
+                <a:avLst/>
+              </a:prstGeom>
+              <a:noFill/>
+            </p:spPr>
+            <p:txBody>
+              <a:bodyPr wrap="square" rtlCol="0">
+                <a:spAutoFit/>
+              </a:bodyPr>
+              <a:lstStyle/>
+              <a:p>
+                <a:r>
+                  <a:rPr lang="en-US" altLang="ja-JP" sz="4000" b="1">
+                    <a:solidFill>
+                      <a:srgbClr val="00B0F0"/>
+                    </a:solidFill>
+                    <a:latin typeface="HGP創英角ｺﾞｼｯｸUB" panose="020B0900000000000000" pitchFamily="50" charset="-128"/>
+                    <a:ea typeface="HGP創英角ｺﾞｼｯｸUB" panose="020B0900000000000000" pitchFamily="50" charset="-128"/>
+                  </a:rPr>
+                  <a:t>5</a:t>
+                </a:r>
+                <a:endParaRPr kumimoji="1" lang="ja-JP" altLang="en-US" sz="4000" b="1">
+                  <a:solidFill>
+                    <a:srgbClr val="00B0F0"/>
+                  </a:solidFill>
+                  <a:latin typeface="HGP創英角ｺﾞｼｯｸUB" panose="020B0900000000000000" pitchFamily="50" charset="-128"/>
+                  <a:ea typeface="HGP創英角ｺﾞｼｯｸUB" panose="020B0900000000000000" pitchFamily="50" charset="-128"/>
+                </a:endParaRPr>
+              </a:p>
+            </p:txBody>
+          </p:sp>
+          <p:sp>
+            <p:nvSpPr>
+              <p:cNvPr id="32" name="テキスト ボックス 31">
+                <a:extLst>
+                  <a:ext uri="{FF2B5EF4-FFF2-40B4-BE49-F238E27FC236}">
+                    <a16:creationId xmlns:a16="http://schemas.microsoft.com/office/drawing/2014/main" id="{B67F85BB-0813-18C3-A348-FFC039CDF3A6}"/>
+                  </a:ext>
+                </a:extLst>
+              </p:cNvPr>
+              <p:cNvSpPr txBox="1"/>
+              <p:nvPr/>
+            </p:nvSpPr>
+            <p:spPr>
+              <a:xfrm rot="19850341">
+                <a:off x="2675583" y="4228224"/>
+                <a:ext cx="526026" cy="707886"/>
+              </a:xfrm>
+              <a:prstGeom prst="rect">
+                <a:avLst/>
+              </a:prstGeom>
+              <a:noFill/>
+            </p:spPr>
+            <p:txBody>
+              <a:bodyPr wrap="square" rtlCol="0">
+                <a:spAutoFit/>
+              </a:bodyPr>
+              <a:lstStyle/>
+              <a:p>
+                <a:r>
+                  <a:rPr lang="en-US" altLang="ja-JP" sz="4000" b="1">
+                    <a:solidFill>
+                      <a:srgbClr val="00B0F0"/>
+                    </a:solidFill>
+                    <a:latin typeface="HGP創英角ｺﾞｼｯｸUB" panose="020B0900000000000000" pitchFamily="50" charset="-128"/>
+                    <a:ea typeface="HGP創英角ｺﾞｼｯｸUB" panose="020B0900000000000000" pitchFamily="50" charset="-128"/>
+                  </a:rPr>
+                  <a:t>6</a:t>
+                </a:r>
+                <a:endParaRPr kumimoji="1" lang="ja-JP" altLang="en-US" sz="4000" b="1">
+                  <a:solidFill>
+                    <a:srgbClr val="00B0F0"/>
+                  </a:solidFill>
+                  <a:latin typeface="HGP創英角ｺﾞｼｯｸUB" panose="020B0900000000000000" pitchFamily="50" charset="-128"/>
+                  <a:ea typeface="HGP創英角ｺﾞｼｯｸUB" panose="020B0900000000000000" pitchFamily="50" charset="-128"/>
+                </a:endParaRPr>
+              </a:p>
+            </p:txBody>
+          </p:sp>
+        </p:grpSp>
+        <p:cxnSp>
+          <p:nvCxnSpPr>
+            <p:cNvPr id="17" name="直線コネクタ 16">
+              <a:extLst>
+                <a:ext uri="{FF2B5EF4-FFF2-40B4-BE49-F238E27FC236}">
+                  <a16:creationId xmlns:a16="http://schemas.microsoft.com/office/drawing/2014/main" id="{B8AAA046-01D1-475A-65C5-BC7FE7B132D5}"/>
+                </a:ext>
+              </a:extLst>
+            </p:cNvPr>
+            <p:cNvCxnSpPr>
+              <a:stCxn id="14" idx="0"/>
+            </p:cNvCxnSpPr>
+            <p:nvPr/>
+          </p:nvCxnSpPr>
+          <p:spPr>
+            <a:xfrm flipH="1">
+              <a:off x="3371667" y="4119971"/>
+              <a:ext cx="1" cy="2278948"/>
+            </a:xfrm>
+            <a:prstGeom prst="line">
+              <a:avLst/>
+            </a:prstGeom>
+            <a:ln w="38100">
+              <a:solidFill>
+                <a:srgbClr val="FFC000"/>
+              </a:solidFill>
+            </a:ln>
+          </p:spPr>
+          <p:style>
+            <a:lnRef idx="1">
+              <a:schemeClr val="accent1"/>
+            </a:lnRef>
+            <a:fillRef idx="0">
+              <a:schemeClr val="accent1"/>
+            </a:fillRef>
+            <a:effectRef idx="0">
+              <a:schemeClr val="accent1"/>
+            </a:effectRef>
+            <a:fontRef idx="minor">
+              <a:schemeClr val="tx1"/>
+            </a:fontRef>
+          </p:style>
+        </p:cxnSp>
+      </p:grpSp>
+      <p:grpSp>
+        <p:nvGrpSpPr>
+          <p:cNvPr id="6" name="グループ化 5">
+            <a:extLst>
+              <a:ext uri="{FF2B5EF4-FFF2-40B4-BE49-F238E27FC236}">
+                <a16:creationId xmlns:a16="http://schemas.microsoft.com/office/drawing/2014/main" id="{39F01FC2-3E3A-CBF4-DED7-4D30A6B5316E}"/>
+              </a:ext>
+            </a:extLst>
+          </p:cNvPr>
+          <p:cNvGrpSpPr/>
+          <p:nvPr/>
+        </p:nvGrpSpPr>
+        <p:grpSpPr>
+          <a:xfrm>
+            <a:off x="2843818" y="4443873"/>
+            <a:ext cx="1042679" cy="1292349"/>
+            <a:chOff x="2843818" y="4443873"/>
+            <a:chExt cx="1042679" cy="1292349"/>
+          </a:xfrm>
+        </p:grpSpPr>
+        <p:sp>
+          <p:nvSpPr>
+            <p:cNvPr id="33" name="二等辺三角形 32">
+              <a:extLst>
+                <a:ext uri="{FF2B5EF4-FFF2-40B4-BE49-F238E27FC236}">
+                  <a16:creationId xmlns:a16="http://schemas.microsoft.com/office/drawing/2014/main" id="{77CA5FB8-1B04-0906-7E54-68F1BD42B76A}"/>
+                </a:ext>
+              </a:extLst>
+            </p:cNvPr>
+            <p:cNvSpPr/>
+            <p:nvPr/>
+          </p:nvSpPr>
+          <p:spPr>
+            <a:xfrm>
+              <a:off x="3234935" y="4443873"/>
+              <a:ext cx="275853" cy="384795"/>
+            </a:xfrm>
+            <a:prstGeom prst="triangle">
+              <a:avLst/>
+            </a:prstGeom>
+            <a:solidFill>
+              <a:srgbClr val="FF0000"/>
+            </a:solidFill>
+            <a:ln>
+              <a:noFill/>
+            </a:ln>
+          </p:spPr>
+          <p:style>
+            <a:lnRef idx="2">
+              <a:schemeClr val="accent1">
+                <a:shade val="15000"/>
+              </a:schemeClr>
+            </a:lnRef>
+            <a:fillRef idx="1">
+              <a:schemeClr val="accent1"/>
+            </a:fillRef>
+            <a:effectRef idx="0">
+              <a:schemeClr val="accent1"/>
+            </a:effectRef>
+            <a:fontRef idx="minor">
+              <a:schemeClr val="lt1"/>
+            </a:fontRef>
+          </p:style>
+          <p:txBody>
+            <a:bodyPr rtlCol="0" anchor="ctr"/>
+            <a:lstStyle/>
+            <a:p>
+              <a:pPr algn="ctr"/>
+              <a:endParaRPr kumimoji="1" lang="ja-JP" altLang="en-US"/>
+            </a:p>
+          </p:txBody>
+        </p:sp>
+        <p:sp>
+          <p:nvSpPr>
+            <p:cNvPr id="15" name="楕円 14">
+              <a:extLst>
+                <a:ext uri="{FF2B5EF4-FFF2-40B4-BE49-F238E27FC236}">
+                  <a16:creationId xmlns:a16="http://schemas.microsoft.com/office/drawing/2014/main" id="{6A247C8F-DF15-64BA-AE72-B6A92316AE0B}"/>
+                </a:ext>
+              </a:extLst>
+            </p:cNvPr>
+            <p:cNvSpPr/>
+            <p:nvPr/>
+          </p:nvSpPr>
+          <p:spPr>
+            <a:xfrm>
+              <a:off x="2881381" y="4782668"/>
+              <a:ext cx="980573" cy="953554"/>
+            </a:xfrm>
+            <a:prstGeom prst="ellipse">
+              <a:avLst/>
+            </a:prstGeom>
+            <a:solidFill>
+              <a:srgbClr val="FFC000"/>
+            </a:solidFill>
+            <a:ln>
+              <a:noFill/>
+            </a:ln>
+          </p:spPr>
+          <p:style>
+            <a:lnRef idx="2">
+              <a:schemeClr val="accent1">
+                <a:shade val="15000"/>
+              </a:schemeClr>
+            </a:lnRef>
+            <a:fillRef idx="1">
+              <a:schemeClr val="accent1"/>
+            </a:fillRef>
+            <a:effectRef idx="0">
+              <a:schemeClr val="accent1"/>
+            </a:effectRef>
+            <a:fontRef idx="minor">
+              <a:schemeClr val="lt1"/>
+            </a:fontRef>
+          </p:style>
+          <p:txBody>
+            <a:bodyPr rtlCol="0" anchor="ctr"/>
+            <a:lstStyle/>
+            <a:p>
+              <a:pPr algn="ctr"/>
+              <a:endParaRPr kumimoji="1" lang="ja-JP" altLang="en-US"/>
+            </a:p>
+          </p:txBody>
+        </p:sp>
+        <p:sp>
+          <p:nvSpPr>
+            <p:cNvPr id="52" name="テキスト ボックス 51">
+              <a:extLst>
+                <a:ext uri="{FF2B5EF4-FFF2-40B4-BE49-F238E27FC236}">
+                  <a16:creationId xmlns:a16="http://schemas.microsoft.com/office/drawing/2014/main" id="{77BE31A3-1709-6AE3-4BF3-92B9334BA52D}"/>
+                </a:ext>
+              </a:extLst>
+            </p:cNvPr>
+            <p:cNvSpPr txBox="1"/>
+            <p:nvPr/>
+          </p:nvSpPr>
+          <p:spPr>
+            <a:xfrm>
+              <a:off x="2843818" y="5120494"/>
+              <a:ext cx="1042679" cy="338554"/>
+            </a:xfrm>
+            <a:prstGeom prst="rect">
+              <a:avLst/>
+            </a:prstGeom>
+            <a:noFill/>
+          </p:spPr>
+          <p:txBody>
+            <a:bodyPr wrap="square" rtlCol="0">
+              <a:spAutoFit/>
+            </a:bodyPr>
+            <a:lstStyle/>
+            <a:p>
+              <a:pPr algn="ctr"/>
+              <a:r>
+                <a:rPr lang="ja-JP" altLang="en-US" sz="1600" b="1">
+                  <a:solidFill>
+                    <a:schemeClr val="bg1"/>
+                  </a:solidFill>
+                </a:rPr>
+                <a:t>スタート</a:t>
+              </a:r>
+              <a:endParaRPr kumimoji="1" lang="ja-JP" altLang="en-US" sz="1600" b="1">
+                <a:solidFill>
+                  <a:schemeClr val="bg1"/>
+                </a:solidFill>
+              </a:endParaRPr>
+            </a:p>
+          </p:txBody>
+        </p:sp>
+      </p:grpSp>
+      <p:sp>
+        <p:nvSpPr>
+          <p:cNvPr id="54" name="テキスト ボックス 53">
+            <a:extLst>
+              <a:ext uri="{FF2B5EF4-FFF2-40B4-BE49-F238E27FC236}">
+                <a16:creationId xmlns:a16="http://schemas.microsoft.com/office/drawing/2014/main" id="{9F4B9A37-4A6F-3496-C98A-9455C1980A41}"/>
+              </a:ext>
+            </a:extLst>
+          </p:cNvPr>
+          <p:cNvSpPr txBox="1"/>
+          <p:nvPr/>
+        </p:nvSpPr>
+        <p:spPr>
+          <a:xfrm>
+            <a:off x="5042906" y="600735"/>
+            <a:ext cx="3781513" cy="523220"/>
+          </a:xfrm>
+          <a:prstGeom prst="rect">
+            <a:avLst/>
+          </a:prstGeom>
+          <a:noFill/>
+        </p:spPr>
+        <p:txBody>
+          <a:bodyPr wrap="square" rtlCol="0">
+            <a:spAutoFit/>
+          </a:bodyPr>
+          <a:lstStyle/>
+          <a:p>
+            <a:r>
+              <a:rPr kumimoji="1" lang="ja-JP" altLang="en-US" sz="2800" b="1">
+                <a:solidFill>
+                  <a:srgbClr val="FF0000"/>
+                </a:solidFill>
+              </a:rPr>
+              <a:t>魔法使い</a:t>
+            </a:r>
+            <a:r>
+              <a:rPr kumimoji="1" lang="en-US" altLang="ja-JP" sz="2800" b="1">
+                <a:solidFill>
+                  <a:srgbClr val="FF0000"/>
+                </a:solidFill>
+              </a:rPr>
+              <a:t>-1</a:t>
+            </a:r>
+            <a:r>
+              <a:rPr kumimoji="1" lang="ja-JP" altLang="en-US" sz="2800" b="1">
+                <a:solidFill>
+                  <a:srgbClr val="FF0000"/>
+                </a:solidFill>
+              </a:rPr>
+              <a:t>ポイント！</a:t>
+            </a:r>
+          </a:p>
+        </p:txBody>
+      </p:sp>
+    </p:spTree>
+    <p:extLst>
+      <p:ext uri="{BB962C8B-B14F-4D97-AF65-F5344CB8AC3E}">
+        <p14:creationId xmlns:p14="http://schemas.microsoft.com/office/powerpoint/2010/main" val="3589683353"/>
       </p:ext>
     </p:extLst>
   </p:cSld>
@@ -3965,4 +8585,299 @@
     </a:ext>
   </a:extLst>
 </a:theme>
+</file>
+
+<file path=ppt/theme/theme2.xml><?xml version="1.0" encoding="utf-8"?>
+<a:theme xmlns:a="http://schemas.openxmlformats.org/drawingml/2006/main" name="Office テーマ">
+  <a:themeElements>
+    <a:clrScheme name="Office">
+      <a:dk1>
+        <a:sysClr val="windowText" lastClr="000000"/>
+      </a:dk1>
+      <a:lt1>
+        <a:sysClr val="window" lastClr="FFFFFF"/>
+      </a:lt1>
+      <a:dk2>
+        <a:srgbClr val="44546A"/>
+      </a:dk2>
+      <a:lt2>
+        <a:srgbClr val="E7E6E6"/>
+      </a:lt2>
+      <a:accent1>
+        <a:srgbClr val="4472C4"/>
+      </a:accent1>
+      <a:accent2>
+        <a:srgbClr val="ED7D31"/>
+      </a:accent2>
+      <a:accent3>
+        <a:srgbClr val="A5A5A5"/>
+      </a:accent3>
+      <a:accent4>
+        <a:srgbClr val="FFC000"/>
+      </a:accent4>
+      <a:accent5>
+        <a:srgbClr val="5B9BD5"/>
+      </a:accent5>
+      <a:accent6>
+        <a:srgbClr val="70AD47"/>
+      </a:accent6>
+      <a:hlink>
+        <a:srgbClr val="0563C1"/>
+      </a:hlink>
+      <a:folHlink>
+        <a:srgbClr val="954F72"/>
+      </a:folHlink>
+    </a:clrScheme>
+    <a:fontScheme name="Office">
+      <a:majorFont>
+        <a:latin typeface="游ゴシック Light" panose="020F0302020204030204"/>
+        <a:ea typeface=""/>
+        <a:cs typeface=""/>
+        <a:font script="Jpan" typeface="游ゴシック Light"/>
+        <a:font script="Hang" typeface="맑은 고딕"/>
+        <a:font script="Hans" typeface="等线 Light"/>
+        <a:font script="Hant" typeface="新細明體"/>
+        <a:font script="Arab" typeface="Times New Roman"/>
+        <a:font script="Hebr" typeface="Times New Roman"/>
+        <a:font script="Thai" typeface="Angsana New"/>
+        <a:font script="Ethi" typeface="Nyala"/>
+        <a:font script="Beng" typeface="Vrinda"/>
+        <a:font script="Gujr" typeface="Shruti"/>
+        <a:font script="Khmr" typeface="MoolBoran"/>
+        <a:font script="Knda" typeface="Tunga"/>
+        <a:font script="Guru" typeface="Raavi"/>
+        <a:font script="Cans" typeface="Euphemia"/>
+        <a:font script="Cher" typeface="Plantagenet Cherokee"/>
+        <a:font script="Yiii" typeface="Microsoft Yi Baiti"/>
+        <a:font script="Tibt" typeface="Microsoft Himalaya"/>
+        <a:font script="Thaa" typeface="MV Boli"/>
+        <a:font script="Deva" typeface="Mangal"/>
+        <a:font script="Telu" typeface="Gautami"/>
+        <a:font script="Taml" typeface="Latha"/>
+        <a:font script="Syrc" typeface="Estrangelo Edessa"/>
+        <a:font script="Orya" typeface="Kalinga"/>
+        <a:font script="Mlym" typeface="Kartika"/>
+        <a:font script="Laoo" typeface="DokChampa"/>
+        <a:font script="Sinh" typeface="Iskoola Pota"/>
+        <a:font script="Mong" typeface="Mongolian Baiti"/>
+        <a:font script="Viet" typeface="Times New Roman"/>
+        <a:font script="Uigh" typeface="Microsoft Uighur"/>
+        <a:font script="Geor" typeface="Sylfaen"/>
+        <a:font script="Armn" typeface="Arial"/>
+        <a:font script="Bugi" typeface="Leelawadee UI"/>
+        <a:font script="Bopo" typeface="Microsoft JhengHei"/>
+        <a:font script="Java" typeface="Javanese Text"/>
+        <a:font script="Lisu" typeface="Segoe UI"/>
+        <a:font script="Mymr" typeface="Myanmar Text"/>
+        <a:font script="Nkoo" typeface="Ebrima"/>
+        <a:font script="Olck" typeface="Nirmala UI"/>
+        <a:font script="Osma" typeface="Ebrima"/>
+        <a:font script="Phag" typeface="Phagspa"/>
+        <a:font script="Syrn" typeface="Estrangelo Edessa"/>
+        <a:font script="Syrj" typeface="Estrangelo Edessa"/>
+        <a:font script="Syre" typeface="Estrangelo Edessa"/>
+        <a:font script="Sora" typeface="Nirmala UI"/>
+        <a:font script="Tale" typeface="Microsoft Tai Le"/>
+        <a:font script="Talu" typeface="Microsoft New Tai Lue"/>
+        <a:font script="Tfng" typeface="Ebrima"/>
+      </a:majorFont>
+      <a:minorFont>
+        <a:latin typeface="游ゴシック" panose="020F0502020204030204"/>
+        <a:ea typeface=""/>
+        <a:cs typeface=""/>
+        <a:font script="Jpan" typeface="游ゴシック"/>
+        <a:font script="Hang" typeface="맑은 고딕"/>
+        <a:font script="Hans" typeface="等线"/>
+        <a:font script="Hant" typeface="新細明體"/>
+        <a:font script="Arab" typeface="Arial"/>
+        <a:font script="Hebr" typeface="Arial"/>
+        <a:font script="Thai" typeface="Cordia New"/>
+        <a:font script="Ethi" typeface="Nyala"/>
+        <a:font script="Beng" typeface="Vrinda"/>
+        <a:font script="Gujr" typeface="Shruti"/>
+        <a:font script="Khmr" typeface="DaunPenh"/>
+        <a:font script="Knda" typeface="Tunga"/>
+        <a:font script="Guru" typeface="Raavi"/>
+        <a:font script="Cans" typeface="Euphemia"/>
+        <a:font script="Cher" typeface="Plantagenet Cherokee"/>
+        <a:font script="Yiii" typeface="Microsoft Yi Baiti"/>
+        <a:font script="Tibt" typeface="Microsoft Himalaya"/>
+        <a:font script="Thaa" typeface="MV Boli"/>
+        <a:font script="Deva" typeface="Mangal"/>
+        <a:font script="Telu" typeface="Gautami"/>
+        <a:font script="Taml" typeface="Latha"/>
+        <a:font script="Syrc" typeface="Estrangelo Edessa"/>
+        <a:font script="Orya" typeface="Kalinga"/>
+        <a:font script="Mlym" typeface="Kartika"/>
+        <a:font script="Laoo" typeface="DokChampa"/>
+        <a:font script="Sinh" typeface="Iskoola Pota"/>
+        <a:font script="Mong" typeface="Mongolian Baiti"/>
+        <a:font script="Viet" typeface="Arial"/>
+        <a:font script="Uigh" typeface="Microsoft Uighur"/>
+        <a:font script="Geor" typeface="Sylfaen"/>
+        <a:font script="Armn" typeface="Arial"/>
+        <a:font script="Bugi" typeface="Leelawadee UI"/>
+        <a:font script="Bopo" typeface="Microsoft JhengHei"/>
+        <a:font script="Java" typeface="Javanese Text"/>
+        <a:font script="Lisu" typeface="Segoe UI"/>
+        <a:font script="Mymr" typeface="Myanmar Text"/>
+        <a:font script="Nkoo" typeface="Ebrima"/>
+        <a:font script="Olck" typeface="Nirmala UI"/>
+        <a:font script="Osma" typeface="Ebrima"/>
+        <a:font script="Phag" typeface="Phagspa"/>
+        <a:font script="Syrn" typeface="Estrangelo Edessa"/>
+        <a:font script="Syrj" typeface="Estrangelo Edessa"/>
+        <a:font script="Syre" typeface="Estrangelo Edessa"/>
+        <a:font script="Sora" typeface="Nirmala UI"/>
+        <a:font script="Tale" typeface="Microsoft Tai Le"/>
+        <a:font script="Talu" typeface="Microsoft New Tai Lue"/>
+        <a:font script="Tfng" typeface="Ebrima"/>
+      </a:minorFont>
+    </a:fontScheme>
+    <a:fmtScheme name="Office">
+      <a:fillStyleLst>
+        <a:solidFill>
+          <a:schemeClr val="phClr"/>
+        </a:solidFill>
+        <a:gradFill rotWithShape="1">
+          <a:gsLst>
+            <a:gs pos="0">
+              <a:schemeClr val="phClr">
+                <a:lumMod val="110000"/>
+                <a:satMod val="105000"/>
+                <a:tint val="67000"/>
+              </a:schemeClr>
+            </a:gs>
+            <a:gs pos="50000">
+              <a:schemeClr val="phClr">
+                <a:lumMod val="105000"/>
+                <a:satMod val="103000"/>
+                <a:tint val="73000"/>
+              </a:schemeClr>
+            </a:gs>
+            <a:gs pos="100000">
+              <a:schemeClr val="phClr">
+                <a:lumMod val="105000"/>
+                <a:satMod val="109000"/>
+                <a:tint val="81000"/>
+              </a:schemeClr>
+            </a:gs>
+          </a:gsLst>
+          <a:lin ang="5400000" scaled="0"/>
+        </a:gradFill>
+        <a:gradFill rotWithShape="1">
+          <a:gsLst>
+            <a:gs pos="0">
+              <a:schemeClr val="phClr">
+                <a:satMod val="103000"/>
+                <a:lumMod val="102000"/>
+                <a:tint val="94000"/>
+              </a:schemeClr>
+            </a:gs>
+            <a:gs pos="50000">
+              <a:schemeClr val="phClr">
+                <a:satMod val="110000"/>
+                <a:lumMod val="100000"/>
+                <a:shade val="100000"/>
+              </a:schemeClr>
+            </a:gs>
+            <a:gs pos="100000">
+              <a:schemeClr val="phClr">
+                <a:lumMod val="99000"/>
+                <a:satMod val="120000"/>
+                <a:shade val="78000"/>
+              </a:schemeClr>
+            </a:gs>
+          </a:gsLst>
+          <a:lin ang="5400000" scaled="0"/>
+        </a:gradFill>
+      </a:fillStyleLst>
+      <a:lnStyleLst>
+        <a:ln w="6350" cap="flat" cmpd="sng" algn="ctr">
+          <a:solidFill>
+            <a:schemeClr val="phClr"/>
+          </a:solidFill>
+          <a:prstDash val="solid"/>
+          <a:miter lim="800000"/>
+        </a:ln>
+        <a:ln w="12700" cap="flat" cmpd="sng" algn="ctr">
+          <a:solidFill>
+            <a:schemeClr val="phClr"/>
+          </a:solidFill>
+          <a:prstDash val="solid"/>
+          <a:miter lim="800000"/>
+        </a:ln>
+        <a:ln w="19050" cap="flat" cmpd="sng" algn="ctr">
+          <a:solidFill>
+            <a:schemeClr val="phClr"/>
+          </a:solidFill>
+          <a:prstDash val="solid"/>
+          <a:miter lim="800000"/>
+        </a:ln>
+      </a:lnStyleLst>
+      <a:effectStyleLst>
+        <a:effectStyle>
+          <a:effectLst/>
+        </a:effectStyle>
+        <a:effectStyle>
+          <a:effectLst/>
+        </a:effectStyle>
+        <a:effectStyle>
+          <a:effectLst>
+            <a:outerShdw blurRad="57150" dist="19050" dir="5400000" algn="ctr" rotWithShape="0">
+              <a:srgbClr val="000000">
+                <a:alpha val="63000"/>
+              </a:srgbClr>
+            </a:outerShdw>
+          </a:effectLst>
+        </a:effectStyle>
+      </a:effectStyleLst>
+      <a:bgFillStyleLst>
+        <a:solidFill>
+          <a:schemeClr val="phClr"/>
+        </a:solidFill>
+        <a:solidFill>
+          <a:schemeClr val="phClr">
+            <a:tint val="95000"/>
+            <a:satMod val="170000"/>
+          </a:schemeClr>
+        </a:solidFill>
+        <a:gradFill rotWithShape="1">
+          <a:gsLst>
+            <a:gs pos="0">
+              <a:schemeClr val="phClr">
+                <a:tint val="93000"/>
+                <a:satMod val="150000"/>
+                <a:shade val="98000"/>
+                <a:lumMod val="102000"/>
+              </a:schemeClr>
+            </a:gs>
+            <a:gs pos="50000">
+              <a:schemeClr val="phClr">
+                <a:tint val="98000"/>
+                <a:satMod val="130000"/>
+                <a:shade val="90000"/>
+                <a:lumMod val="103000"/>
+              </a:schemeClr>
+            </a:gs>
+            <a:gs pos="100000">
+              <a:schemeClr val="phClr">
+                <a:shade val="63000"/>
+                <a:satMod val="120000"/>
+              </a:schemeClr>
+            </a:gs>
+          </a:gsLst>
+          <a:lin ang="5400000" scaled="0"/>
+        </a:gradFill>
+      </a:bgFillStyleLst>
+    </a:fmtScheme>
+  </a:themeElements>
+  <a:objectDefaults/>
+  <a:extraClrSchemeLst/>
+  <a:extLst>
+    <a:ext uri="{05A4C25C-085E-4340-85A3-A5531E510DB2}">
+      <thm15:themeFamily xmlns:thm15="http://schemas.microsoft.com/office/thememl/2012/main" name="Office Theme" id="{62F939B6-93AF-4DB8-9C6B-D6C7DFDC589F}" vid="{4A3C46E8-61CC-4603-A589-7422A47A8E4A}"/>
+    </a:ext>
+  </a:extLst>
+</a:theme>
 </file>
--- a/materials/prototype.pptx
+++ b/materials/prototype.pptx
@@ -5,11 +5,10 @@
     <p:sldMasterId id="2147483648" r:id="rId1"/>
   </p:sldMasterIdLst>
   <p:notesMasterIdLst>
-    <p:notesMasterId r:id="rId4"/>
+    <p:notesMasterId r:id="rId3"/>
   </p:notesMasterIdLst>
   <p:sldIdLst>
     <p:sldId id="256" r:id="rId2"/>
-    <p:sldId id="258" r:id="rId3"/>
   </p:sldIdLst>
   <p:sldSz cx="12192000" cy="6858000"/>
   <p:notesSz cx="6858000" cy="9144000"/>
@@ -119,13 +118,228 @@
 <file path=ppt/revisionInfo.xml><?xml version="1.0" encoding="utf-8"?>
 <p1510:revInfo xmlns:a="http://schemas.openxmlformats.org/drawingml/2006/main" xmlns:r="http://schemas.openxmlformats.org/officeDocument/2006/relationships" xmlns:p1510="http://schemas.microsoft.com/office/powerpoint/2015/10/main">
   <p1510:revLst>
-    <p1510:client id="{774BA49D-8E5F-4A80-8B1B-52F3979F0B83}" v="836" dt="2025-07-09T02:49:36.235"/>
+    <p1510:client id="{F51CCC4E-A275-4000-BA1D-BAF6E31EB36D}" v="8" dt="2025-07-21T22:10:40.829"/>
   </p1510:revLst>
 </p1510:revInfo>
 </file>
 
 <file path=ppt/changesInfos/changesInfo1.xml><?xml version="1.0" encoding="utf-8"?>
 <pc:chgInfo xmlns:a="http://schemas.openxmlformats.org/drawingml/2006/main" xmlns:r="http://schemas.openxmlformats.org/officeDocument/2006/relationships" xmlns:ac="http://schemas.microsoft.com/office/drawing/2013/main/command" xmlns:pc="http://schemas.microsoft.com/office/powerpoint/2013/main/command">
+  <pc:docChgLst>
+    <pc:chgData name="ちえり 生田" userId="ceb7be3f12efbeb8" providerId="LiveId" clId="{F51CCC4E-A275-4000-BA1D-BAF6E31EB36D}"/>
+    <pc:docChg chg="undo custSel delSld modSld">
+      <pc:chgData name="ちえり 生田" userId="ceb7be3f12efbeb8" providerId="LiveId" clId="{F51CCC4E-A275-4000-BA1D-BAF6E31EB36D}" dt="2025-07-21T22:11:39.964" v="318" actId="20577"/>
+      <pc:docMkLst>
+        <pc:docMk/>
+      </pc:docMkLst>
+      <pc:sldChg chg="addSp delSp modSp mod">
+        <pc:chgData name="ちえり 生田" userId="ceb7be3f12efbeb8" providerId="LiveId" clId="{F51CCC4E-A275-4000-BA1D-BAF6E31EB36D}" dt="2025-07-21T22:11:39.964" v="318" actId="20577"/>
+        <pc:sldMkLst>
+          <pc:docMk/>
+          <pc:sldMk cId="2054777074" sldId="256"/>
+        </pc:sldMkLst>
+        <pc:spChg chg="add mod">
+          <ac:chgData name="ちえり 生田" userId="ceb7be3f12efbeb8" providerId="LiveId" clId="{F51CCC4E-A275-4000-BA1D-BAF6E31EB36D}" dt="2025-07-21T22:08:48.532" v="219" actId="20577"/>
+          <ac:spMkLst>
+            <pc:docMk/>
+            <pc:sldMk cId="2054777074" sldId="256"/>
+            <ac:spMk id="2" creationId="{AAB812CF-1143-ED11-4576-EF438757721F}"/>
+          </ac:spMkLst>
+        </pc:spChg>
+        <pc:spChg chg="add mod">
+          <ac:chgData name="ちえり 生田" userId="ceb7be3f12efbeb8" providerId="LiveId" clId="{F51CCC4E-A275-4000-BA1D-BAF6E31EB36D}" dt="2025-07-21T22:11:39.964" v="318" actId="20577"/>
+          <ac:spMkLst>
+            <pc:docMk/>
+            <pc:sldMk cId="2054777074" sldId="256"/>
+            <ac:spMk id="3" creationId="{88F72027-307A-BC59-BD55-4AED25009DEA}"/>
+          </ac:spMkLst>
+        </pc:spChg>
+        <pc:spChg chg="add mod">
+          <ac:chgData name="ちえり 生田" userId="ceb7be3f12efbeb8" providerId="LiveId" clId="{F51CCC4E-A275-4000-BA1D-BAF6E31EB36D}" dt="2025-07-21T22:08:55.348" v="223" actId="20577"/>
+          <ac:spMkLst>
+            <pc:docMk/>
+            <pc:sldMk cId="2054777074" sldId="256"/>
+            <ac:spMk id="4" creationId="{E9F11AFD-264C-2177-EE0E-0AAFFDF0E1D8}"/>
+          </ac:spMkLst>
+        </pc:spChg>
+        <pc:spChg chg="del">
+          <ac:chgData name="ちえり 生田" userId="ceb7be3f12efbeb8" providerId="LiveId" clId="{F51CCC4E-A275-4000-BA1D-BAF6E31EB36D}" dt="2025-07-21T22:02:26.441" v="6" actId="21"/>
+          <ac:spMkLst>
+            <pc:docMk/>
+            <pc:sldMk cId="2054777074" sldId="256"/>
+            <ac:spMk id="11" creationId="{E0641C2D-50F4-2103-26BD-F591B47704F5}"/>
+          </ac:spMkLst>
+        </pc:spChg>
+        <pc:spChg chg="del">
+          <ac:chgData name="ちえり 生田" userId="ceb7be3f12efbeb8" providerId="LiveId" clId="{F51CCC4E-A275-4000-BA1D-BAF6E31EB36D}" dt="2025-07-21T22:02:22.366" v="5" actId="21"/>
+          <ac:spMkLst>
+            <pc:docMk/>
+            <pc:sldMk cId="2054777074" sldId="256"/>
+            <ac:spMk id="13" creationId="{7F082E51-8DAF-A802-BBA7-952948277462}"/>
+          </ac:spMkLst>
+        </pc:spChg>
+        <pc:spChg chg="del">
+          <ac:chgData name="ちえり 生田" userId="ceb7be3f12efbeb8" providerId="LiveId" clId="{F51CCC4E-A275-4000-BA1D-BAF6E31EB36D}" dt="2025-07-21T22:02:29.784" v="7" actId="21"/>
+          <ac:spMkLst>
+            <pc:docMk/>
+            <pc:sldMk cId="2054777074" sldId="256"/>
+            <ac:spMk id="35" creationId="{C2128C75-F3EF-8A87-0DE1-CD6D6958C299}"/>
+          </ac:spMkLst>
+        </pc:spChg>
+        <pc:spChg chg="del">
+          <ac:chgData name="ちえり 生田" userId="ceb7be3f12efbeb8" providerId="LiveId" clId="{F51CCC4E-A275-4000-BA1D-BAF6E31EB36D}" dt="2025-07-21T22:02:34.604" v="8" actId="21"/>
+          <ac:spMkLst>
+            <pc:docMk/>
+            <pc:sldMk cId="2054777074" sldId="256"/>
+            <ac:spMk id="54" creationId="{A98616F3-B4F5-ED01-7DF8-1D012950D265}"/>
+          </ac:spMkLst>
+        </pc:spChg>
+        <pc:grpChg chg="del">
+          <ac:chgData name="ちえり 生田" userId="ceb7be3f12efbeb8" providerId="LiveId" clId="{F51CCC4E-A275-4000-BA1D-BAF6E31EB36D}" dt="2025-07-21T22:01:14.281" v="0" actId="21"/>
+          <ac:grpSpMkLst>
+            <pc:docMk/>
+            <pc:sldMk cId="2054777074" sldId="256"/>
+            <ac:grpSpMk id="53" creationId="{8F6641B6-803A-DAA7-DB52-91122DD07E2A}"/>
+          </ac:grpSpMkLst>
+        </pc:grpChg>
+        <pc:picChg chg="mod">
+          <ac:chgData name="ちえり 生田" userId="ceb7be3f12efbeb8" providerId="LiveId" clId="{F51CCC4E-A275-4000-BA1D-BAF6E31EB36D}" dt="2025-07-21T22:10:07.973" v="302"/>
+          <ac:picMkLst>
+            <pc:docMk/>
+            <pc:sldMk cId="2054777074" sldId="256"/>
+            <ac:picMk id="7" creationId="{A145B024-BC7C-A575-9A3C-580266A6DB22}"/>
+          </ac:picMkLst>
+        </pc:picChg>
+        <pc:picChg chg="mod">
+          <ac:chgData name="ちえり 生田" userId="ceb7be3f12efbeb8" providerId="LiveId" clId="{F51CCC4E-A275-4000-BA1D-BAF6E31EB36D}" dt="2025-07-21T22:10:23.665" v="304"/>
+          <ac:picMkLst>
+            <pc:docMk/>
+            <pc:sldMk cId="2054777074" sldId="256"/>
+            <ac:picMk id="8" creationId="{894C026B-76F1-3898-9317-C37B1D2FEB9E}"/>
+          </ac:picMkLst>
+        </pc:picChg>
+        <pc:picChg chg="mod">
+          <ac:chgData name="ちえり 生田" userId="ceb7be3f12efbeb8" providerId="LiveId" clId="{F51CCC4E-A275-4000-BA1D-BAF6E31EB36D}" dt="2025-07-21T22:10:18.522" v="303"/>
+          <ac:picMkLst>
+            <pc:docMk/>
+            <pc:sldMk cId="2054777074" sldId="256"/>
+            <ac:picMk id="9" creationId="{58437B91-44DC-68E2-44F5-B66D1C3EB0A2}"/>
+          </ac:picMkLst>
+        </pc:picChg>
+        <pc:picChg chg="mod">
+          <ac:chgData name="ちえり 生田" userId="ceb7be3f12efbeb8" providerId="LiveId" clId="{F51CCC4E-A275-4000-BA1D-BAF6E31EB36D}" dt="2025-07-21T22:03:33.019" v="24" actId="1076"/>
+          <ac:picMkLst>
+            <pc:docMk/>
+            <pc:sldMk cId="2054777074" sldId="256"/>
+            <ac:picMk id="10" creationId="{F5A0C091-5909-0BB5-5422-59B55438DE97}"/>
+          </ac:picMkLst>
+        </pc:picChg>
+        <pc:picChg chg="mod ord">
+          <ac:chgData name="ちえり 生田" userId="ceb7be3f12efbeb8" providerId="LiveId" clId="{F51CCC4E-A275-4000-BA1D-BAF6E31EB36D}" dt="2025-07-21T22:11:06.277" v="311" actId="166"/>
+          <ac:picMkLst>
+            <pc:docMk/>
+            <pc:sldMk cId="2054777074" sldId="256"/>
+            <ac:picMk id="37" creationId="{DE560294-8839-1CDD-8D70-E9CEFE43769F}"/>
+          </ac:picMkLst>
+        </pc:picChg>
+        <pc:picChg chg="mod">
+          <ac:chgData name="ちえり 生田" userId="ceb7be3f12efbeb8" providerId="LiveId" clId="{F51CCC4E-A275-4000-BA1D-BAF6E31EB36D}" dt="2025-07-21T22:10:50.510" v="309" actId="1076"/>
+          <ac:picMkLst>
+            <pc:docMk/>
+            <pc:sldMk cId="2054777074" sldId="256"/>
+            <ac:picMk id="39" creationId="{48CBFB5E-8C0C-1500-D97F-ADC5029B1A86}"/>
+          </ac:picMkLst>
+        </pc:picChg>
+        <pc:picChg chg="mod ord">
+          <ac:chgData name="ちえり 生田" userId="ceb7be3f12efbeb8" providerId="LiveId" clId="{F51CCC4E-A275-4000-BA1D-BAF6E31EB36D}" dt="2025-07-21T22:11:14.418" v="312" actId="171"/>
+          <ac:picMkLst>
+            <pc:docMk/>
+            <pc:sldMk cId="2054777074" sldId="256"/>
+            <ac:picMk id="41" creationId="{CE281396-5999-12ED-6C3F-65A998F8696E}"/>
+          </ac:picMkLst>
+        </pc:picChg>
+        <pc:picChg chg="mod">
+          <ac:chgData name="ちえり 生田" userId="ceb7be3f12efbeb8" providerId="LiveId" clId="{F51CCC4E-A275-4000-BA1D-BAF6E31EB36D}" dt="2025-07-21T22:10:27.423" v="305"/>
+          <ac:picMkLst>
+            <pc:docMk/>
+            <pc:sldMk cId="2054777074" sldId="256"/>
+            <ac:picMk id="42" creationId="{B55B3CB3-BB16-5242-40AC-FBB794ECD419}"/>
+          </ac:picMkLst>
+        </pc:picChg>
+        <pc:picChg chg="mod">
+          <ac:chgData name="ちえり 生田" userId="ceb7be3f12efbeb8" providerId="LiveId" clId="{F51CCC4E-A275-4000-BA1D-BAF6E31EB36D}" dt="2025-07-21T22:10:34.777" v="306"/>
+          <ac:picMkLst>
+            <pc:docMk/>
+            <pc:sldMk cId="2054777074" sldId="256"/>
+            <ac:picMk id="43" creationId="{1CBBF909-9735-E08D-1577-73E4BFB1CC15}"/>
+          </ac:picMkLst>
+        </pc:picChg>
+        <pc:picChg chg="del">
+          <ac:chgData name="ちえり 生田" userId="ceb7be3f12efbeb8" providerId="LiveId" clId="{F51CCC4E-A275-4000-BA1D-BAF6E31EB36D}" dt="2025-07-21T22:01:20.482" v="1" actId="21"/>
+          <ac:picMkLst>
+            <pc:docMk/>
+            <pc:sldMk cId="2054777074" sldId="256"/>
+            <ac:picMk id="44" creationId="{BA753133-AC7E-E365-3D83-9A8FDCE6EEAA}"/>
+          </ac:picMkLst>
+        </pc:picChg>
+        <pc:picChg chg="del">
+          <ac:chgData name="ちえり 生田" userId="ceb7be3f12efbeb8" providerId="LiveId" clId="{F51CCC4E-A275-4000-BA1D-BAF6E31EB36D}" dt="2025-07-21T22:01:23.095" v="2" actId="21"/>
+          <ac:picMkLst>
+            <pc:docMk/>
+            <pc:sldMk cId="2054777074" sldId="256"/>
+            <ac:picMk id="45" creationId="{EF4F7D85-ACA3-16D4-2C84-4B2F5C9D8E36}"/>
+          </ac:picMkLst>
+        </pc:picChg>
+        <pc:picChg chg="mod">
+          <ac:chgData name="ちえり 生田" userId="ceb7be3f12efbeb8" providerId="LiveId" clId="{F51CCC4E-A275-4000-BA1D-BAF6E31EB36D}" dt="2025-07-21T22:10:40.824" v="307"/>
+          <ac:picMkLst>
+            <pc:docMk/>
+            <pc:sldMk cId="2054777074" sldId="256"/>
+            <ac:picMk id="46" creationId="{33575CDD-C6DB-3A41-E5CE-88F3EBD337CC}"/>
+          </ac:picMkLst>
+        </pc:picChg>
+        <pc:picChg chg="del">
+          <ac:chgData name="ちえり 生田" userId="ceb7be3f12efbeb8" providerId="LiveId" clId="{F51CCC4E-A275-4000-BA1D-BAF6E31EB36D}" dt="2025-07-21T22:02:40.375" v="10" actId="21"/>
+          <ac:picMkLst>
+            <pc:docMk/>
+            <pc:sldMk cId="2054777074" sldId="256"/>
+            <ac:picMk id="47" creationId="{CF54600F-744D-6008-EB36-EF8686E3CC00}"/>
+          </ac:picMkLst>
+        </pc:picChg>
+        <pc:picChg chg="del">
+          <ac:chgData name="ちえり 生田" userId="ceb7be3f12efbeb8" providerId="LiveId" clId="{F51CCC4E-A275-4000-BA1D-BAF6E31EB36D}" dt="2025-07-21T22:01:25.726" v="3" actId="21"/>
+          <ac:picMkLst>
+            <pc:docMk/>
+            <pc:sldMk cId="2054777074" sldId="256"/>
+            <ac:picMk id="49" creationId="{5E2748E9-3573-48E4-F4AB-3F3843FF5AD5}"/>
+          </ac:picMkLst>
+        </pc:picChg>
+        <pc:picChg chg="del">
+          <ac:chgData name="ちえり 生田" userId="ceb7be3f12efbeb8" providerId="LiveId" clId="{F51CCC4E-A275-4000-BA1D-BAF6E31EB36D}" dt="2025-07-21T22:02:38.036" v="9" actId="21"/>
+          <ac:picMkLst>
+            <pc:docMk/>
+            <pc:sldMk cId="2054777074" sldId="256"/>
+            <ac:picMk id="51" creationId="{4471B4BB-3EAD-7FBB-4497-CD2D110AA84C}"/>
+          </ac:picMkLst>
+        </pc:picChg>
+        <pc:cxnChg chg="mod">
+          <ac:chgData name="ちえり 生田" userId="ceb7be3f12efbeb8" providerId="LiveId" clId="{F51CCC4E-A275-4000-BA1D-BAF6E31EB36D}" dt="2025-07-21T22:01:14.281" v="0" actId="21"/>
+          <ac:cxnSpMkLst>
+            <pc:docMk/>
+            <pc:sldMk cId="2054777074" sldId="256"/>
+            <ac:cxnSpMk id="17" creationId="{3D59AD9F-FB01-0A26-6857-F884082B0D9A}"/>
+          </ac:cxnSpMkLst>
+        </pc:cxnChg>
+      </pc:sldChg>
+      <pc:sldChg chg="del">
+        <pc:chgData name="ちえり 生田" userId="ceb7be3f12efbeb8" providerId="LiveId" clId="{F51CCC4E-A275-4000-BA1D-BAF6E31EB36D}" dt="2025-07-21T22:01:27.880" v="4" actId="2696"/>
+        <pc:sldMkLst>
+          <pc:docMk/>
+          <pc:sldMk cId="3589683353" sldId="258"/>
+        </pc:sldMkLst>
+      </pc:sldChg>
+    </pc:docChg>
+  </pc:docChgLst>
   <pc:docChgLst>
     <pc:chgData name="ちえり 生田" userId="ceb7be3f12efbeb8" providerId="LiveId" clId="{774BA49D-8E5F-4A80-8B1B-52F3979F0B83}"/>
     <pc:docChg chg="undo custSel addSld delSld modSld">
@@ -139,166 +353,6 @@
           <pc:docMk/>
           <pc:sldMk cId="2054777074" sldId="256"/>
         </pc:sldMkLst>
-        <pc:spChg chg="del">
-          <ac:chgData name="ちえり 生田" userId="ceb7be3f12efbeb8" providerId="LiveId" clId="{774BA49D-8E5F-4A80-8B1B-52F3979F0B83}" dt="2025-07-09T01:40:17.288" v="0" actId="21"/>
-          <ac:spMkLst>
-            <pc:docMk/>
-            <pc:sldMk cId="2054777074" sldId="256"/>
-            <ac:spMk id="2" creationId="{4E935DC2-11AF-36E9-7C57-D5C8D9F98749}"/>
-          </ac:spMkLst>
-        </pc:spChg>
-        <pc:spChg chg="del">
-          <ac:chgData name="ちえり 生田" userId="ceb7be3f12efbeb8" providerId="LiveId" clId="{774BA49D-8E5F-4A80-8B1B-52F3979F0B83}" dt="2025-07-09T01:40:20.542" v="1" actId="21"/>
-          <ac:spMkLst>
-            <pc:docMk/>
-            <pc:sldMk cId="2054777074" sldId="256"/>
-            <ac:spMk id="3" creationId="{6FC7F918-C2F8-3D84-EA2E-68EB883B9B63}"/>
-          </ac:spMkLst>
-        </pc:spChg>
-        <pc:spChg chg="add mod">
-          <ac:chgData name="ちえり 生田" userId="ceb7be3f12efbeb8" providerId="LiveId" clId="{774BA49D-8E5F-4A80-8B1B-52F3979F0B83}" dt="2025-07-09T02:44:06.640" v="943" actId="20577"/>
-          <ac:spMkLst>
-            <pc:docMk/>
-            <pc:sldMk cId="2054777074" sldId="256"/>
-            <ac:spMk id="11" creationId="{E0641C2D-50F4-2103-26BD-F591B47704F5}"/>
-          </ac:spMkLst>
-        </pc:spChg>
-        <pc:spChg chg="add del mod">
-          <ac:chgData name="ちえり 生田" userId="ceb7be3f12efbeb8" providerId="LiveId" clId="{774BA49D-8E5F-4A80-8B1B-52F3979F0B83}" dt="2025-07-09T01:59:56.586" v="168" actId="21"/>
-          <ac:spMkLst>
-            <pc:docMk/>
-            <pc:sldMk cId="2054777074" sldId="256"/>
-            <ac:spMk id="12" creationId="{049621E0-18E4-53B7-F6C6-59C7B0B87975}"/>
-          </ac:spMkLst>
-        </pc:spChg>
-        <pc:spChg chg="add mod">
-          <ac:chgData name="ちえり 生田" userId="ceb7be3f12efbeb8" providerId="LiveId" clId="{774BA49D-8E5F-4A80-8B1B-52F3979F0B83}" dt="2025-07-09T02:49:36.235" v="1016" actId="20577"/>
-          <ac:spMkLst>
-            <pc:docMk/>
-            <pc:sldMk cId="2054777074" sldId="256"/>
-            <ac:spMk id="13" creationId="{7F082E51-8DAF-A802-BBA7-952948277462}"/>
-          </ac:spMkLst>
-        </pc:spChg>
-        <pc:spChg chg="add mod">
-          <ac:chgData name="ちえり 生田" userId="ceb7be3f12efbeb8" providerId="LiveId" clId="{774BA49D-8E5F-4A80-8B1B-52F3979F0B83}" dt="2025-07-09T02:18:42.108" v="400" actId="164"/>
-          <ac:spMkLst>
-            <pc:docMk/>
-            <pc:sldMk cId="2054777074" sldId="256"/>
-            <ac:spMk id="14" creationId="{6DF12BC5-F1ED-C11A-8DB5-4850133EEEB5}"/>
-          </ac:spMkLst>
-        </pc:spChg>
-        <pc:spChg chg="add mod">
-          <ac:chgData name="ちえり 生田" userId="ceb7be3f12efbeb8" providerId="LiveId" clId="{774BA49D-8E5F-4A80-8B1B-52F3979F0B83}" dt="2025-07-09T02:18:42.108" v="400" actId="164"/>
-          <ac:spMkLst>
-            <pc:docMk/>
-            <pc:sldMk cId="2054777074" sldId="256"/>
-            <ac:spMk id="15" creationId="{38511292-14BD-60CF-4125-F3F3FA8A36E0}"/>
-          </ac:spMkLst>
-        </pc:spChg>
-        <pc:spChg chg="add mod">
-          <ac:chgData name="ちえり 生田" userId="ceb7be3f12efbeb8" providerId="LiveId" clId="{774BA49D-8E5F-4A80-8B1B-52F3979F0B83}" dt="2025-07-09T02:18:42.108" v="400" actId="164"/>
-          <ac:spMkLst>
-            <pc:docMk/>
-            <pc:sldMk cId="2054777074" sldId="256"/>
-            <ac:spMk id="27" creationId="{BE870286-23E7-667E-5BA7-E5375F9D6420}"/>
-          </ac:spMkLst>
-        </pc:spChg>
-        <pc:spChg chg="add mod">
-          <ac:chgData name="ちえり 生田" userId="ceb7be3f12efbeb8" providerId="LiveId" clId="{774BA49D-8E5F-4A80-8B1B-52F3979F0B83}" dt="2025-07-09T02:18:42.108" v="400" actId="164"/>
-          <ac:spMkLst>
-            <pc:docMk/>
-            <pc:sldMk cId="2054777074" sldId="256"/>
-            <ac:spMk id="28" creationId="{0AF680D7-C63C-D7A9-67B5-0543C4AB514A}"/>
-          </ac:spMkLst>
-        </pc:spChg>
-        <pc:spChg chg="add mod">
-          <ac:chgData name="ちえり 生田" userId="ceb7be3f12efbeb8" providerId="LiveId" clId="{774BA49D-8E5F-4A80-8B1B-52F3979F0B83}" dt="2025-07-09T02:18:42.108" v="400" actId="164"/>
-          <ac:spMkLst>
-            <pc:docMk/>
-            <pc:sldMk cId="2054777074" sldId="256"/>
-            <ac:spMk id="29" creationId="{F627D835-9B58-991F-FAB9-2687B2945009}"/>
-          </ac:spMkLst>
-        </pc:spChg>
-        <pc:spChg chg="add mod">
-          <ac:chgData name="ちえり 生田" userId="ceb7be3f12efbeb8" providerId="LiveId" clId="{774BA49D-8E5F-4A80-8B1B-52F3979F0B83}" dt="2025-07-09T02:18:42.108" v="400" actId="164"/>
-          <ac:spMkLst>
-            <pc:docMk/>
-            <pc:sldMk cId="2054777074" sldId="256"/>
-            <ac:spMk id="30" creationId="{02A028B1-F48D-35B8-7623-869BB18E366C}"/>
-          </ac:spMkLst>
-        </pc:spChg>
-        <pc:spChg chg="add mod">
-          <ac:chgData name="ちえり 生田" userId="ceb7be3f12efbeb8" providerId="LiveId" clId="{774BA49D-8E5F-4A80-8B1B-52F3979F0B83}" dt="2025-07-09T02:18:42.108" v="400" actId="164"/>
-          <ac:spMkLst>
-            <pc:docMk/>
-            <pc:sldMk cId="2054777074" sldId="256"/>
-            <ac:spMk id="31" creationId="{402618BE-E31F-EA94-4FC7-C151557DE33C}"/>
-          </ac:spMkLst>
-        </pc:spChg>
-        <pc:spChg chg="add mod">
-          <ac:chgData name="ちえり 生田" userId="ceb7be3f12efbeb8" providerId="LiveId" clId="{774BA49D-8E5F-4A80-8B1B-52F3979F0B83}" dt="2025-07-09T02:18:42.108" v="400" actId="164"/>
-          <ac:spMkLst>
-            <pc:docMk/>
-            <pc:sldMk cId="2054777074" sldId="256"/>
-            <ac:spMk id="32" creationId="{CE59D130-64D0-6F80-ABAF-D4793EAECA45}"/>
-          </ac:spMkLst>
-        </pc:spChg>
-        <pc:spChg chg="add mod ord">
-          <ac:chgData name="ちえり 生田" userId="ceb7be3f12efbeb8" providerId="LiveId" clId="{774BA49D-8E5F-4A80-8B1B-52F3979F0B83}" dt="2025-07-09T02:18:42.108" v="400" actId="164"/>
-          <ac:spMkLst>
-            <pc:docMk/>
-            <pc:sldMk cId="2054777074" sldId="256"/>
-            <ac:spMk id="33" creationId="{B4397583-EB89-1D31-2A55-6DA4F441F8EB}"/>
-          </ac:spMkLst>
-        </pc:spChg>
-        <pc:spChg chg="add mod ord">
-          <ac:chgData name="ちえり 生田" userId="ceb7be3f12efbeb8" providerId="LiveId" clId="{774BA49D-8E5F-4A80-8B1B-52F3979F0B83}" dt="2025-07-09T02:24:15.822" v="459" actId="207"/>
-          <ac:spMkLst>
-            <pc:docMk/>
-            <pc:sldMk cId="2054777074" sldId="256"/>
-            <ac:spMk id="35" creationId="{C2128C75-F3EF-8A87-0DE1-CD6D6958C299}"/>
-          </ac:spMkLst>
-        </pc:spChg>
-        <pc:spChg chg="add mod">
-          <ac:chgData name="ちえり 生田" userId="ceb7be3f12efbeb8" providerId="LiveId" clId="{774BA49D-8E5F-4A80-8B1B-52F3979F0B83}" dt="2025-07-09T02:32:27.670" v="557" actId="164"/>
-          <ac:spMkLst>
-            <pc:docMk/>
-            <pc:sldMk cId="2054777074" sldId="256"/>
-            <ac:spMk id="52" creationId="{B800EE69-49FF-287D-5DDB-DDF5C4B32965}"/>
-          </ac:spMkLst>
-        </pc:spChg>
-        <pc:spChg chg="add mod">
-          <ac:chgData name="ちえり 生田" userId="ceb7be3f12efbeb8" providerId="LiveId" clId="{774BA49D-8E5F-4A80-8B1B-52F3979F0B83}" dt="2025-07-09T02:35:27.417" v="591" actId="1076"/>
-          <ac:spMkLst>
-            <pc:docMk/>
-            <pc:sldMk cId="2054777074" sldId="256"/>
-            <ac:spMk id="54" creationId="{A98616F3-B4F5-ED01-7DF8-1D012950D265}"/>
-          </ac:spMkLst>
-        </pc:spChg>
-        <pc:spChg chg="add del mod ord">
-          <ac:chgData name="ちえり 生田" userId="ceb7be3f12efbeb8" providerId="LiveId" clId="{774BA49D-8E5F-4A80-8B1B-52F3979F0B83}" dt="2025-07-09T02:34:37.090" v="585" actId="21"/>
-          <ac:spMkLst>
-            <pc:docMk/>
-            <pc:sldMk cId="2054777074" sldId="256"/>
-            <ac:spMk id="55" creationId="{BC7D59E7-69D4-D613-5F0E-BA215C450C78}"/>
-          </ac:spMkLst>
-        </pc:spChg>
-        <pc:grpChg chg="add mod">
-          <ac:chgData name="ちえり 生田" userId="ceb7be3f12efbeb8" providerId="LiveId" clId="{774BA49D-8E5F-4A80-8B1B-52F3979F0B83}" dt="2025-07-09T02:32:27.670" v="557" actId="164"/>
-          <ac:grpSpMkLst>
-            <pc:docMk/>
-            <pc:sldMk cId="2054777074" sldId="256"/>
-            <ac:grpSpMk id="34" creationId="{20C4011B-9410-BFF4-0020-4BA6C37CA15A}"/>
-          </ac:grpSpMkLst>
-        </pc:grpChg>
-        <pc:grpChg chg="add mod">
-          <ac:chgData name="ちえり 生田" userId="ceb7be3f12efbeb8" providerId="LiveId" clId="{774BA49D-8E5F-4A80-8B1B-52F3979F0B83}" dt="2025-07-09T02:32:27.670" v="557" actId="164"/>
-          <ac:grpSpMkLst>
-            <pc:docMk/>
-            <pc:sldMk cId="2054777074" sldId="256"/>
-            <ac:grpSpMk id="53" creationId="{8F6641B6-803A-DAA7-DB52-91122DD07E2A}"/>
-          </ac:grpSpMkLst>
-        </pc:grpChg>
         <pc:picChg chg="add mod">
           <ac:chgData name="ちえり 生田" userId="ceb7be3f12efbeb8" providerId="LiveId" clId="{774BA49D-8E5F-4A80-8B1B-52F3979F0B83}" dt="2025-07-09T02:20:33.972" v="427" actId="1076"/>
           <ac:picMkLst>
@@ -380,22 +434,6 @@
           </ac:picMkLst>
         </pc:picChg>
         <pc:picChg chg="add mod">
-          <ac:chgData name="ちえり 生田" userId="ceb7be3f12efbeb8" providerId="LiveId" clId="{774BA49D-8E5F-4A80-8B1B-52F3979F0B83}" dt="2025-07-09T02:28:48.862" v="507" actId="1076"/>
-          <ac:picMkLst>
-            <pc:docMk/>
-            <pc:sldMk cId="2054777074" sldId="256"/>
-            <ac:picMk id="44" creationId="{BA753133-AC7E-E365-3D83-9A8FDCE6EEAA}"/>
-          </ac:picMkLst>
-        </pc:picChg>
-        <pc:picChg chg="add mod">
-          <ac:chgData name="ちえり 生田" userId="ceb7be3f12efbeb8" providerId="LiveId" clId="{774BA49D-8E5F-4A80-8B1B-52F3979F0B83}" dt="2025-07-09T02:30:12.924" v="524" actId="1076"/>
-          <ac:picMkLst>
-            <pc:docMk/>
-            <pc:sldMk cId="2054777074" sldId="256"/>
-            <ac:picMk id="45" creationId="{EF4F7D85-ACA3-16D4-2C84-4B2F5C9D8E36}"/>
-          </ac:picMkLst>
-        </pc:picChg>
-        <pc:picChg chg="add mod">
           <ac:chgData name="ちえり 生田" userId="ceb7be3f12efbeb8" providerId="LiveId" clId="{774BA49D-8E5F-4A80-8B1B-52F3979F0B83}" dt="2025-07-09T02:28:57.772" v="509" actId="1076"/>
           <ac:picMkLst>
             <pc:docMk/>
@@ -403,70 +441,6 @@
             <ac:picMk id="46" creationId="{33575CDD-C6DB-3A41-E5CE-88F3EBD337CC}"/>
           </ac:picMkLst>
         </pc:picChg>
-        <pc:picChg chg="add mod modCrop">
-          <ac:chgData name="ちえり 生田" userId="ceb7be3f12efbeb8" providerId="LiveId" clId="{774BA49D-8E5F-4A80-8B1B-52F3979F0B83}" dt="2025-07-09T02:30:04.272" v="522" actId="732"/>
-          <ac:picMkLst>
-            <pc:docMk/>
-            <pc:sldMk cId="2054777074" sldId="256"/>
-            <ac:picMk id="47" creationId="{CF54600F-744D-6008-EB36-EF8686E3CC00}"/>
-          </ac:picMkLst>
-        </pc:picChg>
-        <pc:picChg chg="add del mod">
-          <ac:chgData name="ちえり 生田" userId="ceb7be3f12efbeb8" providerId="LiveId" clId="{774BA49D-8E5F-4A80-8B1B-52F3979F0B83}" dt="2025-07-09T02:29:20.882" v="515" actId="21"/>
-          <ac:picMkLst>
-            <pc:docMk/>
-            <pc:sldMk cId="2054777074" sldId="256"/>
-            <ac:picMk id="48" creationId="{221D41E2-3C1B-CFAC-DD5B-53E36448B39F}"/>
-          </ac:picMkLst>
-        </pc:picChg>
-        <pc:picChg chg="add mod">
-          <ac:chgData name="ちえり 生田" userId="ceb7be3f12efbeb8" providerId="LiveId" clId="{774BA49D-8E5F-4A80-8B1B-52F3979F0B83}" dt="2025-07-09T02:30:10.202" v="523" actId="1076"/>
-          <ac:picMkLst>
-            <pc:docMk/>
-            <pc:sldMk cId="2054777074" sldId="256"/>
-            <ac:picMk id="49" creationId="{5E2748E9-3573-48E4-F4AB-3F3843FF5AD5}"/>
-          </ac:picMkLst>
-        </pc:picChg>
-        <pc:picChg chg="add mod">
-          <ac:chgData name="ちえり 生田" userId="ceb7be3f12efbeb8" providerId="LiveId" clId="{774BA49D-8E5F-4A80-8B1B-52F3979F0B83}" dt="2025-07-09T02:29:40.291" v="518"/>
-          <ac:picMkLst>
-            <pc:docMk/>
-            <pc:sldMk cId="2054777074" sldId="256"/>
-            <ac:picMk id="50" creationId="{992C32AD-292A-9250-1809-FA730B3012D7}"/>
-          </ac:picMkLst>
-        </pc:picChg>
-        <pc:picChg chg="add mod modCrop">
-          <ac:chgData name="ちえり 生田" userId="ceb7be3f12efbeb8" providerId="LiveId" clId="{774BA49D-8E5F-4A80-8B1B-52F3979F0B83}" dt="2025-07-09T02:29:54.744" v="521" actId="732"/>
-          <ac:picMkLst>
-            <pc:docMk/>
-            <pc:sldMk cId="2054777074" sldId="256"/>
-            <ac:picMk id="51" creationId="{4471B4BB-3EAD-7FBB-4497-CD2D110AA84C}"/>
-          </ac:picMkLst>
-        </pc:picChg>
-        <pc:cxnChg chg="add mod ord">
-          <ac:chgData name="ちえり 生田" userId="ceb7be3f12efbeb8" providerId="LiveId" clId="{774BA49D-8E5F-4A80-8B1B-52F3979F0B83}" dt="2025-07-09T02:17:02.904" v="393" actId="171"/>
-          <ac:cxnSpMkLst>
-            <pc:docMk/>
-            <pc:sldMk cId="2054777074" sldId="256"/>
-            <ac:cxnSpMk id="17" creationId="{3D59AD9F-FB01-0A26-6857-F884082B0D9A}"/>
-          </ac:cxnSpMkLst>
-        </pc:cxnChg>
-        <pc:cxnChg chg="add mod">
-          <ac:chgData name="ちえり 生田" userId="ceb7be3f12efbeb8" providerId="LiveId" clId="{774BA49D-8E5F-4A80-8B1B-52F3979F0B83}" dt="2025-07-09T02:11:44.055" v="325" actId="1582"/>
-          <ac:cxnSpMkLst>
-            <pc:docMk/>
-            <pc:sldMk cId="2054777074" sldId="256"/>
-            <ac:cxnSpMk id="18" creationId="{3D453066-FCA3-73F8-8782-F2DC55E6A3F8}"/>
-          </ac:cxnSpMkLst>
-        </pc:cxnChg>
-        <pc:cxnChg chg="add mod">
-          <ac:chgData name="ちえり 生田" userId="ceb7be3f12efbeb8" providerId="LiveId" clId="{774BA49D-8E5F-4A80-8B1B-52F3979F0B83}" dt="2025-07-09T02:11:35.501" v="323" actId="208"/>
-          <ac:cxnSpMkLst>
-            <pc:docMk/>
-            <pc:sldMk cId="2054777074" sldId="256"/>
-            <ac:cxnSpMk id="21" creationId="{3B4DD6B0-4C3E-BDE9-ECAD-7142DF5E6212}"/>
-          </ac:cxnSpMkLst>
-        </pc:cxnChg>
       </pc:sldChg>
       <pc:sldChg chg="new del">
         <pc:chgData name="ちえり 生田" userId="ceb7be3f12efbeb8" providerId="LiveId" clId="{774BA49D-8E5F-4A80-8B1B-52F3979F0B83}" dt="2025-07-09T02:44:38.868" v="945" actId="2696"/>
@@ -481,166 +455,6 @@
           <pc:docMk/>
           <pc:sldMk cId="3589683353" sldId="258"/>
         </pc:sldMkLst>
-        <pc:spChg chg="mod topLvl">
-          <ac:chgData name="ちえり 生田" userId="ceb7be3f12efbeb8" providerId="LiveId" clId="{774BA49D-8E5F-4A80-8B1B-52F3979F0B83}" dt="2025-07-09T02:47:27.033" v="998" actId="164"/>
-          <ac:spMkLst>
-            <pc:docMk/>
-            <pc:sldMk cId="3589683353" sldId="258"/>
-            <ac:spMk id="14" creationId="{91AD384A-6E7C-E268-5DCD-F1932B8BB4D2}"/>
-          </ac:spMkLst>
-        </pc:spChg>
-        <pc:spChg chg="mod topLvl">
-          <ac:chgData name="ちえり 生田" userId="ceb7be3f12efbeb8" providerId="LiveId" clId="{774BA49D-8E5F-4A80-8B1B-52F3979F0B83}" dt="2025-07-09T02:48:37.139" v="1005" actId="164"/>
-          <ac:spMkLst>
-            <pc:docMk/>
-            <pc:sldMk cId="3589683353" sldId="258"/>
-            <ac:spMk id="15" creationId="{6A247C8F-DF15-64BA-AE72-B6A92316AE0B}"/>
-          </ac:spMkLst>
-        </pc:spChg>
-        <pc:spChg chg="mod topLvl">
-          <ac:chgData name="ちえり 生田" userId="ceb7be3f12efbeb8" providerId="LiveId" clId="{774BA49D-8E5F-4A80-8B1B-52F3979F0B83}" dt="2025-07-09T02:47:27.033" v="998" actId="164"/>
-          <ac:spMkLst>
-            <pc:docMk/>
-            <pc:sldMk cId="3589683353" sldId="258"/>
-            <ac:spMk id="27" creationId="{96B2C127-C642-FB89-B396-0FFBB3732075}"/>
-          </ac:spMkLst>
-        </pc:spChg>
-        <pc:spChg chg="mod topLvl">
-          <ac:chgData name="ちえり 生田" userId="ceb7be3f12efbeb8" providerId="LiveId" clId="{774BA49D-8E5F-4A80-8B1B-52F3979F0B83}" dt="2025-07-09T02:47:27.033" v="998" actId="164"/>
-          <ac:spMkLst>
-            <pc:docMk/>
-            <pc:sldMk cId="3589683353" sldId="258"/>
-            <ac:spMk id="28" creationId="{3934B81F-9906-30FB-959B-4A3A88E29B1A}"/>
-          </ac:spMkLst>
-        </pc:spChg>
-        <pc:spChg chg="mod topLvl">
-          <ac:chgData name="ちえり 生田" userId="ceb7be3f12efbeb8" providerId="LiveId" clId="{774BA49D-8E5F-4A80-8B1B-52F3979F0B83}" dt="2025-07-09T02:47:27.033" v="998" actId="164"/>
-          <ac:spMkLst>
-            <pc:docMk/>
-            <pc:sldMk cId="3589683353" sldId="258"/>
-            <ac:spMk id="29" creationId="{E07FC019-B8FB-36EB-B407-98051C9FE5DC}"/>
-          </ac:spMkLst>
-        </pc:spChg>
-        <pc:spChg chg="mod topLvl">
-          <ac:chgData name="ちえり 生田" userId="ceb7be3f12efbeb8" providerId="LiveId" clId="{774BA49D-8E5F-4A80-8B1B-52F3979F0B83}" dt="2025-07-09T02:47:27.033" v="998" actId="164"/>
-          <ac:spMkLst>
-            <pc:docMk/>
-            <pc:sldMk cId="3589683353" sldId="258"/>
-            <ac:spMk id="30" creationId="{B6AFE824-9D36-0079-EFA6-2A751FC4D6D3}"/>
-          </ac:spMkLst>
-        </pc:spChg>
-        <pc:spChg chg="mod topLvl">
-          <ac:chgData name="ちえり 生田" userId="ceb7be3f12efbeb8" providerId="LiveId" clId="{774BA49D-8E5F-4A80-8B1B-52F3979F0B83}" dt="2025-07-09T02:47:27.033" v="998" actId="164"/>
-          <ac:spMkLst>
-            <pc:docMk/>
-            <pc:sldMk cId="3589683353" sldId="258"/>
-            <ac:spMk id="31" creationId="{ABC132F9-CE00-148A-7B6D-0922C5543B23}"/>
-          </ac:spMkLst>
-        </pc:spChg>
-        <pc:spChg chg="mod topLvl">
-          <ac:chgData name="ちえり 生田" userId="ceb7be3f12efbeb8" providerId="LiveId" clId="{774BA49D-8E5F-4A80-8B1B-52F3979F0B83}" dt="2025-07-09T02:47:27.033" v="998" actId="164"/>
-          <ac:spMkLst>
-            <pc:docMk/>
-            <pc:sldMk cId="3589683353" sldId="258"/>
-            <ac:spMk id="32" creationId="{B67F85BB-0813-18C3-A348-FFC039CDF3A6}"/>
-          </ac:spMkLst>
-        </pc:spChg>
-        <pc:spChg chg="mod topLvl">
-          <ac:chgData name="ちえり 生田" userId="ceb7be3f12efbeb8" providerId="LiveId" clId="{774BA49D-8E5F-4A80-8B1B-52F3979F0B83}" dt="2025-07-09T02:48:37.139" v="1005" actId="164"/>
-          <ac:spMkLst>
-            <pc:docMk/>
-            <pc:sldMk cId="3589683353" sldId="258"/>
-            <ac:spMk id="33" creationId="{77CA5FB8-1B04-0906-7E54-68F1BD42B76A}"/>
-          </ac:spMkLst>
-        </pc:spChg>
-        <pc:spChg chg="mod topLvl">
-          <ac:chgData name="ちえり 生田" userId="ceb7be3f12efbeb8" providerId="LiveId" clId="{774BA49D-8E5F-4A80-8B1B-52F3979F0B83}" dt="2025-07-09T02:48:37.139" v="1005" actId="164"/>
-          <ac:spMkLst>
-            <pc:docMk/>
-            <pc:sldMk cId="3589683353" sldId="258"/>
-            <ac:spMk id="52" creationId="{77BE31A3-1709-6AE3-4BF3-92B9334BA52D}"/>
-          </ac:spMkLst>
-        </pc:spChg>
-        <pc:spChg chg="mod">
-          <ac:chgData name="ちえり 生田" userId="ceb7be3f12efbeb8" providerId="LiveId" clId="{774BA49D-8E5F-4A80-8B1B-52F3979F0B83}" dt="2025-07-09T02:45:21.202" v="990" actId="1076"/>
-          <ac:spMkLst>
-            <pc:docMk/>
-            <pc:sldMk cId="3589683353" sldId="258"/>
-            <ac:spMk id="54" creationId="{9F4B9A37-4A6F-3496-C98A-9455C1980A41}"/>
-          </ac:spMkLst>
-        </pc:spChg>
-        <pc:grpChg chg="add mod ord">
-          <ac:chgData name="ちえり 生田" userId="ceb7be3f12efbeb8" providerId="LiveId" clId="{774BA49D-8E5F-4A80-8B1B-52F3979F0B83}" dt="2025-07-09T02:48:05.932" v="1002" actId="164"/>
-          <ac:grpSpMkLst>
-            <pc:docMk/>
-            <pc:sldMk cId="3589683353" sldId="258"/>
-            <ac:grpSpMk id="2" creationId="{45F1D6DC-DA0C-FC46-2214-4B4E0E94A6D8}"/>
-          </ac:grpSpMkLst>
-        </pc:grpChg>
-        <pc:grpChg chg="add mod">
-          <ac:chgData name="ちえり 生田" userId="ceb7be3f12efbeb8" providerId="LiveId" clId="{774BA49D-8E5F-4A80-8B1B-52F3979F0B83}" dt="2025-07-09T02:49:16.466" v="1014" actId="14100"/>
-          <ac:grpSpMkLst>
-            <pc:docMk/>
-            <pc:sldMk cId="3589683353" sldId="258"/>
-            <ac:grpSpMk id="3" creationId="{19DC6A11-46CE-5D68-F66B-066CD20D6432}"/>
-          </ac:grpSpMkLst>
-        </pc:grpChg>
-        <pc:grpChg chg="add mod">
-          <ac:chgData name="ちえり 生田" userId="ceb7be3f12efbeb8" providerId="LiveId" clId="{774BA49D-8E5F-4A80-8B1B-52F3979F0B83}" dt="2025-07-09T02:48:25.966" v="1004" actId="164"/>
-          <ac:grpSpMkLst>
-            <pc:docMk/>
-            <pc:sldMk cId="3589683353" sldId="258"/>
-            <ac:grpSpMk id="4" creationId="{BEC1631E-0101-DA82-4774-CF8DD70FAD65}"/>
-          </ac:grpSpMkLst>
-        </pc:grpChg>
-        <pc:grpChg chg="add mod">
-          <ac:chgData name="ちえり 生田" userId="ceb7be3f12efbeb8" providerId="LiveId" clId="{774BA49D-8E5F-4A80-8B1B-52F3979F0B83}" dt="2025-07-09T02:48:37.139" v="1005" actId="164"/>
-          <ac:grpSpMkLst>
-            <pc:docMk/>
-            <pc:sldMk cId="3589683353" sldId="258"/>
-            <ac:grpSpMk id="6" creationId="{39F01FC2-3E3A-CBF4-DED7-4D30A6B5316E}"/>
-          </ac:grpSpMkLst>
-        </pc:grpChg>
-        <pc:grpChg chg="del">
-          <ac:chgData name="ちえり 生田" userId="ceb7be3f12efbeb8" providerId="LiveId" clId="{774BA49D-8E5F-4A80-8B1B-52F3979F0B83}" dt="2025-07-09T02:46:23.080" v="995" actId="165"/>
-          <ac:grpSpMkLst>
-            <pc:docMk/>
-            <pc:sldMk cId="3589683353" sldId="258"/>
-            <ac:grpSpMk id="34" creationId="{46FD268F-68F8-68CB-7F84-CBD035A38095}"/>
-          </ac:grpSpMkLst>
-        </pc:grpChg>
-        <pc:picChg chg="mod">
-          <ac:chgData name="ちえり 生田" userId="ceb7be3f12efbeb8" providerId="LiveId" clId="{774BA49D-8E5F-4A80-8B1B-52F3979F0B83}" dt="2025-07-09T02:48:25.966" v="1004" actId="164"/>
-          <ac:picMkLst>
-            <pc:docMk/>
-            <pc:sldMk cId="3589683353" sldId="258"/>
-            <ac:picMk id="5" creationId="{E30612F4-57C3-CC71-7112-83C990AAA207}"/>
-          </ac:picMkLst>
-        </pc:picChg>
-        <pc:cxnChg chg="mod">
-          <ac:chgData name="ちえり 生田" userId="ceb7be3f12efbeb8" providerId="LiveId" clId="{774BA49D-8E5F-4A80-8B1B-52F3979F0B83}" dt="2025-07-09T02:48:05.932" v="1002" actId="164"/>
-          <ac:cxnSpMkLst>
-            <pc:docMk/>
-            <pc:sldMk cId="3589683353" sldId="258"/>
-            <ac:cxnSpMk id="17" creationId="{B8AAA046-01D1-475A-65C5-BC7FE7B132D5}"/>
-          </ac:cxnSpMkLst>
-        </pc:cxnChg>
-        <pc:cxnChg chg="mod">
-          <ac:chgData name="ちえり 生田" userId="ceb7be3f12efbeb8" providerId="LiveId" clId="{774BA49D-8E5F-4A80-8B1B-52F3979F0B83}" dt="2025-07-09T02:47:27.033" v="998" actId="164"/>
-          <ac:cxnSpMkLst>
-            <pc:docMk/>
-            <pc:sldMk cId="3589683353" sldId="258"/>
-            <ac:cxnSpMk id="18" creationId="{F789AFA8-6D75-CE41-A62F-3E48F194B007}"/>
-          </ac:cxnSpMkLst>
-        </pc:cxnChg>
-        <pc:cxnChg chg="mod">
-          <ac:chgData name="ちえり 生田" userId="ceb7be3f12efbeb8" providerId="LiveId" clId="{774BA49D-8E5F-4A80-8B1B-52F3979F0B83}" dt="2025-07-09T02:47:27.033" v="998" actId="164"/>
-          <ac:cxnSpMkLst>
-            <pc:docMk/>
-            <pc:sldMk cId="3589683353" sldId="258"/>
-            <ac:cxnSpMk id="21" creationId="{7CD9250E-7620-B61E-B1AC-26841CB9BABE}"/>
-          </ac:cxnSpMkLst>
-        </pc:cxnChg>
       </pc:sldChg>
     </pc:docChg>
   </pc:docChgLst>
@@ -729,7 +543,7 @@
           <a:p>
             <a:fld id="{1A8DF598-AACD-450E-AAF9-DD8AA18E6597}" type="datetimeFigureOut">
               <a:rPr kumimoji="1" lang="ja-JP" altLang="en-US" smtClean="0"/>
-              <a:t>2025/7/8</a:t>
+              <a:t>2025/7/22</a:t>
             </a:fld>
             <a:endParaRPr kumimoji="1" lang="ja-JP" altLang="en-US"/>
           </a:p>
@@ -1112,114 +926,6 @@
 </p:notes>
 </file>
 
-<file path=ppt/notesSlides/notesSlide2.xml><?xml version="1.0" encoding="utf-8"?>
-<p:notes xmlns:a="http://schemas.openxmlformats.org/drawingml/2006/main" xmlns:r="http://schemas.openxmlformats.org/officeDocument/2006/relationships" xmlns:p="http://schemas.openxmlformats.org/presentationml/2006/main">
-  <p:cSld>
-    <p:spTree>
-      <p:nvGrpSpPr>
-        <p:cNvPr id="1" name="">
-          <a:extLst>
-            <a:ext uri="{FF2B5EF4-FFF2-40B4-BE49-F238E27FC236}">
-              <a16:creationId xmlns:a16="http://schemas.microsoft.com/office/drawing/2014/main" id="{79938E3A-2031-D3CC-A507-4A0FB8E1991F}"/>
-            </a:ext>
-          </a:extLst>
-        </p:cNvPr>
-        <p:cNvGrpSpPr/>
-        <p:nvPr/>
-      </p:nvGrpSpPr>
-      <p:grpSpPr>
-        <a:xfrm>
-          <a:off x="0" y="0"/>
-          <a:ext cx="0" cy="0"/>
-          <a:chOff x="0" y="0"/>
-          <a:chExt cx="0" cy="0"/>
-        </a:xfrm>
-      </p:grpSpPr>
-      <p:sp>
-        <p:nvSpPr>
-          <p:cNvPr id="2" name="スライド イメージ プレースホルダー 1">
-            <a:extLst>
-              <a:ext uri="{FF2B5EF4-FFF2-40B4-BE49-F238E27FC236}">
-                <a16:creationId xmlns:a16="http://schemas.microsoft.com/office/drawing/2014/main" id="{1EF00EFC-A53A-DE19-C51D-D3ECAA9BA133}"/>
-              </a:ext>
-            </a:extLst>
-          </p:cNvPr>
-          <p:cNvSpPr>
-            <a:spLocks noGrp="1" noRot="1" noChangeAspect="1"/>
-          </p:cNvSpPr>
-          <p:nvPr>
-            <p:ph type="sldImg"/>
-          </p:nvPr>
-        </p:nvSpPr>
-        <p:spPr/>
-      </p:sp>
-      <p:sp>
-        <p:nvSpPr>
-          <p:cNvPr id="3" name="ノート プレースホルダー 2">
-            <a:extLst>
-              <a:ext uri="{FF2B5EF4-FFF2-40B4-BE49-F238E27FC236}">
-                <a16:creationId xmlns:a16="http://schemas.microsoft.com/office/drawing/2014/main" id="{69942C0A-6B72-0390-EDCA-A221020A1FBC}"/>
-              </a:ext>
-            </a:extLst>
-          </p:cNvPr>
-          <p:cNvSpPr>
-            <a:spLocks noGrp="1"/>
-          </p:cNvSpPr>
-          <p:nvPr>
-            <p:ph type="body" idx="1"/>
-          </p:nvPr>
-        </p:nvSpPr>
-        <p:spPr/>
-        <p:txBody>
-          <a:bodyPr/>
-          <a:lstStyle/>
-          <a:p>
-            <a:endParaRPr kumimoji="1" lang="ja-JP" altLang="en-US"/>
-          </a:p>
-        </p:txBody>
-      </p:sp>
-      <p:sp>
-        <p:nvSpPr>
-          <p:cNvPr id="4" name="スライド番号プレースホルダー 3">
-            <a:extLst>
-              <a:ext uri="{FF2B5EF4-FFF2-40B4-BE49-F238E27FC236}">
-                <a16:creationId xmlns:a16="http://schemas.microsoft.com/office/drawing/2014/main" id="{857745F6-FDB2-6790-DB17-CF2DC259D339}"/>
-              </a:ext>
-            </a:extLst>
-          </p:cNvPr>
-          <p:cNvSpPr>
-            <a:spLocks noGrp="1"/>
-          </p:cNvSpPr>
-          <p:nvPr>
-            <p:ph type="sldNum" sz="quarter" idx="5"/>
-          </p:nvPr>
-        </p:nvSpPr>
-        <p:spPr/>
-        <p:txBody>
-          <a:bodyPr/>
-          <a:lstStyle/>
-          <a:p>
-            <a:fld id="{F9E897A0-BE40-480F-BDF5-0BF31C9DA8C9}" type="slidenum">
-              <a:rPr kumimoji="1" lang="ja-JP" altLang="en-US" smtClean="0"/>
-              <a:t>2</a:t>
-            </a:fld>
-            <a:endParaRPr kumimoji="1" lang="ja-JP" altLang="en-US"/>
-          </a:p>
-        </p:txBody>
-      </p:sp>
-    </p:spTree>
-    <p:extLst>
-      <p:ext uri="{BB962C8B-B14F-4D97-AF65-F5344CB8AC3E}">
-        <p14:creationId xmlns:p14="http://schemas.microsoft.com/office/powerpoint/2010/main" val="1200146218"/>
-      </p:ext>
-    </p:extLst>
-  </p:cSld>
-  <p:clrMapOvr>
-    <a:masterClrMapping/>
-  </p:clrMapOvr>
-</p:notes>
-</file>
-
 <file path=ppt/slideLayouts/slideLayout1.xml><?xml version="1.0" encoding="utf-8"?>
 <p:sldLayout xmlns:a="http://schemas.openxmlformats.org/drawingml/2006/main" xmlns:r="http://schemas.openxmlformats.org/officeDocument/2006/relationships" xmlns:p="http://schemas.openxmlformats.org/presentationml/2006/main" type="title" preserve="1">
   <p:cSld name="タイトル スライド">
@@ -1367,7 +1073,7 @@
           <a:p>
             <a:fld id="{EB0C5A21-DC6B-4E05-9B24-E262A4DAA4A2}" type="datetimeFigureOut">
               <a:rPr kumimoji="1" lang="ja-JP" altLang="en-US" smtClean="0"/>
-              <a:t>2025/7/8</a:t>
+              <a:t>2025/7/22</a:t>
             </a:fld>
             <a:endParaRPr kumimoji="1" lang="ja-JP" altLang="en-US"/>
           </a:p>
@@ -1597,7 +1303,7 @@
           <a:p>
             <a:fld id="{EB0C5A21-DC6B-4E05-9B24-E262A4DAA4A2}" type="datetimeFigureOut">
               <a:rPr kumimoji="1" lang="ja-JP" altLang="en-US" smtClean="0"/>
-              <a:t>2025/7/8</a:t>
+              <a:t>2025/7/22</a:t>
             </a:fld>
             <a:endParaRPr kumimoji="1" lang="ja-JP" altLang="en-US"/>
           </a:p>
@@ -1837,7 +1543,7 @@
           <a:p>
             <a:fld id="{EB0C5A21-DC6B-4E05-9B24-E262A4DAA4A2}" type="datetimeFigureOut">
               <a:rPr kumimoji="1" lang="ja-JP" altLang="en-US" smtClean="0"/>
-              <a:t>2025/7/8</a:t>
+              <a:t>2025/7/22</a:t>
             </a:fld>
             <a:endParaRPr kumimoji="1" lang="ja-JP" altLang="en-US"/>
           </a:p>
@@ -2067,7 +1773,7 @@
           <a:p>
             <a:fld id="{EB0C5A21-DC6B-4E05-9B24-E262A4DAA4A2}" type="datetimeFigureOut">
               <a:rPr kumimoji="1" lang="ja-JP" altLang="en-US" smtClean="0"/>
-              <a:t>2025/7/8</a:t>
+              <a:t>2025/7/22</a:t>
             </a:fld>
             <a:endParaRPr kumimoji="1" lang="ja-JP" altLang="en-US"/>
           </a:p>
@@ -2342,7 +2048,7 @@
           <a:p>
             <a:fld id="{EB0C5A21-DC6B-4E05-9B24-E262A4DAA4A2}" type="datetimeFigureOut">
               <a:rPr kumimoji="1" lang="ja-JP" altLang="en-US" smtClean="0"/>
-              <a:t>2025/7/8</a:t>
+              <a:t>2025/7/22</a:t>
             </a:fld>
             <a:endParaRPr kumimoji="1" lang="ja-JP" altLang="en-US"/>
           </a:p>
@@ -2671,7 +2377,7 @@
           <a:p>
             <a:fld id="{EB0C5A21-DC6B-4E05-9B24-E262A4DAA4A2}" type="datetimeFigureOut">
               <a:rPr kumimoji="1" lang="ja-JP" altLang="en-US" smtClean="0"/>
-              <a:t>2025/7/8</a:t>
+              <a:t>2025/7/22</a:t>
             </a:fld>
             <a:endParaRPr kumimoji="1" lang="ja-JP" altLang="en-US"/>
           </a:p>
@@ -3147,7 +2853,7 @@
           <a:p>
             <a:fld id="{EB0C5A21-DC6B-4E05-9B24-E262A4DAA4A2}" type="datetimeFigureOut">
               <a:rPr kumimoji="1" lang="ja-JP" altLang="en-US" smtClean="0"/>
-              <a:t>2025/7/8</a:t>
+              <a:t>2025/7/22</a:t>
             </a:fld>
             <a:endParaRPr kumimoji="1" lang="ja-JP" altLang="en-US"/>
           </a:p>
@@ -3288,7 +2994,7 @@
           <a:p>
             <a:fld id="{EB0C5A21-DC6B-4E05-9B24-E262A4DAA4A2}" type="datetimeFigureOut">
               <a:rPr kumimoji="1" lang="ja-JP" altLang="en-US" smtClean="0"/>
-              <a:t>2025/7/8</a:t>
+              <a:t>2025/7/22</a:t>
             </a:fld>
             <a:endParaRPr kumimoji="1" lang="ja-JP" altLang="en-US"/>
           </a:p>
@@ -3401,7 +3107,7 @@
           <a:p>
             <a:fld id="{EB0C5A21-DC6B-4E05-9B24-E262A4DAA4A2}" type="datetimeFigureOut">
               <a:rPr kumimoji="1" lang="ja-JP" altLang="en-US" smtClean="0"/>
-              <a:t>2025/7/8</a:t>
+              <a:t>2025/7/22</a:t>
             </a:fld>
             <a:endParaRPr kumimoji="1" lang="ja-JP" altLang="en-US"/>
           </a:p>
@@ -3744,7 +3450,7 @@
           <a:p>
             <a:fld id="{EB0C5A21-DC6B-4E05-9B24-E262A4DAA4A2}" type="datetimeFigureOut">
               <a:rPr kumimoji="1" lang="ja-JP" altLang="en-US" smtClean="0"/>
-              <a:t>2025/7/8</a:t>
+              <a:t>2025/7/22</a:t>
             </a:fld>
             <a:endParaRPr kumimoji="1" lang="ja-JP" altLang="en-US"/>
           </a:p>
@@ -4032,7 +3738,7 @@
           <a:p>
             <a:fld id="{EB0C5A21-DC6B-4E05-9B24-E262A4DAA4A2}" type="datetimeFigureOut">
               <a:rPr kumimoji="1" lang="ja-JP" altLang="en-US" smtClean="0"/>
-              <a:t>2025/7/8</a:t>
+              <a:t>2025/7/22</a:t>
             </a:fld>
             <a:endParaRPr kumimoji="1" lang="ja-JP" altLang="en-US"/>
           </a:p>
@@ -4305,7 +4011,7 @@
           <a:p>
             <a:fld id="{EB0C5A21-DC6B-4E05-9B24-E262A4DAA4A2}" type="datetimeFigureOut">
               <a:rPr kumimoji="1" lang="ja-JP" altLang="en-US" smtClean="0"/>
-              <a:t>2025/7/8</a:t>
+              <a:t>2025/7/22</a:t>
             </a:fld>
             <a:endParaRPr kumimoji="1" lang="ja-JP" altLang="en-US"/>
           </a:p>
@@ -4775,6 +4481,13 @@
         </p:nvPicPr>
         <p:blipFill>
           <a:blip r:embed="rId4">
+            <a:duotone>
+              <a:schemeClr val="bg2">
+                <a:shade val="45000"/>
+                <a:satMod val="135000"/>
+              </a:schemeClr>
+              <a:prstClr val="white"/>
+            </a:duotone>
             <a:extLst>
               <a:ext uri="{28A0092B-C50C-407E-A947-70E740481C1C}">
                 <a14:useLocalDpi xmlns:a14="http://schemas.microsoft.com/office/drawing/2010/main" val="0"/>
@@ -4787,7 +4500,7 @@
         </p:blipFill>
         <p:spPr>
           <a:xfrm>
-            <a:off x="2092469" y="2207278"/>
+            <a:off x="301551" y="3083242"/>
             <a:ext cx="1453613" cy="1453613"/>
           </a:xfrm>
           <a:prstGeom prst="rect">
@@ -4801,6 +4514,49 @@
             <a:extLst>
               <a:ext uri="{FF2B5EF4-FFF2-40B4-BE49-F238E27FC236}">
                 <a16:creationId xmlns:a16="http://schemas.microsoft.com/office/drawing/2014/main" id="{894C026B-76F1-3898-9317-C37B1D2FEB9E}"/>
+              </a:ext>
+            </a:extLst>
+          </p:cNvPr>
+          <p:cNvPicPr>
+            <a:picLocks noChangeAspect="1"/>
+          </p:cNvPicPr>
+          <p:nvPr/>
+        </p:nvPicPr>
+        <p:blipFill>
+          <a:blip r:embed="rId4">
+            <a:duotone>
+              <a:schemeClr val="bg2">
+                <a:shade val="45000"/>
+                <a:satMod val="135000"/>
+              </a:schemeClr>
+              <a:prstClr val="white"/>
+            </a:duotone>
+            <a:extLst>
+              <a:ext uri="{28A0092B-C50C-407E-A947-70E740481C1C}">
+                <a14:useLocalDpi xmlns:a14="http://schemas.microsoft.com/office/drawing/2010/main" val="0"/>
+              </a:ext>
+            </a:extLst>
+          </a:blip>
+          <a:stretch>
+            <a:fillRect/>
+          </a:stretch>
+        </p:blipFill>
+        <p:spPr>
+          <a:xfrm>
+            <a:off x="4766643" y="3083242"/>
+            <a:ext cx="1453612" cy="1453612"/>
+          </a:xfrm>
+          <a:prstGeom prst="rect">
+            <a:avLst/>
+          </a:prstGeom>
+        </p:spPr>
+      </p:pic>
+      <p:pic>
+        <p:nvPicPr>
+          <p:cNvPr id="9" name="図 8">
+            <a:extLst>
+              <a:ext uri="{FF2B5EF4-FFF2-40B4-BE49-F238E27FC236}">
+                <a16:creationId xmlns:a16="http://schemas.microsoft.com/office/drawing/2014/main" id="{58437B91-44DC-68E2-44F5-B66D1C3EB0A2}"/>
               </a:ext>
             </a:extLst>
           </p:cNvPr>
@@ -4830,43 +4586,7 @@
         </p:blipFill>
         <p:spPr>
           <a:xfrm>
-            <a:off x="5946124" y="2182605"/>
-            <a:ext cx="1453612" cy="1453612"/>
-          </a:xfrm>
-          <a:prstGeom prst="rect">
-            <a:avLst/>
-          </a:prstGeom>
-        </p:spPr>
-      </p:pic>
-      <p:pic>
-        <p:nvPicPr>
-          <p:cNvPr id="9" name="図 8">
-            <a:extLst>
-              <a:ext uri="{FF2B5EF4-FFF2-40B4-BE49-F238E27FC236}">
-                <a16:creationId xmlns:a16="http://schemas.microsoft.com/office/drawing/2014/main" id="{58437B91-44DC-68E2-44F5-B66D1C3EB0A2}"/>
-              </a:ext>
-            </a:extLst>
-          </p:cNvPr>
-          <p:cNvPicPr>
-            <a:picLocks noChangeAspect="1"/>
-          </p:cNvPicPr>
-          <p:nvPr/>
-        </p:nvPicPr>
-        <p:blipFill>
-          <a:blip r:embed="rId4">
-            <a:extLst>
-              <a:ext uri="{28A0092B-C50C-407E-A947-70E740481C1C}">
-                <a14:useLocalDpi xmlns:a14="http://schemas.microsoft.com/office/drawing/2010/main" val="0"/>
-              </a:ext>
-            </a:extLst>
-          </a:blip>
-          <a:stretch>
-            <a:fillRect/>
-          </a:stretch>
-        </p:blipFill>
-        <p:spPr>
-          <a:xfrm>
-            <a:off x="3381154" y="2182605"/>
+            <a:off x="1789915" y="3083241"/>
             <a:ext cx="1453613" cy="1453613"/>
           </a:xfrm>
           <a:prstGeom prst="rect">
@@ -4902,7 +4622,7 @@
         </p:blipFill>
         <p:spPr>
           <a:xfrm>
-            <a:off x="4663090" y="2182605"/>
+            <a:off x="3278279" y="3083241"/>
             <a:ext cx="1453613" cy="1453613"/>
           </a:xfrm>
           <a:prstGeom prst="rect">
@@ -4910,460 +4630,12 @@
           </a:prstGeom>
         </p:spPr>
       </p:pic>
-      <p:sp>
-        <p:nvSpPr>
-          <p:cNvPr id="35" name="正方形/長方形 34">
-            <a:extLst>
-              <a:ext uri="{FF2B5EF4-FFF2-40B4-BE49-F238E27FC236}">
-                <a16:creationId xmlns:a16="http://schemas.microsoft.com/office/drawing/2014/main" id="{C2128C75-F3EF-8A87-0DE1-CD6D6958C299}"/>
-              </a:ext>
-            </a:extLst>
-          </p:cNvPr>
-          <p:cNvSpPr/>
-          <p:nvPr/>
-        </p:nvSpPr>
-        <p:spPr>
-          <a:xfrm>
-            <a:off x="0" y="0"/>
-            <a:ext cx="1675326" cy="6858000"/>
-          </a:xfrm>
-          <a:prstGeom prst="rect">
-            <a:avLst/>
-          </a:prstGeom>
-          <a:solidFill>
-            <a:srgbClr val="FFFFFF">
-              <a:alpha val="69804"/>
-            </a:srgbClr>
-          </a:solidFill>
-          <a:ln>
-            <a:noFill/>
-          </a:ln>
-        </p:spPr>
-        <p:style>
-          <a:lnRef idx="2">
-            <a:schemeClr val="accent1">
-              <a:shade val="15000"/>
-            </a:schemeClr>
-          </a:lnRef>
-          <a:fillRef idx="1">
-            <a:schemeClr val="accent1"/>
-          </a:fillRef>
-          <a:effectRef idx="0">
-            <a:schemeClr val="accent1"/>
-          </a:effectRef>
-          <a:fontRef idx="minor">
-            <a:schemeClr val="lt1"/>
-          </a:fontRef>
-        </p:style>
-        <p:txBody>
-          <a:bodyPr rtlCol="0" anchor="ctr"/>
-          <a:lstStyle/>
-          <a:p>
-            <a:pPr algn="ctr"/>
-            <a:endParaRPr kumimoji="1" lang="ja-JP" altLang="en-US"/>
-          </a:p>
-        </p:txBody>
-      </p:sp>
-      <p:sp>
-        <p:nvSpPr>
-          <p:cNvPr id="11" name="テキスト ボックス 10">
-            <a:extLst>
-              <a:ext uri="{FF2B5EF4-FFF2-40B4-BE49-F238E27FC236}">
-                <a16:creationId xmlns:a16="http://schemas.microsoft.com/office/drawing/2014/main" id="{E0641C2D-50F4-2103-26BD-F591B47704F5}"/>
-              </a:ext>
-            </a:extLst>
-          </p:cNvPr>
-          <p:cNvSpPr txBox="1"/>
-          <p:nvPr/>
-        </p:nvSpPr>
-        <p:spPr>
-          <a:xfrm>
-            <a:off x="0" y="4163140"/>
-            <a:ext cx="1667190" cy="2769989"/>
-          </a:xfrm>
-          <a:prstGeom prst="rect">
-            <a:avLst/>
-          </a:prstGeom>
-          <a:noFill/>
-        </p:spPr>
-        <p:txBody>
-          <a:bodyPr wrap="square" rtlCol="0">
-            <a:spAutoFit/>
-          </a:bodyPr>
-          <a:lstStyle/>
-          <a:p>
-            <a:r>
-              <a:rPr kumimoji="1" lang="ja-JP" altLang="en-US" sz="2000" b="1"/>
-              <a:t>ログ</a:t>
-            </a:r>
-            <a:endParaRPr kumimoji="1" lang="en-US" altLang="ja-JP" sz="2000" b="1"/>
-          </a:p>
-          <a:p>
-            <a:r>
-              <a:rPr lang="ja-JP" altLang="en-US" sz="1100" b="1"/>
-              <a:t>兵士</a:t>
-            </a:r>
-            <a:r>
-              <a:rPr lang="en-US" altLang="ja-JP" sz="1100" b="1"/>
-              <a:t>1</a:t>
-            </a:r>
-            <a:r>
-              <a:rPr lang="ja-JP" altLang="en-US" sz="1100" b="1"/>
-              <a:t>ターン目：</a:t>
-            </a:r>
-            <a:endParaRPr lang="en-US" altLang="ja-JP" sz="1100" b="1"/>
-          </a:p>
-          <a:p>
-            <a:r>
-              <a:rPr kumimoji="1" lang="en-US" altLang="ja-JP" sz="1100" b="1"/>
-              <a:t>6</a:t>
-            </a:r>
-            <a:r>
-              <a:rPr kumimoji="1" lang="ja-JP" altLang="en-US" sz="1100" b="1"/>
-              <a:t>マス進む、</a:t>
-            </a:r>
-            <a:r>
-              <a:rPr lang="ja-JP" altLang="en-US" sz="1100" b="1"/>
-              <a:t>＋</a:t>
-            </a:r>
-            <a:r>
-              <a:rPr lang="en-US" altLang="ja-JP" sz="1100" b="1"/>
-              <a:t>3P</a:t>
-            </a:r>
-          </a:p>
-          <a:p>
-            <a:endParaRPr lang="en-US" altLang="ja-JP" sz="1100" b="1"/>
-          </a:p>
-          <a:p>
-            <a:r>
-              <a:rPr lang="ja-JP" altLang="en-US" sz="1100" b="1"/>
-              <a:t>魔法使い１ターン目：</a:t>
-            </a:r>
-            <a:endParaRPr lang="en-US" altLang="ja-JP" sz="1100" b="1"/>
-          </a:p>
-          <a:p>
-            <a:r>
-              <a:rPr kumimoji="1" lang="en-US" altLang="ja-JP" sz="1100" b="1"/>
-              <a:t>3</a:t>
-            </a:r>
-            <a:r>
-              <a:rPr kumimoji="1" lang="ja-JP" altLang="en-US" sz="1100" b="1"/>
-              <a:t>マス進む、</a:t>
-            </a:r>
-            <a:r>
-              <a:rPr lang="ja-JP" altLang="en-US" sz="1100" b="1"/>
-              <a:t>＋</a:t>
-            </a:r>
-            <a:r>
-              <a:rPr lang="en-US" altLang="ja-JP" sz="1100" b="1"/>
-              <a:t>3P</a:t>
-            </a:r>
-          </a:p>
-          <a:p>
-            <a:endParaRPr kumimoji="1" lang="en-US" altLang="ja-JP" sz="1100" b="1"/>
-          </a:p>
-          <a:p>
-            <a:r>
-              <a:rPr lang="ja-JP" altLang="en-US" sz="1100" b="1"/>
-              <a:t>兵士</a:t>
-            </a:r>
-            <a:r>
-              <a:rPr lang="en-US" altLang="ja-JP" sz="1100" b="1"/>
-              <a:t>1</a:t>
-            </a:r>
-            <a:r>
-              <a:rPr lang="ja-JP" altLang="en-US" sz="1100" b="1"/>
-              <a:t>ターン目：</a:t>
-            </a:r>
-            <a:endParaRPr lang="en-US" altLang="ja-JP" sz="1100" b="1"/>
-          </a:p>
-          <a:p>
-            <a:r>
-              <a:rPr kumimoji="1" lang="en-US" altLang="ja-JP" sz="1100" b="1"/>
-              <a:t>2</a:t>
-            </a:r>
-            <a:r>
-              <a:rPr kumimoji="1" lang="ja-JP" altLang="en-US" sz="1100" b="1"/>
-              <a:t>マス進む、＋</a:t>
-            </a:r>
-            <a:r>
-              <a:rPr kumimoji="1" lang="en-US" altLang="ja-JP" sz="1100" b="1"/>
-              <a:t>1P</a:t>
-            </a:r>
-          </a:p>
-          <a:p>
-            <a:endParaRPr lang="en-US" altLang="ja-JP" sz="1100" b="1"/>
-          </a:p>
-          <a:p>
-            <a:r>
-              <a:rPr lang="ja-JP" altLang="en-US" sz="1100" b="1"/>
-              <a:t>兵士</a:t>
-            </a:r>
-            <a:r>
-              <a:rPr lang="en-US" altLang="ja-JP" sz="1100" b="1"/>
-              <a:t>2</a:t>
-            </a:r>
-            <a:r>
-              <a:rPr lang="ja-JP" altLang="en-US" sz="1100" b="1"/>
-              <a:t>ターン目：</a:t>
-            </a:r>
-            <a:endParaRPr lang="en-US" altLang="ja-JP" sz="1100" b="1"/>
-          </a:p>
-          <a:p>
-            <a:r>
-              <a:rPr lang="en-US" altLang="ja-JP" sz="1100" b="1"/>
-              <a:t>2</a:t>
-            </a:r>
-            <a:r>
-              <a:rPr lang="ja-JP" altLang="en-US" sz="1100" b="1"/>
-              <a:t>マス進む、＋</a:t>
-            </a:r>
-            <a:r>
-              <a:rPr lang="en-US" altLang="ja-JP" sz="1100" b="1"/>
-              <a:t>2P</a:t>
-            </a:r>
-          </a:p>
-          <a:p>
-            <a:endParaRPr kumimoji="1" lang="en-US" altLang="ja-JP" sz="1100" b="1"/>
-          </a:p>
-          <a:p>
-            <a:r>
-              <a:rPr kumimoji="1" lang="ja-JP" altLang="en-US" sz="1100" b="1"/>
-              <a:t>魔法使い</a:t>
-            </a:r>
-            <a:r>
-              <a:rPr kumimoji="1" lang="en-US" altLang="ja-JP" sz="1100" b="1"/>
-              <a:t>2</a:t>
-            </a:r>
-            <a:r>
-              <a:rPr kumimoji="1" lang="ja-JP" altLang="en-US" sz="1100" b="1"/>
-              <a:t>ターン目：</a:t>
-            </a:r>
-            <a:endParaRPr kumimoji="1" lang="en-US" altLang="ja-JP" sz="1100" b="1"/>
-          </a:p>
-          <a:p>
-            <a:r>
-              <a:rPr kumimoji="1" lang="en-US" altLang="ja-JP" sz="1100" b="1"/>
-              <a:t>2</a:t>
-            </a:r>
-            <a:r>
-              <a:rPr kumimoji="1" lang="ja-JP" altLang="en-US" sz="1100" b="1"/>
-              <a:t>マス進む、＋</a:t>
-            </a:r>
-            <a:r>
-              <a:rPr kumimoji="1" lang="en-US" altLang="ja-JP" sz="1100" b="1"/>
-              <a:t>2P</a:t>
-            </a:r>
-            <a:endParaRPr kumimoji="1" lang="ja-JP" altLang="en-US" sz="1100" b="1"/>
-          </a:p>
-        </p:txBody>
-      </p:sp>
-      <p:sp>
-        <p:nvSpPr>
-          <p:cNvPr id="13" name="テキスト ボックス 12">
-            <a:extLst>
-              <a:ext uri="{FF2B5EF4-FFF2-40B4-BE49-F238E27FC236}">
-                <a16:creationId xmlns:a16="http://schemas.microsoft.com/office/drawing/2014/main" id="{7F082E51-8DAF-A802-BBA7-952948277462}"/>
-              </a:ext>
-            </a:extLst>
-          </p:cNvPr>
-          <p:cNvSpPr txBox="1"/>
-          <p:nvPr/>
-        </p:nvSpPr>
-        <p:spPr>
-          <a:xfrm>
-            <a:off x="215179" y="432101"/>
-            <a:ext cx="1782008" cy="3170099"/>
-          </a:xfrm>
-          <a:prstGeom prst="rect">
-            <a:avLst/>
-          </a:prstGeom>
-          <a:noFill/>
-        </p:spPr>
-        <p:txBody>
-          <a:bodyPr wrap="square" rtlCol="0">
-            <a:spAutoFit/>
-          </a:bodyPr>
-          <a:lstStyle/>
-          <a:p>
-            <a:r>
-              <a:rPr lang="ja-JP" altLang="en-US" sz="2000" b="1">
-                <a:latin typeface="BIZ UDゴシック" panose="020B0400000000000000" pitchFamily="49" charset="-128"/>
-                <a:ea typeface="BIZ UDゴシック" panose="020B0400000000000000" pitchFamily="49" charset="-128"/>
-              </a:rPr>
-              <a:t>兵士</a:t>
-            </a:r>
-            <a:endParaRPr lang="en-US" altLang="ja-JP" sz="2000" b="1">
-              <a:latin typeface="BIZ UDゴシック" panose="020B0400000000000000" pitchFamily="49" charset="-128"/>
-              <a:ea typeface="BIZ UDゴシック" panose="020B0400000000000000" pitchFamily="49" charset="-128"/>
-            </a:endParaRPr>
-          </a:p>
-          <a:p>
-            <a:r>
-              <a:rPr lang="en-US" altLang="ja-JP" sz="1400" b="1">
-                <a:latin typeface="BIZ UDゴシック" panose="020B0400000000000000" pitchFamily="49" charset="-128"/>
-                <a:ea typeface="BIZ UDゴシック" panose="020B0400000000000000" pitchFamily="49" charset="-128"/>
-              </a:rPr>
-              <a:t>6 </a:t>
-            </a:r>
-            <a:r>
-              <a:rPr lang="ja-JP" altLang="en-US" sz="1400" b="1">
-                <a:latin typeface="BIZ UDゴシック" panose="020B0400000000000000" pitchFamily="49" charset="-128"/>
-                <a:ea typeface="BIZ UDゴシック" panose="020B0400000000000000" pitchFamily="49" charset="-128"/>
-              </a:rPr>
-              <a:t>ポイント</a:t>
-            </a:r>
-            <a:endParaRPr lang="en-US" altLang="ja-JP" sz="1400" b="1">
-              <a:latin typeface="BIZ UDゴシック" panose="020B0400000000000000" pitchFamily="49" charset="-128"/>
-              <a:ea typeface="BIZ UDゴシック" panose="020B0400000000000000" pitchFamily="49" charset="-128"/>
-            </a:endParaRPr>
-          </a:p>
-          <a:p>
-            <a:r>
-              <a:rPr lang="en-US" altLang="ja-JP" sz="1400" b="1">
-                <a:latin typeface="BIZ UDゴシック" panose="020B0400000000000000" pitchFamily="49" charset="-128"/>
-                <a:ea typeface="BIZ UDゴシック" panose="020B0400000000000000" pitchFamily="49" charset="-128"/>
-              </a:rPr>
-              <a:t>3</a:t>
-            </a:r>
-            <a:r>
-              <a:rPr lang="ja-JP" altLang="en-US" sz="1400" b="1">
-                <a:latin typeface="BIZ UDゴシック" panose="020B0400000000000000" pitchFamily="49" charset="-128"/>
-                <a:ea typeface="BIZ UDゴシック" panose="020B0400000000000000" pitchFamily="49" charset="-128"/>
-              </a:rPr>
-              <a:t> ターン</a:t>
-            </a:r>
-            <a:endParaRPr lang="en-US" altLang="ja-JP" sz="1400" b="1">
-              <a:latin typeface="BIZ UDゴシック" panose="020B0400000000000000" pitchFamily="49" charset="-128"/>
-              <a:ea typeface="BIZ UDゴシック" panose="020B0400000000000000" pitchFamily="49" charset="-128"/>
-            </a:endParaRPr>
-          </a:p>
-          <a:p>
-            <a:endParaRPr lang="en-US" altLang="ja-JP" sz="2800" b="1">
-              <a:latin typeface="BIZ UDゴシック" panose="020B0400000000000000" pitchFamily="49" charset="-128"/>
-              <a:ea typeface="BIZ UDゴシック" panose="020B0400000000000000" pitchFamily="49" charset="-128"/>
-            </a:endParaRPr>
-          </a:p>
-          <a:p>
-            <a:r>
-              <a:rPr lang="ja-JP" altLang="en-US" sz="2000" b="1">
-                <a:latin typeface="BIZ UDゴシック" panose="020B0400000000000000" pitchFamily="49" charset="-128"/>
-                <a:ea typeface="BIZ UDゴシック" panose="020B0400000000000000" pitchFamily="49" charset="-128"/>
-              </a:rPr>
-              <a:t>魔法使い</a:t>
-            </a:r>
-            <a:endParaRPr lang="en-US" altLang="ja-JP" sz="2000" b="1">
-              <a:latin typeface="BIZ UDゴシック" panose="020B0400000000000000" pitchFamily="49" charset="-128"/>
-              <a:ea typeface="BIZ UDゴシック" panose="020B0400000000000000" pitchFamily="49" charset="-128"/>
-            </a:endParaRPr>
-          </a:p>
-          <a:p>
-            <a:r>
-              <a:rPr lang="en-US" altLang="ja-JP" sz="1400" b="1">
-                <a:latin typeface="BIZ UDゴシック" panose="020B0400000000000000" pitchFamily="49" charset="-128"/>
-                <a:ea typeface="BIZ UDゴシック" panose="020B0400000000000000" pitchFamily="49" charset="-128"/>
-              </a:rPr>
-              <a:t>5 </a:t>
-            </a:r>
-            <a:r>
-              <a:rPr lang="ja-JP" altLang="en-US" sz="1400" b="1">
-                <a:latin typeface="BIZ UDゴシック" panose="020B0400000000000000" pitchFamily="49" charset="-128"/>
-                <a:ea typeface="BIZ UDゴシック" panose="020B0400000000000000" pitchFamily="49" charset="-128"/>
-              </a:rPr>
-              <a:t>ポイント</a:t>
-            </a:r>
-            <a:endParaRPr lang="en-US" altLang="ja-JP" sz="1400" b="1">
-              <a:latin typeface="BIZ UDゴシック" panose="020B0400000000000000" pitchFamily="49" charset="-128"/>
-              <a:ea typeface="BIZ UDゴシック" panose="020B0400000000000000" pitchFamily="49" charset="-128"/>
-            </a:endParaRPr>
-          </a:p>
-          <a:p>
-            <a:r>
-              <a:rPr lang="en-US" altLang="ja-JP" sz="1400" b="1">
-                <a:latin typeface="BIZ UDゴシック" panose="020B0400000000000000" pitchFamily="49" charset="-128"/>
-                <a:ea typeface="BIZ UDゴシック" panose="020B0400000000000000" pitchFamily="49" charset="-128"/>
-              </a:rPr>
-              <a:t>2</a:t>
-            </a:r>
-            <a:r>
-              <a:rPr lang="ja-JP" altLang="en-US" sz="1400" b="1">
-                <a:latin typeface="BIZ UDゴシック" panose="020B0400000000000000" pitchFamily="49" charset="-128"/>
-                <a:ea typeface="BIZ UDゴシック" panose="020B0400000000000000" pitchFamily="49" charset="-128"/>
-              </a:rPr>
-              <a:t> ターン</a:t>
-            </a:r>
-            <a:endParaRPr lang="en-US" altLang="ja-JP" sz="1400" b="1">
-              <a:latin typeface="BIZ UDゴシック" panose="020B0400000000000000" pitchFamily="49" charset="-128"/>
-              <a:ea typeface="BIZ UDゴシック" panose="020B0400000000000000" pitchFamily="49" charset="-128"/>
-            </a:endParaRPr>
-          </a:p>
-          <a:p>
-            <a:endParaRPr lang="en-US" altLang="ja-JP" sz="2800" b="1">
-              <a:latin typeface="BIZ UDゴシック" panose="020B0400000000000000" pitchFamily="49" charset="-128"/>
-              <a:ea typeface="BIZ UDゴシック" panose="020B0400000000000000" pitchFamily="49" charset="-128"/>
-            </a:endParaRPr>
-          </a:p>
-          <a:p>
-            <a:r>
-              <a:rPr lang="ja-JP" altLang="en-US" sz="2000" b="1">
-                <a:latin typeface="BIZ UDゴシック" panose="020B0400000000000000" pitchFamily="49" charset="-128"/>
-                <a:ea typeface="BIZ UDゴシック" panose="020B0400000000000000" pitchFamily="49" charset="-128"/>
-              </a:rPr>
-              <a:t>村人</a:t>
-            </a:r>
-            <a:endParaRPr lang="en-US" altLang="ja-JP" sz="2000" b="1">
-              <a:latin typeface="BIZ UDゴシック" panose="020B0400000000000000" pitchFamily="49" charset="-128"/>
-              <a:ea typeface="BIZ UDゴシック" panose="020B0400000000000000" pitchFamily="49" charset="-128"/>
-            </a:endParaRPr>
-          </a:p>
-          <a:p>
-            <a:r>
-              <a:rPr lang="en-US" altLang="ja-JP" sz="1400" b="1">
-                <a:latin typeface="BIZ UDゴシック" panose="020B0400000000000000" pitchFamily="49" charset="-128"/>
-                <a:ea typeface="BIZ UDゴシック" panose="020B0400000000000000" pitchFamily="49" charset="-128"/>
-              </a:rPr>
-              <a:t>3 </a:t>
-            </a:r>
-            <a:r>
-              <a:rPr lang="ja-JP" altLang="en-US" sz="1400" b="1">
-                <a:latin typeface="BIZ UDゴシック" panose="020B0400000000000000" pitchFamily="49" charset="-128"/>
-                <a:ea typeface="BIZ UDゴシック" panose="020B0400000000000000" pitchFamily="49" charset="-128"/>
-              </a:rPr>
-              <a:t>ポイント</a:t>
-            </a:r>
-            <a:endParaRPr lang="en-US" altLang="ja-JP" sz="1400" b="1">
-              <a:latin typeface="BIZ UDゴシック" panose="020B0400000000000000" pitchFamily="49" charset="-128"/>
-              <a:ea typeface="BIZ UDゴシック" panose="020B0400000000000000" pitchFamily="49" charset="-128"/>
-            </a:endParaRPr>
-          </a:p>
-          <a:p>
-            <a:r>
-              <a:rPr lang="en-US" altLang="ja-JP" sz="1400" b="1">
-                <a:latin typeface="BIZ UDゴシック" panose="020B0400000000000000" pitchFamily="49" charset="-128"/>
-                <a:ea typeface="BIZ UDゴシック" panose="020B0400000000000000" pitchFamily="49" charset="-128"/>
-              </a:rPr>
-              <a:t>2</a:t>
-            </a:r>
-            <a:r>
-              <a:rPr lang="ja-JP" altLang="en-US" sz="1400" b="1">
-                <a:latin typeface="BIZ UDゴシック" panose="020B0400000000000000" pitchFamily="49" charset="-128"/>
-                <a:ea typeface="BIZ UDゴシック" panose="020B0400000000000000" pitchFamily="49" charset="-128"/>
-              </a:rPr>
-              <a:t> ターン</a:t>
-            </a:r>
-            <a:endParaRPr lang="en-US" altLang="ja-JP" sz="1400" b="1">
-              <a:latin typeface="BIZ UDゴシック" panose="020B0400000000000000" pitchFamily="49" charset="-128"/>
-              <a:ea typeface="BIZ UDゴシック" panose="020B0400000000000000" pitchFamily="49" charset="-128"/>
-            </a:endParaRPr>
-          </a:p>
-        </p:txBody>
-      </p:sp>
       <p:pic>
         <p:nvPicPr>
-          <p:cNvPr id="39" name="図 38">
-            <a:extLst>
-              <a:ext uri="{FF2B5EF4-FFF2-40B4-BE49-F238E27FC236}">
-                <a16:creationId xmlns:a16="http://schemas.microsoft.com/office/drawing/2014/main" id="{48CBFB5E-8C0C-1500-D97F-ADC5029B1A86}"/>
+          <p:cNvPr id="41" name="図 40">
+            <a:extLst>
+              <a:ext uri="{FF2B5EF4-FFF2-40B4-BE49-F238E27FC236}">
+                <a16:creationId xmlns:a16="http://schemas.microsoft.com/office/drawing/2014/main" id="{CE281396-5999-12ED-6C3F-65A998F8696E}"/>
               </a:ext>
             </a:extLst>
           </p:cNvPr>
@@ -5386,7 +4658,43 @@
         </p:blipFill>
         <p:spPr>
           <a:xfrm>
-            <a:off x="3526884" y="1783526"/>
+            <a:off x="580642" y="2752507"/>
+            <a:ext cx="895429" cy="1219574"/>
+          </a:xfrm>
+          <a:prstGeom prst="rect">
+            <a:avLst/>
+          </a:prstGeom>
+        </p:spPr>
+      </p:pic>
+      <p:pic>
+        <p:nvPicPr>
+          <p:cNvPr id="39" name="図 38">
+            <a:extLst>
+              <a:ext uri="{FF2B5EF4-FFF2-40B4-BE49-F238E27FC236}">
+                <a16:creationId xmlns:a16="http://schemas.microsoft.com/office/drawing/2014/main" id="{48CBFB5E-8C0C-1500-D97F-ADC5029B1A86}"/>
+              </a:ext>
+            </a:extLst>
+          </p:cNvPr>
+          <p:cNvPicPr>
+            <a:picLocks noChangeAspect="1"/>
+          </p:cNvPicPr>
+          <p:nvPr/>
+        </p:nvPicPr>
+        <p:blipFill>
+          <a:blip r:embed="rId6">
+            <a:extLst>
+              <a:ext uri="{28A0092B-C50C-407E-A947-70E740481C1C}">
+                <a14:useLocalDpi xmlns:a14="http://schemas.microsoft.com/office/drawing/2010/main" val="0"/>
+              </a:ext>
+            </a:extLst>
+          </a:blip>
+          <a:stretch>
+            <a:fillRect/>
+          </a:stretch>
+        </p:blipFill>
+        <p:spPr>
+          <a:xfrm>
+            <a:off x="478430" y="2752507"/>
             <a:ext cx="1099852" cy="1236234"/>
           </a:xfrm>
           <a:prstGeom prst="rect">
@@ -5396,10 +4704,10 @@
       </p:pic>
       <p:pic>
         <p:nvPicPr>
-          <p:cNvPr id="41" name="図 40">
-            <a:extLst>
-              <a:ext uri="{FF2B5EF4-FFF2-40B4-BE49-F238E27FC236}">
-                <a16:creationId xmlns:a16="http://schemas.microsoft.com/office/drawing/2014/main" id="{CE281396-5999-12ED-6C3F-65A998F8696E}"/>
+          <p:cNvPr id="42" name="図 41">
+            <a:extLst>
+              <a:ext uri="{FF2B5EF4-FFF2-40B4-BE49-F238E27FC236}">
+                <a16:creationId xmlns:a16="http://schemas.microsoft.com/office/drawing/2014/main" id="{B55B3CB3-BB16-5242-40AC-FBB794ECD419}"/>
               </a:ext>
             </a:extLst>
           </p:cNvPr>
@@ -5409,7 +4717,14 @@
           <p:nvPr/>
         </p:nvPicPr>
         <p:blipFill>
-          <a:blip r:embed="rId6">
+          <a:blip r:embed="rId4">
+            <a:duotone>
+              <a:schemeClr val="bg2">
+                <a:shade val="45000"/>
+                <a:satMod val="135000"/>
+              </a:schemeClr>
+              <a:prstClr val="white"/>
+            </a:duotone>
             <a:extLst>
               <a:ext uri="{28A0092B-C50C-407E-A947-70E740481C1C}">
                 <a14:useLocalDpi xmlns:a14="http://schemas.microsoft.com/office/drawing/2010/main" val="0"/>
@@ -5422,43 +4737,7 @@
         </p:blipFill>
         <p:spPr>
           <a:xfrm>
-            <a:off x="2413017" y="1818595"/>
-            <a:ext cx="895429" cy="1219574"/>
-          </a:xfrm>
-          <a:prstGeom prst="rect">
-            <a:avLst/>
-          </a:prstGeom>
-        </p:spPr>
-      </p:pic>
-      <p:pic>
-        <p:nvPicPr>
-          <p:cNvPr id="42" name="図 41">
-            <a:extLst>
-              <a:ext uri="{FF2B5EF4-FFF2-40B4-BE49-F238E27FC236}">
-                <a16:creationId xmlns:a16="http://schemas.microsoft.com/office/drawing/2014/main" id="{B55B3CB3-BB16-5242-40AC-FBB794ECD419}"/>
-              </a:ext>
-            </a:extLst>
-          </p:cNvPr>
-          <p:cNvPicPr>
-            <a:picLocks noChangeAspect="1"/>
-          </p:cNvPicPr>
-          <p:nvPr/>
-        </p:nvPicPr>
-        <p:blipFill>
-          <a:blip r:embed="rId4">
-            <a:extLst>
-              <a:ext uri="{28A0092B-C50C-407E-A947-70E740481C1C}">
-                <a14:useLocalDpi xmlns:a14="http://schemas.microsoft.com/office/drawing/2010/main" val="0"/>
-              </a:ext>
-            </a:extLst>
-          </a:blip>
-          <a:stretch>
-            <a:fillRect/>
-          </a:stretch>
-        </p:blipFill>
-        <p:spPr>
-          <a:xfrm>
-            <a:off x="7228060" y="2187391"/>
+            <a:off x="6255006" y="3083240"/>
             <a:ext cx="1453613" cy="1453613"/>
           </a:xfrm>
           <a:prstGeom prst="rect">
@@ -5468,10 +4747,10 @@
       </p:pic>
       <p:pic>
         <p:nvPicPr>
-          <p:cNvPr id="37" name="図 36">
-            <a:extLst>
-              <a:ext uri="{FF2B5EF4-FFF2-40B4-BE49-F238E27FC236}">
-                <a16:creationId xmlns:a16="http://schemas.microsoft.com/office/drawing/2014/main" id="{DE560294-8839-1CDD-8D70-E9CEFE43769F}"/>
+          <p:cNvPr id="43" name="図 42">
+            <a:extLst>
+              <a:ext uri="{FF2B5EF4-FFF2-40B4-BE49-F238E27FC236}">
+                <a16:creationId xmlns:a16="http://schemas.microsoft.com/office/drawing/2014/main" id="{1CBBF909-9735-E08D-1577-73E4BFB1CC15}"/>
               </a:ext>
             </a:extLst>
           </p:cNvPr>
@@ -5481,7 +4760,14 @@
           <p:nvPr/>
         </p:nvPicPr>
         <p:blipFill>
-          <a:blip r:embed="rId7">
+          <a:blip r:embed="rId4">
+            <a:duotone>
+              <a:schemeClr val="bg2">
+                <a:shade val="45000"/>
+                <a:satMod val="135000"/>
+              </a:schemeClr>
+              <a:prstClr val="white"/>
+            </a:duotone>
             <a:extLst>
               <a:ext uri="{28A0092B-C50C-407E-A947-70E740481C1C}">
                 <a14:useLocalDpi xmlns:a14="http://schemas.microsoft.com/office/drawing/2010/main" val="0"/>
@@ -5494,115 +4780,7 @@
         </p:blipFill>
         <p:spPr>
           <a:xfrm>
-            <a:off x="7355698" y="1480029"/>
-            <a:ext cx="1236817" cy="1454497"/>
-          </a:xfrm>
-          <a:prstGeom prst="rect">
-            <a:avLst/>
-          </a:prstGeom>
-        </p:spPr>
-      </p:pic>
-      <p:pic>
-        <p:nvPicPr>
-          <p:cNvPr id="43" name="図 42">
-            <a:extLst>
-              <a:ext uri="{FF2B5EF4-FFF2-40B4-BE49-F238E27FC236}">
-                <a16:creationId xmlns:a16="http://schemas.microsoft.com/office/drawing/2014/main" id="{1CBBF909-9735-E08D-1577-73E4BFB1CC15}"/>
-              </a:ext>
-            </a:extLst>
-          </p:cNvPr>
-          <p:cNvPicPr>
-            <a:picLocks noChangeAspect="1"/>
-          </p:cNvPicPr>
-          <p:nvPr/>
-        </p:nvPicPr>
-        <p:blipFill>
-          <a:blip r:embed="rId4">
-            <a:extLst>
-              <a:ext uri="{28A0092B-C50C-407E-A947-70E740481C1C}">
-                <a14:useLocalDpi xmlns:a14="http://schemas.microsoft.com/office/drawing/2010/main" val="0"/>
-              </a:ext>
-            </a:extLst>
-          </a:blip>
-          <a:stretch>
-            <a:fillRect/>
-          </a:stretch>
-        </p:blipFill>
-        <p:spPr>
-          <a:xfrm>
-            <a:off x="8482773" y="2182604"/>
-            <a:ext cx="1453613" cy="1453613"/>
-          </a:xfrm>
-          <a:prstGeom prst="rect">
-            <a:avLst/>
-          </a:prstGeom>
-        </p:spPr>
-      </p:pic>
-      <p:pic>
-        <p:nvPicPr>
-          <p:cNvPr id="44" name="図 43">
-            <a:extLst>
-              <a:ext uri="{FF2B5EF4-FFF2-40B4-BE49-F238E27FC236}">
-                <a16:creationId xmlns:a16="http://schemas.microsoft.com/office/drawing/2014/main" id="{BA753133-AC7E-E365-3D83-9A8FDCE6EEAA}"/>
-              </a:ext>
-            </a:extLst>
-          </p:cNvPr>
-          <p:cNvPicPr>
-            <a:picLocks noChangeAspect="1"/>
-          </p:cNvPicPr>
-          <p:nvPr/>
-        </p:nvPicPr>
-        <p:blipFill>
-          <a:blip r:embed="rId4">
-            <a:extLst>
-              <a:ext uri="{28A0092B-C50C-407E-A947-70E740481C1C}">
-                <a14:useLocalDpi xmlns:a14="http://schemas.microsoft.com/office/drawing/2010/main" val="0"/>
-              </a:ext>
-            </a:extLst>
-          </a:blip>
-          <a:stretch>
-            <a:fillRect/>
-          </a:stretch>
-        </p:blipFill>
-        <p:spPr>
-          <a:xfrm>
-            <a:off x="8638732" y="2894753"/>
-            <a:ext cx="1453613" cy="1453613"/>
-          </a:xfrm>
-          <a:prstGeom prst="rect">
-            <a:avLst/>
-          </a:prstGeom>
-        </p:spPr>
-      </p:pic>
-      <p:pic>
-        <p:nvPicPr>
-          <p:cNvPr id="45" name="図 44">
-            <a:extLst>
-              <a:ext uri="{FF2B5EF4-FFF2-40B4-BE49-F238E27FC236}">
-                <a16:creationId xmlns:a16="http://schemas.microsoft.com/office/drawing/2014/main" id="{EF4F7D85-ACA3-16D4-2C84-4B2F5C9D8E36}"/>
-              </a:ext>
-            </a:extLst>
-          </p:cNvPr>
-          <p:cNvPicPr>
-            <a:picLocks noChangeAspect="1"/>
-          </p:cNvPicPr>
-          <p:nvPr/>
-        </p:nvPicPr>
-        <p:blipFill>
-          <a:blip r:embed="rId4">
-            <a:extLst>
-              <a:ext uri="{28A0092B-C50C-407E-A947-70E740481C1C}">
-                <a14:useLocalDpi xmlns:a14="http://schemas.microsoft.com/office/drawing/2010/main" val="0"/>
-              </a:ext>
-            </a:extLst>
-          </a:blip>
-          <a:stretch>
-            <a:fillRect/>
-          </a:stretch>
-        </p:blipFill>
-        <p:spPr>
-          <a:xfrm>
-            <a:off x="9507996" y="3353729"/>
+            <a:off x="7743369" y="3083240"/>
             <a:ext cx="1453613" cy="1453613"/>
           </a:xfrm>
           <a:prstGeom prst="rect">
@@ -5626,6 +4804,13 @@
         </p:nvPicPr>
         <p:blipFill>
           <a:blip r:embed="rId4">
+            <a:duotone>
+              <a:schemeClr val="accent6">
+                <a:shade val="45000"/>
+                <a:satMod val="135000"/>
+              </a:schemeClr>
+              <a:prstClr val="white"/>
+            </a:duotone>
             <a:extLst>
               <a:ext uri="{28A0092B-C50C-407E-A947-70E740481C1C}">
                 <a14:useLocalDpi xmlns:a14="http://schemas.microsoft.com/office/drawing/2010/main" val="0"/>
@@ -5638,7 +4823,7 @@
         </p:blipFill>
         <p:spPr>
           <a:xfrm>
-            <a:off x="9764710" y="2187391"/>
+            <a:off x="9231732" y="3083240"/>
             <a:ext cx="1453613" cy="1453613"/>
           </a:xfrm>
           <a:prstGeom prst="rect">
@@ -5646,12 +4831,250 @@
           </a:prstGeom>
         </p:spPr>
       </p:pic>
+      <p:sp>
+        <p:nvSpPr>
+          <p:cNvPr id="2" name="正方形/長方形 1">
+            <a:extLst>
+              <a:ext uri="{FF2B5EF4-FFF2-40B4-BE49-F238E27FC236}">
+                <a16:creationId xmlns:a16="http://schemas.microsoft.com/office/drawing/2014/main" id="{AAB812CF-1143-ED11-4576-EF438757721F}"/>
+              </a:ext>
+            </a:extLst>
+          </p:cNvPr>
+          <p:cNvSpPr/>
+          <p:nvPr/>
+        </p:nvSpPr>
+        <p:spPr>
+          <a:xfrm>
+            <a:off x="156153" y="170021"/>
+            <a:ext cx="3517776" cy="1756750"/>
+          </a:xfrm>
+          <a:prstGeom prst="rect">
+            <a:avLst/>
+          </a:prstGeom>
+          <a:solidFill>
+            <a:srgbClr val="FFFFFF">
+              <a:alpha val="50196"/>
+            </a:srgbClr>
+          </a:solidFill>
+        </p:spPr>
+        <p:style>
+          <a:lnRef idx="2">
+            <a:schemeClr val="dk1"/>
+          </a:lnRef>
+          <a:fillRef idx="1">
+            <a:schemeClr val="lt1"/>
+          </a:fillRef>
+          <a:effectRef idx="0">
+            <a:schemeClr val="dk1"/>
+          </a:effectRef>
+          <a:fontRef idx="minor">
+            <a:schemeClr val="dk1"/>
+          </a:fontRef>
+        </p:style>
+        <p:txBody>
+          <a:bodyPr rtlCol="0" anchor="ctr"/>
+          <a:lstStyle/>
+          <a:p>
+            <a:pPr algn="ctr"/>
+            <a:r>
+              <a:rPr kumimoji="1" lang="en-US" altLang="ja-JP" dirty="0"/>
+              <a:t>Press SPACE to advance turn</a:t>
+            </a:r>
+            <a:endParaRPr lang="en-US" altLang="ja-JP" dirty="0"/>
+          </a:p>
+          <a:p>
+            <a:pPr algn="ctr"/>
+            <a:endParaRPr kumimoji="1" lang="en-US" altLang="ja-JP" dirty="0"/>
+          </a:p>
+          <a:p>
+            <a:r>
+              <a:rPr lang="en-US" altLang="ja-JP" dirty="0">
+                <a:solidFill>
+                  <a:srgbClr val="FF0000"/>
+                </a:solidFill>
+              </a:rPr>
+              <a:t>Player 1: 0 points</a:t>
+            </a:r>
+          </a:p>
+          <a:p>
+            <a:r>
+              <a:rPr kumimoji="1" lang="en-US" altLang="ja-JP" dirty="0">
+                <a:solidFill>
+                  <a:srgbClr val="FF0000"/>
+                </a:solidFill>
+              </a:rPr>
+              <a:t>Player 2: 0 points</a:t>
+            </a:r>
+          </a:p>
+          <a:p>
+            <a:r>
+              <a:rPr lang="en-US" altLang="ja-JP" dirty="0">
+                <a:solidFill>
+                  <a:srgbClr val="FF0000"/>
+                </a:solidFill>
+              </a:rPr>
+              <a:t>Player 3: 0 points</a:t>
+            </a:r>
+            <a:endParaRPr kumimoji="1" lang="en-US" altLang="ja-JP" dirty="0">
+              <a:solidFill>
+                <a:srgbClr val="FF0000"/>
+              </a:solidFill>
+            </a:endParaRPr>
+          </a:p>
+        </p:txBody>
+      </p:sp>
+      <p:sp>
+        <p:nvSpPr>
+          <p:cNvPr id="3" name="正方形/長方形 2">
+            <a:extLst>
+              <a:ext uri="{FF2B5EF4-FFF2-40B4-BE49-F238E27FC236}">
+                <a16:creationId xmlns:a16="http://schemas.microsoft.com/office/drawing/2014/main" id="{88F72027-307A-BC59-BD55-4AED25009DEA}"/>
+              </a:ext>
+            </a:extLst>
+          </p:cNvPr>
+          <p:cNvSpPr/>
+          <p:nvPr/>
+        </p:nvSpPr>
+        <p:spPr>
+          <a:xfrm>
+            <a:off x="156153" y="4867590"/>
+            <a:ext cx="11829018" cy="1756750"/>
+          </a:xfrm>
+          <a:prstGeom prst="rect">
+            <a:avLst/>
+          </a:prstGeom>
+          <a:solidFill>
+            <a:srgbClr val="FFFFFF">
+              <a:alpha val="50196"/>
+            </a:srgbClr>
+          </a:solidFill>
+        </p:spPr>
+        <p:style>
+          <a:lnRef idx="2">
+            <a:schemeClr val="dk1"/>
+          </a:lnRef>
+          <a:fillRef idx="1">
+            <a:schemeClr val="lt1"/>
+          </a:fillRef>
+          <a:effectRef idx="0">
+            <a:schemeClr val="dk1"/>
+          </a:effectRef>
+          <a:fontRef idx="minor">
+            <a:schemeClr val="dk1"/>
+          </a:fontRef>
+        </p:style>
+        <p:txBody>
+          <a:bodyPr rtlCol="0" anchor="ctr"/>
+          <a:lstStyle/>
+          <a:p>
+            <a:r>
+              <a:rPr kumimoji="1" lang="en-US" altLang="ja-JP" dirty="0">
+                <a:solidFill>
+                  <a:srgbClr val="FF0000"/>
+                </a:solidFill>
+              </a:rPr>
+              <a:t>Game Start</a:t>
+            </a:r>
+          </a:p>
+          <a:p>
+            <a:r>
+              <a:rPr lang="en-US" altLang="ja-JP" dirty="0">
+                <a:solidFill>
+                  <a:srgbClr val="FF0000"/>
+                </a:solidFill>
+              </a:rPr>
+              <a:t>Player 1’s turn: spinning roulette…</a:t>
+            </a:r>
+          </a:p>
+          <a:p>
+            <a:r>
+              <a:rPr kumimoji="1" lang="en-US" altLang="ja-JP" dirty="0">
+                <a:solidFill>
+                  <a:srgbClr val="FF0000"/>
+                </a:solidFill>
+              </a:rPr>
+              <a:t>Player 1 rolled a 5 and landed on White </a:t>
+            </a:r>
+            <a:r>
+              <a:rPr kumimoji="1" lang="en-US" altLang="ja-JP" dirty="0" err="1">
+                <a:solidFill>
+                  <a:srgbClr val="FF0000"/>
+                </a:solidFill>
+              </a:rPr>
+              <a:t>Masu</a:t>
+            </a:r>
+            <a:endParaRPr kumimoji="1" lang="en-US" altLang="ja-JP" dirty="0">
+              <a:solidFill>
+                <a:srgbClr val="FF0000"/>
+              </a:solidFill>
+            </a:endParaRPr>
+          </a:p>
+          <a:p>
+            <a:endParaRPr lang="en-US" altLang="ja-JP" dirty="0">
+              <a:solidFill>
+                <a:srgbClr val="FF0000"/>
+              </a:solidFill>
+            </a:endParaRPr>
+          </a:p>
+          <a:p>
+            <a:endParaRPr kumimoji="1" lang="en-US" altLang="ja-JP">
+              <a:solidFill>
+                <a:srgbClr val="FF0000"/>
+              </a:solidFill>
+            </a:endParaRPr>
+          </a:p>
+        </p:txBody>
+      </p:sp>
+      <p:sp>
+        <p:nvSpPr>
+          <p:cNvPr id="4" name="テキスト ボックス 3">
+            <a:extLst>
+              <a:ext uri="{FF2B5EF4-FFF2-40B4-BE49-F238E27FC236}">
+                <a16:creationId xmlns:a16="http://schemas.microsoft.com/office/drawing/2014/main" id="{E9F11AFD-264C-2177-EE0E-0AAFFDF0E1D8}"/>
+              </a:ext>
+            </a:extLst>
+          </p:cNvPr>
+          <p:cNvSpPr txBox="1"/>
+          <p:nvPr/>
+        </p:nvSpPr>
+        <p:spPr>
+          <a:xfrm>
+            <a:off x="8905828" y="522514"/>
+            <a:ext cx="2244525" cy="861774"/>
+          </a:xfrm>
+          <a:prstGeom prst="rect">
+            <a:avLst/>
+          </a:prstGeom>
+          <a:noFill/>
+        </p:spPr>
+        <p:txBody>
+          <a:bodyPr wrap="none" rtlCol="0">
+            <a:spAutoFit/>
+          </a:bodyPr>
+          <a:lstStyle/>
+          <a:p>
+            <a:pPr algn="ctr"/>
+            <a:r>
+              <a:rPr lang="en-US" altLang="ja-JP" dirty="0"/>
+              <a:t>Turn: 1</a:t>
+            </a:r>
+          </a:p>
+          <a:p>
+            <a:pPr algn="ctr"/>
+            <a:r>
+              <a:rPr kumimoji="1" lang="en-US" altLang="ja-JP" sz="3200" dirty="0"/>
+              <a:t>Roulette: 5</a:t>
+            </a:r>
+            <a:endParaRPr kumimoji="1" lang="ja-JP" altLang="en-US" sz="3200" dirty="0"/>
+          </a:p>
+        </p:txBody>
+      </p:sp>
       <p:pic>
         <p:nvPicPr>
-          <p:cNvPr id="47" name="図 46">
-            <a:extLst>
-              <a:ext uri="{FF2B5EF4-FFF2-40B4-BE49-F238E27FC236}">
-                <a16:creationId xmlns:a16="http://schemas.microsoft.com/office/drawing/2014/main" id="{CF54600F-744D-6008-EB36-EF8686E3CC00}"/>
+          <p:cNvPr id="37" name="図 36">
+            <a:extLst>
+              <a:ext uri="{FF2B5EF4-FFF2-40B4-BE49-F238E27FC236}">
+                <a16:creationId xmlns:a16="http://schemas.microsoft.com/office/drawing/2014/main" id="{DE560294-8839-1CDD-8D70-E9CEFE43769F}"/>
               </a:ext>
             </a:extLst>
           </p:cNvPr>
@@ -5661,51 +5084,7 @@
           <p:nvPr/>
         </p:nvPicPr>
         <p:blipFill>
-          <a:blip r:embed="rId4">
-            <a:extLst>
-              <a:ext uri="{28A0092B-C50C-407E-A947-70E740481C1C}">
-                <a14:useLocalDpi xmlns:a14="http://schemas.microsoft.com/office/drawing/2010/main" val="0"/>
-              </a:ext>
-            </a:extLst>
-          </a:blip>
-          <a:srcRect r="19832"/>
-          <a:stretch>
-            <a:fillRect/>
-          </a:stretch>
-        </p:blipFill>
-        <p:spPr>
-          <a:xfrm>
-            <a:off x="11026669" y="2182603"/>
-            <a:ext cx="1165332" cy="1453613"/>
-          </a:xfrm>
-          <a:prstGeom prst="rect">
-            <a:avLst/>
-          </a:prstGeom>
-        </p:spPr>
-      </p:pic>
-      <p:pic>
-        <p:nvPicPr>
-          <p:cNvPr id="49" name="図 48">
-            <a:extLst>
-              <a:ext uri="{FF2B5EF4-FFF2-40B4-BE49-F238E27FC236}">
-                <a16:creationId xmlns:a16="http://schemas.microsoft.com/office/drawing/2014/main" id="{5E2748E9-3573-48E4-F4AB-3F3843FF5AD5}"/>
-              </a:ext>
-            </a:extLst>
-          </p:cNvPr>
-          <p:cNvPicPr>
-            <a:picLocks noChangeAspect="1"/>
-          </p:cNvPicPr>
-          <p:nvPr/>
-        </p:nvPicPr>
-        <p:blipFill>
-          <a:blip r:embed="rId4">
-            <a:duotone>
-              <a:schemeClr val="accent2">
-                <a:shade val="45000"/>
-                <a:satMod val="135000"/>
-              </a:schemeClr>
-              <a:prstClr val="white"/>
-            </a:duotone>
+          <a:blip r:embed="rId7">
             <a:extLst>
               <a:ext uri="{28A0092B-C50C-407E-A947-70E740481C1C}">
                 <a14:useLocalDpi xmlns:a14="http://schemas.microsoft.com/office/drawing/2010/main" val="0"/>
@@ -5718,1561 +5097,7 @@
         </p:blipFill>
         <p:spPr>
           <a:xfrm>
-            <a:off x="10803448" y="3368386"/>
-            <a:ext cx="1453612" cy="1453612"/>
-          </a:xfrm>
-          <a:prstGeom prst="rect">
-            <a:avLst/>
-          </a:prstGeom>
-        </p:spPr>
-      </p:pic>
-      <p:pic>
-        <p:nvPicPr>
-          <p:cNvPr id="51" name="図 50">
-            <a:extLst>
-              <a:ext uri="{FF2B5EF4-FFF2-40B4-BE49-F238E27FC236}">
-                <a16:creationId xmlns:a16="http://schemas.microsoft.com/office/drawing/2014/main" id="{4471B4BB-3EAD-7FBB-4497-CD2D110AA84C}"/>
-              </a:ext>
-            </a:extLst>
-          </p:cNvPr>
-          <p:cNvPicPr>
-            <a:picLocks noChangeAspect="1"/>
-          </p:cNvPicPr>
-          <p:nvPr/>
-        </p:nvPicPr>
-        <p:blipFill>
-          <a:blip r:embed="rId4">
-            <a:extLst>
-              <a:ext uri="{28A0092B-C50C-407E-A947-70E740481C1C}">
-                <a14:useLocalDpi xmlns:a14="http://schemas.microsoft.com/office/drawing/2010/main" val="0"/>
-              </a:ext>
-            </a:extLst>
-          </a:blip>
-          <a:srcRect l="58203"/>
-          <a:stretch>
-            <a:fillRect/>
-          </a:stretch>
-        </p:blipFill>
-        <p:spPr>
-          <a:xfrm>
-            <a:off x="1675326" y="2187391"/>
-            <a:ext cx="607571" cy="1453613"/>
-          </a:xfrm>
-          <a:prstGeom prst="rect">
-            <a:avLst/>
-          </a:prstGeom>
-        </p:spPr>
-      </p:pic>
-      <p:grpSp>
-        <p:nvGrpSpPr>
-          <p:cNvPr id="53" name="グループ化 52">
-            <a:extLst>
-              <a:ext uri="{FF2B5EF4-FFF2-40B4-BE49-F238E27FC236}">
-                <a16:creationId xmlns:a16="http://schemas.microsoft.com/office/drawing/2014/main" id="{8F6641B6-803A-DAA7-DB52-91122DD07E2A}"/>
-              </a:ext>
-            </a:extLst>
-          </p:cNvPr>
-          <p:cNvGrpSpPr/>
-          <p:nvPr/>
-        </p:nvGrpSpPr>
-        <p:grpSpPr>
-          <a:xfrm>
-            <a:off x="2176531" y="4119971"/>
-            <a:ext cx="2390274" cy="2278948"/>
-            <a:chOff x="2176531" y="4119971"/>
-            <a:chExt cx="2390274" cy="2278948"/>
-          </a:xfrm>
-        </p:grpSpPr>
-        <p:grpSp>
-          <p:nvGrpSpPr>
-            <p:cNvPr id="34" name="グループ化 33">
-              <a:extLst>
-                <a:ext uri="{FF2B5EF4-FFF2-40B4-BE49-F238E27FC236}">
-                  <a16:creationId xmlns:a16="http://schemas.microsoft.com/office/drawing/2014/main" id="{20C4011B-9410-BFF4-0020-4BA6C37CA15A}"/>
-                </a:ext>
-              </a:extLst>
-            </p:cNvPr>
-            <p:cNvGrpSpPr/>
-            <p:nvPr/>
-          </p:nvGrpSpPr>
-          <p:grpSpPr>
-            <a:xfrm>
-              <a:off x="2176531" y="4119971"/>
-              <a:ext cx="2390274" cy="2278948"/>
-              <a:chOff x="2248527" y="4178090"/>
-              <a:chExt cx="2390274" cy="2278948"/>
-            </a:xfrm>
-          </p:grpSpPr>
-          <p:sp>
-            <p:nvSpPr>
-              <p:cNvPr id="14" name="楕円 13">
-                <a:extLst>
-                  <a:ext uri="{FF2B5EF4-FFF2-40B4-BE49-F238E27FC236}">
-                    <a16:creationId xmlns:a16="http://schemas.microsoft.com/office/drawing/2014/main" id="{6DF12BC5-F1ED-C11A-8DB5-4850133EEEB5}"/>
-                  </a:ext>
-                </a:extLst>
-              </p:cNvPr>
-              <p:cNvSpPr/>
-              <p:nvPr/>
-            </p:nvSpPr>
-            <p:spPr>
-              <a:xfrm>
-                <a:off x="2248527" y="4178090"/>
-                <a:ext cx="2390274" cy="2278948"/>
-              </a:xfrm>
-              <a:prstGeom prst="ellipse">
-                <a:avLst/>
-              </a:prstGeom>
-              <a:solidFill>
-                <a:schemeClr val="bg1"/>
-              </a:solidFill>
-              <a:ln w="57150">
-                <a:solidFill>
-                  <a:srgbClr val="FFC000"/>
-                </a:solidFill>
-              </a:ln>
-            </p:spPr>
-            <p:style>
-              <a:lnRef idx="2">
-                <a:schemeClr val="accent1">
-                  <a:shade val="15000"/>
-                </a:schemeClr>
-              </a:lnRef>
-              <a:fillRef idx="1">
-                <a:schemeClr val="accent1"/>
-              </a:fillRef>
-              <a:effectRef idx="0">
-                <a:schemeClr val="accent1"/>
-              </a:effectRef>
-              <a:fontRef idx="minor">
-                <a:schemeClr val="lt1"/>
-              </a:fontRef>
-            </p:style>
-            <p:txBody>
-              <a:bodyPr rtlCol="0" anchor="ctr"/>
-              <a:lstStyle/>
-              <a:p>
-                <a:pPr algn="ctr"/>
-                <a:endParaRPr kumimoji="1" lang="ja-JP" altLang="en-US"/>
-              </a:p>
-            </p:txBody>
-          </p:sp>
-          <p:cxnSp>
-            <p:nvCxnSpPr>
-              <p:cNvPr id="17" name="直線コネクタ 16">
-                <a:extLst>
-                  <a:ext uri="{FF2B5EF4-FFF2-40B4-BE49-F238E27FC236}">
-                    <a16:creationId xmlns:a16="http://schemas.microsoft.com/office/drawing/2014/main" id="{3D59AD9F-FB01-0A26-6857-F884082B0D9A}"/>
-                  </a:ext>
-                </a:extLst>
-              </p:cNvPr>
-              <p:cNvCxnSpPr>
-                <a:stCxn id="14" idx="0"/>
-              </p:cNvCxnSpPr>
-              <p:nvPr/>
-            </p:nvCxnSpPr>
-            <p:spPr>
-              <a:xfrm flipH="1">
-                <a:off x="3443663" y="4178090"/>
-                <a:ext cx="1" cy="2278948"/>
-              </a:xfrm>
-              <a:prstGeom prst="line">
-                <a:avLst/>
-              </a:prstGeom>
-              <a:ln w="38100">
-                <a:solidFill>
-                  <a:srgbClr val="FFC000"/>
-                </a:solidFill>
-              </a:ln>
-            </p:spPr>
-            <p:style>
-              <a:lnRef idx="1">
-                <a:schemeClr val="accent1"/>
-              </a:lnRef>
-              <a:fillRef idx="0">
-                <a:schemeClr val="accent1"/>
-              </a:fillRef>
-              <a:effectRef idx="0">
-                <a:schemeClr val="accent1"/>
-              </a:effectRef>
-              <a:fontRef idx="minor">
-                <a:schemeClr val="tx1"/>
-              </a:fontRef>
-            </p:style>
-          </p:cxnSp>
-          <p:sp>
-            <p:nvSpPr>
-              <p:cNvPr id="33" name="二等辺三角形 32">
-                <a:extLst>
-                  <a:ext uri="{FF2B5EF4-FFF2-40B4-BE49-F238E27FC236}">
-                    <a16:creationId xmlns:a16="http://schemas.microsoft.com/office/drawing/2014/main" id="{B4397583-EB89-1D31-2A55-6DA4F441F8EB}"/>
-                  </a:ext>
-                </a:extLst>
-              </p:cNvPr>
-              <p:cNvSpPr/>
-              <p:nvPr/>
-            </p:nvSpPr>
-            <p:spPr>
-              <a:xfrm>
-                <a:off x="3306931" y="4501992"/>
-                <a:ext cx="275853" cy="384795"/>
-              </a:xfrm>
-              <a:prstGeom prst="triangle">
-                <a:avLst/>
-              </a:prstGeom>
-              <a:solidFill>
-                <a:srgbClr val="FF0000"/>
-              </a:solidFill>
-              <a:ln>
-                <a:noFill/>
-              </a:ln>
-            </p:spPr>
-            <p:style>
-              <a:lnRef idx="2">
-                <a:schemeClr val="accent1">
-                  <a:shade val="15000"/>
-                </a:schemeClr>
-              </a:lnRef>
-              <a:fillRef idx="1">
-                <a:schemeClr val="accent1"/>
-              </a:fillRef>
-              <a:effectRef idx="0">
-                <a:schemeClr val="accent1"/>
-              </a:effectRef>
-              <a:fontRef idx="minor">
-                <a:schemeClr val="lt1"/>
-              </a:fontRef>
-            </p:style>
-            <p:txBody>
-              <a:bodyPr rtlCol="0" anchor="ctr"/>
-              <a:lstStyle/>
-              <a:p>
-                <a:pPr algn="ctr"/>
-                <a:endParaRPr kumimoji="1" lang="ja-JP" altLang="en-US"/>
-              </a:p>
-            </p:txBody>
-          </p:sp>
-          <p:sp>
-            <p:nvSpPr>
-              <p:cNvPr id="15" name="楕円 14">
-                <a:extLst>
-                  <a:ext uri="{FF2B5EF4-FFF2-40B4-BE49-F238E27FC236}">
-                    <a16:creationId xmlns:a16="http://schemas.microsoft.com/office/drawing/2014/main" id="{38511292-14BD-60CF-4125-F3F3FA8A36E0}"/>
-                  </a:ext>
-                </a:extLst>
-              </p:cNvPr>
-              <p:cNvSpPr/>
-              <p:nvPr/>
-            </p:nvSpPr>
-            <p:spPr>
-              <a:xfrm>
-                <a:off x="2953377" y="4840787"/>
-                <a:ext cx="980573" cy="953554"/>
-              </a:xfrm>
-              <a:prstGeom prst="ellipse">
-                <a:avLst/>
-              </a:prstGeom>
-              <a:solidFill>
-                <a:srgbClr val="FFC000"/>
-              </a:solidFill>
-              <a:ln>
-                <a:noFill/>
-              </a:ln>
-            </p:spPr>
-            <p:style>
-              <a:lnRef idx="2">
-                <a:schemeClr val="accent1">
-                  <a:shade val="15000"/>
-                </a:schemeClr>
-              </a:lnRef>
-              <a:fillRef idx="1">
-                <a:schemeClr val="accent1"/>
-              </a:fillRef>
-              <a:effectRef idx="0">
-                <a:schemeClr val="accent1"/>
-              </a:effectRef>
-              <a:fontRef idx="minor">
-                <a:schemeClr val="lt1"/>
-              </a:fontRef>
-            </p:style>
-            <p:txBody>
-              <a:bodyPr rtlCol="0" anchor="ctr"/>
-              <a:lstStyle/>
-              <a:p>
-                <a:pPr algn="ctr"/>
-                <a:endParaRPr kumimoji="1" lang="ja-JP" altLang="en-US"/>
-              </a:p>
-            </p:txBody>
-          </p:sp>
-          <p:cxnSp>
-            <p:nvCxnSpPr>
-              <p:cNvPr id="18" name="直線コネクタ 17">
-                <a:extLst>
-                  <a:ext uri="{FF2B5EF4-FFF2-40B4-BE49-F238E27FC236}">
-                    <a16:creationId xmlns:a16="http://schemas.microsoft.com/office/drawing/2014/main" id="{3D453066-FCA3-73F8-8782-F2DC55E6A3F8}"/>
-                  </a:ext>
-                </a:extLst>
-              </p:cNvPr>
-              <p:cNvCxnSpPr>
-                <a:cxnSpLocks/>
-              </p:cNvCxnSpPr>
-              <p:nvPr/>
-            </p:nvCxnSpPr>
-            <p:spPr>
-              <a:xfrm flipH="1">
-                <a:off x="2438400" y="4739148"/>
-                <a:ext cx="1997508" cy="1213987"/>
-              </a:xfrm>
-              <a:prstGeom prst="line">
-                <a:avLst/>
-              </a:prstGeom>
-              <a:ln w="38100">
-                <a:solidFill>
-                  <a:srgbClr val="FFC000"/>
-                </a:solidFill>
-              </a:ln>
-            </p:spPr>
-            <p:style>
-              <a:lnRef idx="1">
-                <a:schemeClr val="accent1"/>
-              </a:lnRef>
-              <a:fillRef idx="0">
-                <a:schemeClr val="accent1"/>
-              </a:fillRef>
-              <a:effectRef idx="0">
-                <a:schemeClr val="accent1"/>
-              </a:effectRef>
-              <a:fontRef idx="minor">
-                <a:schemeClr val="tx1"/>
-              </a:fontRef>
-            </p:style>
-          </p:cxnSp>
-          <p:cxnSp>
-            <p:nvCxnSpPr>
-              <p:cNvPr id="21" name="直線コネクタ 20">
-                <a:extLst>
-                  <a:ext uri="{FF2B5EF4-FFF2-40B4-BE49-F238E27FC236}">
-                    <a16:creationId xmlns:a16="http://schemas.microsoft.com/office/drawing/2014/main" id="{3B4DD6B0-4C3E-BDE9-ECAD-7142DF5E6212}"/>
-                  </a:ext>
-                </a:extLst>
-              </p:cNvPr>
-              <p:cNvCxnSpPr>
-                <a:cxnSpLocks/>
-              </p:cNvCxnSpPr>
-              <p:nvPr/>
-            </p:nvCxnSpPr>
-            <p:spPr>
-              <a:xfrm>
-                <a:off x="2438400" y="4739148"/>
-                <a:ext cx="1997508" cy="1213987"/>
-              </a:xfrm>
-              <a:prstGeom prst="line">
-                <a:avLst/>
-              </a:prstGeom>
-              <a:ln w="38100">
-                <a:solidFill>
-                  <a:srgbClr val="FFC000"/>
-                </a:solidFill>
-              </a:ln>
-            </p:spPr>
-            <p:style>
-              <a:lnRef idx="1">
-                <a:schemeClr val="accent1"/>
-              </a:lnRef>
-              <a:fillRef idx="0">
-                <a:schemeClr val="accent1"/>
-              </a:fillRef>
-              <a:effectRef idx="0">
-                <a:schemeClr val="accent1"/>
-              </a:effectRef>
-              <a:fontRef idx="minor">
-                <a:schemeClr val="tx1"/>
-              </a:fontRef>
-            </p:style>
-          </p:cxnSp>
-          <p:sp>
-            <p:nvSpPr>
-              <p:cNvPr id="27" name="テキスト ボックス 26">
-                <a:extLst>
-                  <a:ext uri="{FF2B5EF4-FFF2-40B4-BE49-F238E27FC236}">
-                    <a16:creationId xmlns:a16="http://schemas.microsoft.com/office/drawing/2014/main" id="{BE870286-23E7-667E-5BA7-E5375F9D6420}"/>
-                  </a:ext>
-                </a:extLst>
-              </p:cNvPr>
-              <p:cNvSpPr txBox="1"/>
-              <p:nvPr/>
-            </p:nvSpPr>
-            <p:spPr>
-              <a:xfrm rot="1574792">
-                <a:off x="3623440" y="4268294"/>
-                <a:ext cx="526026" cy="707886"/>
-              </a:xfrm>
-              <a:prstGeom prst="rect">
-                <a:avLst/>
-              </a:prstGeom>
-              <a:noFill/>
-            </p:spPr>
-            <p:txBody>
-              <a:bodyPr wrap="square" rtlCol="0">
-                <a:spAutoFit/>
-              </a:bodyPr>
-              <a:lstStyle/>
-              <a:p>
-                <a:r>
-                  <a:rPr kumimoji="1" lang="en-US" altLang="ja-JP" sz="4000" b="1">
-                    <a:solidFill>
-                      <a:srgbClr val="00B0F0"/>
-                    </a:solidFill>
-                    <a:latin typeface="HGP創英角ｺﾞｼｯｸUB" panose="020B0900000000000000" pitchFamily="50" charset="-128"/>
-                    <a:ea typeface="HGP創英角ｺﾞｼｯｸUB" panose="020B0900000000000000" pitchFamily="50" charset="-128"/>
-                  </a:rPr>
-                  <a:t>1</a:t>
-                </a:r>
-                <a:endParaRPr kumimoji="1" lang="ja-JP" altLang="en-US" sz="4000" b="1">
-                  <a:solidFill>
-                    <a:srgbClr val="00B0F0"/>
-                  </a:solidFill>
-                  <a:latin typeface="HGP創英角ｺﾞｼｯｸUB" panose="020B0900000000000000" pitchFamily="50" charset="-128"/>
-                  <a:ea typeface="HGP創英角ｺﾞｼｯｸUB" panose="020B0900000000000000" pitchFamily="50" charset="-128"/>
-                </a:endParaRPr>
-              </a:p>
-            </p:txBody>
-          </p:sp>
-          <p:sp>
-            <p:nvSpPr>
-              <p:cNvPr id="28" name="テキスト ボックス 27">
-                <a:extLst>
-                  <a:ext uri="{FF2B5EF4-FFF2-40B4-BE49-F238E27FC236}">
-                    <a16:creationId xmlns:a16="http://schemas.microsoft.com/office/drawing/2014/main" id="{0AF680D7-C63C-D7A9-67B5-0543C4AB514A}"/>
-                  </a:ext>
-                </a:extLst>
-              </p:cNvPr>
-              <p:cNvSpPr txBox="1"/>
-              <p:nvPr/>
-            </p:nvSpPr>
-            <p:spPr>
-              <a:xfrm rot="5400000">
-                <a:off x="4008825" y="4975454"/>
-                <a:ext cx="526026" cy="707886"/>
-              </a:xfrm>
-              <a:prstGeom prst="rect">
-                <a:avLst/>
-              </a:prstGeom>
-              <a:noFill/>
-            </p:spPr>
-            <p:txBody>
-              <a:bodyPr wrap="square" rtlCol="0">
-                <a:spAutoFit/>
-              </a:bodyPr>
-              <a:lstStyle/>
-              <a:p>
-                <a:r>
-                  <a:rPr lang="en-US" altLang="ja-JP" sz="4000" b="1">
-                    <a:solidFill>
-                      <a:srgbClr val="00B0F0"/>
-                    </a:solidFill>
-                    <a:latin typeface="HGP創英角ｺﾞｼｯｸUB" panose="020B0900000000000000" pitchFamily="50" charset="-128"/>
-                    <a:ea typeface="HGP創英角ｺﾞｼｯｸUB" panose="020B0900000000000000" pitchFamily="50" charset="-128"/>
-                  </a:rPr>
-                  <a:t>2</a:t>
-                </a:r>
-                <a:endParaRPr kumimoji="1" lang="ja-JP" altLang="en-US" sz="4000" b="1">
-                  <a:solidFill>
-                    <a:srgbClr val="00B0F0"/>
-                  </a:solidFill>
-                  <a:latin typeface="HGP創英角ｺﾞｼｯｸUB" panose="020B0900000000000000" pitchFamily="50" charset="-128"/>
-                  <a:ea typeface="HGP創英角ｺﾞｼｯｸUB" panose="020B0900000000000000" pitchFamily="50" charset="-128"/>
-                </a:endParaRPr>
-              </a:p>
-            </p:txBody>
-          </p:sp>
-          <p:sp>
-            <p:nvSpPr>
-              <p:cNvPr id="29" name="テキスト ボックス 28">
-                <a:extLst>
-                  <a:ext uri="{FF2B5EF4-FFF2-40B4-BE49-F238E27FC236}">
-                    <a16:creationId xmlns:a16="http://schemas.microsoft.com/office/drawing/2014/main" id="{F627D835-9B58-991F-FAB9-2687B2945009}"/>
-                  </a:ext>
-                </a:extLst>
-              </p:cNvPr>
-              <p:cNvSpPr txBox="1"/>
-              <p:nvPr/>
-            </p:nvSpPr>
-            <p:spPr>
-              <a:xfrm rot="9138365">
-                <a:off x="3578027" y="5670780"/>
-                <a:ext cx="526026" cy="707886"/>
-              </a:xfrm>
-              <a:prstGeom prst="rect">
-                <a:avLst/>
-              </a:prstGeom>
-              <a:noFill/>
-            </p:spPr>
-            <p:txBody>
-              <a:bodyPr wrap="square" rtlCol="0">
-                <a:spAutoFit/>
-              </a:bodyPr>
-              <a:lstStyle/>
-              <a:p>
-                <a:r>
-                  <a:rPr lang="en-US" altLang="ja-JP" sz="4000" b="1">
-                    <a:solidFill>
-                      <a:srgbClr val="00B0F0"/>
-                    </a:solidFill>
-                    <a:latin typeface="HGP創英角ｺﾞｼｯｸUB" panose="020B0900000000000000" pitchFamily="50" charset="-128"/>
-                    <a:ea typeface="HGP創英角ｺﾞｼｯｸUB" panose="020B0900000000000000" pitchFamily="50" charset="-128"/>
-                  </a:rPr>
-                  <a:t>3</a:t>
-                </a:r>
-                <a:endParaRPr kumimoji="1" lang="ja-JP" altLang="en-US" sz="4000" b="1">
-                  <a:solidFill>
-                    <a:srgbClr val="00B0F0"/>
-                  </a:solidFill>
-                  <a:latin typeface="HGP創英角ｺﾞｼｯｸUB" panose="020B0900000000000000" pitchFamily="50" charset="-128"/>
-                  <a:ea typeface="HGP創英角ｺﾞｼｯｸUB" panose="020B0900000000000000" pitchFamily="50" charset="-128"/>
-                </a:endParaRPr>
-              </a:p>
-            </p:txBody>
-          </p:sp>
-          <p:sp>
-            <p:nvSpPr>
-              <p:cNvPr id="30" name="テキスト ボックス 29">
-                <a:extLst>
-                  <a:ext uri="{FF2B5EF4-FFF2-40B4-BE49-F238E27FC236}">
-                    <a16:creationId xmlns:a16="http://schemas.microsoft.com/office/drawing/2014/main" id="{02A028B1-F48D-35B8-7623-869BB18E366C}"/>
-                  </a:ext>
-                </a:extLst>
-              </p:cNvPr>
-              <p:cNvSpPr txBox="1"/>
-              <p:nvPr/>
-            </p:nvSpPr>
-            <p:spPr>
-              <a:xfrm rot="12585038">
-                <a:off x="2778483" y="5651848"/>
-                <a:ext cx="526026" cy="707886"/>
-              </a:xfrm>
-              <a:prstGeom prst="rect">
-                <a:avLst/>
-              </a:prstGeom>
-              <a:noFill/>
-            </p:spPr>
-            <p:txBody>
-              <a:bodyPr wrap="square" rtlCol="0">
-                <a:spAutoFit/>
-              </a:bodyPr>
-              <a:lstStyle/>
-              <a:p>
-                <a:r>
-                  <a:rPr lang="en-US" altLang="ja-JP" sz="4000" b="1">
-                    <a:solidFill>
-                      <a:srgbClr val="00B0F0"/>
-                    </a:solidFill>
-                    <a:latin typeface="HGP創英角ｺﾞｼｯｸUB" panose="020B0900000000000000" pitchFamily="50" charset="-128"/>
-                    <a:ea typeface="HGP創英角ｺﾞｼｯｸUB" panose="020B0900000000000000" pitchFamily="50" charset="-128"/>
-                  </a:rPr>
-                  <a:t>4</a:t>
-                </a:r>
-                <a:endParaRPr kumimoji="1" lang="ja-JP" altLang="en-US" sz="4000" b="1">
-                  <a:solidFill>
-                    <a:srgbClr val="00B0F0"/>
-                  </a:solidFill>
-                  <a:latin typeface="HGP創英角ｺﾞｼｯｸUB" panose="020B0900000000000000" pitchFamily="50" charset="-128"/>
-                  <a:ea typeface="HGP創英角ｺﾞｼｯｸUB" panose="020B0900000000000000" pitchFamily="50" charset="-128"/>
-                </a:endParaRPr>
-              </a:p>
-            </p:txBody>
-          </p:sp>
-          <p:sp>
-            <p:nvSpPr>
-              <p:cNvPr id="31" name="テキスト ボックス 30">
-                <a:extLst>
-                  <a:ext uri="{FF2B5EF4-FFF2-40B4-BE49-F238E27FC236}">
-                    <a16:creationId xmlns:a16="http://schemas.microsoft.com/office/drawing/2014/main" id="{402618BE-E31F-EA94-4FC7-C151557DE33C}"/>
-                  </a:ext>
-                </a:extLst>
-              </p:cNvPr>
-              <p:cNvSpPr txBox="1"/>
-              <p:nvPr/>
-            </p:nvSpPr>
-            <p:spPr>
-              <a:xfrm rot="16200000">
-                <a:off x="2373206" y="4992198"/>
-                <a:ext cx="526026" cy="707886"/>
-              </a:xfrm>
-              <a:prstGeom prst="rect">
-                <a:avLst/>
-              </a:prstGeom>
-              <a:noFill/>
-            </p:spPr>
-            <p:txBody>
-              <a:bodyPr wrap="square" rtlCol="0">
-                <a:spAutoFit/>
-              </a:bodyPr>
-              <a:lstStyle/>
-              <a:p>
-                <a:r>
-                  <a:rPr lang="en-US" altLang="ja-JP" sz="4000" b="1">
-                    <a:solidFill>
-                      <a:srgbClr val="00B0F0"/>
-                    </a:solidFill>
-                    <a:latin typeface="HGP創英角ｺﾞｼｯｸUB" panose="020B0900000000000000" pitchFamily="50" charset="-128"/>
-                    <a:ea typeface="HGP創英角ｺﾞｼｯｸUB" panose="020B0900000000000000" pitchFamily="50" charset="-128"/>
-                  </a:rPr>
-                  <a:t>5</a:t>
-                </a:r>
-                <a:endParaRPr kumimoji="1" lang="ja-JP" altLang="en-US" sz="4000" b="1">
-                  <a:solidFill>
-                    <a:srgbClr val="00B0F0"/>
-                  </a:solidFill>
-                  <a:latin typeface="HGP創英角ｺﾞｼｯｸUB" panose="020B0900000000000000" pitchFamily="50" charset="-128"/>
-                  <a:ea typeface="HGP創英角ｺﾞｼｯｸUB" panose="020B0900000000000000" pitchFamily="50" charset="-128"/>
-                </a:endParaRPr>
-              </a:p>
-            </p:txBody>
-          </p:sp>
-          <p:sp>
-            <p:nvSpPr>
-              <p:cNvPr id="32" name="テキスト ボックス 31">
-                <a:extLst>
-                  <a:ext uri="{FF2B5EF4-FFF2-40B4-BE49-F238E27FC236}">
-                    <a16:creationId xmlns:a16="http://schemas.microsoft.com/office/drawing/2014/main" id="{CE59D130-64D0-6F80-ABAF-D4793EAECA45}"/>
-                  </a:ext>
-                </a:extLst>
-              </p:cNvPr>
-              <p:cNvSpPr txBox="1"/>
-              <p:nvPr/>
-            </p:nvSpPr>
-            <p:spPr>
-              <a:xfrm rot="19850341">
-                <a:off x="2747579" y="4286343"/>
-                <a:ext cx="526026" cy="707886"/>
-              </a:xfrm>
-              <a:prstGeom prst="rect">
-                <a:avLst/>
-              </a:prstGeom>
-              <a:noFill/>
-            </p:spPr>
-            <p:txBody>
-              <a:bodyPr wrap="square" rtlCol="0">
-                <a:spAutoFit/>
-              </a:bodyPr>
-              <a:lstStyle/>
-              <a:p>
-                <a:r>
-                  <a:rPr lang="en-US" altLang="ja-JP" sz="4000" b="1">
-                    <a:solidFill>
-                      <a:srgbClr val="00B0F0"/>
-                    </a:solidFill>
-                    <a:latin typeface="HGP創英角ｺﾞｼｯｸUB" panose="020B0900000000000000" pitchFamily="50" charset="-128"/>
-                    <a:ea typeface="HGP創英角ｺﾞｼｯｸUB" panose="020B0900000000000000" pitchFamily="50" charset="-128"/>
-                  </a:rPr>
-                  <a:t>6</a:t>
-                </a:r>
-                <a:endParaRPr kumimoji="1" lang="ja-JP" altLang="en-US" sz="4000" b="1">
-                  <a:solidFill>
-                    <a:srgbClr val="00B0F0"/>
-                  </a:solidFill>
-                  <a:latin typeface="HGP創英角ｺﾞｼｯｸUB" panose="020B0900000000000000" pitchFamily="50" charset="-128"/>
-                  <a:ea typeface="HGP創英角ｺﾞｼｯｸUB" panose="020B0900000000000000" pitchFamily="50" charset="-128"/>
-                </a:endParaRPr>
-              </a:p>
-            </p:txBody>
-          </p:sp>
-        </p:grpSp>
-        <p:sp>
-          <p:nvSpPr>
-            <p:cNvPr id="52" name="テキスト ボックス 51">
-              <a:extLst>
-                <a:ext uri="{FF2B5EF4-FFF2-40B4-BE49-F238E27FC236}">
-                  <a16:creationId xmlns:a16="http://schemas.microsoft.com/office/drawing/2014/main" id="{B800EE69-49FF-287D-5DDB-DDF5C4B32965}"/>
-                </a:ext>
-              </a:extLst>
-            </p:cNvPr>
-            <p:cNvSpPr txBox="1"/>
-            <p:nvPr/>
-          </p:nvSpPr>
-          <p:spPr>
-            <a:xfrm>
-              <a:off x="2843818" y="5120494"/>
-              <a:ext cx="1042679" cy="338554"/>
-            </a:xfrm>
-            <a:prstGeom prst="rect">
-              <a:avLst/>
-            </a:prstGeom>
-            <a:noFill/>
-          </p:spPr>
-          <p:txBody>
-            <a:bodyPr wrap="square" rtlCol="0">
-              <a:spAutoFit/>
-            </a:bodyPr>
-            <a:lstStyle/>
-            <a:p>
-              <a:pPr algn="ctr"/>
-              <a:r>
-                <a:rPr lang="ja-JP" altLang="en-US" sz="1600" b="1">
-                  <a:solidFill>
-                    <a:schemeClr val="bg1"/>
-                  </a:solidFill>
-                </a:rPr>
-                <a:t>スタート</a:t>
-              </a:r>
-              <a:endParaRPr kumimoji="1" lang="ja-JP" altLang="en-US" sz="1600" b="1">
-                <a:solidFill>
-                  <a:schemeClr val="bg1"/>
-                </a:solidFill>
-              </a:endParaRPr>
-            </a:p>
-          </p:txBody>
-        </p:sp>
-      </p:grpSp>
-      <p:sp>
-        <p:nvSpPr>
-          <p:cNvPr id="54" name="テキスト ボックス 53">
-            <a:extLst>
-              <a:ext uri="{FF2B5EF4-FFF2-40B4-BE49-F238E27FC236}">
-                <a16:creationId xmlns:a16="http://schemas.microsoft.com/office/drawing/2014/main" id="{A98616F3-B4F5-ED01-7DF8-1D012950D265}"/>
-              </a:ext>
-            </a:extLst>
-          </p:cNvPr>
-          <p:cNvSpPr txBox="1"/>
-          <p:nvPr/>
-        </p:nvSpPr>
-        <p:spPr>
-          <a:xfrm>
-            <a:off x="5215003" y="603128"/>
-            <a:ext cx="3115459" cy="523220"/>
-          </a:xfrm>
-          <a:prstGeom prst="rect">
-            <a:avLst/>
-          </a:prstGeom>
-          <a:noFill/>
-        </p:spPr>
-        <p:txBody>
-          <a:bodyPr wrap="square" rtlCol="0">
-            <a:spAutoFit/>
-          </a:bodyPr>
-          <a:lstStyle/>
-          <a:p>
-            <a:r>
-              <a:rPr kumimoji="1" lang="ja-JP" altLang="en-US" sz="2800" b="1">
-                <a:solidFill>
-                  <a:srgbClr val="FF0000"/>
-                </a:solidFill>
-              </a:rPr>
-              <a:t>魔法使いのターン</a:t>
-            </a:r>
-          </a:p>
-        </p:txBody>
-      </p:sp>
-    </p:spTree>
-    <p:extLst>
-      <p:ext uri="{BB962C8B-B14F-4D97-AF65-F5344CB8AC3E}">
-        <p14:creationId xmlns:p14="http://schemas.microsoft.com/office/powerpoint/2010/main" val="2054777074"/>
-      </p:ext>
-    </p:extLst>
-  </p:cSld>
-  <p:clrMapOvr>
-    <a:masterClrMapping/>
-  </p:clrMapOvr>
-</p:sld>
-</file>
-
-<file path=ppt/slides/slide2.xml><?xml version="1.0" encoding="utf-8"?>
-<p:sld xmlns:a="http://schemas.openxmlformats.org/drawingml/2006/main" xmlns:r="http://schemas.openxmlformats.org/officeDocument/2006/relationships" xmlns:p="http://schemas.openxmlformats.org/presentationml/2006/main">
-  <p:cSld>
-    <p:spTree>
-      <p:nvGrpSpPr>
-        <p:cNvPr id="1" name="">
-          <a:extLst>
-            <a:ext uri="{FF2B5EF4-FFF2-40B4-BE49-F238E27FC236}">
-              <a16:creationId xmlns:a16="http://schemas.microsoft.com/office/drawing/2014/main" id="{32D8C343-8A10-09FD-D88B-37F21E4E0C56}"/>
-            </a:ext>
-          </a:extLst>
-        </p:cNvPr>
-        <p:cNvGrpSpPr/>
-        <p:nvPr/>
-      </p:nvGrpSpPr>
-      <p:grpSpPr>
-        <a:xfrm>
-          <a:off x="0" y="0"/>
-          <a:ext cx="0" cy="0"/>
-          <a:chOff x="0" y="0"/>
-          <a:chExt cx="0" cy="0"/>
-        </a:xfrm>
-      </p:grpSpPr>
-      <p:pic>
-        <p:nvPicPr>
-          <p:cNvPr id="5" name="図 4">
-            <a:extLst>
-              <a:ext uri="{FF2B5EF4-FFF2-40B4-BE49-F238E27FC236}">
-                <a16:creationId xmlns:a16="http://schemas.microsoft.com/office/drawing/2014/main" id="{E30612F4-57C3-CC71-7112-83C990AAA207}"/>
-              </a:ext>
-            </a:extLst>
-          </p:cNvPr>
-          <p:cNvPicPr>
-            <a:picLocks noChangeAspect="1"/>
-          </p:cNvPicPr>
-          <p:nvPr/>
-        </p:nvPicPr>
-        <p:blipFill>
-          <a:blip r:embed="rId3">
-            <a:alphaModFix amt="20000"/>
-            <a:extLst>
-              <a:ext uri="{28A0092B-C50C-407E-A947-70E740481C1C}">
-                <a14:useLocalDpi xmlns:a14="http://schemas.microsoft.com/office/drawing/2010/main" val="0"/>
-              </a:ext>
-            </a:extLst>
-          </a:blip>
-          <a:stretch>
-            <a:fillRect/>
-          </a:stretch>
-        </p:blipFill>
-        <p:spPr>
-          <a:xfrm>
-            <a:off x="0" y="0"/>
-            <a:ext cx="12192000" cy="6858000"/>
-          </a:xfrm>
-          <a:prstGeom prst="rect">
-            <a:avLst/>
-          </a:prstGeom>
-        </p:spPr>
-      </p:pic>
-      <p:pic>
-        <p:nvPicPr>
-          <p:cNvPr id="7" name="図 6">
-            <a:extLst>
-              <a:ext uri="{FF2B5EF4-FFF2-40B4-BE49-F238E27FC236}">
-                <a16:creationId xmlns:a16="http://schemas.microsoft.com/office/drawing/2014/main" id="{68BE14BE-B6FD-E738-BA8F-3B1B5A9AA561}"/>
-              </a:ext>
-            </a:extLst>
-          </p:cNvPr>
-          <p:cNvPicPr>
-            <a:picLocks noChangeAspect="1"/>
-          </p:cNvPicPr>
-          <p:nvPr/>
-        </p:nvPicPr>
-        <p:blipFill>
-          <a:blip r:embed="rId4">
-            <a:extLst>
-              <a:ext uri="{28A0092B-C50C-407E-A947-70E740481C1C}">
-                <a14:useLocalDpi xmlns:a14="http://schemas.microsoft.com/office/drawing/2010/main" val="0"/>
-              </a:ext>
-            </a:extLst>
-          </a:blip>
-          <a:stretch>
-            <a:fillRect/>
-          </a:stretch>
-        </p:blipFill>
-        <p:spPr>
-          <a:xfrm>
-            <a:off x="2092469" y="2207278"/>
-            <a:ext cx="1453613" cy="1453613"/>
-          </a:xfrm>
-          <a:prstGeom prst="rect">
-            <a:avLst/>
-          </a:prstGeom>
-        </p:spPr>
-      </p:pic>
-      <p:pic>
-        <p:nvPicPr>
-          <p:cNvPr id="8" name="図 7">
-            <a:extLst>
-              <a:ext uri="{FF2B5EF4-FFF2-40B4-BE49-F238E27FC236}">
-                <a16:creationId xmlns:a16="http://schemas.microsoft.com/office/drawing/2014/main" id="{1C9B3E66-CBD4-BE32-985E-D7D75926FD97}"/>
-              </a:ext>
-            </a:extLst>
-          </p:cNvPr>
-          <p:cNvPicPr>
-            <a:picLocks noChangeAspect="1"/>
-          </p:cNvPicPr>
-          <p:nvPr/>
-        </p:nvPicPr>
-        <p:blipFill>
-          <a:blip r:embed="rId4">
-            <a:duotone>
-              <a:schemeClr val="accent2">
-                <a:shade val="45000"/>
-                <a:satMod val="135000"/>
-              </a:schemeClr>
-              <a:prstClr val="white"/>
-            </a:duotone>
-            <a:extLst>
-              <a:ext uri="{28A0092B-C50C-407E-A947-70E740481C1C}">
-                <a14:useLocalDpi xmlns:a14="http://schemas.microsoft.com/office/drawing/2010/main" val="0"/>
-              </a:ext>
-            </a:extLst>
-          </a:blip>
-          <a:stretch>
-            <a:fillRect/>
-          </a:stretch>
-        </p:blipFill>
-        <p:spPr>
-          <a:xfrm>
-            <a:off x="5946124" y="2182605"/>
-            <a:ext cx="1453612" cy="1453612"/>
-          </a:xfrm>
-          <a:prstGeom prst="rect">
-            <a:avLst/>
-          </a:prstGeom>
-        </p:spPr>
-      </p:pic>
-      <p:pic>
-        <p:nvPicPr>
-          <p:cNvPr id="9" name="図 8">
-            <a:extLst>
-              <a:ext uri="{FF2B5EF4-FFF2-40B4-BE49-F238E27FC236}">
-                <a16:creationId xmlns:a16="http://schemas.microsoft.com/office/drawing/2014/main" id="{964A5C7D-0842-4517-4ED9-5BC6D033B6C2}"/>
-              </a:ext>
-            </a:extLst>
-          </p:cNvPr>
-          <p:cNvPicPr>
-            <a:picLocks noChangeAspect="1"/>
-          </p:cNvPicPr>
-          <p:nvPr/>
-        </p:nvPicPr>
-        <p:blipFill>
-          <a:blip r:embed="rId4">
-            <a:extLst>
-              <a:ext uri="{28A0092B-C50C-407E-A947-70E740481C1C}">
-                <a14:useLocalDpi xmlns:a14="http://schemas.microsoft.com/office/drawing/2010/main" val="0"/>
-              </a:ext>
-            </a:extLst>
-          </a:blip>
-          <a:stretch>
-            <a:fillRect/>
-          </a:stretch>
-        </p:blipFill>
-        <p:spPr>
-          <a:xfrm>
-            <a:off x="3381154" y="2182605"/>
-            <a:ext cx="1453613" cy="1453613"/>
-          </a:xfrm>
-          <a:prstGeom prst="rect">
-            <a:avLst/>
-          </a:prstGeom>
-        </p:spPr>
-      </p:pic>
-      <p:pic>
-        <p:nvPicPr>
-          <p:cNvPr id="10" name="図 9">
-            <a:extLst>
-              <a:ext uri="{FF2B5EF4-FFF2-40B4-BE49-F238E27FC236}">
-                <a16:creationId xmlns:a16="http://schemas.microsoft.com/office/drawing/2014/main" id="{B780BD49-785E-822B-828A-709111DCDA6E}"/>
-              </a:ext>
-            </a:extLst>
-          </p:cNvPr>
-          <p:cNvPicPr>
-            <a:picLocks noChangeAspect="1"/>
-          </p:cNvPicPr>
-          <p:nvPr/>
-        </p:nvPicPr>
-        <p:blipFill>
-          <a:blip r:embed="rId4">
-            <a:extLst>
-              <a:ext uri="{28A0092B-C50C-407E-A947-70E740481C1C}">
-                <a14:useLocalDpi xmlns:a14="http://schemas.microsoft.com/office/drawing/2010/main" val="0"/>
-              </a:ext>
-            </a:extLst>
-          </a:blip>
-          <a:stretch>
-            <a:fillRect/>
-          </a:stretch>
-        </p:blipFill>
-        <p:spPr>
-          <a:xfrm>
-            <a:off x="4663090" y="2182605"/>
-            <a:ext cx="1453613" cy="1453613"/>
-          </a:xfrm>
-          <a:prstGeom prst="rect">
-            <a:avLst/>
-          </a:prstGeom>
-        </p:spPr>
-      </p:pic>
-      <p:sp>
-        <p:nvSpPr>
-          <p:cNvPr id="35" name="正方形/長方形 34">
-            <a:extLst>
-              <a:ext uri="{FF2B5EF4-FFF2-40B4-BE49-F238E27FC236}">
-                <a16:creationId xmlns:a16="http://schemas.microsoft.com/office/drawing/2014/main" id="{190F06EF-F843-F0A8-2DAD-1D7E4D8B2850}"/>
-              </a:ext>
-            </a:extLst>
-          </p:cNvPr>
-          <p:cNvSpPr/>
-          <p:nvPr/>
-        </p:nvSpPr>
-        <p:spPr>
-          <a:xfrm>
-            <a:off x="0" y="0"/>
-            <a:ext cx="1675326" cy="6858000"/>
-          </a:xfrm>
-          <a:prstGeom prst="rect">
-            <a:avLst/>
-          </a:prstGeom>
-          <a:solidFill>
-            <a:srgbClr val="FFFFFF">
-              <a:alpha val="69804"/>
-            </a:srgbClr>
-          </a:solidFill>
-          <a:ln>
-            <a:noFill/>
-          </a:ln>
-        </p:spPr>
-        <p:style>
-          <a:lnRef idx="2">
-            <a:schemeClr val="accent1">
-              <a:shade val="15000"/>
-            </a:schemeClr>
-          </a:lnRef>
-          <a:fillRef idx="1">
-            <a:schemeClr val="accent1"/>
-          </a:fillRef>
-          <a:effectRef idx="0">
-            <a:schemeClr val="accent1"/>
-          </a:effectRef>
-          <a:fontRef idx="minor">
-            <a:schemeClr val="lt1"/>
-          </a:fontRef>
-        </p:style>
-        <p:txBody>
-          <a:bodyPr rtlCol="0" anchor="ctr"/>
-          <a:lstStyle/>
-          <a:p>
-            <a:pPr algn="ctr"/>
-            <a:endParaRPr kumimoji="1" lang="ja-JP" altLang="en-US"/>
-          </a:p>
-        </p:txBody>
-      </p:sp>
-      <p:sp>
-        <p:nvSpPr>
-          <p:cNvPr id="11" name="テキスト ボックス 10">
-            <a:extLst>
-              <a:ext uri="{FF2B5EF4-FFF2-40B4-BE49-F238E27FC236}">
-                <a16:creationId xmlns:a16="http://schemas.microsoft.com/office/drawing/2014/main" id="{176DAA1A-60D3-16E6-0C25-FF7F80CD5404}"/>
-              </a:ext>
-            </a:extLst>
-          </p:cNvPr>
-          <p:cNvSpPr txBox="1"/>
-          <p:nvPr/>
-        </p:nvSpPr>
-        <p:spPr>
-          <a:xfrm>
-            <a:off x="0" y="4163140"/>
-            <a:ext cx="1667190" cy="2769989"/>
-          </a:xfrm>
-          <a:prstGeom prst="rect">
-            <a:avLst/>
-          </a:prstGeom>
-          <a:noFill/>
-        </p:spPr>
-        <p:txBody>
-          <a:bodyPr wrap="square" rtlCol="0">
-            <a:spAutoFit/>
-          </a:bodyPr>
-          <a:lstStyle/>
-          <a:p>
-            <a:r>
-              <a:rPr kumimoji="1" lang="ja-JP" altLang="en-US" sz="2000" b="1"/>
-              <a:t>ログ</a:t>
-            </a:r>
-            <a:endParaRPr kumimoji="1" lang="en-US" altLang="ja-JP" sz="2000" b="1"/>
-          </a:p>
-          <a:p>
-            <a:r>
-              <a:rPr lang="ja-JP" altLang="en-US" sz="1100" b="1"/>
-              <a:t>兵士</a:t>
-            </a:r>
-            <a:r>
-              <a:rPr lang="en-US" altLang="ja-JP" sz="1100" b="1"/>
-              <a:t>1</a:t>
-            </a:r>
-            <a:r>
-              <a:rPr lang="ja-JP" altLang="en-US" sz="1100" b="1"/>
-              <a:t>ターン目：</a:t>
-            </a:r>
-            <a:endParaRPr lang="en-US" altLang="ja-JP" sz="1100" b="1"/>
-          </a:p>
-          <a:p>
-            <a:r>
-              <a:rPr kumimoji="1" lang="en-US" altLang="ja-JP" sz="1100" b="1"/>
-              <a:t>6</a:t>
-            </a:r>
-            <a:r>
-              <a:rPr kumimoji="1" lang="ja-JP" altLang="en-US" sz="1100" b="1"/>
-              <a:t>マス進む、</a:t>
-            </a:r>
-            <a:r>
-              <a:rPr lang="ja-JP" altLang="en-US" sz="1100" b="1"/>
-              <a:t>＋</a:t>
-            </a:r>
-            <a:r>
-              <a:rPr lang="en-US" altLang="ja-JP" sz="1100" b="1"/>
-              <a:t>3P</a:t>
-            </a:r>
-          </a:p>
-          <a:p>
-            <a:endParaRPr lang="en-US" altLang="ja-JP" sz="1100" b="1"/>
-          </a:p>
-          <a:p>
-            <a:r>
-              <a:rPr lang="ja-JP" altLang="en-US" sz="1100" b="1"/>
-              <a:t>魔法使い１ターン目：</a:t>
-            </a:r>
-            <a:endParaRPr lang="en-US" altLang="ja-JP" sz="1100" b="1"/>
-          </a:p>
-          <a:p>
-            <a:r>
-              <a:rPr kumimoji="1" lang="en-US" altLang="ja-JP" sz="1100" b="1"/>
-              <a:t>3</a:t>
-            </a:r>
-            <a:r>
-              <a:rPr kumimoji="1" lang="ja-JP" altLang="en-US" sz="1100" b="1"/>
-              <a:t>マス進む、</a:t>
-            </a:r>
-            <a:r>
-              <a:rPr lang="ja-JP" altLang="en-US" sz="1100" b="1"/>
-              <a:t>＋</a:t>
-            </a:r>
-            <a:r>
-              <a:rPr lang="en-US" altLang="ja-JP" sz="1100" b="1"/>
-              <a:t>3P</a:t>
-            </a:r>
-          </a:p>
-          <a:p>
-            <a:endParaRPr kumimoji="1" lang="en-US" altLang="ja-JP" sz="1100" b="1"/>
-          </a:p>
-          <a:p>
-            <a:r>
-              <a:rPr lang="ja-JP" altLang="en-US" sz="1100" b="1"/>
-              <a:t>兵士</a:t>
-            </a:r>
-            <a:r>
-              <a:rPr lang="en-US" altLang="ja-JP" sz="1100" b="1"/>
-              <a:t>1</a:t>
-            </a:r>
-            <a:r>
-              <a:rPr lang="ja-JP" altLang="en-US" sz="1100" b="1"/>
-              <a:t>ターン目：</a:t>
-            </a:r>
-            <a:endParaRPr lang="en-US" altLang="ja-JP" sz="1100" b="1"/>
-          </a:p>
-          <a:p>
-            <a:r>
-              <a:rPr kumimoji="1" lang="en-US" altLang="ja-JP" sz="1100" b="1"/>
-              <a:t>2</a:t>
-            </a:r>
-            <a:r>
-              <a:rPr kumimoji="1" lang="ja-JP" altLang="en-US" sz="1100" b="1"/>
-              <a:t>マス進む、＋</a:t>
-            </a:r>
-            <a:r>
-              <a:rPr kumimoji="1" lang="en-US" altLang="ja-JP" sz="1100" b="1"/>
-              <a:t>1P</a:t>
-            </a:r>
-          </a:p>
-          <a:p>
-            <a:endParaRPr lang="en-US" altLang="ja-JP" sz="1100" b="1"/>
-          </a:p>
-          <a:p>
-            <a:r>
-              <a:rPr lang="ja-JP" altLang="en-US" sz="1100" b="1"/>
-              <a:t>兵士</a:t>
-            </a:r>
-            <a:r>
-              <a:rPr lang="en-US" altLang="ja-JP" sz="1100" b="1"/>
-              <a:t>2</a:t>
-            </a:r>
-            <a:r>
-              <a:rPr lang="ja-JP" altLang="en-US" sz="1100" b="1"/>
-              <a:t>ターン目：</a:t>
-            </a:r>
-            <a:endParaRPr lang="en-US" altLang="ja-JP" sz="1100" b="1"/>
-          </a:p>
-          <a:p>
-            <a:r>
-              <a:rPr lang="en-US" altLang="ja-JP" sz="1100" b="1"/>
-              <a:t>2</a:t>
-            </a:r>
-            <a:r>
-              <a:rPr lang="ja-JP" altLang="en-US" sz="1100" b="1"/>
-              <a:t>マス進む、＋</a:t>
-            </a:r>
-            <a:r>
-              <a:rPr lang="en-US" altLang="ja-JP" sz="1100" b="1"/>
-              <a:t>2P</a:t>
-            </a:r>
-          </a:p>
-          <a:p>
-            <a:endParaRPr kumimoji="1" lang="en-US" altLang="ja-JP" sz="1100" b="1"/>
-          </a:p>
-          <a:p>
-            <a:r>
-              <a:rPr kumimoji="1" lang="ja-JP" altLang="en-US" sz="1100" b="1"/>
-              <a:t>魔法使い</a:t>
-            </a:r>
-            <a:r>
-              <a:rPr kumimoji="1" lang="en-US" altLang="ja-JP" sz="1100" b="1"/>
-              <a:t>2</a:t>
-            </a:r>
-            <a:r>
-              <a:rPr kumimoji="1" lang="ja-JP" altLang="en-US" sz="1100" b="1"/>
-              <a:t>ターン目：</a:t>
-            </a:r>
-            <a:endParaRPr kumimoji="1" lang="en-US" altLang="ja-JP" sz="1100" b="1"/>
-          </a:p>
-          <a:p>
-            <a:r>
-              <a:rPr kumimoji="1" lang="en-US" altLang="ja-JP" sz="1100" b="1"/>
-              <a:t>2</a:t>
-            </a:r>
-            <a:r>
-              <a:rPr kumimoji="1" lang="ja-JP" altLang="en-US" sz="1100" b="1"/>
-              <a:t>マス進む、＋</a:t>
-            </a:r>
-            <a:r>
-              <a:rPr kumimoji="1" lang="en-US" altLang="ja-JP" sz="1100" b="1"/>
-              <a:t>2P</a:t>
-            </a:r>
-            <a:endParaRPr kumimoji="1" lang="ja-JP" altLang="en-US" sz="1100" b="1"/>
-          </a:p>
-        </p:txBody>
-      </p:sp>
-      <p:sp>
-        <p:nvSpPr>
-          <p:cNvPr id="13" name="テキスト ボックス 12">
-            <a:extLst>
-              <a:ext uri="{FF2B5EF4-FFF2-40B4-BE49-F238E27FC236}">
-                <a16:creationId xmlns:a16="http://schemas.microsoft.com/office/drawing/2014/main" id="{8055239E-65DD-AC30-CD82-852A5C8B4162}"/>
-              </a:ext>
-            </a:extLst>
-          </p:cNvPr>
-          <p:cNvSpPr txBox="1"/>
-          <p:nvPr/>
-        </p:nvSpPr>
-        <p:spPr>
-          <a:xfrm>
-            <a:off x="215179" y="432101"/>
-            <a:ext cx="1782008" cy="3170099"/>
-          </a:xfrm>
-          <a:prstGeom prst="rect">
-            <a:avLst/>
-          </a:prstGeom>
-          <a:noFill/>
-        </p:spPr>
-        <p:txBody>
-          <a:bodyPr wrap="square" rtlCol="0">
-            <a:spAutoFit/>
-          </a:bodyPr>
-          <a:lstStyle/>
-          <a:p>
-            <a:r>
-              <a:rPr lang="ja-JP" altLang="en-US" sz="2000" b="1">
-                <a:latin typeface="BIZ UDゴシック" panose="020B0400000000000000" pitchFamily="49" charset="-128"/>
-                <a:ea typeface="BIZ UDゴシック" panose="020B0400000000000000" pitchFamily="49" charset="-128"/>
-              </a:rPr>
-              <a:t>兵士</a:t>
-            </a:r>
-            <a:endParaRPr lang="en-US" altLang="ja-JP" sz="2000" b="1">
-              <a:latin typeface="BIZ UDゴシック" panose="020B0400000000000000" pitchFamily="49" charset="-128"/>
-              <a:ea typeface="BIZ UDゴシック" panose="020B0400000000000000" pitchFamily="49" charset="-128"/>
-            </a:endParaRPr>
-          </a:p>
-          <a:p>
-            <a:r>
-              <a:rPr lang="en-US" altLang="ja-JP" sz="1400" b="1">
-                <a:latin typeface="BIZ UDゴシック" panose="020B0400000000000000" pitchFamily="49" charset="-128"/>
-                <a:ea typeface="BIZ UDゴシック" panose="020B0400000000000000" pitchFamily="49" charset="-128"/>
-              </a:rPr>
-              <a:t>6 </a:t>
-            </a:r>
-            <a:r>
-              <a:rPr lang="ja-JP" altLang="en-US" sz="1400" b="1">
-                <a:latin typeface="BIZ UDゴシック" panose="020B0400000000000000" pitchFamily="49" charset="-128"/>
-                <a:ea typeface="BIZ UDゴシック" panose="020B0400000000000000" pitchFamily="49" charset="-128"/>
-              </a:rPr>
-              <a:t>ポイント</a:t>
-            </a:r>
-            <a:endParaRPr lang="en-US" altLang="ja-JP" sz="1400" b="1">
-              <a:latin typeface="BIZ UDゴシック" panose="020B0400000000000000" pitchFamily="49" charset="-128"/>
-              <a:ea typeface="BIZ UDゴシック" panose="020B0400000000000000" pitchFamily="49" charset="-128"/>
-            </a:endParaRPr>
-          </a:p>
-          <a:p>
-            <a:r>
-              <a:rPr lang="en-US" altLang="ja-JP" sz="1400" b="1">
-                <a:latin typeface="BIZ UDゴシック" panose="020B0400000000000000" pitchFamily="49" charset="-128"/>
-                <a:ea typeface="BIZ UDゴシック" panose="020B0400000000000000" pitchFamily="49" charset="-128"/>
-              </a:rPr>
-              <a:t>3</a:t>
-            </a:r>
-            <a:r>
-              <a:rPr lang="ja-JP" altLang="en-US" sz="1400" b="1">
-                <a:latin typeface="BIZ UDゴシック" panose="020B0400000000000000" pitchFamily="49" charset="-128"/>
-                <a:ea typeface="BIZ UDゴシック" panose="020B0400000000000000" pitchFamily="49" charset="-128"/>
-              </a:rPr>
-              <a:t> ターン</a:t>
-            </a:r>
-            <a:endParaRPr lang="en-US" altLang="ja-JP" sz="1400" b="1">
-              <a:latin typeface="BIZ UDゴシック" panose="020B0400000000000000" pitchFamily="49" charset="-128"/>
-              <a:ea typeface="BIZ UDゴシック" panose="020B0400000000000000" pitchFamily="49" charset="-128"/>
-            </a:endParaRPr>
-          </a:p>
-          <a:p>
-            <a:endParaRPr lang="en-US" altLang="ja-JP" sz="2800" b="1">
-              <a:latin typeface="BIZ UDゴシック" panose="020B0400000000000000" pitchFamily="49" charset="-128"/>
-              <a:ea typeface="BIZ UDゴシック" panose="020B0400000000000000" pitchFamily="49" charset="-128"/>
-            </a:endParaRPr>
-          </a:p>
-          <a:p>
-            <a:r>
-              <a:rPr lang="ja-JP" altLang="en-US" sz="2000" b="1">
-                <a:latin typeface="BIZ UDゴシック" panose="020B0400000000000000" pitchFamily="49" charset="-128"/>
-                <a:ea typeface="BIZ UDゴシック" panose="020B0400000000000000" pitchFamily="49" charset="-128"/>
-              </a:rPr>
-              <a:t>魔法使い</a:t>
-            </a:r>
-            <a:endParaRPr lang="en-US" altLang="ja-JP" sz="2000" b="1">
-              <a:latin typeface="BIZ UDゴシック" panose="020B0400000000000000" pitchFamily="49" charset="-128"/>
-              <a:ea typeface="BIZ UDゴシック" panose="020B0400000000000000" pitchFamily="49" charset="-128"/>
-            </a:endParaRPr>
-          </a:p>
-          <a:p>
-            <a:r>
-              <a:rPr lang="en-US" altLang="ja-JP" sz="1400" b="1">
-                <a:latin typeface="BIZ UDゴシック" panose="020B0400000000000000" pitchFamily="49" charset="-128"/>
-                <a:ea typeface="BIZ UDゴシック" panose="020B0400000000000000" pitchFamily="49" charset="-128"/>
-              </a:rPr>
-              <a:t>4 </a:t>
-            </a:r>
-            <a:r>
-              <a:rPr lang="ja-JP" altLang="en-US" sz="1400" b="1">
-                <a:latin typeface="BIZ UDゴシック" panose="020B0400000000000000" pitchFamily="49" charset="-128"/>
-                <a:ea typeface="BIZ UDゴシック" panose="020B0400000000000000" pitchFamily="49" charset="-128"/>
-              </a:rPr>
-              <a:t>ポイント</a:t>
-            </a:r>
-            <a:endParaRPr lang="en-US" altLang="ja-JP" sz="1400" b="1">
-              <a:latin typeface="BIZ UDゴシック" panose="020B0400000000000000" pitchFamily="49" charset="-128"/>
-              <a:ea typeface="BIZ UDゴシック" panose="020B0400000000000000" pitchFamily="49" charset="-128"/>
-            </a:endParaRPr>
-          </a:p>
-          <a:p>
-            <a:r>
-              <a:rPr lang="en-US" altLang="ja-JP" sz="1400" b="1">
-                <a:latin typeface="BIZ UDゴシック" panose="020B0400000000000000" pitchFamily="49" charset="-128"/>
-                <a:ea typeface="BIZ UDゴシック" panose="020B0400000000000000" pitchFamily="49" charset="-128"/>
-              </a:rPr>
-              <a:t>3</a:t>
-            </a:r>
-            <a:r>
-              <a:rPr lang="ja-JP" altLang="en-US" sz="1400" b="1">
-                <a:latin typeface="BIZ UDゴシック" panose="020B0400000000000000" pitchFamily="49" charset="-128"/>
-                <a:ea typeface="BIZ UDゴシック" panose="020B0400000000000000" pitchFamily="49" charset="-128"/>
-              </a:rPr>
-              <a:t> ターン</a:t>
-            </a:r>
-            <a:endParaRPr lang="en-US" altLang="ja-JP" sz="1400" b="1">
-              <a:latin typeface="BIZ UDゴシック" panose="020B0400000000000000" pitchFamily="49" charset="-128"/>
-              <a:ea typeface="BIZ UDゴシック" panose="020B0400000000000000" pitchFamily="49" charset="-128"/>
-            </a:endParaRPr>
-          </a:p>
-          <a:p>
-            <a:endParaRPr lang="en-US" altLang="ja-JP" sz="2800" b="1">
-              <a:latin typeface="BIZ UDゴシック" panose="020B0400000000000000" pitchFamily="49" charset="-128"/>
-              <a:ea typeface="BIZ UDゴシック" panose="020B0400000000000000" pitchFamily="49" charset="-128"/>
-            </a:endParaRPr>
-          </a:p>
-          <a:p>
-            <a:r>
-              <a:rPr lang="ja-JP" altLang="en-US" sz="2000" b="1">
-                <a:latin typeface="BIZ UDゴシック" panose="020B0400000000000000" pitchFamily="49" charset="-128"/>
-                <a:ea typeface="BIZ UDゴシック" panose="020B0400000000000000" pitchFamily="49" charset="-128"/>
-              </a:rPr>
-              <a:t>村人</a:t>
-            </a:r>
-            <a:endParaRPr lang="en-US" altLang="ja-JP" sz="2000" b="1">
-              <a:latin typeface="BIZ UDゴシック" panose="020B0400000000000000" pitchFamily="49" charset="-128"/>
-              <a:ea typeface="BIZ UDゴシック" panose="020B0400000000000000" pitchFamily="49" charset="-128"/>
-            </a:endParaRPr>
-          </a:p>
-          <a:p>
-            <a:r>
-              <a:rPr lang="en-US" altLang="ja-JP" sz="1400" b="1">
-                <a:latin typeface="BIZ UDゴシック" panose="020B0400000000000000" pitchFamily="49" charset="-128"/>
-                <a:ea typeface="BIZ UDゴシック" panose="020B0400000000000000" pitchFamily="49" charset="-128"/>
-              </a:rPr>
-              <a:t>3 </a:t>
-            </a:r>
-            <a:r>
-              <a:rPr lang="ja-JP" altLang="en-US" sz="1400" b="1">
-                <a:latin typeface="BIZ UDゴシック" panose="020B0400000000000000" pitchFamily="49" charset="-128"/>
-                <a:ea typeface="BIZ UDゴシック" panose="020B0400000000000000" pitchFamily="49" charset="-128"/>
-              </a:rPr>
-              <a:t>ポイント</a:t>
-            </a:r>
-            <a:endParaRPr lang="en-US" altLang="ja-JP" sz="1400" b="1">
-              <a:latin typeface="BIZ UDゴシック" panose="020B0400000000000000" pitchFamily="49" charset="-128"/>
-              <a:ea typeface="BIZ UDゴシック" panose="020B0400000000000000" pitchFamily="49" charset="-128"/>
-            </a:endParaRPr>
-          </a:p>
-          <a:p>
-            <a:r>
-              <a:rPr lang="en-US" altLang="ja-JP" sz="1400" b="1">
-                <a:latin typeface="BIZ UDゴシック" panose="020B0400000000000000" pitchFamily="49" charset="-128"/>
-                <a:ea typeface="BIZ UDゴシック" panose="020B0400000000000000" pitchFamily="49" charset="-128"/>
-              </a:rPr>
-              <a:t>2</a:t>
-            </a:r>
-            <a:r>
-              <a:rPr lang="ja-JP" altLang="en-US" sz="1400" b="1">
-                <a:latin typeface="BIZ UDゴシック" panose="020B0400000000000000" pitchFamily="49" charset="-128"/>
-                <a:ea typeface="BIZ UDゴシック" panose="020B0400000000000000" pitchFamily="49" charset="-128"/>
-              </a:rPr>
-              <a:t> ターン</a:t>
-            </a:r>
-            <a:endParaRPr lang="en-US" altLang="ja-JP" sz="1400" b="1">
-              <a:latin typeface="BIZ UDゴシック" panose="020B0400000000000000" pitchFamily="49" charset="-128"/>
-              <a:ea typeface="BIZ UDゴシック" panose="020B0400000000000000" pitchFamily="49" charset="-128"/>
-            </a:endParaRPr>
-          </a:p>
-        </p:txBody>
-      </p:sp>
-      <p:pic>
-        <p:nvPicPr>
-          <p:cNvPr id="39" name="図 38">
-            <a:extLst>
-              <a:ext uri="{FF2B5EF4-FFF2-40B4-BE49-F238E27FC236}">
-                <a16:creationId xmlns:a16="http://schemas.microsoft.com/office/drawing/2014/main" id="{3FA3F9A2-756A-D167-16BB-9846363D676B}"/>
-              </a:ext>
-            </a:extLst>
-          </p:cNvPr>
-          <p:cNvPicPr>
-            <a:picLocks noChangeAspect="1"/>
-          </p:cNvPicPr>
-          <p:nvPr/>
-        </p:nvPicPr>
-        <p:blipFill>
-          <a:blip r:embed="rId5">
-            <a:extLst>
-              <a:ext uri="{28A0092B-C50C-407E-A947-70E740481C1C}">
-                <a14:useLocalDpi xmlns:a14="http://schemas.microsoft.com/office/drawing/2010/main" val="0"/>
-              </a:ext>
-            </a:extLst>
-          </a:blip>
-          <a:stretch>
-            <a:fillRect/>
-          </a:stretch>
-        </p:blipFill>
-        <p:spPr>
-          <a:xfrm>
-            <a:off x="6100985" y="1697850"/>
-            <a:ext cx="1099852" cy="1236234"/>
-          </a:xfrm>
-          <a:prstGeom prst="rect">
-            <a:avLst/>
-          </a:prstGeom>
-        </p:spPr>
-      </p:pic>
-      <p:pic>
-        <p:nvPicPr>
-          <p:cNvPr id="41" name="図 40">
-            <a:extLst>
-              <a:ext uri="{FF2B5EF4-FFF2-40B4-BE49-F238E27FC236}">
-                <a16:creationId xmlns:a16="http://schemas.microsoft.com/office/drawing/2014/main" id="{A4321A6D-8860-E4CE-A8B2-F2278FCAB7E8}"/>
-              </a:ext>
-            </a:extLst>
-          </p:cNvPr>
-          <p:cNvPicPr>
-            <a:picLocks noChangeAspect="1"/>
-          </p:cNvPicPr>
-          <p:nvPr/>
-        </p:nvPicPr>
-        <p:blipFill>
-          <a:blip r:embed="rId6">
-            <a:extLst>
-              <a:ext uri="{28A0092B-C50C-407E-A947-70E740481C1C}">
-                <a14:useLocalDpi xmlns:a14="http://schemas.microsoft.com/office/drawing/2010/main" val="0"/>
-              </a:ext>
-            </a:extLst>
-          </a:blip>
-          <a:stretch>
-            <a:fillRect/>
-          </a:stretch>
-        </p:blipFill>
-        <p:spPr>
-          <a:xfrm>
-            <a:off x="2413017" y="1818595"/>
-            <a:ext cx="895429" cy="1219574"/>
-          </a:xfrm>
-          <a:prstGeom prst="rect">
-            <a:avLst/>
-          </a:prstGeom>
-        </p:spPr>
-      </p:pic>
-      <p:pic>
-        <p:nvPicPr>
-          <p:cNvPr id="42" name="図 41">
-            <a:extLst>
-              <a:ext uri="{FF2B5EF4-FFF2-40B4-BE49-F238E27FC236}">
-                <a16:creationId xmlns:a16="http://schemas.microsoft.com/office/drawing/2014/main" id="{16B1DB55-2895-5EA1-0453-1A7091375747}"/>
-              </a:ext>
-            </a:extLst>
-          </p:cNvPr>
-          <p:cNvPicPr>
-            <a:picLocks noChangeAspect="1"/>
-          </p:cNvPicPr>
-          <p:nvPr/>
-        </p:nvPicPr>
-        <p:blipFill>
-          <a:blip r:embed="rId4">
-            <a:extLst>
-              <a:ext uri="{28A0092B-C50C-407E-A947-70E740481C1C}">
-                <a14:useLocalDpi xmlns:a14="http://schemas.microsoft.com/office/drawing/2010/main" val="0"/>
-              </a:ext>
-            </a:extLst>
-          </a:blip>
-          <a:stretch>
-            <a:fillRect/>
-          </a:stretch>
-        </p:blipFill>
-        <p:spPr>
-          <a:xfrm>
-            <a:off x="7228060" y="2187391"/>
-            <a:ext cx="1453613" cy="1453613"/>
-          </a:xfrm>
-          <a:prstGeom prst="rect">
-            <a:avLst/>
-          </a:prstGeom>
-        </p:spPr>
-      </p:pic>
-      <p:pic>
-        <p:nvPicPr>
-          <p:cNvPr id="37" name="図 36">
-            <a:extLst>
-              <a:ext uri="{FF2B5EF4-FFF2-40B4-BE49-F238E27FC236}">
-                <a16:creationId xmlns:a16="http://schemas.microsoft.com/office/drawing/2014/main" id="{0A6D0DAC-25DF-17AE-6629-5CD54F684616}"/>
-              </a:ext>
-            </a:extLst>
-          </p:cNvPr>
-          <p:cNvPicPr>
-            <a:picLocks noChangeAspect="1"/>
-          </p:cNvPicPr>
-          <p:nvPr/>
-        </p:nvPicPr>
-        <p:blipFill>
-          <a:blip r:embed="rId7">
-            <a:extLst>
-              <a:ext uri="{28A0092B-C50C-407E-A947-70E740481C1C}">
-                <a14:useLocalDpi xmlns:a14="http://schemas.microsoft.com/office/drawing/2010/main" val="0"/>
-              </a:ext>
-            </a:extLst>
-          </a:blip>
-          <a:stretch>
-            <a:fillRect/>
-          </a:stretch>
-        </p:blipFill>
-        <p:spPr>
-          <a:xfrm>
-            <a:off x="7355698" y="1480029"/>
+            <a:off x="7851766" y="2604744"/>
             <a:ext cx="1236817" cy="1454497"/>
           </a:xfrm>
           <a:prstGeom prst="rect">
@@ -7280,1009 +5105,10 @@
           </a:prstGeom>
         </p:spPr>
       </p:pic>
-      <p:pic>
-        <p:nvPicPr>
-          <p:cNvPr id="43" name="図 42">
-            <a:extLst>
-              <a:ext uri="{FF2B5EF4-FFF2-40B4-BE49-F238E27FC236}">
-                <a16:creationId xmlns:a16="http://schemas.microsoft.com/office/drawing/2014/main" id="{17356F5E-99BA-C4B9-8688-B469CC879567}"/>
-              </a:ext>
-            </a:extLst>
-          </p:cNvPr>
-          <p:cNvPicPr>
-            <a:picLocks noChangeAspect="1"/>
-          </p:cNvPicPr>
-          <p:nvPr/>
-        </p:nvPicPr>
-        <p:blipFill>
-          <a:blip r:embed="rId4">
-            <a:extLst>
-              <a:ext uri="{28A0092B-C50C-407E-A947-70E740481C1C}">
-                <a14:useLocalDpi xmlns:a14="http://schemas.microsoft.com/office/drawing/2010/main" val="0"/>
-              </a:ext>
-            </a:extLst>
-          </a:blip>
-          <a:stretch>
-            <a:fillRect/>
-          </a:stretch>
-        </p:blipFill>
-        <p:spPr>
-          <a:xfrm>
-            <a:off x="8482773" y="2182604"/>
-            <a:ext cx="1453613" cy="1453613"/>
-          </a:xfrm>
-          <a:prstGeom prst="rect">
-            <a:avLst/>
-          </a:prstGeom>
-        </p:spPr>
-      </p:pic>
-      <p:pic>
-        <p:nvPicPr>
-          <p:cNvPr id="44" name="図 43">
-            <a:extLst>
-              <a:ext uri="{FF2B5EF4-FFF2-40B4-BE49-F238E27FC236}">
-                <a16:creationId xmlns:a16="http://schemas.microsoft.com/office/drawing/2014/main" id="{E3530645-DC89-97EC-2154-455F1455913B}"/>
-              </a:ext>
-            </a:extLst>
-          </p:cNvPr>
-          <p:cNvPicPr>
-            <a:picLocks noChangeAspect="1"/>
-          </p:cNvPicPr>
-          <p:nvPr/>
-        </p:nvPicPr>
-        <p:blipFill>
-          <a:blip r:embed="rId4">
-            <a:extLst>
-              <a:ext uri="{28A0092B-C50C-407E-A947-70E740481C1C}">
-                <a14:useLocalDpi xmlns:a14="http://schemas.microsoft.com/office/drawing/2010/main" val="0"/>
-              </a:ext>
-            </a:extLst>
-          </a:blip>
-          <a:stretch>
-            <a:fillRect/>
-          </a:stretch>
-        </p:blipFill>
-        <p:spPr>
-          <a:xfrm>
-            <a:off x="8638732" y="2894753"/>
-            <a:ext cx="1453613" cy="1453613"/>
-          </a:xfrm>
-          <a:prstGeom prst="rect">
-            <a:avLst/>
-          </a:prstGeom>
-        </p:spPr>
-      </p:pic>
-      <p:pic>
-        <p:nvPicPr>
-          <p:cNvPr id="45" name="図 44">
-            <a:extLst>
-              <a:ext uri="{FF2B5EF4-FFF2-40B4-BE49-F238E27FC236}">
-                <a16:creationId xmlns:a16="http://schemas.microsoft.com/office/drawing/2014/main" id="{EFE69140-559E-B352-948C-BF782391AF5C}"/>
-              </a:ext>
-            </a:extLst>
-          </p:cNvPr>
-          <p:cNvPicPr>
-            <a:picLocks noChangeAspect="1"/>
-          </p:cNvPicPr>
-          <p:nvPr/>
-        </p:nvPicPr>
-        <p:blipFill>
-          <a:blip r:embed="rId4">
-            <a:extLst>
-              <a:ext uri="{28A0092B-C50C-407E-A947-70E740481C1C}">
-                <a14:useLocalDpi xmlns:a14="http://schemas.microsoft.com/office/drawing/2010/main" val="0"/>
-              </a:ext>
-            </a:extLst>
-          </a:blip>
-          <a:stretch>
-            <a:fillRect/>
-          </a:stretch>
-        </p:blipFill>
-        <p:spPr>
-          <a:xfrm>
-            <a:off x="9507996" y="3353729"/>
-            <a:ext cx="1453613" cy="1453613"/>
-          </a:xfrm>
-          <a:prstGeom prst="rect">
-            <a:avLst/>
-          </a:prstGeom>
-        </p:spPr>
-      </p:pic>
-      <p:pic>
-        <p:nvPicPr>
-          <p:cNvPr id="46" name="図 45">
-            <a:extLst>
-              <a:ext uri="{FF2B5EF4-FFF2-40B4-BE49-F238E27FC236}">
-                <a16:creationId xmlns:a16="http://schemas.microsoft.com/office/drawing/2014/main" id="{DE754201-5833-8C2E-A6A3-422ADCF12414}"/>
-              </a:ext>
-            </a:extLst>
-          </p:cNvPr>
-          <p:cNvPicPr>
-            <a:picLocks noChangeAspect="1"/>
-          </p:cNvPicPr>
-          <p:nvPr/>
-        </p:nvPicPr>
-        <p:blipFill>
-          <a:blip r:embed="rId4">
-            <a:extLst>
-              <a:ext uri="{28A0092B-C50C-407E-A947-70E740481C1C}">
-                <a14:useLocalDpi xmlns:a14="http://schemas.microsoft.com/office/drawing/2010/main" val="0"/>
-              </a:ext>
-            </a:extLst>
-          </a:blip>
-          <a:stretch>
-            <a:fillRect/>
-          </a:stretch>
-        </p:blipFill>
-        <p:spPr>
-          <a:xfrm>
-            <a:off x="9764710" y="2187391"/>
-            <a:ext cx="1453613" cy="1453613"/>
-          </a:xfrm>
-          <a:prstGeom prst="rect">
-            <a:avLst/>
-          </a:prstGeom>
-        </p:spPr>
-      </p:pic>
-      <p:pic>
-        <p:nvPicPr>
-          <p:cNvPr id="47" name="図 46">
-            <a:extLst>
-              <a:ext uri="{FF2B5EF4-FFF2-40B4-BE49-F238E27FC236}">
-                <a16:creationId xmlns:a16="http://schemas.microsoft.com/office/drawing/2014/main" id="{C80D8246-B4CA-4C33-B0FF-093417128860}"/>
-              </a:ext>
-            </a:extLst>
-          </p:cNvPr>
-          <p:cNvPicPr>
-            <a:picLocks noChangeAspect="1"/>
-          </p:cNvPicPr>
-          <p:nvPr/>
-        </p:nvPicPr>
-        <p:blipFill>
-          <a:blip r:embed="rId4">
-            <a:extLst>
-              <a:ext uri="{28A0092B-C50C-407E-A947-70E740481C1C}">
-                <a14:useLocalDpi xmlns:a14="http://schemas.microsoft.com/office/drawing/2010/main" val="0"/>
-              </a:ext>
-            </a:extLst>
-          </a:blip>
-          <a:srcRect r="19832"/>
-          <a:stretch>
-            <a:fillRect/>
-          </a:stretch>
-        </p:blipFill>
-        <p:spPr>
-          <a:xfrm>
-            <a:off x="11026669" y="2182603"/>
-            <a:ext cx="1165332" cy="1453613"/>
-          </a:xfrm>
-          <a:prstGeom prst="rect">
-            <a:avLst/>
-          </a:prstGeom>
-        </p:spPr>
-      </p:pic>
-      <p:pic>
-        <p:nvPicPr>
-          <p:cNvPr id="49" name="図 48">
-            <a:extLst>
-              <a:ext uri="{FF2B5EF4-FFF2-40B4-BE49-F238E27FC236}">
-                <a16:creationId xmlns:a16="http://schemas.microsoft.com/office/drawing/2014/main" id="{A6217D49-01C6-A493-113A-7CE6877B880A}"/>
-              </a:ext>
-            </a:extLst>
-          </p:cNvPr>
-          <p:cNvPicPr>
-            <a:picLocks noChangeAspect="1"/>
-          </p:cNvPicPr>
-          <p:nvPr/>
-        </p:nvPicPr>
-        <p:blipFill>
-          <a:blip r:embed="rId4">
-            <a:duotone>
-              <a:schemeClr val="accent2">
-                <a:shade val="45000"/>
-                <a:satMod val="135000"/>
-              </a:schemeClr>
-              <a:prstClr val="white"/>
-            </a:duotone>
-            <a:extLst>
-              <a:ext uri="{28A0092B-C50C-407E-A947-70E740481C1C}">
-                <a14:useLocalDpi xmlns:a14="http://schemas.microsoft.com/office/drawing/2010/main" val="0"/>
-              </a:ext>
-            </a:extLst>
-          </a:blip>
-          <a:stretch>
-            <a:fillRect/>
-          </a:stretch>
-        </p:blipFill>
-        <p:spPr>
-          <a:xfrm>
-            <a:off x="10803448" y="3368386"/>
-            <a:ext cx="1453612" cy="1453612"/>
-          </a:xfrm>
-          <a:prstGeom prst="rect">
-            <a:avLst/>
-          </a:prstGeom>
-        </p:spPr>
-      </p:pic>
-      <p:pic>
-        <p:nvPicPr>
-          <p:cNvPr id="51" name="図 50">
-            <a:extLst>
-              <a:ext uri="{FF2B5EF4-FFF2-40B4-BE49-F238E27FC236}">
-                <a16:creationId xmlns:a16="http://schemas.microsoft.com/office/drawing/2014/main" id="{7A7C39E2-FDCC-0BB4-9777-F060562B22C7}"/>
-              </a:ext>
-            </a:extLst>
-          </p:cNvPr>
-          <p:cNvPicPr>
-            <a:picLocks noChangeAspect="1"/>
-          </p:cNvPicPr>
-          <p:nvPr/>
-        </p:nvPicPr>
-        <p:blipFill>
-          <a:blip r:embed="rId4">
-            <a:extLst>
-              <a:ext uri="{28A0092B-C50C-407E-A947-70E740481C1C}">
-                <a14:useLocalDpi xmlns:a14="http://schemas.microsoft.com/office/drawing/2010/main" val="0"/>
-              </a:ext>
-            </a:extLst>
-          </a:blip>
-          <a:srcRect l="58203"/>
-          <a:stretch>
-            <a:fillRect/>
-          </a:stretch>
-        </p:blipFill>
-        <p:spPr>
-          <a:xfrm>
-            <a:off x="1675326" y="2187391"/>
-            <a:ext cx="607571" cy="1453613"/>
-          </a:xfrm>
-          <a:prstGeom prst="rect">
-            <a:avLst/>
-          </a:prstGeom>
-        </p:spPr>
-      </p:pic>
-      <p:grpSp>
-        <p:nvGrpSpPr>
-          <p:cNvPr id="3" name="グループ化 2">
-            <a:extLst>
-              <a:ext uri="{FF2B5EF4-FFF2-40B4-BE49-F238E27FC236}">
-                <a16:creationId xmlns:a16="http://schemas.microsoft.com/office/drawing/2014/main" id="{19DC6A11-46CE-5D68-F66B-066CD20D6432}"/>
-              </a:ext>
-            </a:extLst>
-          </p:cNvPr>
-          <p:cNvGrpSpPr/>
-          <p:nvPr/>
-        </p:nvGrpSpPr>
-        <p:grpSpPr>
-          <a:xfrm rot="16200000">
-            <a:off x="2176531" y="4119971"/>
-            <a:ext cx="2390274" cy="2278948"/>
-            <a:chOff x="2176531" y="4119971"/>
-            <a:chExt cx="2390274" cy="2278948"/>
-          </a:xfrm>
-        </p:grpSpPr>
-        <p:grpSp>
-          <p:nvGrpSpPr>
-            <p:cNvPr id="2" name="グループ化 1">
-              <a:extLst>
-                <a:ext uri="{FF2B5EF4-FFF2-40B4-BE49-F238E27FC236}">
-                  <a16:creationId xmlns:a16="http://schemas.microsoft.com/office/drawing/2014/main" id="{45F1D6DC-DA0C-FC46-2214-4B4E0E94A6D8}"/>
-                </a:ext>
-              </a:extLst>
-            </p:cNvPr>
-            <p:cNvGrpSpPr/>
-            <p:nvPr/>
-          </p:nvGrpSpPr>
-          <p:grpSpPr>
-            <a:xfrm>
-              <a:off x="2176531" y="4119971"/>
-              <a:ext cx="2390274" cy="2278948"/>
-              <a:chOff x="2176531" y="4119971"/>
-              <a:chExt cx="2390274" cy="2278948"/>
-            </a:xfrm>
-          </p:grpSpPr>
-          <p:sp>
-            <p:nvSpPr>
-              <p:cNvPr id="14" name="楕円 13">
-                <a:extLst>
-                  <a:ext uri="{FF2B5EF4-FFF2-40B4-BE49-F238E27FC236}">
-                    <a16:creationId xmlns:a16="http://schemas.microsoft.com/office/drawing/2014/main" id="{91AD384A-6E7C-E268-5DCD-F1932B8BB4D2}"/>
-                  </a:ext>
-                </a:extLst>
-              </p:cNvPr>
-              <p:cNvSpPr/>
-              <p:nvPr/>
-            </p:nvSpPr>
-            <p:spPr>
-              <a:xfrm>
-                <a:off x="2176531" y="4119971"/>
-                <a:ext cx="2390274" cy="2278948"/>
-              </a:xfrm>
-              <a:prstGeom prst="ellipse">
-                <a:avLst/>
-              </a:prstGeom>
-              <a:solidFill>
-                <a:schemeClr val="bg1"/>
-              </a:solidFill>
-              <a:ln w="57150">
-                <a:solidFill>
-                  <a:srgbClr val="FFC000"/>
-                </a:solidFill>
-              </a:ln>
-            </p:spPr>
-            <p:style>
-              <a:lnRef idx="2">
-                <a:schemeClr val="accent1">
-                  <a:shade val="15000"/>
-                </a:schemeClr>
-              </a:lnRef>
-              <a:fillRef idx="1">
-                <a:schemeClr val="accent1"/>
-              </a:fillRef>
-              <a:effectRef idx="0">
-                <a:schemeClr val="accent1"/>
-              </a:effectRef>
-              <a:fontRef idx="minor">
-                <a:schemeClr val="lt1"/>
-              </a:fontRef>
-            </p:style>
-            <p:txBody>
-              <a:bodyPr rtlCol="0" anchor="ctr"/>
-              <a:lstStyle/>
-              <a:p>
-                <a:pPr algn="ctr"/>
-                <a:endParaRPr kumimoji="1" lang="ja-JP" altLang="en-US"/>
-              </a:p>
-            </p:txBody>
-          </p:sp>
-          <p:cxnSp>
-            <p:nvCxnSpPr>
-              <p:cNvPr id="18" name="直線コネクタ 17">
-                <a:extLst>
-                  <a:ext uri="{FF2B5EF4-FFF2-40B4-BE49-F238E27FC236}">
-                    <a16:creationId xmlns:a16="http://schemas.microsoft.com/office/drawing/2014/main" id="{F789AFA8-6D75-CE41-A62F-3E48F194B007}"/>
-                  </a:ext>
-                </a:extLst>
-              </p:cNvPr>
-              <p:cNvCxnSpPr>
-                <a:cxnSpLocks/>
-              </p:cNvCxnSpPr>
-              <p:nvPr/>
-            </p:nvCxnSpPr>
-            <p:spPr>
-              <a:xfrm flipH="1">
-                <a:off x="2366404" y="4681029"/>
-                <a:ext cx="1997508" cy="1213987"/>
-              </a:xfrm>
-              <a:prstGeom prst="line">
-                <a:avLst/>
-              </a:prstGeom>
-              <a:ln w="38100">
-                <a:solidFill>
-                  <a:srgbClr val="FFC000"/>
-                </a:solidFill>
-              </a:ln>
-            </p:spPr>
-            <p:style>
-              <a:lnRef idx="1">
-                <a:schemeClr val="accent1"/>
-              </a:lnRef>
-              <a:fillRef idx="0">
-                <a:schemeClr val="accent1"/>
-              </a:fillRef>
-              <a:effectRef idx="0">
-                <a:schemeClr val="accent1"/>
-              </a:effectRef>
-              <a:fontRef idx="minor">
-                <a:schemeClr val="tx1"/>
-              </a:fontRef>
-            </p:style>
-          </p:cxnSp>
-          <p:cxnSp>
-            <p:nvCxnSpPr>
-              <p:cNvPr id="21" name="直線コネクタ 20">
-                <a:extLst>
-                  <a:ext uri="{FF2B5EF4-FFF2-40B4-BE49-F238E27FC236}">
-                    <a16:creationId xmlns:a16="http://schemas.microsoft.com/office/drawing/2014/main" id="{7CD9250E-7620-B61E-B1AC-26841CB9BABE}"/>
-                  </a:ext>
-                </a:extLst>
-              </p:cNvPr>
-              <p:cNvCxnSpPr>
-                <a:cxnSpLocks/>
-              </p:cNvCxnSpPr>
-              <p:nvPr/>
-            </p:nvCxnSpPr>
-            <p:spPr>
-              <a:xfrm>
-                <a:off x="2366404" y="4681029"/>
-                <a:ext cx="1997508" cy="1213987"/>
-              </a:xfrm>
-              <a:prstGeom prst="line">
-                <a:avLst/>
-              </a:prstGeom>
-              <a:ln w="38100">
-                <a:solidFill>
-                  <a:srgbClr val="FFC000"/>
-                </a:solidFill>
-              </a:ln>
-            </p:spPr>
-            <p:style>
-              <a:lnRef idx="1">
-                <a:schemeClr val="accent1"/>
-              </a:lnRef>
-              <a:fillRef idx="0">
-                <a:schemeClr val="accent1"/>
-              </a:fillRef>
-              <a:effectRef idx="0">
-                <a:schemeClr val="accent1"/>
-              </a:effectRef>
-              <a:fontRef idx="minor">
-                <a:schemeClr val="tx1"/>
-              </a:fontRef>
-            </p:style>
-          </p:cxnSp>
-          <p:sp>
-            <p:nvSpPr>
-              <p:cNvPr id="27" name="テキスト ボックス 26">
-                <a:extLst>
-                  <a:ext uri="{FF2B5EF4-FFF2-40B4-BE49-F238E27FC236}">
-                    <a16:creationId xmlns:a16="http://schemas.microsoft.com/office/drawing/2014/main" id="{96B2C127-C642-FB89-B396-0FFBB3732075}"/>
-                  </a:ext>
-                </a:extLst>
-              </p:cNvPr>
-              <p:cNvSpPr txBox="1"/>
-              <p:nvPr/>
-            </p:nvSpPr>
-            <p:spPr>
-              <a:xfrm rot="1574792">
-                <a:off x="3551444" y="4210175"/>
-                <a:ext cx="526026" cy="707886"/>
-              </a:xfrm>
-              <a:prstGeom prst="rect">
-                <a:avLst/>
-              </a:prstGeom>
-              <a:noFill/>
-            </p:spPr>
-            <p:txBody>
-              <a:bodyPr wrap="square" rtlCol="0">
-                <a:spAutoFit/>
-              </a:bodyPr>
-              <a:lstStyle/>
-              <a:p>
-                <a:r>
-                  <a:rPr kumimoji="1" lang="en-US" altLang="ja-JP" sz="4000" b="1">
-                    <a:solidFill>
-                      <a:srgbClr val="00B0F0"/>
-                    </a:solidFill>
-                    <a:latin typeface="HGP創英角ｺﾞｼｯｸUB" panose="020B0900000000000000" pitchFamily="50" charset="-128"/>
-                    <a:ea typeface="HGP創英角ｺﾞｼｯｸUB" panose="020B0900000000000000" pitchFamily="50" charset="-128"/>
-                  </a:rPr>
-                  <a:t>1</a:t>
-                </a:r>
-                <a:endParaRPr kumimoji="1" lang="ja-JP" altLang="en-US" sz="4000" b="1">
-                  <a:solidFill>
-                    <a:srgbClr val="00B0F0"/>
-                  </a:solidFill>
-                  <a:latin typeface="HGP創英角ｺﾞｼｯｸUB" panose="020B0900000000000000" pitchFamily="50" charset="-128"/>
-                  <a:ea typeface="HGP創英角ｺﾞｼｯｸUB" panose="020B0900000000000000" pitchFamily="50" charset="-128"/>
-                </a:endParaRPr>
-              </a:p>
-            </p:txBody>
-          </p:sp>
-          <p:sp>
-            <p:nvSpPr>
-              <p:cNvPr id="28" name="テキスト ボックス 27">
-                <a:extLst>
-                  <a:ext uri="{FF2B5EF4-FFF2-40B4-BE49-F238E27FC236}">
-                    <a16:creationId xmlns:a16="http://schemas.microsoft.com/office/drawing/2014/main" id="{3934B81F-9906-30FB-959B-4A3A88E29B1A}"/>
-                  </a:ext>
-                </a:extLst>
-              </p:cNvPr>
-              <p:cNvSpPr txBox="1"/>
-              <p:nvPr/>
-            </p:nvSpPr>
-            <p:spPr>
-              <a:xfrm rot="5400000">
-                <a:off x="3936829" y="4917335"/>
-                <a:ext cx="526026" cy="707886"/>
-              </a:xfrm>
-              <a:prstGeom prst="rect">
-                <a:avLst/>
-              </a:prstGeom>
-              <a:noFill/>
-            </p:spPr>
-            <p:txBody>
-              <a:bodyPr wrap="square" rtlCol="0">
-                <a:spAutoFit/>
-              </a:bodyPr>
-              <a:lstStyle/>
-              <a:p>
-                <a:r>
-                  <a:rPr lang="en-US" altLang="ja-JP" sz="4000" b="1">
-                    <a:solidFill>
-                      <a:srgbClr val="00B0F0"/>
-                    </a:solidFill>
-                    <a:latin typeface="HGP創英角ｺﾞｼｯｸUB" panose="020B0900000000000000" pitchFamily="50" charset="-128"/>
-                    <a:ea typeface="HGP創英角ｺﾞｼｯｸUB" panose="020B0900000000000000" pitchFamily="50" charset="-128"/>
-                  </a:rPr>
-                  <a:t>2</a:t>
-                </a:r>
-                <a:endParaRPr kumimoji="1" lang="ja-JP" altLang="en-US" sz="4000" b="1">
-                  <a:solidFill>
-                    <a:srgbClr val="00B0F0"/>
-                  </a:solidFill>
-                  <a:latin typeface="HGP創英角ｺﾞｼｯｸUB" panose="020B0900000000000000" pitchFamily="50" charset="-128"/>
-                  <a:ea typeface="HGP創英角ｺﾞｼｯｸUB" panose="020B0900000000000000" pitchFamily="50" charset="-128"/>
-                </a:endParaRPr>
-              </a:p>
-            </p:txBody>
-          </p:sp>
-          <p:sp>
-            <p:nvSpPr>
-              <p:cNvPr id="29" name="テキスト ボックス 28">
-                <a:extLst>
-                  <a:ext uri="{FF2B5EF4-FFF2-40B4-BE49-F238E27FC236}">
-                    <a16:creationId xmlns:a16="http://schemas.microsoft.com/office/drawing/2014/main" id="{E07FC019-B8FB-36EB-B407-98051C9FE5DC}"/>
-                  </a:ext>
-                </a:extLst>
-              </p:cNvPr>
-              <p:cNvSpPr txBox="1"/>
-              <p:nvPr/>
-            </p:nvSpPr>
-            <p:spPr>
-              <a:xfrm rot="9138365">
-                <a:off x="3506031" y="5612661"/>
-                <a:ext cx="526026" cy="707886"/>
-              </a:xfrm>
-              <a:prstGeom prst="rect">
-                <a:avLst/>
-              </a:prstGeom>
-              <a:noFill/>
-            </p:spPr>
-            <p:txBody>
-              <a:bodyPr wrap="square" rtlCol="0">
-                <a:spAutoFit/>
-              </a:bodyPr>
-              <a:lstStyle/>
-              <a:p>
-                <a:r>
-                  <a:rPr lang="en-US" altLang="ja-JP" sz="4000" b="1">
-                    <a:solidFill>
-                      <a:srgbClr val="00B0F0"/>
-                    </a:solidFill>
-                    <a:latin typeface="HGP創英角ｺﾞｼｯｸUB" panose="020B0900000000000000" pitchFamily="50" charset="-128"/>
-                    <a:ea typeface="HGP創英角ｺﾞｼｯｸUB" panose="020B0900000000000000" pitchFamily="50" charset="-128"/>
-                  </a:rPr>
-                  <a:t>3</a:t>
-                </a:r>
-                <a:endParaRPr kumimoji="1" lang="ja-JP" altLang="en-US" sz="4000" b="1">
-                  <a:solidFill>
-                    <a:srgbClr val="00B0F0"/>
-                  </a:solidFill>
-                  <a:latin typeface="HGP創英角ｺﾞｼｯｸUB" panose="020B0900000000000000" pitchFamily="50" charset="-128"/>
-                  <a:ea typeface="HGP創英角ｺﾞｼｯｸUB" panose="020B0900000000000000" pitchFamily="50" charset="-128"/>
-                </a:endParaRPr>
-              </a:p>
-            </p:txBody>
-          </p:sp>
-          <p:sp>
-            <p:nvSpPr>
-              <p:cNvPr id="30" name="テキスト ボックス 29">
-                <a:extLst>
-                  <a:ext uri="{FF2B5EF4-FFF2-40B4-BE49-F238E27FC236}">
-                    <a16:creationId xmlns:a16="http://schemas.microsoft.com/office/drawing/2014/main" id="{B6AFE824-9D36-0079-EFA6-2A751FC4D6D3}"/>
-                  </a:ext>
-                </a:extLst>
-              </p:cNvPr>
-              <p:cNvSpPr txBox="1"/>
-              <p:nvPr/>
-            </p:nvSpPr>
-            <p:spPr>
-              <a:xfrm rot="12585038">
-                <a:off x="2706487" y="5593729"/>
-                <a:ext cx="526026" cy="707886"/>
-              </a:xfrm>
-              <a:prstGeom prst="rect">
-                <a:avLst/>
-              </a:prstGeom>
-              <a:noFill/>
-            </p:spPr>
-            <p:txBody>
-              <a:bodyPr wrap="square" rtlCol="0">
-                <a:spAutoFit/>
-              </a:bodyPr>
-              <a:lstStyle/>
-              <a:p>
-                <a:r>
-                  <a:rPr lang="en-US" altLang="ja-JP" sz="4000" b="1">
-                    <a:solidFill>
-                      <a:srgbClr val="00B0F0"/>
-                    </a:solidFill>
-                    <a:latin typeface="HGP創英角ｺﾞｼｯｸUB" panose="020B0900000000000000" pitchFamily="50" charset="-128"/>
-                    <a:ea typeface="HGP創英角ｺﾞｼｯｸUB" panose="020B0900000000000000" pitchFamily="50" charset="-128"/>
-                  </a:rPr>
-                  <a:t>4</a:t>
-                </a:r>
-                <a:endParaRPr kumimoji="1" lang="ja-JP" altLang="en-US" sz="4000" b="1">
-                  <a:solidFill>
-                    <a:srgbClr val="00B0F0"/>
-                  </a:solidFill>
-                  <a:latin typeface="HGP創英角ｺﾞｼｯｸUB" panose="020B0900000000000000" pitchFamily="50" charset="-128"/>
-                  <a:ea typeface="HGP創英角ｺﾞｼｯｸUB" panose="020B0900000000000000" pitchFamily="50" charset="-128"/>
-                </a:endParaRPr>
-              </a:p>
-            </p:txBody>
-          </p:sp>
-          <p:sp>
-            <p:nvSpPr>
-              <p:cNvPr id="31" name="テキスト ボックス 30">
-                <a:extLst>
-                  <a:ext uri="{FF2B5EF4-FFF2-40B4-BE49-F238E27FC236}">
-                    <a16:creationId xmlns:a16="http://schemas.microsoft.com/office/drawing/2014/main" id="{ABC132F9-CE00-148A-7B6D-0922C5543B23}"/>
-                  </a:ext>
-                </a:extLst>
-              </p:cNvPr>
-              <p:cNvSpPr txBox="1"/>
-              <p:nvPr/>
-            </p:nvSpPr>
-            <p:spPr>
-              <a:xfrm rot="16200000">
-                <a:off x="2301210" y="4934079"/>
-                <a:ext cx="526026" cy="707886"/>
-              </a:xfrm>
-              <a:prstGeom prst="rect">
-                <a:avLst/>
-              </a:prstGeom>
-              <a:noFill/>
-            </p:spPr>
-            <p:txBody>
-              <a:bodyPr wrap="square" rtlCol="0">
-                <a:spAutoFit/>
-              </a:bodyPr>
-              <a:lstStyle/>
-              <a:p>
-                <a:r>
-                  <a:rPr lang="en-US" altLang="ja-JP" sz="4000" b="1">
-                    <a:solidFill>
-                      <a:srgbClr val="00B0F0"/>
-                    </a:solidFill>
-                    <a:latin typeface="HGP創英角ｺﾞｼｯｸUB" panose="020B0900000000000000" pitchFamily="50" charset="-128"/>
-                    <a:ea typeface="HGP創英角ｺﾞｼｯｸUB" panose="020B0900000000000000" pitchFamily="50" charset="-128"/>
-                  </a:rPr>
-                  <a:t>5</a:t>
-                </a:r>
-                <a:endParaRPr kumimoji="1" lang="ja-JP" altLang="en-US" sz="4000" b="1">
-                  <a:solidFill>
-                    <a:srgbClr val="00B0F0"/>
-                  </a:solidFill>
-                  <a:latin typeface="HGP創英角ｺﾞｼｯｸUB" panose="020B0900000000000000" pitchFamily="50" charset="-128"/>
-                  <a:ea typeface="HGP創英角ｺﾞｼｯｸUB" panose="020B0900000000000000" pitchFamily="50" charset="-128"/>
-                </a:endParaRPr>
-              </a:p>
-            </p:txBody>
-          </p:sp>
-          <p:sp>
-            <p:nvSpPr>
-              <p:cNvPr id="32" name="テキスト ボックス 31">
-                <a:extLst>
-                  <a:ext uri="{FF2B5EF4-FFF2-40B4-BE49-F238E27FC236}">
-                    <a16:creationId xmlns:a16="http://schemas.microsoft.com/office/drawing/2014/main" id="{B67F85BB-0813-18C3-A348-FFC039CDF3A6}"/>
-                  </a:ext>
-                </a:extLst>
-              </p:cNvPr>
-              <p:cNvSpPr txBox="1"/>
-              <p:nvPr/>
-            </p:nvSpPr>
-            <p:spPr>
-              <a:xfrm rot="19850341">
-                <a:off x="2675583" y="4228224"/>
-                <a:ext cx="526026" cy="707886"/>
-              </a:xfrm>
-              <a:prstGeom prst="rect">
-                <a:avLst/>
-              </a:prstGeom>
-              <a:noFill/>
-            </p:spPr>
-            <p:txBody>
-              <a:bodyPr wrap="square" rtlCol="0">
-                <a:spAutoFit/>
-              </a:bodyPr>
-              <a:lstStyle/>
-              <a:p>
-                <a:r>
-                  <a:rPr lang="en-US" altLang="ja-JP" sz="4000" b="1">
-                    <a:solidFill>
-                      <a:srgbClr val="00B0F0"/>
-                    </a:solidFill>
-                    <a:latin typeface="HGP創英角ｺﾞｼｯｸUB" panose="020B0900000000000000" pitchFamily="50" charset="-128"/>
-                    <a:ea typeface="HGP創英角ｺﾞｼｯｸUB" panose="020B0900000000000000" pitchFamily="50" charset="-128"/>
-                  </a:rPr>
-                  <a:t>6</a:t>
-                </a:r>
-                <a:endParaRPr kumimoji="1" lang="ja-JP" altLang="en-US" sz="4000" b="1">
-                  <a:solidFill>
-                    <a:srgbClr val="00B0F0"/>
-                  </a:solidFill>
-                  <a:latin typeface="HGP創英角ｺﾞｼｯｸUB" panose="020B0900000000000000" pitchFamily="50" charset="-128"/>
-                  <a:ea typeface="HGP創英角ｺﾞｼｯｸUB" panose="020B0900000000000000" pitchFamily="50" charset="-128"/>
-                </a:endParaRPr>
-              </a:p>
-            </p:txBody>
-          </p:sp>
-        </p:grpSp>
-        <p:cxnSp>
-          <p:nvCxnSpPr>
-            <p:cNvPr id="17" name="直線コネクタ 16">
-              <a:extLst>
-                <a:ext uri="{FF2B5EF4-FFF2-40B4-BE49-F238E27FC236}">
-                  <a16:creationId xmlns:a16="http://schemas.microsoft.com/office/drawing/2014/main" id="{B8AAA046-01D1-475A-65C5-BC7FE7B132D5}"/>
-                </a:ext>
-              </a:extLst>
-            </p:cNvPr>
-            <p:cNvCxnSpPr>
-              <a:stCxn id="14" idx="0"/>
-            </p:cNvCxnSpPr>
-            <p:nvPr/>
-          </p:nvCxnSpPr>
-          <p:spPr>
-            <a:xfrm flipH="1">
-              <a:off x="3371667" y="4119971"/>
-              <a:ext cx="1" cy="2278948"/>
-            </a:xfrm>
-            <a:prstGeom prst="line">
-              <a:avLst/>
-            </a:prstGeom>
-            <a:ln w="38100">
-              <a:solidFill>
-                <a:srgbClr val="FFC000"/>
-              </a:solidFill>
-            </a:ln>
-          </p:spPr>
-          <p:style>
-            <a:lnRef idx="1">
-              <a:schemeClr val="accent1"/>
-            </a:lnRef>
-            <a:fillRef idx="0">
-              <a:schemeClr val="accent1"/>
-            </a:fillRef>
-            <a:effectRef idx="0">
-              <a:schemeClr val="accent1"/>
-            </a:effectRef>
-            <a:fontRef idx="minor">
-              <a:schemeClr val="tx1"/>
-            </a:fontRef>
-          </p:style>
-        </p:cxnSp>
-      </p:grpSp>
-      <p:grpSp>
-        <p:nvGrpSpPr>
-          <p:cNvPr id="6" name="グループ化 5">
-            <a:extLst>
-              <a:ext uri="{FF2B5EF4-FFF2-40B4-BE49-F238E27FC236}">
-                <a16:creationId xmlns:a16="http://schemas.microsoft.com/office/drawing/2014/main" id="{39F01FC2-3E3A-CBF4-DED7-4D30A6B5316E}"/>
-              </a:ext>
-            </a:extLst>
-          </p:cNvPr>
-          <p:cNvGrpSpPr/>
-          <p:nvPr/>
-        </p:nvGrpSpPr>
-        <p:grpSpPr>
-          <a:xfrm>
-            <a:off x="2843818" y="4443873"/>
-            <a:ext cx="1042679" cy="1292349"/>
-            <a:chOff x="2843818" y="4443873"/>
-            <a:chExt cx="1042679" cy="1292349"/>
-          </a:xfrm>
-        </p:grpSpPr>
-        <p:sp>
-          <p:nvSpPr>
-            <p:cNvPr id="33" name="二等辺三角形 32">
-              <a:extLst>
-                <a:ext uri="{FF2B5EF4-FFF2-40B4-BE49-F238E27FC236}">
-                  <a16:creationId xmlns:a16="http://schemas.microsoft.com/office/drawing/2014/main" id="{77CA5FB8-1B04-0906-7E54-68F1BD42B76A}"/>
-                </a:ext>
-              </a:extLst>
-            </p:cNvPr>
-            <p:cNvSpPr/>
-            <p:nvPr/>
-          </p:nvSpPr>
-          <p:spPr>
-            <a:xfrm>
-              <a:off x="3234935" y="4443873"/>
-              <a:ext cx="275853" cy="384795"/>
-            </a:xfrm>
-            <a:prstGeom prst="triangle">
-              <a:avLst/>
-            </a:prstGeom>
-            <a:solidFill>
-              <a:srgbClr val="FF0000"/>
-            </a:solidFill>
-            <a:ln>
-              <a:noFill/>
-            </a:ln>
-          </p:spPr>
-          <p:style>
-            <a:lnRef idx="2">
-              <a:schemeClr val="accent1">
-                <a:shade val="15000"/>
-              </a:schemeClr>
-            </a:lnRef>
-            <a:fillRef idx="1">
-              <a:schemeClr val="accent1"/>
-            </a:fillRef>
-            <a:effectRef idx="0">
-              <a:schemeClr val="accent1"/>
-            </a:effectRef>
-            <a:fontRef idx="minor">
-              <a:schemeClr val="lt1"/>
-            </a:fontRef>
-          </p:style>
-          <p:txBody>
-            <a:bodyPr rtlCol="0" anchor="ctr"/>
-            <a:lstStyle/>
-            <a:p>
-              <a:pPr algn="ctr"/>
-              <a:endParaRPr kumimoji="1" lang="ja-JP" altLang="en-US"/>
-            </a:p>
-          </p:txBody>
-        </p:sp>
-        <p:sp>
-          <p:nvSpPr>
-            <p:cNvPr id="15" name="楕円 14">
-              <a:extLst>
-                <a:ext uri="{FF2B5EF4-FFF2-40B4-BE49-F238E27FC236}">
-                  <a16:creationId xmlns:a16="http://schemas.microsoft.com/office/drawing/2014/main" id="{6A247C8F-DF15-64BA-AE72-B6A92316AE0B}"/>
-                </a:ext>
-              </a:extLst>
-            </p:cNvPr>
-            <p:cNvSpPr/>
-            <p:nvPr/>
-          </p:nvSpPr>
-          <p:spPr>
-            <a:xfrm>
-              <a:off x="2881381" y="4782668"/>
-              <a:ext cx="980573" cy="953554"/>
-            </a:xfrm>
-            <a:prstGeom prst="ellipse">
-              <a:avLst/>
-            </a:prstGeom>
-            <a:solidFill>
-              <a:srgbClr val="FFC000"/>
-            </a:solidFill>
-            <a:ln>
-              <a:noFill/>
-            </a:ln>
-          </p:spPr>
-          <p:style>
-            <a:lnRef idx="2">
-              <a:schemeClr val="accent1">
-                <a:shade val="15000"/>
-              </a:schemeClr>
-            </a:lnRef>
-            <a:fillRef idx="1">
-              <a:schemeClr val="accent1"/>
-            </a:fillRef>
-            <a:effectRef idx="0">
-              <a:schemeClr val="accent1"/>
-            </a:effectRef>
-            <a:fontRef idx="minor">
-              <a:schemeClr val="lt1"/>
-            </a:fontRef>
-          </p:style>
-          <p:txBody>
-            <a:bodyPr rtlCol="0" anchor="ctr"/>
-            <a:lstStyle/>
-            <a:p>
-              <a:pPr algn="ctr"/>
-              <a:endParaRPr kumimoji="1" lang="ja-JP" altLang="en-US"/>
-            </a:p>
-          </p:txBody>
-        </p:sp>
-        <p:sp>
-          <p:nvSpPr>
-            <p:cNvPr id="52" name="テキスト ボックス 51">
-              <a:extLst>
-                <a:ext uri="{FF2B5EF4-FFF2-40B4-BE49-F238E27FC236}">
-                  <a16:creationId xmlns:a16="http://schemas.microsoft.com/office/drawing/2014/main" id="{77BE31A3-1709-6AE3-4BF3-92B9334BA52D}"/>
-                </a:ext>
-              </a:extLst>
-            </p:cNvPr>
-            <p:cNvSpPr txBox="1"/>
-            <p:nvPr/>
-          </p:nvSpPr>
-          <p:spPr>
-            <a:xfrm>
-              <a:off x="2843818" y="5120494"/>
-              <a:ext cx="1042679" cy="338554"/>
-            </a:xfrm>
-            <a:prstGeom prst="rect">
-              <a:avLst/>
-            </a:prstGeom>
-            <a:noFill/>
-          </p:spPr>
-          <p:txBody>
-            <a:bodyPr wrap="square" rtlCol="0">
-              <a:spAutoFit/>
-            </a:bodyPr>
-            <a:lstStyle/>
-            <a:p>
-              <a:pPr algn="ctr"/>
-              <a:r>
-                <a:rPr lang="ja-JP" altLang="en-US" sz="1600" b="1">
-                  <a:solidFill>
-                    <a:schemeClr val="bg1"/>
-                  </a:solidFill>
-                </a:rPr>
-                <a:t>スタート</a:t>
-              </a:r>
-              <a:endParaRPr kumimoji="1" lang="ja-JP" altLang="en-US" sz="1600" b="1">
-                <a:solidFill>
-                  <a:schemeClr val="bg1"/>
-                </a:solidFill>
-              </a:endParaRPr>
-            </a:p>
-          </p:txBody>
-        </p:sp>
-      </p:grpSp>
-      <p:sp>
-        <p:nvSpPr>
-          <p:cNvPr id="54" name="テキスト ボックス 53">
-            <a:extLst>
-              <a:ext uri="{FF2B5EF4-FFF2-40B4-BE49-F238E27FC236}">
-                <a16:creationId xmlns:a16="http://schemas.microsoft.com/office/drawing/2014/main" id="{9F4B9A37-4A6F-3496-C98A-9455C1980A41}"/>
-              </a:ext>
-            </a:extLst>
-          </p:cNvPr>
-          <p:cNvSpPr txBox="1"/>
-          <p:nvPr/>
-        </p:nvSpPr>
-        <p:spPr>
-          <a:xfrm>
-            <a:off x="5042906" y="600735"/>
-            <a:ext cx="3781513" cy="523220"/>
-          </a:xfrm>
-          <a:prstGeom prst="rect">
-            <a:avLst/>
-          </a:prstGeom>
-          <a:noFill/>
-        </p:spPr>
-        <p:txBody>
-          <a:bodyPr wrap="square" rtlCol="0">
-            <a:spAutoFit/>
-          </a:bodyPr>
-          <a:lstStyle/>
-          <a:p>
-            <a:r>
-              <a:rPr kumimoji="1" lang="ja-JP" altLang="en-US" sz="2800" b="1">
-                <a:solidFill>
-                  <a:srgbClr val="FF0000"/>
-                </a:solidFill>
-              </a:rPr>
-              <a:t>魔法使い</a:t>
-            </a:r>
-            <a:r>
-              <a:rPr kumimoji="1" lang="en-US" altLang="ja-JP" sz="2800" b="1">
-                <a:solidFill>
-                  <a:srgbClr val="FF0000"/>
-                </a:solidFill>
-              </a:rPr>
-              <a:t>-1</a:t>
-            </a:r>
-            <a:r>
-              <a:rPr kumimoji="1" lang="ja-JP" altLang="en-US" sz="2800" b="1">
-                <a:solidFill>
-                  <a:srgbClr val="FF0000"/>
-                </a:solidFill>
-              </a:rPr>
-              <a:t>ポイント！</a:t>
-            </a:r>
-          </a:p>
-        </p:txBody>
-      </p:sp>
     </p:spTree>
     <p:extLst>
       <p:ext uri="{BB962C8B-B14F-4D97-AF65-F5344CB8AC3E}">
-        <p14:creationId xmlns:p14="http://schemas.microsoft.com/office/powerpoint/2010/main" val="3589683353"/>
+        <p14:creationId xmlns:p14="http://schemas.microsoft.com/office/powerpoint/2010/main" val="2054777074"/>
       </p:ext>
     </p:extLst>
   </p:cSld>
